--- a/AirBnB_HotSpots.pptx
+++ b/AirBnB_HotSpots.pptx
@@ -5,23 +5,18 @@
     <p:sldMasterId id="2147483660" r:id="rId1"/>
   </p:sldMasterIdLst>
   <p:notesMasterIdLst>
-    <p:notesMasterId r:id="rId13"/>
+    <p:notesMasterId r:id="rId8"/>
   </p:notesMasterIdLst>
   <p:handoutMasterIdLst>
-    <p:handoutMasterId r:id="rId14"/>
+    <p:handoutMasterId r:id="rId9"/>
   </p:handoutMasterIdLst>
   <p:sldIdLst>
     <p:sldId id="256" r:id="rId2"/>
     <p:sldId id="262" r:id="rId3"/>
     <p:sldId id="271" r:id="rId4"/>
-    <p:sldId id="272" r:id="rId5"/>
+    <p:sldId id="275" r:id="rId5"/>
     <p:sldId id="273" r:id="rId6"/>
-    <p:sldId id="263" r:id="rId7"/>
-    <p:sldId id="265" r:id="rId8"/>
-    <p:sldId id="266" r:id="rId9"/>
-    <p:sldId id="267" r:id="rId10"/>
-    <p:sldId id="274" r:id="rId11"/>
-    <p:sldId id="269" r:id="rId12"/>
+    <p:sldId id="269" r:id="rId7"/>
   </p:sldIdLst>
   <p:sldSz cx="12188825" cy="6858000"/>
   <p:notesSz cx="6858000" cy="9144000"/>
@@ -156,7 +151,7 @@
 <file path=ppt/revisionInfo.xml><?xml version="1.0" encoding="utf-8"?>
 <p1510:revInfo xmlns:a="http://schemas.openxmlformats.org/drawingml/2006/main" xmlns:r="http://schemas.openxmlformats.org/officeDocument/2006/relationships" xmlns:p1510="http://schemas.microsoft.com/office/powerpoint/2015/10/main">
   <p1510:revLst>
-    <p1510:client id="{9148242F-99E8-4568-B47C-A7BFA38D49C2}" v="10" dt="2019-01-10T22:23:20.907"/>
+    <p1510:client id="{9148242F-99E8-4568-B47C-A7BFA38D49C2}" v="230" dt="2019-01-12T02:36:21.536"/>
   </p1510:revLst>
 </p1510:revInfo>
 </file>
@@ -165,8 +160,8 @@
 <pc:chgInfo xmlns:a="http://schemas.openxmlformats.org/drawingml/2006/main" xmlns:r="http://schemas.openxmlformats.org/officeDocument/2006/relationships" xmlns:ac="http://schemas.microsoft.com/office/drawing/2013/main/command" xmlns:pc="http://schemas.microsoft.com/office/powerpoint/2013/main/command">
   <pc:docChgLst>
     <pc:chgData name="Amanda Wishnie" userId="9233a93bc91cf3d3" providerId="LiveId" clId="{9148242F-99E8-4568-B47C-A7BFA38D49C2}"/>
-    <pc:docChg chg="undo redo custSel mod modSld modMainMaster">
-      <pc:chgData name="Amanda Wishnie" userId="9233a93bc91cf3d3" providerId="LiveId" clId="{9148242F-99E8-4568-B47C-A7BFA38D49C2}" dt="2019-01-10T22:23:49.897" v="205" actId="1076"/>
+    <pc:docChg chg="undo redo custSel mod addSld delSld modSld sldOrd modMainMaster">
+      <pc:chgData name="Amanda Wishnie" userId="9233a93bc91cf3d3" providerId="LiveId" clId="{9148242F-99E8-4568-B47C-A7BFA38D49C2}" dt="2019-01-12T02:38:16.169" v="1966" actId="1076"/>
       <pc:docMkLst>
         <pc:docMk/>
       </pc:docMkLst>
@@ -674,7 +669,7 @@
         </pc:cxnChg>
       </pc:sldChg>
       <pc:sldChg chg="addSp delSp modSp mod setBg delDesignElem">
-        <pc:chgData name="Amanda Wishnie" userId="9233a93bc91cf3d3" providerId="LiveId" clId="{9148242F-99E8-4568-B47C-A7BFA38D49C2}" dt="2019-01-10T22:23:49.897" v="205" actId="1076"/>
+        <pc:chgData name="Amanda Wishnie" userId="9233a93bc91cf3d3" providerId="LiveId" clId="{9148242F-99E8-4568-B47C-A7BFA38D49C2}" dt="2019-01-12T02:11:07.828" v="1306" actId="1037"/>
         <pc:sldMkLst>
           <pc:docMk/>
           <pc:sldMk cId="502801143" sldId="262"/>
@@ -688,7 +683,7 @@
           </ac:spMkLst>
         </pc:spChg>
         <pc:spChg chg="mod">
-          <ac:chgData name="Amanda Wishnie" userId="9233a93bc91cf3d3" providerId="LiveId" clId="{9148242F-99E8-4568-B47C-A7BFA38D49C2}" dt="2019-01-10T22:23:38.617" v="199" actId="1076"/>
+          <ac:chgData name="Amanda Wishnie" userId="9233a93bc91cf3d3" providerId="LiveId" clId="{9148242F-99E8-4568-B47C-A7BFA38D49C2}" dt="2019-01-12T02:10:38.465" v="1287" actId="1076"/>
           <ac:spMkLst>
             <pc:docMk/>
             <pc:sldMk cId="502801143" sldId="262"/>
@@ -719,6 +714,38 @@
             <ac:spMk id="10" creationId="{1CE580D1-F917-4567-AFB4-99AA9B52ADF0}"/>
           </ac:spMkLst>
         </pc:spChg>
+        <pc:spChg chg="add del">
+          <ac:chgData name="Amanda Wishnie" userId="9233a93bc91cf3d3" providerId="LiveId" clId="{9148242F-99E8-4568-B47C-A7BFA38D49C2}" dt="2019-01-12T02:09:54.014" v="1268"/>
+          <ac:spMkLst>
+            <pc:docMk/>
+            <pc:sldMk cId="502801143" sldId="262"/>
+            <ac:spMk id="10" creationId="{D4BC9FA8-9960-415A-A37B-8C64D353A014}"/>
+          </ac:spMkLst>
+        </pc:spChg>
+        <pc:spChg chg="add del">
+          <ac:chgData name="Amanda Wishnie" userId="9233a93bc91cf3d3" providerId="LiveId" clId="{9148242F-99E8-4568-B47C-A7BFA38D49C2}" dt="2019-01-12T02:09:54.014" v="1268"/>
+          <ac:spMkLst>
+            <pc:docMk/>
+            <pc:sldMk cId="502801143" sldId="262"/>
+            <ac:spMk id="12" creationId="{9271DDB3-AD7B-4F0F-8CF2-10A9FF15E10F}"/>
+          </ac:spMkLst>
+        </pc:spChg>
+        <pc:spChg chg="add del">
+          <ac:chgData name="Amanda Wishnie" userId="9233a93bc91cf3d3" providerId="LiveId" clId="{9148242F-99E8-4568-B47C-A7BFA38D49C2}" dt="2019-01-12T02:09:54.014" v="1268"/>
+          <ac:spMkLst>
+            <pc:docMk/>
+            <pc:sldMk cId="502801143" sldId="262"/>
+            <ac:spMk id="14" creationId="{40F0CCAD-1F06-4D20-9215-6681ADA40D80}"/>
+          </ac:spMkLst>
+        </pc:spChg>
+        <pc:spChg chg="add del">
+          <ac:chgData name="Amanda Wishnie" userId="9233a93bc91cf3d3" providerId="LiveId" clId="{9148242F-99E8-4568-B47C-A7BFA38D49C2}" dt="2019-01-12T02:09:54.014" v="1268"/>
+          <ac:spMkLst>
+            <pc:docMk/>
+            <pc:sldMk cId="502801143" sldId="262"/>
+            <ac:spMk id="16" creationId="{C8BBA1E8-7DDF-4AEF-B700-9D1ACAA0FFC9}"/>
+          </ac:spMkLst>
+        </pc:spChg>
         <pc:spChg chg="add">
           <ac:chgData name="Amanda Wishnie" userId="9233a93bc91cf3d3" providerId="LiveId" clId="{9148242F-99E8-4568-B47C-A7BFA38D49C2}" dt="2019-01-10T22:23:29.788" v="196" actId="26606"/>
           <ac:spMkLst>
@@ -735,12 +762,36 @@
             <ac:spMk id="18" creationId="{152A018C-865F-463F-944D-5C2ED23C45F7}"/>
           </ac:spMkLst>
         </pc:spChg>
+        <pc:spChg chg="add mod">
+          <ac:chgData name="Amanda Wishnie" userId="9233a93bc91cf3d3" providerId="LiveId" clId="{9148242F-99E8-4568-B47C-A7BFA38D49C2}" dt="2019-01-12T02:10:47.109" v="1292" actId="1038"/>
+          <ac:spMkLst>
+            <pc:docMk/>
+            <pc:sldMk cId="502801143" sldId="262"/>
+            <ac:spMk id="18" creationId="{CFD4A24F-1AA2-459B-8C46-C2CD64B9E2B4}"/>
+          </ac:spMkLst>
+        </pc:spChg>
         <pc:spChg chg="add">
           <ac:chgData name="Amanda Wishnie" userId="9233a93bc91cf3d3" providerId="LiveId" clId="{9148242F-99E8-4568-B47C-A7BFA38D49C2}" dt="2019-01-10T22:23:29.788" v="196" actId="26606"/>
           <ac:spMkLst>
             <pc:docMk/>
             <pc:sldMk cId="502801143" sldId="262"/>
             <ac:spMk id="19" creationId="{C0143637-4934-44E4-B909-BAF1E7B27972}"/>
+          </ac:spMkLst>
+        </pc:spChg>
+        <pc:spChg chg="add mod">
+          <ac:chgData name="Amanda Wishnie" userId="9233a93bc91cf3d3" providerId="LiveId" clId="{9148242F-99E8-4568-B47C-A7BFA38D49C2}" dt="2019-01-12T02:11:04.796" v="1299" actId="1038"/>
+          <ac:spMkLst>
+            <pc:docMk/>
+            <pc:sldMk cId="502801143" sldId="262"/>
+            <ac:spMk id="20" creationId="{2CDDFD24-32A6-4A25-8358-D32B3B677E26}"/>
+          </ac:spMkLst>
+        </pc:spChg>
+        <pc:spChg chg="add mod">
+          <ac:chgData name="Amanda Wishnie" userId="9233a93bc91cf3d3" providerId="LiveId" clId="{9148242F-99E8-4568-B47C-A7BFA38D49C2}" dt="2019-01-12T02:11:07.828" v="1306" actId="1037"/>
+          <ac:spMkLst>
+            <pc:docMk/>
+            <pc:sldMk cId="502801143" sldId="262"/>
+            <ac:spMk id="21" creationId="{8382B81C-32A8-4EFD-822F-BD7AE0294D74}"/>
           </ac:spMkLst>
         </pc:spChg>
         <pc:spChg chg="add del">
@@ -749,6 +800,14 @@
             <pc:docMk/>
             <pc:sldMk cId="502801143" sldId="262"/>
             <ac:spMk id="22" creationId="{7E07FF13-A7EB-4465-B3A3-E8B26C048880}"/>
+          </ac:spMkLst>
+        </pc:spChg>
+        <pc:spChg chg="add mod">
+          <ac:chgData name="Amanda Wishnie" userId="9233a93bc91cf3d3" providerId="LiveId" clId="{9148242F-99E8-4568-B47C-A7BFA38D49C2}" dt="2019-01-12T02:10:51.568" v="1296" actId="1036"/>
+          <ac:spMkLst>
+            <pc:docMk/>
+            <pc:sldMk cId="502801143" sldId="262"/>
+            <ac:spMk id="22" creationId="{F6212C7A-71D7-4240-859E-8B91DEDA1770}"/>
           </ac:spMkLst>
         </pc:spChg>
         <pc:grpChg chg="add del">
@@ -840,70 +899,146 @@
           </ac:cxnSpMkLst>
         </pc:cxnChg>
       </pc:sldChg>
-      <pc:sldChg chg="addSp modSp mod setBg">
-        <pc:chgData name="Amanda Wishnie" userId="9233a93bc91cf3d3" providerId="LiveId" clId="{9148242F-99E8-4568-B47C-A7BFA38D49C2}" dt="2019-01-10T22:12:16.121" v="11" actId="26606"/>
+      <pc:sldChg chg="addSp delSp modSp del">
+        <pc:chgData name="Amanda Wishnie" userId="9233a93bc91cf3d3" providerId="LiveId" clId="{9148242F-99E8-4568-B47C-A7BFA38D49C2}" dt="2019-01-12T01:01:07.412" v="461" actId="2696"/>
+        <pc:sldMkLst>
+          <pc:docMk/>
+          <pc:sldMk cId="3536972289" sldId="263"/>
+        </pc:sldMkLst>
+        <pc:picChg chg="add del mod">
+          <ac:chgData name="Amanda Wishnie" userId="9233a93bc91cf3d3" providerId="LiveId" clId="{9148242F-99E8-4568-B47C-A7BFA38D49C2}" dt="2019-01-10T22:59:59.644" v="340" actId="478"/>
+          <ac:picMkLst>
+            <pc:docMk/>
+            <pc:sldMk cId="3536972289" sldId="263"/>
+            <ac:picMk id="3" creationId="{569B9F89-B8F4-4495-8C7B-5171F0EF8DC9}"/>
+          </ac:picMkLst>
+        </pc:picChg>
+      </pc:sldChg>
+      <pc:sldChg chg="del">
+        <pc:chgData name="Amanda Wishnie" userId="9233a93bc91cf3d3" providerId="LiveId" clId="{9148242F-99E8-4568-B47C-A7BFA38D49C2}" dt="2019-01-12T01:01:07.431" v="462" actId="2696"/>
+        <pc:sldMkLst>
+          <pc:docMk/>
+          <pc:sldMk cId="2514779726" sldId="265"/>
+        </pc:sldMkLst>
+      </pc:sldChg>
+      <pc:sldChg chg="del">
+        <pc:chgData name="Amanda Wishnie" userId="9233a93bc91cf3d3" providerId="LiveId" clId="{9148242F-99E8-4568-B47C-A7BFA38D49C2}" dt="2019-01-12T01:01:07.446" v="463" actId="2696"/>
+        <pc:sldMkLst>
+          <pc:docMk/>
+          <pc:sldMk cId="411701859" sldId="266"/>
+        </pc:sldMkLst>
+      </pc:sldChg>
+      <pc:sldChg chg="del">
+        <pc:chgData name="Amanda Wishnie" userId="9233a93bc91cf3d3" providerId="LiveId" clId="{9148242F-99E8-4568-B47C-A7BFA38D49C2}" dt="2019-01-12T01:01:07.464" v="464" actId="2696"/>
+        <pc:sldMkLst>
+          <pc:docMk/>
+          <pc:sldMk cId="3691332916" sldId="267"/>
+        </pc:sldMkLst>
+      </pc:sldChg>
+      <pc:sldChg chg="addSp delSp modSp mod setBg delDesignElem">
+        <pc:chgData name="Amanda Wishnie" userId="9233a93bc91cf3d3" providerId="LiveId" clId="{9148242F-99E8-4568-B47C-A7BFA38D49C2}" dt="2019-01-12T02:04:00.084" v="941" actId="1076"/>
         <pc:sldMkLst>
           <pc:docMk/>
           <pc:sldMk cId="2542620569" sldId="271"/>
         </pc:sldMkLst>
         <pc:spChg chg="mod">
-          <ac:chgData name="Amanda Wishnie" userId="9233a93bc91cf3d3" providerId="LiveId" clId="{9148242F-99E8-4568-B47C-A7BFA38D49C2}" dt="2019-01-10T22:12:16.121" v="11" actId="26606"/>
+          <ac:chgData name="Amanda Wishnie" userId="9233a93bc91cf3d3" providerId="LiveId" clId="{9148242F-99E8-4568-B47C-A7BFA38D49C2}" dt="2019-01-12T02:03:56.492" v="940" actId="1076"/>
           <ac:spMkLst>
             <pc:docMk/>
             <pc:sldMk cId="2542620569" sldId="271"/>
             <ac:spMk id="2" creationId="{00000000-0000-0000-0000-000000000000}"/>
           </ac:spMkLst>
         </pc:spChg>
-        <pc:spChg chg="add">
-          <ac:chgData name="Amanda Wishnie" userId="9233a93bc91cf3d3" providerId="LiveId" clId="{9148242F-99E8-4568-B47C-A7BFA38D49C2}" dt="2019-01-10T22:12:16.121" v="11" actId="26606"/>
+        <pc:spChg chg="add mod">
+          <ac:chgData name="Amanda Wishnie" userId="9233a93bc91cf3d3" providerId="LiveId" clId="{9148242F-99E8-4568-B47C-A7BFA38D49C2}" dt="2019-01-12T01:57:17.753" v="726" actId="20577"/>
+          <ac:spMkLst>
+            <pc:docMk/>
+            <pc:sldMk cId="2542620569" sldId="271"/>
+            <ac:spMk id="3" creationId="{AD0159AA-08C8-48B8-9FFE-72CD33179D74}"/>
+          </ac:spMkLst>
+        </pc:spChg>
+        <pc:spChg chg="add del mod">
+          <ac:chgData name="Amanda Wishnie" userId="9233a93bc91cf3d3" providerId="LiveId" clId="{9148242F-99E8-4568-B47C-A7BFA38D49C2}" dt="2019-01-12T00:58:28.086" v="425" actId="478"/>
+          <ac:spMkLst>
+            <pc:docMk/>
+            <pc:sldMk cId="2542620569" sldId="271"/>
+            <ac:spMk id="4" creationId="{A57C5EBA-A507-4AE8-A749-21DFB56B7B01}"/>
+          </ac:spMkLst>
+        </pc:spChg>
+        <pc:spChg chg="add del">
+          <ac:chgData name="Amanda Wishnie" userId="9233a93bc91cf3d3" providerId="LiveId" clId="{9148242F-99E8-4568-B47C-A7BFA38D49C2}" dt="2019-01-12T00:58:57.790" v="434"/>
           <ac:spMkLst>
             <pc:docMk/>
             <pc:sldMk cId="2542620569" sldId="271"/>
             <ac:spMk id="12" creationId="{B0075745-2871-4EFE-AB1D-91ED1391220A}"/>
           </ac:spMkLst>
         </pc:spChg>
-        <pc:spChg chg="add">
-          <ac:chgData name="Amanda Wishnie" userId="9233a93bc91cf3d3" providerId="LiveId" clId="{9148242F-99E8-4568-B47C-A7BFA38D49C2}" dt="2019-01-10T22:12:16.121" v="11" actId="26606"/>
+        <pc:spChg chg="add mod">
+          <ac:chgData name="Amanda Wishnie" userId="9233a93bc91cf3d3" providerId="LiveId" clId="{9148242F-99E8-4568-B47C-A7BFA38D49C2}" dt="2019-01-12T02:04:00.084" v="941" actId="1076"/>
+          <ac:spMkLst>
+            <pc:docMk/>
+            <pc:sldMk cId="2542620569" sldId="271"/>
+            <ac:spMk id="17" creationId="{89315E49-5349-4A23-8DB2-F705E3A28F50}"/>
+          </ac:spMkLst>
+        </pc:spChg>
+        <pc:spChg chg="add del">
+          <ac:chgData name="Amanda Wishnie" userId="9233a93bc91cf3d3" providerId="LiveId" clId="{9148242F-99E8-4568-B47C-A7BFA38D49C2}" dt="2019-01-12T00:58:57.790" v="434"/>
           <ac:spMkLst>
             <pc:docMk/>
             <pc:sldMk cId="2542620569" sldId="271"/>
             <ac:spMk id="20" creationId="{AB84E9C1-D82D-4069-AD26-92280768DA53}"/>
           </ac:spMkLst>
         </pc:spChg>
-        <pc:grpChg chg="add">
-          <ac:chgData name="Amanda Wishnie" userId="9233a93bc91cf3d3" providerId="LiveId" clId="{9148242F-99E8-4568-B47C-A7BFA38D49C2}" dt="2019-01-10T22:12:16.121" v="11" actId="26606"/>
+        <pc:grpChg chg="add del">
+          <ac:chgData name="Amanda Wishnie" userId="9233a93bc91cf3d3" providerId="LiveId" clId="{9148242F-99E8-4568-B47C-A7BFA38D49C2}" dt="2019-01-12T00:58:57.790" v="434"/>
           <ac:grpSpMkLst>
             <pc:docMk/>
             <pc:sldMk cId="2542620569" sldId="271"/>
             <ac:grpSpMk id="14" creationId="{F8B6FE07-47DE-47F7-9986-CC53D02A1A63}"/>
           </ac:grpSpMkLst>
         </pc:grpChg>
-        <pc:graphicFrameChg chg="add mod">
-          <ac:chgData name="Amanda Wishnie" userId="9233a93bc91cf3d3" providerId="LiveId" clId="{9148242F-99E8-4568-B47C-A7BFA38D49C2}" dt="2019-01-10T22:12:16.121" v="11" actId="26606"/>
+        <pc:graphicFrameChg chg="add del mod">
+          <ac:chgData name="Amanda Wishnie" userId="9233a93bc91cf3d3" providerId="LiveId" clId="{9148242F-99E8-4568-B47C-A7BFA38D49C2}" dt="2019-01-12T00:58:25.203" v="424" actId="478"/>
           <ac:graphicFrameMkLst>
             <pc:docMk/>
             <pc:sldMk cId="2542620569" sldId="271"/>
             <ac:graphicFrameMk id="7" creationId="{00000000-0000-0000-0000-000000000000}"/>
           </ac:graphicFrameMkLst>
         </pc:graphicFrameChg>
-        <pc:picChg chg="add">
-          <ac:chgData name="Amanda Wishnie" userId="9233a93bc91cf3d3" providerId="LiveId" clId="{9148242F-99E8-4568-B47C-A7BFA38D49C2}" dt="2019-01-10T22:12:16.121" v="11" actId="26606"/>
+        <pc:picChg chg="add mod">
+          <ac:chgData name="Amanda Wishnie" userId="9233a93bc91cf3d3" providerId="LiveId" clId="{9148242F-99E8-4568-B47C-A7BFA38D49C2}" dt="2019-01-12T01:00:54.044" v="459" actId="14100"/>
+          <ac:picMkLst>
+            <pc:docMk/>
+            <pc:sldMk cId="2542620569" sldId="271"/>
+            <ac:picMk id="5" creationId="{415CBF72-4A05-4982-B2E7-B225EFB65C8D}"/>
+          </ac:picMkLst>
+        </pc:picChg>
+        <pc:picChg chg="add del mod">
+          <ac:chgData name="Amanda Wishnie" userId="9233a93bc91cf3d3" providerId="LiveId" clId="{9148242F-99E8-4568-B47C-A7BFA38D49C2}" dt="2019-01-12T02:03:38.669" v="939" actId="478"/>
+          <ac:picMkLst>
+            <pc:docMk/>
+            <pc:sldMk cId="2542620569" sldId="271"/>
+            <ac:picMk id="6" creationId="{DEA7B71E-E3CA-40D5-9CFA-D96FA6C6F5E7}"/>
+          </ac:picMkLst>
+        </pc:picChg>
+        <pc:picChg chg="add del">
+          <ac:chgData name="Amanda Wishnie" userId="9233a93bc91cf3d3" providerId="LiveId" clId="{9148242F-99E8-4568-B47C-A7BFA38D49C2}" dt="2019-01-12T00:58:57.790" v="434"/>
           <ac:picMkLst>
             <pc:docMk/>
             <pc:sldMk cId="2542620569" sldId="271"/>
             <ac:picMk id="22" creationId="{5886CB00-0B4D-464B-8ED8-6028A46899A6}"/>
           </ac:picMkLst>
         </pc:picChg>
-        <pc:cxnChg chg="add">
-          <ac:chgData name="Amanda Wishnie" userId="9233a93bc91cf3d3" providerId="LiveId" clId="{9148242F-99E8-4568-B47C-A7BFA38D49C2}" dt="2019-01-10T22:12:16.121" v="11" actId="26606"/>
+        <pc:cxnChg chg="add del">
+          <ac:chgData name="Amanda Wishnie" userId="9233a93bc91cf3d3" providerId="LiveId" clId="{9148242F-99E8-4568-B47C-A7BFA38D49C2}" dt="2019-01-12T00:58:57.790" v="434"/>
           <ac:cxnSpMkLst>
             <pc:docMk/>
             <pc:sldMk cId="2542620569" sldId="271"/>
             <ac:cxnSpMk id="18" creationId="{FDE442CB-3821-45ED-8A24-25846C0B6AA8}"/>
           </ac:cxnSpMkLst>
         </pc:cxnChg>
-        <pc:cxnChg chg="add">
-          <ac:chgData name="Amanda Wishnie" userId="9233a93bc91cf3d3" providerId="LiveId" clId="{9148242F-99E8-4568-B47C-A7BFA38D49C2}" dt="2019-01-10T22:12:16.121" v="11" actId="26606"/>
+        <pc:cxnChg chg="add del">
+          <ac:chgData name="Amanda Wishnie" userId="9233a93bc91cf3d3" providerId="LiveId" clId="{9148242F-99E8-4568-B47C-A7BFA38D49C2}" dt="2019-01-12T00:58:57.790" v="434"/>
           <ac:cxnSpMkLst>
             <pc:docMk/>
             <pc:sldMk cId="2542620569" sldId="271"/>
@@ -911,101 +1046,511 @@
           </ac:cxnSpMkLst>
         </pc:cxnChg>
       </pc:sldChg>
-      <pc:sldMasterChg chg="modTransition modSldLayout">
-        <pc:chgData name="Amanda Wishnie" userId="9233a93bc91cf3d3" providerId="LiveId" clId="{9148242F-99E8-4568-B47C-A7BFA38D49C2}" dt="2019-01-10T22:11:34.840" v="7"/>
-        <pc:sldMasterMkLst>
+      <pc:sldChg chg="del">
+        <pc:chgData name="Amanda Wishnie" userId="9233a93bc91cf3d3" providerId="LiveId" clId="{9148242F-99E8-4568-B47C-A7BFA38D49C2}" dt="2019-01-12T01:01:07.379" v="460" actId="2696"/>
+        <pc:sldMkLst>
           <pc:docMk/>
-          <pc:sldMasterMk cId="364006661" sldId="2147483660"/>
-        </pc:sldMasterMkLst>
-        <pc:sldLayoutChg chg="modTransition">
-          <pc:chgData name="Amanda Wishnie" userId="9233a93bc91cf3d3" providerId="LiveId" clId="{9148242F-99E8-4568-B47C-A7BFA38D49C2}" dt="2019-01-10T22:11:34.840" v="7"/>
-          <pc:sldLayoutMkLst>
-            <pc:docMk/>
-            <pc:sldMasterMk cId="364006661" sldId="2147483660"/>
-            <pc:sldLayoutMk cId="845832693" sldId="2147483661"/>
-          </pc:sldLayoutMkLst>
-        </pc:sldLayoutChg>
-        <pc:sldLayoutChg chg="modTransition">
-          <pc:chgData name="Amanda Wishnie" userId="9233a93bc91cf3d3" providerId="LiveId" clId="{9148242F-99E8-4568-B47C-A7BFA38D49C2}" dt="2019-01-10T22:11:34.840" v="7"/>
-          <pc:sldLayoutMkLst>
-            <pc:docMk/>
-            <pc:sldMasterMk cId="364006661" sldId="2147483660"/>
-            <pc:sldLayoutMk cId="198709987" sldId="2147483662"/>
-          </pc:sldLayoutMkLst>
-        </pc:sldLayoutChg>
-        <pc:sldLayoutChg chg="modTransition">
-          <pc:chgData name="Amanda Wishnie" userId="9233a93bc91cf3d3" providerId="LiveId" clId="{9148242F-99E8-4568-B47C-A7BFA38D49C2}" dt="2019-01-10T22:11:34.840" v="7"/>
-          <pc:sldLayoutMkLst>
-            <pc:docMk/>
-            <pc:sldMasterMk cId="364006661" sldId="2147483660"/>
-            <pc:sldLayoutMk cId="2680256238" sldId="2147483663"/>
-          </pc:sldLayoutMkLst>
-        </pc:sldLayoutChg>
-        <pc:sldLayoutChg chg="modTransition">
-          <pc:chgData name="Amanda Wishnie" userId="9233a93bc91cf3d3" providerId="LiveId" clId="{9148242F-99E8-4568-B47C-A7BFA38D49C2}" dt="2019-01-10T22:11:34.840" v="7"/>
-          <pc:sldLayoutMkLst>
-            <pc:docMk/>
-            <pc:sldMasterMk cId="364006661" sldId="2147483660"/>
-            <pc:sldLayoutMk cId="1765589905" sldId="2147483664"/>
-          </pc:sldLayoutMkLst>
-        </pc:sldLayoutChg>
-        <pc:sldLayoutChg chg="modTransition">
-          <pc:chgData name="Amanda Wishnie" userId="9233a93bc91cf3d3" providerId="LiveId" clId="{9148242F-99E8-4568-B47C-A7BFA38D49C2}" dt="2019-01-10T22:11:34.840" v="7"/>
-          <pc:sldLayoutMkLst>
-            <pc:docMk/>
-            <pc:sldMasterMk cId="364006661" sldId="2147483660"/>
-            <pc:sldLayoutMk cId="1452799380" sldId="2147483665"/>
-          </pc:sldLayoutMkLst>
-        </pc:sldLayoutChg>
-        <pc:sldLayoutChg chg="modTransition">
-          <pc:chgData name="Amanda Wishnie" userId="9233a93bc91cf3d3" providerId="LiveId" clId="{9148242F-99E8-4568-B47C-A7BFA38D49C2}" dt="2019-01-10T22:11:34.840" v="7"/>
-          <pc:sldLayoutMkLst>
-            <pc:docMk/>
-            <pc:sldMasterMk cId="364006661" sldId="2147483660"/>
-            <pc:sldLayoutMk cId="575182896" sldId="2147483666"/>
-          </pc:sldLayoutMkLst>
-        </pc:sldLayoutChg>
-        <pc:sldLayoutChg chg="modTransition">
-          <pc:chgData name="Amanda Wishnie" userId="9233a93bc91cf3d3" providerId="LiveId" clId="{9148242F-99E8-4568-B47C-A7BFA38D49C2}" dt="2019-01-10T22:11:34.840" v="7"/>
-          <pc:sldLayoutMkLst>
-            <pc:docMk/>
-            <pc:sldMasterMk cId="364006661" sldId="2147483660"/>
-            <pc:sldLayoutMk cId="2788986504" sldId="2147483667"/>
-          </pc:sldLayoutMkLst>
-        </pc:sldLayoutChg>
-        <pc:sldLayoutChg chg="modTransition">
-          <pc:chgData name="Amanda Wishnie" userId="9233a93bc91cf3d3" providerId="LiveId" clId="{9148242F-99E8-4568-B47C-A7BFA38D49C2}" dt="2019-01-10T22:11:34.840" v="7"/>
-          <pc:sldLayoutMkLst>
-            <pc:docMk/>
-            <pc:sldMasterMk cId="364006661" sldId="2147483660"/>
-            <pc:sldLayoutMk cId="3282019139" sldId="2147483668"/>
-          </pc:sldLayoutMkLst>
-        </pc:sldLayoutChg>
-        <pc:sldLayoutChg chg="modTransition">
-          <pc:chgData name="Amanda Wishnie" userId="9233a93bc91cf3d3" providerId="LiveId" clId="{9148242F-99E8-4568-B47C-A7BFA38D49C2}" dt="2019-01-10T22:11:34.840" v="7"/>
-          <pc:sldLayoutMkLst>
-            <pc:docMk/>
-            <pc:sldMasterMk cId="364006661" sldId="2147483660"/>
-            <pc:sldLayoutMk cId="460822778" sldId="2147483669"/>
-          </pc:sldLayoutMkLst>
-        </pc:sldLayoutChg>
-        <pc:sldLayoutChg chg="modTransition">
-          <pc:chgData name="Amanda Wishnie" userId="9233a93bc91cf3d3" providerId="LiveId" clId="{9148242F-99E8-4568-B47C-A7BFA38D49C2}" dt="2019-01-10T22:11:34.840" v="7"/>
-          <pc:sldLayoutMkLst>
-            <pc:docMk/>
-            <pc:sldMasterMk cId="364006661" sldId="2147483660"/>
-            <pc:sldLayoutMk cId="3023057141" sldId="2147483670"/>
-          </pc:sldLayoutMkLst>
-        </pc:sldLayoutChg>
-        <pc:sldLayoutChg chg="modTransition">
-          <pc:chgData name="Amanda Wishnie" userId="9233a93bc91cf3d3" providerId="LiveId" clId="{9148242F-99E8-4568-B47C-A7BFA38D49C2}" dt="2019-01-10T22:11:34.840" v="7"/>
-          <pc:sldLayoutMkLst>
-            <pc:docMk/>
-            <pc:sldMasterMk cId="364006661" sldId="2147483660"/>
-            <pc:sldLayoutMk cId="1752448115" sldId="2147483671"/>
-          </pc:sldLayoutMkLst>
-        </pc:sldLayoutChg>
-      </pc:sldMasterChg>
+          <pc:sldMk cId="2310355582" sldId="272"/>
+        </pc:sldMkLst>
+      </pc:sldChg>
+      <pc:sldChg chg="addSp delSp modSp ord">
+        <pc:chgData name="Amanda Wishnie" userId="9233a93bc91cf3d3" providerId="LiveId" clId="{9148242F-99E8-4568-B47C-A7BFA38D49C2}" dt="2019-01-12T02:38:16.169" v="1966" actId="1076"/>
+        <pc:sldMkLst>
+          <pc:docMk/>
+          <pc:sldMk cId="1589674849" sldId="273"/>
+        </pc:sldMkLst>
+        <pc:spChg chg="mod">
+          <ac:chgData name="Amanda Wishnie" userId="9233a93bc91cf3d3" providerId="LiveId" clId="{9148242F-99E8-4568-B47C-A7BFA38D49C2}" dt="2019-01-12T02:38:08.330" v="1962" actId="1076"/>
+          <ac:spMkLst>
+            <pc:docMk/>
+            <pc:sldMk cId="1589674849" sldId="273"/>
+            <ac:spMk id="2" creationId="{00000000-0000-0000-0000-000000000000}"/>
+          </ac:spMkLst>
+        </pc:spChg>
+        <pc:spChg chg="del mod">
+          <ac:chgData name="Amanda Wishnie" userId="9233a93bc91cf3d3" providerId="LiveId" clId="{9148242F-99E8-4568-B47C-A7BFA38D49C2}" dt="2019-01-12T00:53:55.356" v="355" actId="478"/>
+          <ac:spMkLst>
+            <pc:docMk/>
+            <pc:sldMk cId="1589674849" sldId="273"/>
+            <ac:spMk id="3" creationId="{00000000-0000-0000-0000-000000000000}"/>
+          </ac:spMkLst>
+        </pc:spChg>
+        <pc:spChg chg="add del mod">
+          <ac:chgData name="Amanda Wishnie" userId="9233a93bc91cf3d3" providerId="LiveId" clId="{9148242F-99E8-4568-B47C-A7BFA38D49C2}" dt="2019-01-12T00:53:58.559" v="356" actId="478"/>
+          <ac:spMkLst>
+            <pc:docMk/>
+            <pc:sldMk cId="1589674849" sldId="273"/>
+            <ac:spMk id="6" creationId="{D877E89C-C3C2-4149-9688-9197202B5EA5}"/>
+          </ac:spMkLst>
+        </pc:spChg>
+        <pc:spChg chg="add del mod">
+          <ac:chgData name="Amanda Wishnie" userId="9233a93bc91cf3d3" providerId="LiveId" clId="{9148242F-99E8-4568-B47C-A7BFA38D49C2}" dt="2019-01-12T00:56:32.339" v="366" actId="1032"/>
+          <ac:spMkLst>
+            <pc:docMk/>
+            <pc:sldMk cId="1589674849" sldId="273"/>
+            <ac:spMk id="7" creationId="{54FE9291-4609-4EDF-B28F-B3383F9604A7}"/>
+          </ac:spMkLst>
+        </pc:spChg>
+        <pc:spChg chg="add del mod">
+          <ac:chgData name="Amanda Wishnie" userId="9233a93bc91cf3d3" providerId="LiveId" clId="{9148242F-99E8-4568-B47C-A7BFA38D49C2}" dt="2019-01-12T02:05:25.977" v="950"/>
+          <ac:spMkLst>
+            <pc:docMk/>
+            <pc:sldMk cId="1589674849" sldId="273"/>
+            <ac:spMk id="9" creationId="{722BD46B-A3BB-47E2-865F-CFF555764BAB}"/>
+          </ac:spMkLst>
+        </pc:spChg>
+        <pc:spChg chg="add del mod">
+          <ac:chgData name="Amanda Wishnie" userId="9233a93bc91cf3d3" providerId="LiveId" clId="{9148242F-99E8-4568-B47C-A7BFA38D49C2}" dt="2019-01-12T02:09:44.654" v="1264"/>
+          <ac:spMkLst>
+            <pc:docMk/>
+            <pc:sldMk cId="1589674849" sldId="273"/>
+            <ac:spMk id="10" creationId="{D1F2CC41-A5BF-4950-B706-BFB258FDC27A}"/>
+          </ac:spMkLst>
+        </pc:spChg>
+        <pc:spChg chg="add del mod">
+          <ac:chgData name="Amanda Wishnie" userId="9233a93bc91cf3d3" providerId="LiveId" clId="{9148242F-99E8-4568-B47C-A7BFA38D49C2}" dt="2019-01-12T02:09:44.654" v="1264"/>
+          <ac:spMkLst>
+            <pc:docMk/>
+            <pc:sldMk cId="1589674849" sldId="273"/>
+            <ac:spMk id="12" creationId="{E80DDD4C-C6AE-4465-8483-28B9A2CCD61D}"/>
+          </ac:spMkLst>
+        </pc:spChg>
+        <pc:spChg chg="add del mod">
+          <ac:chgData name="Amanda Wishnie" userId="9233a93bc91cf3d3" providerId="LiveId" clId="{9148242F-99E8-4568-B47C-A7BFA38D49C2}" dt="2019-01-12T02:09:44.654" v="1264"/>
+          <ac:spMkLst>
+            <pc:docMk/>
+            <pc:sldMk cId="1589674849" sldId="273"/>
+            <ac:spMk id="13" creationId="{DA337F96-9E47-4F3C-81B5-C10DA7A26D1B}"/>
+          </ac:spMkLst>
+        </pc:spChg>
+        <pc:spChg chg="add del mod">
+          <ac:chgData name="Amanda Wishnie" userId="9233a93bc91cf3d3" providerId="LiveId" clId="{9148242F-99E8-4568-B47C-A7BFA38D49C2}" dt="2019-01-12T02:09:44.654" v="1264"/>
+          <ac:spMkLst>
+            <pc:docMk/>
+            <pc:sldMk cId="1589674849" sldId="273"/>
+            <ac:spMk id="14" creationId="{4B274762-5B31-4C15-9656-66DBB5120C96}"/>
+          </ac:spMkLst>
+        </pc:spChg>
+        <pc:spChg chg="add mod">
+          <ac:chgData name="Amanda Wishnie" userId="9233a93bc91cf3d3" providerId="LiveId" clId="{9148242F-99E8-4568-B47C-A7BFA38D49C2}" dt="2019-01-12T02:38:10.933" v="1963" actId="1076"/>
+          <ac:spMkLst>
+            <pc:docMk/>
+            <pc:sldMk cId="1589674849" sldId="273"/>
+            <ac:spMk id="15" creationId="{FAC1AEA8-930A-4CB7-B3E0-CF0B782813FA}"/>
+          </ac:spMkLst>
+        </pc:spChg>
+        <pc:spChg chg="add mod">
+          <ac:chgData name="Amanda Wishnie" userId="9233a93bc91cf3d3" providerId="LiveId" clId="{9148242F-99E8-4568-B47C-A7BFA38D49C2}" dt="2019-01-12T02:38:12.546" v="1964" actId="1076"/>
+          <ac:spMkLst>
+            <pc:docMk/>
+            <pc:sldMk cId="1589674849" sldId="273"/>
+            <ac:spMk id="16" creationId="{A769742F-060E-42F7-A279-F3EEC7E5ADDB}"/>
+          </ac:spMkLst>
+        </pc:spChg>
+        <pc:spChg chg="add mod">
+          <ac:chgData name="Amanda Wishnie" userId="9233a93bc91cf3d3" providerId="LiveId" clId="{9148242F-99E8-4568-B47C-A7BFA38D49C2}" dt="2019-01-12T02:38:13.956" v="1965" actId="1076"/>
+          <ac:spMkLst>
+            <pc:docMk/>
+            <pc:sldMk cId="1589674849" sldId="273"/>
+            <ac:spMk id="17" creationId="{84899736-EDBA-45CE-B284-A6B5707BDCDA}"/>
+          </ac:spMkLst>
+        </pc:spChg>
+        <pc:spChg chg="add mod">
+          <ac:chgData name="Amanda Wishnie" userId="9233a93bc91cf3d3" providerId="LiveId" clId="{9148242F-99E8-4568-B47C-A7BFA38D49C2}" dt="2019-01-12T02:38:16.169" v="1966" actId="1076"/>
+          <ac:spMkLst>
+            <pc:docMk/>
+            <pc:sldMk cId="1589674849" sldId="273"/>
+            <ac:spMk id="18" creationId="{CDF36563-1470-4FD3-AAC1-6EB6E06A2B04}"/>
+          </ac:spMkLst>
+        </pc:spChg>
+        <pc:spChg chg="add del">
+          <ac:chgData name="Amanda Wishnie" userId="9233a93bc91cf3d3" providerId="LiveId" clId="{9148242F-99E8-4568-B47C-A7BFA38D49C2}" dt="2019-01-12T02:14:40.925" v="1489"/>
+          <ac:spMkLst>
+            <pc:docMk/>
+            <pc:sldMk cId="1589674849" sldId="273"/>
+            <ac:spMk id="19" creationId="{E7EE3A03-57EB-4B88-8058-CF8F71CAD25C}"/>
+          </ac:spMkLst>
+        </pc:spChg>
+        <pc:graphicFrameChg chg="del mod">
+          <ac:chgData name="Amanda Wishnie" userId="9233a93bc91cf3d3" providerId="LiveId" clId="{9148242F-99E8-4568-B47C-A7BFA38D49C2}" dt="2019-01-12T00:56:25.712" v="365" actId="478"/>
+          <ac:graphicFrameMkLst>
+            <pc:docMk/>
+            <pc:sldMk cId="1589674849" sldId="273"/>
+            <ac:graphicFrameMk id="5" creationId="{00000000-0000-0000-0000-000000000000}"/>
+          </ac:graphicFrameMkLst>
+        </pc:graphicFrameChg>
+        <pc:graphicFrameChg chg="add mod">
+          <ac:chgData name="Amanda Wishnie" userId="9233a93bc91cf3d3" providerId="LiveId" clId="{9148242F-99E8-4568-B47C-A7BFA38D49C2}" dt="2019-01-12T02:36:21.535" v="1911" actId="20577"/>
+          <ac:graphicFrameMkLst>
+            <pc:docMk/>
+            <pc:sldMk cId="1589674849" sldId="273"/>
+            <ac:graphicFrameMk id="8" creationId="{A6F82B39-BC8F-4616-B5BC-4AF96A844D31}"/>
+          </ac:graphicFrameMkLst>
+        </pc:graphicFrameChg>
+        <pc:picChg chg="add del">
+          <ac:chgData name="Amanda Wishnie" userId="9233a93bc91cf3d3" providerId="LiveId" clId="{9148242F-99E8-4568-B47C-A7BFA38D49C2}" dt="2019-01-12T02:06:16.057" v="1047"/>
+          <ac:picMkLst>
+            <pc:docMk/>
+            <pc:sldMk cId="1589674849" sldId="273"/>
+            <ac:picMk id="11" creationId="{BB39EF89-D5B6-4A6C-951B-5FEBB9D46E5B}"/>
+          </ac:picMkLst>
+        </pc:picChg>
+      </pc:sldChg>
+      <pc:sldChg chg="del">
+        <pc:chgData name="Amanda Wishnie" userId="9233a93bc91cf3d3" providerId="LiveId" clId="{9148242F-99E8-4568-B47C-A7BFA38D49C2}" dt="2019-01-12T01:01:07.476" v="465" actId="2696"/>
+        <pc:sldMkLst>
+          <pc:docMk/>
+          <pc:sldMk cId="29134228" sldId="274"/>
+        </pc:sldMkLst>
+      </pc:sldChg>
+      <pc:sldChg chg="addSp modSp add mod setBg">
+        <pc:chgData name="Amanda Wishnie" userId="9233a93bc91cf3d3" providerId="LiveId" clId="{9148242F-99E8-4568-B47C-A7BFA38D49C2}" dt="2019-01-12T01:59:29.556" v="791" actId="20577"/>
+        <pc:sldMkLst>
+          <pc:docMk/>
+          <pc:sldMk cId="2144580270" sldId="275"/>
+        </pc:sldMkLst>
+        <pc:spChg chg="add mod">
+          <ac:chgData name="Amanda Wishnie" userId="9233a93bc91cf3d3" providerId="LiveId" clId="{9148242F-99E8-4568-B47C-A7BFA38D49C2}" dt="2019-01-12T01:57:49.269" v="758" actId="1076"/>
+          <ac:spMkLst>
+            <pc:docMk/>
+            <pc:sldMk cId="2144580270" sldId="275"/>
+            <ac:spMk id="3" creationId="{3168C77E-33E4-4107-92F8-BF4E40B4839D}"/>
+          </ac:spMkLst>
+        </pc:spChg>
+        <pc:spChg chg="add mod">
+          <ac:chgData name="Amanda Wishnie" userId="9233a93bc91cf3d3" providerId="LiveId" clId="{9148242F-99E8-4568-B47C-A7BFA38D49C2}" dt="2019-01-12T01:59:29.556" v="791" actId="20577"/>
+          <ac:spMkLst>
+            <pc:docMk/>
+            <pc:sldMk cId="2144580270" sldId="275"/>
+            <ac:spMk id="4" creationId="{4E24C335-8D49-4DC9-857F-2DB76726BD69}"/>
+          </ac:spMkLst>
+        </pc:spChg>
+        <pc:spChg chg="add mod">
+          <ac:chgData name="Amanda Wishnie" userId="9233a93bc91cf3d3" providerId="LiveId" clId="{9148242F-99E8-4568-B47C-A7BFA38D49C2}" dt="2019-01-12T01:56:21.341" v="681" actId="1036"/>
+          <ac:spMkLst>
+            <pc:docMk/>
+            <pc:sldMk cId="2144580270" sldId="275"/>
+            <ac:spMk id="5" creationId="{68361185-29AF-49BD-846A-3CC4336806C8}"/>
+          </ac:spMkLst>
+        </pc:spChg>
+        <pc:spChg chg="add">
+          <ac:chgData name="Amanda Wishnie" userId="9233a93bc91cf3d3" providerId="LiveId" clId="{9148242F-99E8-4568-B47C-A7BFA38D49C2}" dt="2019-01-12T01:00:25.699" v="453" actId="26606"/>
+          <ac:spMkLst>
+            <pc:docMk/>
+            <pc:sldMk cId="2144580270" sldId="275"/>
+            <ac:spMk id="8" creationId="{0CABCAE3-64FC-4149-819F-2C1812824154}"/>
+          </ac:spMkLst>
+        </pc:spChg>
+        <pc:spChg chg="add">
+          <ac:chgData name="Amanda Wishnie" userId="9233a93bc91cf3d3" providerId="LiveId" clId="{9148242F-99E8-4568-B47C-A7BFA38D49C2}" dt="2019-01-12T01:00:25.699" v="453" actId="26606"/>
+          <ac:spMkLst>
+            <pc:docMk/>
+            <pc:sldMk cId="2144580270" sldId="275"/>
+            <ac:spMk id="16" creationId="{9AB26DBC-1F7F-4AC0-A88C-69712701E629}"/>
+          </ac:spMkLst>
+        </pc:spChg>
+        <pc:spChg chg="add">
+          <ac:chgData name="Amanda Wishnie" userId="9233a93bc91cf3d3" providerId="LiveId" clId="{9148242F-99E8-4568-B47C-A7BFA38D49C2}" dt="2019-01-12T01:00:25.699" v="453" actId="26606"/>
+          <ac:spMkLst>
+            <pc:docMk/>
+            <pc:sldMk cId="2144580270" sldId="275"/>
+            <ac:spMk id="18" creationId="{6F099884-7695-4976-8EBD-ECB5AF05355F}"/>
+          </ac:spMkLst>
+        </pc:spChg>
+        <pc:spChg chg="add mod">
+          <ac:chgData name="Amanda Wishnie" userId="9233a93bc91cf3d3" providerId="LiveId" clId="{9148242F-99E8-4568-B47C-A7BFA38D49C2}" dt="2019-01-12T01:57:11.563" v="717" actId="20577"/>
+          <ac:spMkLst>
+            <pc:docMk/>
+            <pc:sldMk cId="2144580270" sldId="275"/>
+            <ac:spMk id="19" creationId="{8FFE5DBE-C17B-4082-B9A7-5F49657DD297}"/>
+          </ac:spMkLst>
+        </pc:spChg>
+        <pc:spChg chg="add">
+          <ac:chgData name="Amanda Wishnie" userId="9233a93bc91cf3d3" providerId="LiveId" clId="{9148242F-99E8-4568-B47C-A7BFA38D49C2}" dt="2019-01-12T01:00:25.699" v="453" actId="26606"/>
+          <ac:spMkLst>
+            <pc:docMk/>
+            <pc:sldMk cId="2144580270" sldId="275"/>
+            <ac:spMk id="24" creationId="{74163961-0280-48BA-BC84-97E03B009955}"/>
+          </ac:spMkLst>
+        </pc:spChg>
+        <pc:grpChg chg="add">
+          <ac:chgData name="Amanda Wishnie" userId="9233a93bc91cf3d3" providerId="LiveId" clId="{9148242F-99E8-4568-B47C-A7BFA38D49C2}" dt="2019-01-12T01:00:25.699" v="453" actId="26606"/>
+          <ac:grpSpMkLst>
+            <pc:docMk/>
+            <pc:sldMk cId="2144580270" sldId="275"/>
+            <ac:grpSpMk id="20" creationId="{32F6B6B9-C579-41A6-A7D1-A7AB4AA6D233}"/>
+          </ac:grpSpMkLst>
+        </pc:grpChg>
+        <pc:picChg chg="add mod ord">
+          <ac:chgData name="Amanda Wishnie" userId="9233a93bc91cf3d3" providerId="LiveId" clId="{9148242F-99E8-4568-B47C-A7BFA38D49C2}" dt="2019-01-12T01:00:25.699" v="453" actId="26606"/>
+          <ac:picMkLst>
+            <pc:docMk/>
+            <pc:sldMk cId="2144580270" sldId="275"/>
+            <ac:picMk id="2" creationId="{711141E2-B78C-4D85-86B6-E888DFA09A8C}"/>
+          </ac:picMkLst>
+        </pc:picChg>
+        <pc:picChg chg="add">
+          <ac:chgData name="Amanda Wishnie" userId="9233a93bc91cf3d3" providerId="LiveId" clId="{9148242F-99E8-4568-B47C-A7BFA38D49C2}" dt="2019-01-12T01:00:25.699" v="453" actId="26606"/>
+          <ac:picMkLst>
+            <pc:docMk/>
+            <pc:sldMk cId="2144580270" sldId="275"/>
+            <ac:picMk id="10" creationId="{012FDCFE-9AD2-4D8A-8CBF-B3AA37EBF6DD}"/>
+          </ac:picMkLst>
+        </pc:picChg>
+        <pc:picChg chg="add">
+          <ac:chgData name="Amanda Wishnie" userId="9233a93bc91cf3d3" providerId="LiveId" clId="{9148242F-99E8-4568-B47C-A7BFA38D49C2}" dt="2019-01-12T01:00:25.699" v="453" actId="26606"/>
+          <ac:picMkLst>
+            <pc:docMk/>
+            <pc:sldMk cId="2144580270" sldId="275"/>
+            <ac:picMk id="28" creationId="{FC7852F8-6371-4D0E-ADF1-AD67B8FD8F9E}"/>
+          </ac:picMkLst>
+        </pc:picChg>
+        <pc:cxnChg chg="add">
+          <ac:chgData name="Amanda Wishnie" userId="9233a93bc91cf3d3" providerId="LiveId" clId="{9148242F-99E8-4568-B47C-A7BFA38D49C2}" dt="2019-01-12T01:00:25.699" v="453" actId="26606"/>
+          <ac:cxnSpMkLst>
+            <pc:docMk/>
+            <pc:sldMk cId="2144580270" sldId="275"/>
+            <ac:cxnSpMk id="12" creationId="{FBD463FC-4CA8-4FF4-85A3-AF9F4B98D210}"/>
+          </ac:cxnSpMkLst>
+        </pc:cxnChg>
+        <pc:cxnChg chg="add">
+          <ac:chgData name="Amanda Wishnie" userId="9233a93bc91cf3d3" providerId="LiveId" clId="{9148242F-99E8-4568-B47C-A7BFA38D49C2}" dt="2019-01-12T01:00:25.699" v="453" actId="26606"/>
+          <ac:cxnSpMkLst>
+            <pc:docMk/>
+            <pc:sldMk cId="2144580270" sldId="275"/>
+            <ac:cxnSpMk id="14" creationId="{BECF35C3-8B44-4F4B-BD25-4C01823DB22A}"/>
+          </ac:cxnSpMkLst>
+        </pc:cxnChg>
+        <pc:cxnChg chg="add">
+          <ac:chgData name="Amanda Wishnie" userId="9233a93bc91cf3d3" providerId="LiveId" clId="{9148242F-99E8-4568-B47C-A7BFA38D49C2}" dt="2019-01-12T01:00:25.699" v="453" actId="26606"/>
+          <ac:cxnSpMkLst>
+            <pc:docMk/>
+            <pc:sldMk cId="2144580270" sldId="275"/>
+            <ac:cxnSpMk id="26" creationId="{BFAC20BB-5902-4D8F-9A2A-E4B516EF39DE}"/>
+          </ac:cxnSpMkLst>
+        </pc:cxnChg>
+        <pc:cxnChg chg="add">
+          <ac:chgData name="Amanda Wishnie" userId="9233a93bc91cf3d3" providerId="LiveId" clId="{9148242F-99E8-4568-B47C-A7BFA38D49C2}" dt="2019-01-12T01:00:25.699" v="453" actId="26606"/>
+          <ac:cxnSpMkLst>
+            <pc:docMk/>
+            <pc:sldMk cId="2144580270" sldId="275"/>
+            <ac:cxnSpMk id="30" creationId="{60356817-A471-4572-AE96-579F6D6BFD9B}"/>
+          </ac:cxnSpMkLst>
+        </pc:cxnChg>
+      </pc:sldChg>
+      <pc:sldChg chg="delSp modSp add del setBg delDesignElem">
+        <pc:chgData name="Amanda Wishnie" userId="9233a93bc91cf3d3" providerId="LiveId" clId="{9148242F-99E8-4568-B47C-A7BFA38D49C2}" dt="2019-01-12T00:50:36.335" v="354" actId="2696"/>
+        <pc:sldMkLst>
+          <pc:docMk/>
+          <pc:sldMk cId="3861832887" sldId="275"/>
+        </pc:sldMkLst>
+        <pc:spChg chg="mod">
+          <ac:chgData name="Amanda Wishnie" userId="9233a93bc91cf3d3" providerId="LiveId" clId="{9148242F-99E8-4568-B47C-A7BFA38D49C2}" dt="2019-01-12T00:42:10.866" v="350" actId="20577"/>
+          <ac:spMkLst>
+            <pc:docMk/>
+            <pc:sldMk cId="3861832887" sldId="275"/>
+            <ac:spMk id="2" creationId="{00000000-0000-0000-0000-000000000000}"/>
+          </ac:spMkLst>
+        </pc:spChg>
+        <pc:spChg chg="del">
+          <ac:chgData name="Amanda Wishnie" userId="9233a93bc91cf3d3" providerId="LiveId" clId="{9148242F-99E8-4568-B47C-A7BFA38D49C2}" dt="2019-01-12T00:41:45.407" v="342"/>
+          <ac:spMkLst>
+            <pc:docMk/>
+            <pc:sldMk cId="3861832887" sldId="275"/>
+            <ac:spMk id="12" creationId="{B0075745-2871-4EFE-AB1D-91ED1391220A}"/>
+          </ac:spMkLst>
+        </pc:spChg>
+        <pc:spChg chg="del">
+          <ac:chgData name="Amanda Wishnie" userId="9233a93bc91cf3d3" providerId="LiveId" clId="{9148242F-99E8-4568-B47C-A7BFA38D49C2}" dt="2019-01-12T00:41:45.407" v="342"/>
+          <ac:spMkLst>
+            <pc:docMk/>
+            <pc:sldMk cId="3861832887" sldId="275"/>
+            <ac:spMk id="20" creationId="{AB84E9C1-D82D-4069-AD26-92280768DA53}"/>
+          </ac:spMkLst>
+        </pc:spChg>
+        <pc:grpChg chg="del">
+          <ac:chgData name="Amanda Wishnie" userId="9233a93bc91cf3d3" providerId="LiveId" clId="{9148242F-99E8-4568-B47C-A7BFA38D49C2}" dt="2019-01-12T00:41:45.407" v="342"/>
+          <ac:grpSpMkLst>
+            <pc:docMk/>
+            <pc:sldMk cId="3861832887" sldId="275"/>
+            <ac:grpSpMk id="14" creationId="{F8B6FE07-47DE-47F7-9986-CC53D02A1A63}"/>
+          </ac:grpSpMkLst>
+        </pc:grpChg>
+        <pc:picChg chg="del">
+          <ac:chgData name="Amanda Wishnie" userId="9233a93bc91cf3d3" providerId="LiveId" clId="{9148242F-99E8-4568-B47C-A7BFA38D49C2}" dt="2019-01-12T00:41:45.407" v="342"/>
+          <ac:picMkLst>
+            <pc:docMk/>
+            <pc:sldMk cId="3861832887" sldId="275"/>
+            <ac:picMk id="22" creationId="{5886CB00-0B4D-464B-8ED8-6028A46899A6}"/>
+          </ac:picMkLst>
+        </pc:picChg>
+        <pc:cxnChg chg="del">
+          <ac:chgData name="Amanda Wishnie" userId="9233a93bc91cf3d3" providerId="LiveId" clId="{9148242F-99E8-4568-B47C-A7BFA38D49C2}" dt="2019-01-12T00:41:45.407" v="342"/>
+          <ac:cxnSpMkLst>
+            <pc:docMk/>
+            <pc:sldMk cId="3861832887" sldId="275"/>
+            <ac:cxnSpMk id="18" creationId="{FDE442CB-3821-45ED-8A24-25846C0B6AA8}"/>
+          </ac:cxnSpMkLst>
+        </pc:cxnChg>
+        <pc:cxnChg chg="del">
+          <ac:chgData name="Amanda Wishnie" userId="9233a93bc91cf3d3" providerId="LiveId" clId="{9148242F-99E8-4568-B47C-A7BFA38D49C2}" dt="2019-01-12T00:41:45.407" v="342"/>
+          <ac:cxnSpMkLst>
+            <pc:docMk/>
+            <pc:sldMk cId="3861832887" sldId="275"/>
+            <ac:cxnSpMk id="24" creationId="{F47B8F6D-15DD-492D-9776-DF8BEF3ECAA9}"/>
+          </ac:cxnSpMkLst>
+        </pc:cxnChg>
+      </pc:sldChg>
+      <pc:sldChg chg="delSp add del setBg delDesignElem">
+        <pc:chgData name="Amanda Wishnie" userId="9233a93bc91cf3d3" providerId="LiveId" clId="{9148242F-99E8-4568-B47C-A7BFA38D49C2}" dt="2019-01-12T01:00:47.469" v="458" actId="2696"/>
+        <pc:sldMkLst>
+          <pc:docMk/>
+          <pc:sldMk cId="3246866997" sldId="276"/>
+        </pc:sldMkLst>
+        <pc:spChg chg="del">
+          <ac:chgData name="Amanda Wishnie" userId="9233a93bc91cf3d3" providerId="LiveId" clId="{9148242F-99E8-4568-B47C-A7BFA38D49C2}" dt="2019-01-12T01:00:44.498" v="457"/>
+          <ac:spMkLst>
+            <pc:docMk/>
+            <pc:sldMk cId="3246866997" sldId="276"/>
+            <ac:spMk id="8" creationId="{0CABCAE3-64FC-4149-819F-2C1812824154}"/>
+          </ac:spMkLst>
+        </pc:spChg>
+        <pc:spChg chg="del">
+          <ac:chgData name="Amanda Wishnie" userId="9233a93bc91cf3d3" providerId="LiveId" clId="{9148242F-99E8-4568-B47C-A7BFA38D49C2}" dt="2019-01-12T01:00:44.498" v="457"/>
+          <ac:spMkLst>
+            <pc:docMk/>
+            <pc:sldMk cId="3246866997" sldId="276"/>
+            <ac:spMk id="16" creationId="{9AB26DBC-1F7F-4AC0-A88C-69712701E629}"/>
+          </ac:spMkLst>
+        </pc:spChg>
+        <pc:spChg chg="del">
+          <ac:chgData name="Amanda Wishnie" userId="9233a93bc91cf3d3" providerId="LiveId" clId="{9148242F-99E8-4568-B47C-A7BFA38D49C2}" dt="2019-01-12T01:00:44.498" v="457"/>
+          <ac:spMkLst>
+            <pc:docMk/>
+            <pc:sldMk cId="3246866997" sldId="276"/>
+            <ac:spMk id="18" creationId="{6F099884-7695-4976-8EBD-ECB5AF05355F}"/>
+          </ac:spMkLst>
+        </pc:spChg>
+        <pc:spChg chg="del">
+          <ac:chgData name="Amanda Wishnie" userId="9233a93bc91cf3d3" providerId="LiveId" clId="{9148242F-99E8-4568-B47C-A7BFA38D49C2}" dt="2019-01-12T01:00:44.498" v="457"/>
+          <ac:spMkLst>
+            <pc:docMk/>
+            <pc:sldMk cId="3246866997" sldId="276"/>
+            <ac:spMk id="24" creationId="{74163961-0280-48BA-BC84-97E03B009955}"/>
+          </ac:spMkLst>
+        </pc:spChg>
+        <pc:grpChg chg="del">
+          <ac:chgData name="Amanda Wishnie" userId="9233a93bc91cf3d3" providerId="LiveId" clId="{9148242F-99E8-4568-B47C-A7BFA38D49C2}" dt="2019-01-12T01:00:44.498" v="457"/>
+          <ac:grpSpMkLst>
+            <pc:docMk/>
+            <pc:sldMk cId="3246866997" sldId="276"/>
+            <ac:grpSpMk id="20" creationId="{32F6B6B9-C579-41A6-A7D1-A7AB4AA6D233}"/>
+          </ac:grpSpMkLst>
+        </pc:grpChg>
+        <pc:picChg chg="del">
+          <ac:chgData name="Amanda Wishnie" userId="9233a93bc91cf3d3" providerId="LiveId" clId="{9148242F-99E8-4568-B47C-A7BFA38D49C2}" dt="2019-01-12T01:00:44.498" v="457"/>
+          <ac:picMkLst>
+            <pc:docMk/>
+            <pc:sldMk cId="3246866997" sldId="276"/>
+            <ac:picMk id="10" creationId="{012FDCFE-9AD2-4D8A-8CBF-B3AA37EBF6DD}"/>
+          </ac:picMkLst>
+        </pc:picChg>
+        <pc:picChg chg="del">
+          <ac:chgData name="Amanda Wishnie" userId="9233a93bc91cf3d3" providerId="LiveId" clId="{9148242F-99E8-4568-B47C-A7BFA38D49C2}" dt="2019-01-12T01:00:44.498" v="457"/>
+          <ac:picMkLst>
+            <pc:docMk/>
+            <pc:sldMk cId="3246866997" sldId="276"/>
+            <ac:picMk id="28" creationId="{FC7852F8-6371-4D0E-ADF1-AD67B8FD8F9E}"/>
+          </ac:picMkLst>
+        </pc:picChg>
+        <pc:cxnChg chg="del">
+          <ac:chgData name="Amanda Wishnie" userId="9233a93bc91cf3d3" providerId="LiveId" clId="{9148242F-99E8-4568-B47C-A7BFA38D49C2}" dt="2019-01-12T01:00:44.498" v="457"/>
+          <ac:cxnSpMkLst>
+            <pc:docMk/>
+            <pc:sldMk cId="3246866997" sldId="276"/>
+            <ac:cxnSpMk id="12" creationId="{FBD463FC-4CA8-4FF4-85A3-AF9F4B98D210}"/>
+          </ac:cxnSpMkLst>
+        </pc:cxnChg>
+        <pc:cxnChg chg="del">
+          <ac:chgData name="Amanda Wishnie" userId="9233a93bc91cf3d3" providerId="LiveId" clId="{9148242F-99E8-4568-B47C-A7BFA38D49C2}" dt="2019-01-12T01:00:44.498" v="457"/>
+          <ac:cxnSpMkLst>
+            <pc:docMk/>
+            <pc:sldMk cId="3246866997" sldId="276"/>
+            <ac:cxnSpMk id="14" creationId="{BECF35C3-8B44-4F4B-BD25-4C01823DB22A}"/>
+          </ac:cxnSpMkLst>
+        </pc:cxnChg>
+        <pc:cxnChg chg="del">
+          <ac:chgData name="Amanda Wishnie" userId="9233a93bc91cf3d3" providerId="LiveId" clId="{9148242F-99E8-4568-B47C-A7BFA38D49C2}" dt="2019-01-12T01:00:44.498" v="457"/>
+          <ac:cxnSpMkLst>
+            <pc:docMk/>
+            <pc:sldMk cId="3246866997" sldId="276"/>
+            <ac:cxnSpMk id="26" creationId="{BFAC20BB-5902-4D8F-9A2A-E4B516EF39DE}"/>
+          </ac:cxnSpMkLst>
+        </pc:cxnChg>
+        <pc:cxnChg chg="del">
+          <ac:chgData name="Amanda Wishnie" userId="9233a93bc91cf3d3" providerId="LiveId" clId="{9148242F-99E8-4568-B47C-A7BFA38D49C2}" dt="2019-01-12T01:00:44.498" v="457"/>
+          <ac:cxnSpMkLst>
+            <pc:docMk/>
+            <pc:sldMk cId="3246866997" sldId="276"/>
+            <ac:cxnSpMk id="30" creationId="{60356817-A471-4572-AE96-579F6D6BFD9B}"/>
+          </ac:cxnSpMkLst>
+        </pc:cxnChg>
+      </pc:sldChg>
+      <pc:sldChg chg="delSp add del setBg delDesignElem">
+        <pc:chgData name="Amanda Wishnie" userId="9233a93bc91cf3d3" providerId="LiveId" clId="{9148242F-99E8-4568-B47C-A7BFA38D49C2}" dt="2019-01-12T00:49:49.907" v="353" actId="2696"/>
+        <pc:sldMkLst>
+          <pc:docMk/>
+          <pc:sldMk cId="3644800256" sldId="276"/>
+        </pc:sldMkLst>
+        <pc:spChg chg="del">
+          <ac:chgData name="Amanda Wishnie" userId="9233a93bc91cf3d3" providerId="LiveId" clId="{9148242F-99E8-4568-B47C-A7BFA38D49C2}" dt="2019-01-12T00:49:48.208" v="352"/>
+          <ac:spMkLst>
+            <pc:docMk/>
+            <pc:sldMk cId="3644800256" sldId="276"/>
+            <ac:spMk id="12" creationId="{B0075745-2871-4EFE-AB1D-91ED1391220A}"/>
+          </ac:spMkLst>
+        </pc:spChg>
+        <pc:spChg chg="del">
+          <ac:chgData name="Amanda Wishnie" userId="9233a93bc91cf3d3" providerId="LiveId" clId="{9148242F-99E8-4568-B47C-A7BFA38D49C2}" dt="2019-01-12T00:49:48.208" v="352"/>
+          <ac:spMkLst>
+            <pc:docMk/>
+            <pc:sldMk cId="3644800256" sldId="276"/>
+            <ac:spMk id="20" creationId="{AB84E9C1-D82D-4069-AD26-92280768DA53}"/>
+          </ac:spMkLst>
+        </pc:spChg>
+        <pc:grpChg chg="del">
+          <ac:chgData name="Amanda Wishnie" userId="9233a93bc91cf3d3" providerId="LiveId" clId="{9148242F-99E8-4568-B47C-A7BFA38D49C2}" dt="2019-01-12T00:49:48.208" v="352"/>
+          <ac:grpSpMkLst>
+            <pc:docMk/>
+            <pc:sldMk cId="3644800256" sldId="276"/>
+            <ac:grpSpMk id="14" creationId="{F8B6FE07-47DE-47F7-9986-CC53D02A1A63}"/>
+          </ac:grpSpMkLst>
+        </pc:grpChg>
+        <pc:picChg chg="del">
+          <ac:chgData name="Amanda Wishnie" userId="9233a93bc91cf3d3" providerId="LiveId" clId="{9148242F-99E8-4568-B47C-A7BFA38D49C2}" dt="2019-01-12T00:49:48.208" v="352"/>
+          <ac:picMkLst>
+            <pc:docMk/>
+            <pc:sldMk cId="3644800256" sldId="276"/>
+            <ac:picMk id="22" creationId="{5886CB00-0B4D-464B-8ED8-6028A46899A6}"/>
+          </ac:picMkLst>
+        </pc:picChg>
+        <pc:cxnChg chg="del">
+          <ac:chgData name="Amanda Wishnie" userId="9233a93bc91cf3d3" providerId="LiveId" clId="{9148242F-99E8-4568-B47C-A7BFA38D49C2}" dt="2019-01-12T00:49:48.208" v="352"/>
+          <ac:cxnSpMkLst>
+            <pc:docMk/>
+            <pc:sldMk cId="3644800256" sldId="276"/>
+            <ac:cxnSpMk id="18" creationId="{FDE442CB-3821-45ED-8A24-25846C0B6AA8}"/>
+          </ac:cxnSpMkLst>
+        </pc:cxnChg>
+        <pc:cxnChg chg="del">
+          <ac:chgData name="Amanda Wishnie" userId="9233a93bc91cf3d3" providerId="LiveId" clId="{9148242F-99E8-4568-B47C-A7BFA38D49C2}" dt="2019-01-12T00:49:48.208" v="352"/>
+          <ac:cxnSpMkLst>
+            <pc:docMk/>
+            <pc:sldMk cId="3644800256" sldId="276"/>
+            <ac:cxnSpMk id="24" creationId="{F47B8F6D-15DD-492D-9776-DF8BEF3ECAA9}"/>
+          </ac:cxnSpMkLst>
+        </pc:cxnChg>
+      </pc:sldChg>
       <pc:sldMasterChg chg="modTransition modSldLayout">
         <pc:chgData name="Amanda Wishnie" userId="9233a93bc91cf3d3" providerId="LiveId" clId="{9148242F-99E8-4568-B47C-A7BFA38D49C2}" dt="2019-01-10T22:12:01.773" v="8"/>
         <pc:sldMasterMkLst>
@@ -1106,1046 +1651,69 @@
 </pc:chgInfo>
 </file>
 
-<file path=ppt/charts/chart1.xml><?xml version="1.0" encoding="utf-8"?>
-<c:chartSpace xmlns:c="http://schemas.openxmlformats.org/drawingml/2006/chart" xmlns:a="http://schemas.openxmlformats.org/drawingml/2006/main" xmlns:r="http://schemas.openxmlformats.org/officeDocument/2006/relationships" xmlns:c16r2="http://schemas.microsoft.com/office/drawing/2015/06/chart">
-  <c:date1904 val="0"/>
-  <c:lang val="en-US"/>
-  <c:roundedCorners val="0"/>
-  <mc:AlternateContent xmlns:mc="http://schemas.openxmlformats.org/markup-compatibility/2006">
-    <mc:Choice xmlns:c14="http://schemas.microsoft.com/office/drawing/2007/8/2/chart" Requires="c14">
-      <c14:style val="103"/>
-    </mc:Choice>
-    <mc:Fallback>
-      <c:style val="3"/>
-    </mc:Fallback>
-  </mc:AlternateContent>
-  <c:chart>
-    <c:autoTitleDeleted val="1"/>
-    <c:plotArea>
-      <c:layout/>
-      <c:barChart>
-        <c:barDir val="col"/>
-        <c:grouping val="clustered"/>
-        <c:varyColors val="0"/>
-        <c:ser>
-          <c:idx val="0"/>
-          <c:order val="0"/>
-          <c:tx>
-            <c:strRef>
-              <c:f>Sheet1!$B$1</c:f>
-              <c:strCache>
-                <c:ptCount val="1"/>
-                <c:pt idx="0">
-                  <c:v>Series 1</c:v>
-                </c:pt>
-              </c:strCache>
-            </c:strRef>
-          </c:tx>
-          <c:spPr>
-            <a:gradFill rotWithShape="1">
-              <a:gsLst>
-                <a:gs pos="0">
-                  <a:schemeClr val="accent1">
-                    <a:shade val="65000"/>
-                    <a:tint val="98000"/>
-                    <a:satMod val="110000"/>
-                    <a:lumMod val="104000"/>
-                  </a:schemeClr>
-                </a:gs>
-                <a:gs pos="69000">
-                  <a:schemeClr val="accent1">
-                    <a:shade val="65000"/>
-                    <a:shade val="88000"/>
-                    <a:satMod val="130000"/>
-                    <a:lumMod val="92000"/>
-                  </a:schemeClr>
-                </a:gs>
-                <a:gs pos="100000">
-                  <a:schemeClr val="accent1">
-                    <a:shade val="65000"/>
-                    <a:shade val="78000"/>
-                    <a:satMod val="130000"/>
-                    <a:lumMod val="92000"/>
-                  </a:schemeClr>
-                </a:gs>
-              </a:gsLst>
-              <a:lin ang="5400000" scaled="0"/>
-            </a:gradFill>
-            <a:ln>
-              <a:noFill/>
-            </a:ln>
-            <a:effectLst/>
-          </c:spPr>
-          <c:invertIfNegative val="0"/>
-          <c:cat>
-            <c:strRef>
-              <c:f>Sheet1!$A$2:$A$5</c:f>
-              <c:strCache>
-                <c:ptCount val="4"/>
-                <c:pt idx="0">
-                  <c:v>Category 1</c:v>
-                </c:pt>
-                <c:pt idx="1">
-                  <c:v>Category 2</c:v>
-                </c:pt>
-                <c:pt idx="2">
-                  <c:v>Category 3</c:v>
-                </c:pt>
-                <c:pt idx="3">
-                  <c:v>Category 4</c:v>
-                </c:pt>
-              </c:strCache>
-            </c:strRef>
-          </c:cat>
-          <c:val>
-            <c:numRef>
-              <c:f>Sheet1!$B$2:$B$5</c:f>
-              <c:numCache>
-                <c:formatCode>General</c:formatCode>
-                <c:ptCount val="4"/>
-                <c:pt idx="0">
-                  <c:v>4.3</c:v>
-                </c:pt>
-                <c:pt idx="1">
-                  <c:v>2.5</c:v>
-                </c:pt>
-                <c:pt idx="2">
-                  <c:v>3.5</c:v>
-                </c:pt>
-                <c:pt idx="3">
-                  <c:v>4.5</c:v>
-                </c:pt>
-              </c:numCache>
-            </c:numRef>
-          </c:val>
-          <c:extLst>
-            <c:ext xmlns:c16="http://schemas.microsoft.com/office/drawing/2014/chart" uri="{C3380CC4-5D6E-409C-BE32-E72D297353CC}">
-              <c16:uniqueId val="{00000000-B46F-4EC2-A493-85170EDF3C29}"/>
-            </c:ext>
-          </c:extLst>
-        </c:ser>
-        <c:ser>
-          <c:idx val="1"/>
-          <c:order val="1"/>
-          <c:tx>
-            <c:strRef>
-              <c:f>Sheet1!$C$1</c:f>
-              <c:strCache>
-                <c:ptCount val="1"/>
-                <c:pt idx="0">
-                  <c:v>Series 2</c:v>
-                </c:pt>
-              </c:strCache>
-            </c:strRef>
-          </c:tx>
-          <c:spPr>
-            <a:gradFill rotWithShape="1">
-              <a:gsLst>
-                <a:gs pos="0">
-                  <a:schemeClr val="accent1">
-                    <a:tint val="98000"/>
-                    <a:satMod val="110000"/>
-                    <a:lumMod val="104000"/>
-                  </a:schemeClr>
-                </a:gs>
-                <a:gs pos="69000">
-                  <a:schemeClr val="accent1">
-                    <a:shade val="88000"/>
-                    <a:satMod val="130000"/>
-                    <a:lumMod val="92000"/>
-                  </a:schemeClr>
-                </a:gs>
-                <a:gs pos="100000">
-                  <a:schemeClr val="accent1">
-                    <a:shade val="78000"/>
-                    <a:satMod val="130000"/>
-                    <a:lumMod val="92000"/>
-                  </a:schemeClr>
-                </a:gs>
-              </a:gsLst>
-              <a:lin ang="5400000" scaled="0"/>
-            </a:gradFill>
-            <a:ln>
-              <a:noFill/>
-            </a:ln>
-            <a:effectLst/>
-          </c:spPr>
-          <c:invertIfNegative val="0"/>
-          <c:cat>
-            <c:strRef>
-              <c:f>Sheet1!$A$2:$A$5</c:f>
-              <c:strCache>
-                <c:ptCount val="4"/>
-                <c:pt idx="0">
-                  <c:v>Category 1</c:v>
-                </c:pt>
-                <c:pt idx="1">
-                  <c:v>Category 2</c:v>
-                </c:pt>
-                <c:pt idx="2">
-                  <c:v>Category 3</c:v>
-                </c:pt>
-                <c:pt idx="3">
-                  <c:v>Category 4</c:v>
-                </c:pt>
-              </c:strCache>
-            </c:strRef>
-          </c:cat>
-          <c:val>
-            <c:numRef>
-              <c:f>Sheet1!$C$2:$C$5</c:f>
-              <c:numCache>
-                <c:formatCode>General</c:formatCode>
-                <c:ptCount val="4"/>
-                <c:pt idx="0">
-                  <c:v>2.4</c:v>
-                </c:pt>
-                <c:pt idx="1">
-                  <c:v>4.4000000000000004</c:v>
-                </c:pt>
-                <c:pt idx="2">
-                  <c:v>1.8</c:v>
-                </c:pt>
-                <c:pt idx="3">
-                  <c:v>2.8</c:v>
-                </c:pt>
-              </c:numCache>
-            </c:numRef>
-          </c:val>
-          <c:extLst>
-            <c:ext xmlns:c16="http://schemas.microsoft.com/office/drawing/2014/chart" uri="{C3380CC4-5D6E-409C-BE32-E72D297353CC}">
-              <c16:uniqueId val="{00000001-B46F-4EC2-A493-85170EDF3C29}"/>
-            </c:ext>
-          </c:extLst>
-        </c:ser>
-        <c:dLbls>
-          <c:showLegendKey val="0"/>
-          <c:showVal val="0"/>
-          <c:showCatName val="0"/>
-          <c:showSerName val="0"/>
-          <c:showPercent val="0"/>
-          <c:showBubbleSize val="0"/>
-        </c:dLbls>
-        <c:gapWidth val="219"/>
-        <c:overlap val="-27"/>
-        <c:axId val="635174920"/>
-        <c:axId val="635174528"/>
-      </c:barChart>
-      <c:lineChart>
-        <c:grouping val="standard"/>
-        <c:varyColors val="0"/>
-        <c:ser>
-          <c:idx val="2"/>
-          <c:order val="2"/>
-          <c:tx>
-            <c:strRef>
-              <c:f>Sheet1!$D$1</c:f>
-              <c:strCache>
-                <c:ptCount val="1"/>
-                <c:pt idx="0">
-                  <c:v>Series 3</c:v>
-                </c:pt>
-              </c:strCache>
-            </c:strRef>
-          </c:tx>
-          <c:spPr>
-            <a:ln w="31750" cap="rnd">
-              <a:solidFill>
-                <a:schemeClr val="accent1">
-                  <a:tint val="65000"/>
-                </a:schemeClr>
-              </a:solidFill>
-              <a:round/>
-            </a:ln>
-            <a:effectLst/>
-          </c:spPr>
-          <c:marker>
-            <c:symbol val="none"/>
-          </c:marker>
-          <c:cat>
-            <c:strRef>
-              <c:f>Sheet1!$A$2:$A$5</c:f>
-              <c:strCache>
-                <c:ptCount val="4"/>
-                <c:pt idx="0">
-                  <c:v>Category 1</c:v>
-                </c:pt>
-                <c:pt idx="1">
-                  <c:v>Category 2</c:v>
-                </c:pt>
-                <c:pt idx="2">
-                  <c:v>Category 3</c:v>
-                </c:pt>
-                <c:pt idx="3">
-                  <c:v>Category 4</c:v>
-                </c:pt>
-              </c:strCache>
-            </c:strRef>
-          </c:cat>
-          <c:val>
-            <c:numRef>
-              <c:f>Sheet1!$D$2:$D$5</c:f>
-              <c:numCache>
-                <c:formatCode>General</c:formatCode>
-                <c:ptCount val="4"/>
-                <c:pt idx="0">
-                  <c:v>2</c:v>
-                </c:pt>
-                <c:pt idx="1">
-                  <c:v>2</c:v>
-                </c:pt>
-                <c:pt idx="2">
-                  <c:v>3</c:v>
-                </c:pt>
-                <c:pt idx="3">
-                  <c:v>5</c:v>
-                </c:pt>
-              </c:numCache>
-            </c:numRef>
-          </c:val>
-          <c:smooth val="0"/>
-          <c:extLst>
-            <c:ext xmlns:c16="http://schemas.microsoft.com/office/drawing/2014/chart" uri="{C3380CC4-5D6E-409C-BE32-E72D297353CC}">
-              <c16:uniqueId val="{00000002-B46F-4EC2-A493-85170EDF3C29}"/>
-            </c:ext>
-          </c:extLst>
-        </c:ser>
-        <c:dLbls>
-          <c:showLegendKey val="0"/>
-          <c:showVal val="0"/>
-          <c:showCatName val="0"/>
-          <c:showSerName val="0"/>
-          <c:showPercent val="0"/>
-          <c:showBubbleSize val="0"/>
-        </c:dLbls>
-        <c:marker val="1"/>
-        <c:smooth val="0"/>
-        <c:axId val="635174920"/>
-        <c:axId val="635174528"/>
-      </c:lineChart>
-      <c:catAx>
-        <c:axId val="635174920"/>
-        <c:scaling>
-          <c:orientation val="minMax"/>
-        </c:scaling>
-        <c:delete val="0"/>
-        <c:axPos val="b"/>
-        <c:numFmt formatCode="General" sourceLinked="1"/>
-        <c:majorTickMark val="none"/>
-        <c:minorTickMark val="none"/>
-        <c:tickLblPos val="nextTo"/>
-        <c:spPr>
-          <a:noFill/>
-          <a:ln w="9525" cap="flat" cmpd="sng" algn="ctr">
-            <a:solidFill>
-              <a:schemeClr val="tx2">
-                <a:lumMod val="15000"/>
-                <a:lumOff val="85000"/>
-              </a:schemeClr>
-            </a:solidFill>
-            <a:round/>
-          </a:ln>
-          <a:effectLst/>
-        </c:spPr>
-        <c:txPr>
-          <a:bodyPr rot="-60000000" spcFirstLastPara="1" vertOverflow="ellipsis" vert="horz" wrap="square" anchor="ctr" anchorCtr="1"/>
-          <a:lstStyle/>
-          <a:p>
-            <a:pPr>
-              <a:defRPr sz="1197" b="0" i="0" u="none" strike="noStrike" kern="1200" baseline="0">
-                <a:solidFill>
-                  <a:schemeClr val="tx2"/>
-                </a:solidFill>
-                <a:latin typeface="+mn-lt"/>
-                <a:ea typeface="+mn-ea"/>
-                <a:cs typeface="+mn-cs"/>
-              </a:defRPr>
-            </a:pPr>
-            <a:endParaRPr lang="en-US"/>
-          </a:p>
-        </c:txPr>
-        <c:crossAx val="635174528"/>
-        <c:crosses val="autoZero"/>
-        <c:auto val="1"/>
-        <c:lblAlgn val="ctr"/>
-        <c:lblOffset val="100"/>
-        <c:noMultiLvlLbl val="0"/>
-      </c:catAx>
-      <c:valAx>
-        <c:axId val="635174528"/>
-        <c:scaling>
-          <c:orientation val="minMax"/>
-        </c:scaling>
-        <c:delete val="0"/>
-        <c:axPos val="l"/>
-        <c:majorGridlines>
-          <c:spPr>
-            <a:ln w="9525" cap="flat" cmpd="sng" algn="ctr">
-              <a:solidFill>
-                <a:schemeClr val="tx2">
-                  <a:lumMod val="15000"/>
-                  <a:lumOff val="85000"/>
-                </a:schemeClr>
-              </a:solidFill>
-              <a:round/>
-            </a:ln>
-            <a:effectLst/>
-          </c:spPr>
-        </c:majorGridlines>
-        <c:numFmt formatCode="General" sourceLinked="1"/>
-        <c:majorTickMark val="none"/>
-        <c:minorTickMark val="none"/>
-        <c:tickLblPos val="nextTo"/>
-        <c:spPr>
-          <a:noFill/>
-          <a:ln>
-            <a:noFill/>
-          </a:ln>
-          <a:effectLst/>
-        </c:spPr>
-        <c:txPr>
-          <a:bodyPr rot="-60000000" spcFirstLastPara="1" vertOverflow="ellipsis" vert="horz" wrap="square" anchor="ctr" anchorCtr="1"/>
-          <a:lstStyle/>
-          <a:p>
-            <a:pPr>
-              <a:defRPr sz="1197" b="0" i="0" u="none" strike="noStrike" kern="1200" baseline="0">
-                <a:solidFill>
-                  <a:schemeClr val="tx2"/>
-                </a:solidFill>
-                <a:latin typeface="+mn-lt"/>
-                <a:ea typeface="+mn-ea"/>
-                <a:cs typeface="+mn-cs"/>
-              </a:defRPr>
-            </a:pPr>
-            <a:endParaRPr lang="en-US"/>
-          </a:p>
-        </c:txPr>
-        <c:crossAx val="635174920"/>
-        <c:crosses val="autoZero"/>
-        <c:crossBetween val="between"/>
-      </c:valAx>
-      <c:spPr>
-        <a:noFill/>
-        <a:ln>
-          <a:noFill/>
-        </a:ln>
-        <a:effectLst/>
-      </c:spPr>
-    </c:plotArea>
-    <c:legend>
-      <c:legendPos val="b"/>
-      <c:overlay val="0"/>
-      <c:spPr>
-        <a:noFill/>
-        <a:ln>
-          <a:noFill/>
-        </a:ln>
-        <a:effectLst/>
-      </c:spPr>
-      <c:txPr>
-        <a:bodyPr rot="0" spcFirstLastPara="1" vertOverflow="ellipsis" vert="horz" wrap="square" anchor="ctr" anchorCtr="1"/>
-        <a:lstStyle/>
-        <a:p>
-          <a:pPr>
-            <a:defRPr sz="1197" b="0" i="0" u="none" strike="noStrike" kern="1200" baseline="0">
-              <a:solidFill>
-                <a:schemeClr val="tx2"/>
-              </a:solidFill>
-              <a:latin typeface="+mn-lt"/>
-              <a:ea typeface="+mn-ea"/>
-              <a:cs typeface="+mn-cs"/>
-            </a:defRPr>
-          </a:pPr>
-          <a:endParaRPr lang="en-US"/>
-        </a:p>
-      </c:txPr>
-    </c:legend>
-    <c:plotVisOnly val="1"/>
-    <c:dispBlanksAs val="gap"/>
-    <c:showDLblsOverMax val="0"/>
-  </c:chart>
-  <c:spPr>
-    <a:noFill/>
-    <a:ln>
-      <a:noFill/>
-    </a:ln>
-    <a:effectLst/>
-  </c:spPr>
-  <c:txPr>
-    <a:bodyPr/>
-    <a:lstStyle/>
-    <a:p>
-      <a:pPr>
-        <a:defRPr/>
-      </a:pPr>
-      <a:endParaRPr lang="en-US"/>
-    </a:p>
-  </c:txPr>
-  <c:externalData r:id="rId3">
-    <c:autoUpdate val="0"/>
-  </c:externalData>
-</c:chartSpace>
-</file>
-
-<file path=ppt/charts/colors1.xml><?xml version="1.0" encoding="utf-8"?>
-<cs:colorStyle xmlns:cs="http://schemas.microsoft.com/office/drawing/2012/chartStyle" xmlns:a="http://schemas.openxmlformats.org/drawingml/2006/main" meth="withinLinear" id="3">
-  <a:schemeClr val="accent1"/>
-  <a:schemeClr val="accent1"/>
-  <a:schemeClr val="accent1"/>
-  <a:schemeClr val="accent1"/>
-  <a:schemeClr val="accent1"/>
-  <a:schemeClr val="accent1"/>
-</cs:colorStyle>
-</file>
-
-<file path=ppt/charts/style1.xml><?xml version="1.0" encoding="utf-8"?>
-<cs:chartStyle xmlns:cs="http://schemas.microsoft.com/office/drawing/2012/chartStyle" xmlns:a="http://schemas.openxmlformats.org/drawingml/2006/main" id="326">
-  <cs:axisTitle>
-    <cs:lnRef idx="0"/>
-    <cs:fillRef idx="0"/>
-    <cs:effectRef idx="0"/>
-    <cs:fontRef idx="minor">
-      <a:schemeClr val="tx2"/>
-    </cs:fontRef>
-    <cs:defRPr sz="1197" b="1" kern="1200"/>
-  </cs:axisTitle>
-  <cs:categoryAxis>
-    <cs:lnRef idx="0"/>
-    <cs:fillRef idx="0"/>
-    <cs:effectRef idx="0"/>
-    <cs:fontRef idx="minor">
-      <a:schemeClr val="tx2"/>
-    </cs:fontRef>
-    <cs:spPr>
-      <a:ln w="9525" cap="flat" cmpd="sng" algn="ctr">
-        <a:solidFill>
-          <a:schemeClr val="tx2">
-            <a:lumMod val="15000"/>
-            <a:lumOff val="85000"/>
-          </a:schemeClr>
-        </a:solidFill>
-        <a:round/>
-      </a:ln>
-    </cs:spPr>
-    <cs:defRPr sz="1197" kern="1200"/>
-  </cs:categoryAxis>
-  <cs:chartArea mods="allowNoFillOverride allowNoLineOverride">
-    <cs:lnRef idx="0"/>
-    <cs:fillRef idx="0"/>
-    <cs:effectRef idx="0"/>
-    <cs:fontRef idx="minor">
-      <a:schemeClr val="tx2"/>
-    </cs:fontRef>
-    <cs:spPr>
-      <a:solidFill>
-        <a:schemeClr val="bg1"/>
-      </a:solidFill>
-      <a:ln w="9525" cap="flat" cmpd="sng" algn="ctr">
-        <a:solidFill>
-          <a:schemeClr val="tx2">
-            <a:lumMod val="15000"/>
-            <a:lumOff val="85000"/>
-          </a:schemeClr>
-        </a:solidFill>
-        <a:round/>
-      </a:ln>
-    </cs:spPr>
-    <cs:defRPr sz="1197" kern="1200"/>
-  </cs:chartArea>
-  <cs:dataLabel>
-    <cs:lnRef idx="0"/>
-    <cs:fillRef idx="0"/>
-    <cs:effectRef idx="0"/>
-    <cs:fontRef idx="minor">
-      <a:schemeClr val="tx2"/>
-    </cs:fontRef>
-    <cs:defRPr sz="1197" kern="1200"/>
-  </cs:dataLabel>
-  <cs:dataLabelCallout>
-    <cs:lnRef idx="0"/>
-    <cs:fillRef idx="0"/>
-    <cs:effectRef idx="0"/>
-    <cs:fontRef idx="minor">
-      <a:schemeClr val="dk2">
-        <a:lumMod val="75000"/>
-      </a:schemeClr>
-    </cs:fontRef>
-    <cs:spPr>
-      <a:solidFill>
-        <a:schemeClr val="lt1"/>
-      </a:solidFill>
-      <a:ln>
-        <a:solidFill>
-          <a:schemeClr val="dk1">
-            <a:lumMod val="25000"/>
-            <a:lumOff val="75000"/>
-          </a:schemeClr>
-        </a:solidFill>
-      </a:ln>
-    </cs:spPr>
-    <cs:defRPr sz="1197" kern="1200"/>
-    <cs:bodyPr rot="0" spcFirstLastPara="1" vertOverflow="clip" horzOverflow="clip" vert="horz" wrap="square" lIns="36576" tIns="18288" rIns="36576" bIns="18288" anchor="ctr" anchorCtr="1">
-      <a:spAutoFit/>
-    </cs:bodyPr>
-  </cs:dataLabelCallout>
-  <cs:dataPoint>
-    <cs:lnRef idx="0"/>
-    <cs:fillRef idx="3">
-      <cs:styleClr val="auto"/>
-    </cs:fillRef>
-    <cs:effectRef idx="2"/>
-    <cs:fontRef idx="minor">
-      <a:schemeClr val="tx2"/>
-    </cs:fontRef>
-  </cs:dataPoint>
-  <cs:dataPoint3D>
-    <cs:lnRef idx="0"/>
-    <cs:fillRef idx="3">
-      <cs:styleClr val="auto"/>
-    </cs:fillRef>
-    <cs:effectRef idx="2"/>
-    <cs:fontRef idx="minor">
-      <a:schemeClr val="tx2"/>
-    </cs:fontRef>
-  </cs:dataPoint3D>
-  <cs:dataPointLine>
-    <cs:lnRef idx="0">
-      <cs:styleClr val="auto"/>
-    </cs:lnRef>
-    <cs:fillRef idx="3"/>
-    <cs:effectRef idx="2"/>
-    <cs:fontRef idx="minor">
-      <a:schemeClr val="tx2"/>
-    </cs:fontRef>
-    <cs:spPr>
-      <a:ln w="31750" cap="rnd">
-        <a:solidFill>
-          <a:schemeClr val="phClr"/>
-        </a:solidFill>
-        <a:round/>
-      </a:ln>
-    </cs:spPr>
-  </cs:dataPointLine>
-  <cs:dataPointMarker>
-    <cs:lnRef idx="0"/>
-    <cs:fillRef idx="3">
-      <cs:styleClr val="auto"/>
-    </cs:fillRef>
-    <cs:effectRef idx="2"/>
-    <cs:fontRef idx="minor">
-      <a:schemeClr val="tx2"/>
-    </cs:fontRef>
-    <cs:spPr>
-      <a:ln w="12700">
-        <a:solidFill>
-          <a:schemeClr val="lt2"/>
-        </a:solidFill>
-        <a:round/>
-      </a:ln>
-    </cs:spPr>
-  </cs:dataPointMarker>
-  <cs:dataPointMarkerLayout symbol="circle" size="6"/>
-  <cs:dataPointWireframe>
-    <cs:lnRef idx="0">
-      <cs:styleClr val="auto"/>
-    </cs:lnRef>
-    <cs:fillRef idx="3"/>
-    <cs:effectRef idx="2"/>
-    <cs:fontRef idx="minor">
-      <a:schemeClr val="tx2"/>
-    </cs:fontRef>
-    <cs:spPr>
-      <a:ln w="9525" cap="rnd">
-        <a:solidFill>
-          <a:schemeClr val="phClr"/>
-        </a:solidFill>
-        <a:round/>
-      </a:ln>
-    </cs:spPr>
-  </cs:dataPointWireframe>
-  <cs:dataTable>
-    <cs:lnRef idx="0"/>
-    <cs:fillRef idx="0"/>
-    <cs:effectRef idx="0"/>
-    <cs:fontRef idx="minor">
-      <a:schemeClr val="tx2"/>
-    </cs:fontRef>
-    <cs:spPr>
-      <a:ln w="9525">
-        <a:solidFill>
-          <a:schemeClr val="tx2">
-            <a:lumMod val="15000"/>
-            <a:lumOff val="85000"/>
-          </a:schemeClr>
-        </a:solidFill>
-      </a:ln>
-    </cs:spPr>
-    <cs:defRPr sz="1197" kern="1200"/>
-  </cs:dataTable>
-  <cs:downBar>
-    <cs:lnRef idx="0"/>
-    <cs:fillRef idx="0"/>
-    <cs:effectRef idx="0"/>
-    <cs:fontRef idx="minor">
-      <a:schemeClr val="dk1"/>
-    </cs:fontRef>
-    <cs:spPr>
-      <a:solidFill>
-        <a:schemeClr val="dk1">
-          <a:lumMod val="65000"/>
-          <a:lumOff val="35000"/>
-        </a:schemeClr>
-      </a:solidFill>
-      <a:ln w="9525">
-        <a:solidFill>
-          <a:schemeClr val="tx1">
-            <a:lumMod val="65000"/>
-            <a:lumOff val="35000"/>
-          </a:schemeClr>
-        </a:solidFill>
-      </a:ln>
-    </cs:spPr>
-  </cs:downBar>
-  <cs:dropLine>
-    <cs:lnRef idx="0"/>
-    <cs:fillRef idx="0"/>
-    <cs:effectRef idx="0"/>
-    <cs:fontRef idx="minor">
-      <a:schemeClr val="tx2"/>
-    </cs:fontRef>
-    <cs:spPr>
-      <a:ln w="9525">
-        <a:solidFill>
-          <a:schemeClr val="dk1">
-            <a:lumMod val="75000"/>
-            <a:lumOff val="25000"/>
-          </a:schemeClr>
-        </a:solidFill>
-        <a:prstDash val="dash"/>
-      </a:ln>
-    </cs:spPr>
-  </cs:dropLine>
-  <cs:errorBar>
-    <cs:lnRef idx="0"/>
-    <cs:fillRef idx="0"/>
-    <cs:effectRef idx="0"/>
-    <cs:fontRef idx="minor">
-      <a:schemeClr val="tx2"/>
-    </cs:fontRef>
-    <cs:spPr>
-      <a:ln w="9525">
-        <a:solidFill>
-          <a:schemeClr val="tx2">
-            <a:lumMod val="75000"/>
-          </a:schemeClr>
-        </a:solidFill>
-        <a:round/>
-      </a:ln>
-    </cs:spPr>
-  </cs:errorBar>
-  <cs:floor>
-    <cs:lnRef idx="0"/>
-    <cs:fillRef idx="0"/>
-    <cs:effectRef idx="0"/>
-    <cs:fontRef idx="minor">
-      <a:schemeClr val="tx2"/>
-    </cs:fontRef>
-  </cs:floor>
-  <cs:gridlineMajor>
-    <cs:lnRef idx="0"/>
-    <cs:fillRef idx="0"/>
-    <cs:effectRef idx="0"/>
-    <cs:fontRef idx="minor">
-      <a:schemeClr val="tx2"/>
-    </cs:fontRef>
-    <cs:spPr>
-      <a:ln w="9525" cap="flat" cmpd="sng" algn="ctr">
-        <a:solidFill>
-          <a:schemeClr val="tx2">
-            <a:lumMod val="15000"/>
-            <a:lumOff val="85000"/>
-          </a:schemeClr>
-        </a:solidFill>
-        <a:round/>
-      </a:ln>
-    </cs:spPr>
-  </cs:gridlineMajor>
-  <cs:gridlineMinor>
-    <cs:lnRef idx="0"/>
-    <cs:fillRef idx="0"/>
-    <cs:effectRef idx="0"/>
-    <cs:fontRef idx="minor">
-      <a:schemeClr val="tx2"/>
-    </cs:fontRef>
-    <cs:spPr>
-      <a:ln>
-        <a:solidFill>
-          <a:schemeClr val="tx2">
-            <a:lumMod val="5000"/>
-            <a:lumOff val="95000"/>
-          </a:schemeClr>
-        </a:solidFill>
-      </a:ln>
-    </cs:spPr>
-  </cs:gridlineMinor>
-  <cs:hiLoLine>
-    <cs:lnRef idx="0"/>
-    <cs:fillRef idx="0"/>
-    <cs:effectRef idx="0"/>
-    <cs:fontRef idx="minor">
-      <a:schemeClr val="tx2"/>
-    </cs:fontRef>
-    <cs:spPr>
-      <a:ln w="9525">
-        <a:solidFill>
-          <a:schemeClr val="dk1">
-            <a:lumMod val="75000"/>
-            <a:lumOff val="25000"/>
-          </a:schemeClr>
-        </a:solidFill>
-      </a:ln>
-    </cs:spPr>
-  </cs:hiLoLine>
-  <cs:leaderLine>
-    <cs:lnRef idx="0"/>
-    <cs:fillRef idx="0"/>
-    <cs:effectRef idx="0"/>
-    <cs:fontRef idx="minor">
-      <a:schemeClr val="tx2"/>
-    </cs:fontRef>
-    <cs:spPr>
-      <a:ln w="9525">
-        <a:solidFill>
-          <a:schemeClr val="tx2">
-            <a:lumMod val="35000"/>
-            <a:lumOff val="65000"/>
-          </a:schemeClr>
-        </a:solidFill>
-      </a:ln>
-    </cs:spPr>
-  </cs:leaderLine>
-  <cs:legend>
-    <cs:lnRef idx="0"/>
-    <cs:fillRef idx="0"/>
-    <cs:effectRef idx="0"/>
-    <cs:fontRef idx="minor">
-      <a:schemeClr val="tx2"/>
-    </cs:fontRef>
-    <cs:defRPr sz="1197" kern="1200"/>
-  </cs:legend>
-  <cs:plotArea>
-    <cs:lnRef idx="0"/>
-    <cs:fillRef idx="0"/>
-    <cs:effectRef idx="0"/>
-    <cs:fontRef idx="minor">
-      <a:schemeClr val="tx2"/>
-    </cs:fontRef>
-  </cs:plotArea>
-  <cs:plotArea3D>
-    <cs:lnRef idx="0"/>
-    <cs:fillRef idx="0"/>
-    <cs:effectRef idx="0"/>
-    <cs:fontRef idx="minor">
-      <a:schemeClr val="tx2"/>
-    </cs:fontRef>
-  </cs:plotArea3D>
-  <cs:seriesAxis>
-    <cs:lnRef idx="0"/>
-    <cs:fillRef idx="0"/>
-    <cs:effectRef idx="0"/>
-    <cs:fontRef idx="minor">
-      <a:schemeClr val="tx2"/>
-    </cs:fontRef>
-    <cs:spPr>
-      <a:ln w="9525" cap="flat" cmpd="sng" algn="ctr">
-        <a:solidFill>
-          <a:schemeClr val="tx2">
-            <a:lumMod val="15000"/>
-            <a:lumOff val="85000"/>
-          </a:schemeClr>
-        </a:solidFill>
-        <a:round/>
-      </a:ln>
-    </cs:spPr>
-    <cs:defRPr sz="1197" kern="1200"/>
-  </cs:seriesAxis>
-  <cs:seriesLine>
-    <cs:lnRef idx="0"/>
-    <cs:fillRef idx="0"/>
-    <cs:effectRef idx="0"/>
-    <cs:fontRef idx="minor">
-      <a:schemeClr val="tx2"/>
-    </cs:fontRef>
-    <cs:spPr>
-      <a:ln w="9525">
-        <a:solidFill>
-          <a:schemeClr val="tx2">
-            <a:lumMod val="60000"/>
-            <a:lumOff val="40000"/>
-          </a:schemeClr>
-        </a:solidFill>
-        <a:prstDash val="dash"/>
-      </a:ln>
-    </cs:spPr>
-  </cs:seriesLine>
-  <cs:title>
-    <cs:lnRef idx="0"/>
-    <cs:fillRef idx="0"/>
-    <cs:effectRef idx="0"/>
-    <cs:fontRef idx="minor">
-      <a:schemeClr val="tx2"/>
-    </cs:fontRef>
-    <cs:defRPr sz="2128" b="1" kern="1200"/>
-  </cs:title>
-  <cs:trendline>
-    <cs:lnRef idx="0">
-      <cs:styleClr val="auto"/>
-    </cs:lnRef>
-    <cs:fillRef idx="0"/>
-    <cs:effectRef idx="0"/>
-    <cs:fontRef idx="minor">
-      <a:schemeClr val="tx2"/>
-    </cs:fontRef>
-    <cs:spPr>
-      <a:ln w="19050" cap="rnd">
-        <a:solidFill>
-          <a:schemeClr val="phClr"/>
-        </a:solidFill>
-        <a:prstDash val="sysDash"/>
-      </a:ln>
-    </cs:spPr>
-  </cs:trendline>
-  <cs:trendlineLabel>
-    <cs:lnRef idx="0"/>
-    <cs:fillRef idx="0"/>
-    <cs:effectRef idx="0"/>
-    <cs:fontRef idx="minor">
-      <a:schemeClr val="tx2"/>
-    </cs:fontRef>
-    <cs:defRPr sz="1197" kern="1200"/>
-  </cs:trendlineLabel>
-  <cs:upBar>
-    <cs:lnRef idx="0"/>
-    <cs:fillRef idx="0"/>
-    <cs:effectRef idx="0"/>
-    <cs:fontRef idx="minor">
-      <a:schemeClr val="tx2"/>
-    </cs:fontRef>
-    <cs:spPr>
-      <a:solidFill>
-        <a:schemeClr val="lt1"/>
-      </a:solidFill>
-      <a:ln w="9525">
-        <a:solidFill>
-          <a:schemeClr val="tx1">
-            <a:lumMod val="15000"/>
-            <a:lumOff val="85000"/>
-          </a:schemeClr>
-        </a:solidFill>
-      </a:ln>
-    </cs:spPr>
-  </cs:upBar>
-  <cs:valueAxis>
-    <cs:lnRef idx="0"/>
-    <cs:fillRef idx="0"/>
-    <cs:effectRef idx="0"/>
-    <cs:fontRef idx="minor">
-      <a:schemeClr val="tx2"/>
-    </cs:fontRef>
-    <cs:defRPr sz="1197" kern="1200"/>
-  </cs:valueAxis>
-  <cs:wall>
-    <cs:lnRef idx="0"/>
-    <cs:fillRef idx="0"/>
-    <cs:effectRef idx="0"/>
-    <cs:fontRef idx="minor">
-      <a:schemeClr val="tx2"/>
-    </cs:fontRef>
-  </cs:wall>
-</cs:chartStyle>
-</file>
-
 <file path=ppt/diagrams/colors1.xml><?xml version="1.0" encoding="utf-8"?>
-<dgm:colorsDef xmlns:dgm="http://schemas.openxmlformats.org/drawingml/2006/diagram" xmlns:a="http://schemas.openxmlformats.org/drawingml/2006/main" uniqueId="urn:microsoft.com/office/officeart/2005/8/colors/accent0_1">
+<dgm:colorsDef xmlns:dgm="http://schemas.openxmlformats.org/drawingml/2006/diagram" xmlns:a="http://schemas.openxmlformats.org/drawingml/2006/main" uniqueId="urn:microsoft.com/office/officeart/2005/8/colors/accent1_2">
   <dgm:title val=""/>
   <dgm:desc val=""/>
   <dgm:catLst>
-    <dgm:cat type="mainScheme" pri="10100"/>
+    <dgm:cat type="accent1" pri="11200"/>
   </dgm:catLst>
   <dgm:styleLbl name="node0">
     <dgm:fillClrLst meth="repeat">
-      <a:schemeClr val="lt1"/>
+      <a:schemeClr val="accent1"/>
     </dgm:fillClrLst>
     <dgm:linClrLst meth="repeat">
-      <a:schemeClr val="dk1">
-        <a:shade val="80000"/>
-      </a:schemeClr>
+      <a:schemeClr val="lt1"/>
     </dgm:linClrLst>
     <dgm:effectClrLst/>
     <dgm:txLinClrLst/>
-    <dgm:txFillClrLst meth="repeat">
-      <a:schemeClr val="dk1"/>
-    </dgm:txFillClrLst>
+    <dgm:txFillClrLst/>
+    <dgm:txEffectClrLst/>
+  </dgm:styleLbl>
+  <dgm:styleLbl name="alignNode1">
+    <dgm:fillClrLst meth="repeat">
+      <a:schemeClr val="accent1"/>
+    </dgm:fillClrLst>
+    <dgm:linClrLst meth="repeat">
+      <a:schemeClr val="accent1"/>
+    </dgm:linClrLst>
+    <dgm:effectClrLst/>
+    <dgm:txLinClrLst/>
+    <dgm:txFillClrLst/>
     <dgm:txEffectClrLst/>
   </dgm:styleLbl>
   <dgm:styleLbl name="node1">
     <dgm:fillClrLst meth="repeat">
-      <a:schemeClr val="lt1"/>
+      <a:schemeClr val="accent1"/>
     </dgm:fillClrLst>
     <dgm:linClrLst meth="repeat">
-      <a:schemeClr val="dk1">
-        <a:shade val="80000"/>
-      </a:schemeClr>
+      <a:schemeClr val="lt1"/>
     </dgm:linClrLst>
     <dgm:effectClrLst/>
     <dgm:txLinClrLst/>
-    <dgm:txFillClrLst meth="repeat">
-      <a:schemeClr val="dk1"/>
-    </dgm:txFillClrLst>
-    <dgm:txEffectClrLst/>
-  </dgm:styleLbl>
-  <dgm:styleLbl name="alignNode1">
-    <dgm:fillClrLst meth="repeat">
-      <a:schemeClr val="lt1"/>
-    </dgm:fillClrLst>
-    <dgm:linClrLst meth="repeat">
-      <a:schemeClr val="dk1">
-        <a:shade val="80000"/>
-      </a:schemeClr>
-    </dgm:linClrLst>
-    <dgm:effectClrLst/>
-    <dgm:txLinClrLst/>
-    <dgm:txFillClrLst meth="repeat">
-      <a:schemeClr val="dk1"/>
-    </dgm:txFillClrLst>
+    <dgm:txFillClrLst/>
     <dgm:txEffectClrLst/>
   </dgm:styleLbl>
   <dgm:styleLbl name="lnNode1">
     <dgm:fillClrLst meth="repeat">
-      <a:schemeClr val="lt1"/>
+      <a:schemeClr val="accent1"/>
     </dgm:fillClrLst>
     <dgm:linClrLst meth="repeat">
-      <a:schemeClr val="dk1">
-        <a:shade val="80000"/>
-      </a:schemeClr>
+      <a:schemeClr val="lt1"/>
     </dgm:linClrLst>
     <dgm:effectClrLst/>
     <dgm:txLinClrLst/>
-    <dgm:txFillClrLst meth="repeat">
-      <a:schemeClr val="dk1"/>
-    </dgm:txFillClrLst>
+    <dgm:txFillClrLst/>
     <dgm:txEffectClrLst/>
   </dgm:styleLbl>
   <dgm:styleLbl name="vennNode1">
     <dgm:fillClrLst meth="repeat">
-      <a:schemeClr val="lt1">
+      <a:schemeClr val="accent1">
         <a:alpha val="50000"/>
       </a:schemeClr>
     </dgm:fillClrLst>
     <dgm:linClrLst meth="repeat">
-      <a:schemeClr val="dk1">
-        <a:shade val="80000"/>
-      </a:schemeClr>
+      <a:schemeClr val="lt1"/>
     </dgm:linClrLst>
     <dgm:effectClrLst/>
     <dgm:txLinClrLst/>
@@ -2154,62 +1722,48 @@
   </dgm:styleLbl>
   <dgm:styleLbl name="node2">
     <dgm:fillClrLst meth="repeat">
-      <a:schemeClr val="lt1"/>
+      <a:schemeClr val="accent1"/>
     </dgm:fillClrLst>
     <dgm:linClrLst meth="repeat">
-      <a:schemeClr val="dk1">
-        <a:shade val="80000"/>
-      </a:schemeClr>
+      <a:schemeClr val="lt1"/>
     </dgm:linClrLst>
     <dgm:effectClrLst/>
     <dgm:txLinClrLst/>
-    <dgm:txFillClrLst meth="repeat">
-      <a:schemeClr val="dk1"/>
-    </dgm:txFillClrLst>
+    <dgm:txFillClrLst/>
     <dgm:txEffectClrLst/>
   </dgm:styleLbl>
   <dgm:styleLbl name="node3">
     <dgm:fillClrLst meth="repeat">
-      <a:schemeClr val="lt1"/>
+      <a:schemeClr val="accent1"/>
     </dgm:fillClrLst>
     <dgm:linClrLst meth="repeat">
-      <a:schemeClr val="dk1">
-        <a:shade val="80000"/>
-      </a:schemeClr>
+      <a:schemeClr val="lt1"/>
     </dgm:linClrLst>
     <dgm:effectClrLst/>
     <dgm:txLinClrLst/>
-    <dgm:txFillClrLst meth="repeat">
-      <a:schemeClr val="dk1"/>
-    </dgm:txFillClrLst>
+    <dgm:txFillClrLst/>
     <dgm:txEffectClrLst/>
   </dgm:styleLbl>
   <dgm:styleLbl name="node4">
     <dgm:fillClrLst meth="repeat">
-      <a:schemeClr val="lt1"/>
+      <a:schemeClr val="accent1"/>
     </dgm:fillClrLst>
     <dgm:linClrLst meth="repeat">
-      <a:schemeClr val="dk1">
-        <a:shade val="80000"/>
-      </a:schemeClr>
+      <a:schemeClr val="lt1"/>
     </dgm:linClrLst>
     <dgm:effectClrLst/>
     <dgm:txLinClrLst/>
-    <dgm:txFillClrLst meth="repeat">
-      <a:schemeClr val="dk1"/>
-    </dgm:txFillClrLst>
+    <dgm:txFillClrLst/>
     <dgm:txEffectClrLst/>
   </dgm:styleLbl>
   <dgm:styleLbl name="fgImgPlace1">
     <dgm:fillClrLst meth="repeat">
-      <a:schemeClr val="dk1">
-        <a:tint val="40000"/>
+      <a:schemeClr val="accent1">
+        <a:tint val="50000"/>
       </a:schemeClr>
     </dgm:fillClrLst>
     <dgm:linClrLst meth="repeat">
-      <a:schemeClr val="dk1">
-        <a:shade val="80000"/>
-      </a:schemeClr>
+      <a:schemeClr val="lt1"/>
     </dgm:linClrLst>
     <dgm:effectClrLst/>
     <dgm:txLinClrLst/>
@@ -2220,14 +1774,12 @@
   </dgm:styleLbl>
   <dgm:styleLbl name="alignImgPlace1">
     <dgm:fillClrLst meth="repeat">
-      <a:schemeClr val="dk1">
-        <a:tint val="40000"/>
+      <a:schemeClr val="accent1">
+        <a:tint val="50000"/>
       </a:schemeClr>
     </dgm:fillClrLst>
     <dgm:linClrLst meth="repeat">
-      <a:schemeClr val="dk1">
-        <a:shade val="80000"/>
-      </a:schemeClr>
+      <a:schemeClr val="lt1"/>
     </dgm:linClrLst>
     <dgm:effectClrLst/>
     <dgm:txLinClrLst/>
@@ -2238,14 +1790,12 @@
   </dgm:styleLbl>
   <dgm:styleLbl name="bgImgPlace1">
     <dgm:fillClrLst meth="repeat">
-      <a:schemeClr val="dk1">
-        <a:tint val="40000"/>
+      <a:schemeClr val="accent1">
+        <a:tint val="50000"/>
       </a:schemeClr>
     </dgm:fillClrLst>
     <dgm:linClrLst meth="repeat">
-      <a:schemeClr val="dk1">
-        <a:shade val="80000"/>
-      </a:schemeClr>
+      <a:schemeClr val="lt1"/>
     </dgm:linClrLst>
     <dgm:effectClrLst/>
     <dgm:txLinClrLst/>
@@ -2256,64 +1806,58 @@
   </dgm:styleLbl>
   <dgm:styleLbl name="sibTrans2D1">
     <dgm:fillClrLst meth="repeat">
-      <a:schemeClr val="dk1">
+      <a:schemeClr val="accent1">
         <a:tint val="60000"/>
       </a:schemeClr>
     </dgm:fillClrLst>
     <dgm:linClrLst meth="repeat">
-      <a:schemeClr val="dk1">
+      <a:schemeClr val="accent1">
         <a:tint val="60000"/>
       </a:schemeClr>
     </dgm:linClrLst>
     <dgm:effectClrLst/>
     <dgm:txLinClrLst/>
-    <dgm:txFillClrLst meth="repeat">
-      <a:schemeClr val="dk1"/>
-    </dgm:txFillClrLst>
+    <dgm:txFillClrLst/>
     <dgm:txEffectClrLst/>
   </dgm:styleLbl>
   <dgm:styleLbl name="fgSibTrans2D1">
     <dgm:fillClrLst meth="repeat">
-      <a:schemeClr val="dk1">
+      <a:schemeClr val="accent1">
         <a:tint val="60000"/>
       </a:schemeClr>
     </dgm:fillClrLst>
     <dgm:linClrLst meth="repeat">
-      <a:schemeClr val="dk1">
+      <a:schemeClr val="accent1">
         <a:tint val="60000"/>
       </a:schemeClr>
     </dgm:linClrLst>
     <dgm:effectClrLst/>
     <dgm:txLinClrLst/>
-    <dgm:txFillClrLst meth="repeat">
-      <a:schemeClr val="dk1"/>
-    </dgm:txFillClrLst>
+    <dgm:txFillClrLst/>
     <dgm:txEffectClrLst/>
   </dgm:styleLbl>
   <dgm:styleLbl name="bgSibTrans2D1">
     <dgm:fillClrLst meth="repeat">
-      <a:schemeClr val="dk1">
+      <a:schemeClr val="accent1">
         <a:tint val="60000"/>
       </a:schemeClr>
     </dgm:fillClrLst>
     <dgm:linClrLst meth="repeat">
-      <a:schemeClr val="dk1">
+      <a:schemeClr val="accent1">
         <a:tint val="60000"/>
       </a:schemeClr>
     </dgm:linClrLst>
     <dgm:effectClrLst/>
     <dgm:txLinClrLst/>
-    <dgm:txFillClrLst meth="repeat">
-      <a:schemeClr val="dk1"/>
-    </dgm:txFillClrLst>
+    <dgm:txFillClrLst/>
     <dgm:txEffectClrLst/>
   </dgm:styleLbl>
   <dgm:styleLbl name="sibTrans1D1">
     <dgm:fillClrLst meth="repeat">
-      <a:schemeClr val="dk1"/>
+      <a:schemeClr val="accent1"/>
     </dgm:fillClrLst>
     <dgm:linClrLst meth="repeat">
-      <a:schemeClr val="dk1"/>
+      <a:schemeClr val="accent1"/>
     </dgm:linClrLst>
     <dgm:effectClrLst/>
     <dgm:txLinClrLst/>
@@ -2324,10 +1868,12 @@
   </dgm:styleLbl>
   <dgm:styleLbl name="callout">
     <dgm:fillClrLst meth="repeat">
-      <a:schemeClr val="dk1"/>
+      <a:schemeClr val="accent1"/>
     </dgm:fillClrLst>
     <dgm:linClrLst meth="repeat">
-      <a:schemeClr val="dk1"/>
+      <a:schemeClr val="accent1">
+        <a:tint val="50000"/>
+      </a:schemeClr>
     </dgm:linClrLst>
     <dgm:effectClrLst/>
     <dgm:txLinClrLst/>
@@ -2338,130 +1884,116 @@
   </dgm:styleLbl>
   <dgm:styleLbl name="asst0">
     <dgm:fillClrLst meth="repeat">
-      <a:schemeClr val="lt1"/>
+      <a:schemeClr val="accent1"/>
     </dgm:fillClrLst>
     <dgm:linClrLst meth="repeat">
-      <a:schemeClr val="dk1">
-        <a:shade val="80000"/>
-      </a:schemeClr>
-    </dgm:linClrLst>
-    <dgm:effectClrLst/>
-    <dgm:txLinClrLst/>
-    <dgm:txFillClrLst meth="repeat">
-      <a:schemeClr val="dk1"/>
-    </dgm:txFillClrLst>
-    <dgm:txEffectClrLst/>
-  </dgm:styleLbl>
-  <dgm:styleLbl name="asst1">
-    <dgm:fillClrLst meth="repeat">
       <a:schemeClr val="lt1"/>
-    </dgm:fillClrLst>
-    <dgm:linClrLst meth="repeat">
-      <a:schemeClr val="dk1">
-        <a:shade val="80000"/>
-      </a:schemeClr>
-    </dgm:linClrLst>
-    <dgm:effectClrLst/>
-    <dgm:txLinClrLst/>
-    <dgm:txFillClrLst meth="repeat">
-      <a:schemeClr val="dk1"/>
-    </dgm:txFillClrLst>
-    <dgm:txEffectClrLst/>
-  </dgm:styleLbl>
-  <dgm:styleLbl name="asst2">
-    <dgm:fillClrLst meth="repeat">
-      <a:schemeClr val="lt1"/>
-    </dgm:fillClrLst>
-    <dgm:linClrLst meth="repeat">
-      <a:schemeClr val="dk1">
-        <a:shade val="80000"/>
-      </a:schemeClr>
-    </dgm:linClrLst>
-    <dgm:effectClrLst/>
-    <dgm:txLinClrLst/>
-    <dgm:txFillClrLst meth="repeat">
-      <a:schemeClr val="dk1"/>
-    </dgm:txFillClrLst>
-    <dgm:txEffectClrLst/>
-  </dgm:styleLbl>
-  <dgm:styleLbl name="asst3">
-    <dgm:fillClrLst meth="repeat">
-      <a:schemeClr val="lt1"/>
-    </dgm:fillClrLst>
-    <dgm:linClrLst meth="repeat">
-      <a:schemeClr val="dk1">
-        <a:shade val="80000"/>
-      </a:schemeClr>
-    </dgm:linClrLst>
-    <dgm:effectClrLst/>
-    <dgm:txLinClrLst/>
-    <dgm:txFillClrLst meth="repeat">
-      <a:schemeClr val="dk1"/>
-    </dgm:txFillClrLst>
-    <dgm:txEffectClrLst/>
-  </dgm:styleLbl>
-  <dgm:styleLbl name="asst4">
-    <dgm:fillClrLst meth="repeat">
-      <a:schemeClr val="lt1"/>
-    </dgm:fillClrLst>
-    <dgm:linClrLst meth="repeat">
-      <a:schemeClr val="dk1">
-        <a:shade val="80000"/>
-      </a:schemeClr>
-    </dgm:linClrLst>
-    <dgm:effectClrLst/>
-    <dgm:txLinClrLst/>
-    <dgm:txFillClrLst meth="repeat">
-      <a:schemeClr val="dk1"/>
-    </dgm:txFillClrLst>
-    <dgm:txEffectClrLst/>
-  </dgm:styleLbl>
-  <dgm:styleLbl name="parChTrans2D1">
-    <dgm:fillClrLst meth="repeat">
-      <a:schemeClr val="dk1">
-        <a:tint val="60000"/>
-      </a:schemeClr>
-    </dgm:fillClrLst>
-    <dgm:linClrLst meth="repeat">
-      <a:schemeClr val="dk1">
-        <a:tint val="60000"/>
-      </a:schemeClr>
     </dgm:linClrLst>
     <dgm:effectClrLst/>
     <dgm:txLinClrLst/>
     <dgm:txFillClrLst/>
     <dgm:txEffectClrLst/>
   </dgm:styleLbl>
-  <dgm:styleLbl name="parChTrans2D2">
+  <dgm:styleLbl name="asst1">
     <dgm:fillClrLst meth="repeat">
-      <a:schemeClr val="dk1"/>
+      <a:schemeClr val="accent1"/>
     </dgm:fillClrLst>
     <dgm:linClrLst meth="repeat">
-      <a:schemeClr val="dk1"/>
+      <a:schemeClr val="lt1"/>
     </dgm:linClrLst>
     <dgm:effectClrLst/>
     <dgm:txLinClrLst/>
     <dgm:txFillClrLst/>
     <dgm:txEffectClrLst/>
   </dgm:styleLbl>
-  <dgm:styleLbl name="parChTrans2D3">
+  <dgm:styleLbl name="asst2">
     <dgm:fillClrLst meth="repeat">
-      <a:schemeClr val="dk1"/>
+      <a:schemeClr val="accent1"/>
     </dgm:fillClrLst>
     <dgm:linClrLst meth="repeat">
-      <a:schemeClr val="dk1"/>
+      <a:schemeClr val="lt1"/>
     </dgm:linClrLst>
     <dgm:effectClrLst/>
     <dgm:txLinClrLst/>
     <dgm:txFillClrLst/>
     <dgm:txEffectClrLst/>
   </dgm:styleLbl>
+  <dgm:styleLbl name="asst3">
+    <dgm:fillClrLst meth="repeat">
+      <a:schemeClr val="accent1"/>
+    </dgm:fillClrLst>
+    <dgm:linClrLst meth="repeat">
+      <a:schemeClr val="lt1"/>
+    </dgm:linClrLst>
+    <dgm:effectClrLst/>
+    <dgm:txLinClrLst/>
+    <dgm:txFillClrLst/>
+    <dgm:txEffectClrLst/>
+  </dgm:styleLbl>
+  <dgm:styleLbl name="asst4">
+    <dgm:fillClrLst meth="repeat">
+      <a:schemeClr val="accent1"/>
+    </dgm:fillClrLst>
+    <dgm:linClrLst meth="repeat">
+      <a:schemeClr val="lt1"/>
+    </dgm:linClrLst>
+    <dgm:effectClrLst/>
+    <dgm:txLinClrLst/>
+    <dgm:txFillClrLst/>
+    <dgm:txEffectClrLst/>
+  </dgm:styleLbl>
+  <dgm:styleLbl name="parChTrans2D1">
+    <dgm:fillClrLst meth="repeat">
+      <a:schemeClr val="accent1">
+        <a:tint val="60000"/>
+      </a:schemeClr>
+    </dgm:fillClrLst>
+    <dgm:linClrLst meth="repeat">
+      <a:schemeClr val="accent1">
+        <a:tint val="60000"/>
+      </a:schemeClr>
+    </dgm:linClrLst>
+    <dgm:effectClrLst/>
+    <dgm:txLinClrLst/>
+    <dgm:txFillClrLst meth="repeat">
+      <a:schemeClr val="lt1"/>
+    </dgm:txFillClrLst>
+    <dgm:txEffectClrLst/>
+  </dgm:styleLbl>
+  <dgm:styleLbl name="parChTrans2D2">
+    <dgm:fillClrLst meth="repeat">
+      <a:schemeClr val="accent1"/>
+    </dgm:fillClrLst>
+    <dgm:linClrLst meth="repeat">
+      <a:schemeClr val="accent1"/>
+    </dgm:linClrLst>
+    <dgm:effectClrLst/>
+    <dgm:txLinClrLst/>
+    <dgm:txFillClrLst meth="repeat">
+      <a:schemeClr val="lt1"/>
+    </dgm:txFillClrLst>
+    <dgm:txEffectClrLst/>
+  </dgm:styleLbl>
+  <dgm:styleLbl name="parChTrans2D3">
+    <dgm:fillClrLst meth="repeat">
+      <a:schemeClr val="accent1"/>
+    </dgm:fillClrLst>
+    <dgm:linClrLst meth="repeat">
+      <a:schemeClr val="accent1"/>
+    </dgm:linClrLst>
+    <dgm:effectClrLst/>
+    <dgm:txLinClrLst/>
+    <dgm:txFillClrLst meth="repeat">
+      <a:schemeClr val="lt1"/>
+    </dgm:txFillClrLst>
+    <dgm:txEffectClrLst/>
+  </dgm:styleLbl>
   <dgm:styleLbl name="parChTrans2D4">
     <dgm:fillClrLst meth="repeat">
-      <a:schemeClr val="dk1"/>
+      <a:schemeClr val="accent1"/>
     </dgm:fillClrLst>
     <dgm:linClrLst meth="repeat">
-      <a:schemeClr val="dk1"/>
+      <a:schemeClr val="accent1"/>
     </dgm:linClrLst>
     <dgm:effectClrLst/>
     <dgm:txLinClrLst/>
@@ -2472,10 +2004,10 @@
   </dgm:styleLbl>
   <dgm:styleLbl name="parChTrans1D1">
     <dgm:fillClrLst meth="repeat">
-      <a:schemeClr val="dk1"/>
+      <a:schemeClr val="accent1"/>
     </dgm:fillClrLst>
     <dgm:linClrLst meth="repeat">
-      <a:schemeClr val="dk1">
+      <a:schemeClr val="accent1">
         <a:shade val="60000"/>
       </a:schemeClr>
     </dgm:linClrLst>
@@ -2488,10 +2020,10 @@
   </dgm:styleLbl>
   <dgm:styleLbl name="parChTrans1D2">
     <dgm:fillClrLst meth="repeat">
-      <a:schemeClr val="dk1"/>
+      <a:schemeClr val="accent1"/>
     </dgm:fillClrLst>
     <dgm:linClrLst meth="repeat">
-      <a:schemeClr val="dk1">
+      <a:schemeClr val="accent1">
         <a:shade val="60000"/>
       </a:schemeClr>
     </dgm:linClrLst>
@@ -2504,10 +2036,10 @@
   </dgm:styleLbl>
   <dgm:styleLbl name="parChTrans1D3">
     <dgm:fillClrLst meth="repeat">
-      <a:schemeClr val="dk1"/>
+      <a:schemeClr val="accent1"/>
     </dgm:fillClrLst>
     <dgm:linClrLst meth="repeat">
-      <a:schemeClr val="dk1">
+      <a:schemeClr val="accent1">
         <a:shade val="80000"/>
       </a:schemeClr>
     </dgm:linClrLst>
@@ -2520,10 +2052,10 @@
   </dgm:styleLbl>
   <dgm:styleLbl name="parChTrans1D4">
     <dgm:fillClrLst meth="repeat">
-      <a:schemeClr val="dk1"/>
+      <a:schemeClr val="accent1"/>
     </dgm:fillClrLst>
     <dgm:linClrLst meth="repeat">
-      <a:schemeClr val="dk1">
+      <a:schemeClr val="accent1">
         <a:shade val="80000"/>
       </a:schemeClr>
     </dgm:linClrLst>
@@ -2536,13 +2068,12 @@
   </dgm:styleLbl>
   <dgm:styleLbl name="fgAcc1">
     <dgm:fillClrLst meth="repeat">
-      <a:schemeClr val="dk1">
+      <a:schemeClr val="lt1">
         <a:alpha val="90000"/>
-        <a:tint val="40000"/>
       </a:schemeClr>
     </dgm:fillClrLst>
     <dgm:linClrLst meth="repeat">
-      <a:schemeClr val="dk1"/>
+      <a:schemeClr val="accent1"/>
     </dgm:linClrLst>
     <dgm:effectClrLst/>
     <dgm:txLinClrLst/>
@@ -2553,13 +2084,12 @@
   </dgm:styleLbl>
   <dgm:styleLbl name="conFgAcc1">
     <dgm:fillClrLst meth="repeat">
-      <a:schemeClr val="dk1">
+      <a:schemeClr val="lt1">
         <a:alpha val="90000"/>
-        <a:tint val="40000"/>
       </a:schemeClr>
     </dgm:fillClrLst>
     <dgm:linClrLst meth="repeat">
-      <a:schemeClr val="dk1"/>
+      <a:schemeClr val="accent1"/>
     </dgm:linClrLst>
     <dgm:effectClrLst/>
     <dgm:txLinClrLst/>
@@ -2570,13 +2100,12 @@
   </dgm:styleLbl>
   <dgm:styleLbl name="alignAcc1">
     <dgm:fillClrLst meth="repeat">
-      <a:schemeClr val="dk1">
+      <a:schemeClr val="lt1">
         <a:alpha val="90000"/>
-        <a:tint val="40000"/>
       </a:schemeClr>
     </dgm:fillClrLst>
     <dgm:linClrLst meth="repeat">
-      <a:schemeClr val="dk1"/>
+      <a:schemeClr val="accent1"/>
     </dgm:linClrLst>
     <dgm:effectClrLst/>
     <dgm:txLinClrLst/>
@@ -2587,13 +2116,12 @@
   </dgm:styleLbl>
   <dgm:styleLbl name="trAlignAcc1">
     <dgm:fillClrLst meth="repeat">
-      <a:schemeClr val="dk1">
+      <a:schemeClr val="lt1">
         <a:alpha val="40000"/>
-        <a:tint val="40000"/>
       </a:schemeClr>
     </dgm:fillClrLst>
     <dgm:linClrLst meth="repeat">
-      <a:schemeClr val="dk1"/>
+      <a:schemeClr val="accent1"/>
     </dgm:linClrLst>
     <dgm:effectClrLst/>
     <dgm:txLinClrLst/>
@@ -2604,13 +2132,12 @@
   </dgm:styleLbl>
   <dgm:styleLbl name="bgAcc1">
     <dgm:fillClrLst meth="repeat">
-      <a:schemeClr val="dk1">
+      <a:schemeClr val="lt1">
         <a:alpha val="90000"/>
-        <a:tint val="40000"/>
       </a:schemeClr>
     </dgm:fillClrLst>
     <dgm:linClrLst meth="repeat">
-      <a:schemeClr val="dk1"/>
+      <a:schemeClr val="accent1"/>
     </dgm:linClrLst>
     <dgm:effectClrLst/>
     <dgm:txLinClrLst/>
@@ -2624,7 +2151,7 @@
       <a:schemeClr val="lt1"/>
     </dgm:fillClrLst>
     <dgm:linClrLst meth="repeat">
-      <a:schemeClr val="dk1"/>
+      <a:schemeClr val="accent1"/>
     </dgm:linClrLst>
     <dgm:effectClrLst/>
     <dgm:txLinClrLst/>
@@ -2638,7 +2165,7 @@
       <a:schemeClr val="lt1"/>
     </dgm:fillClrLst>
     <dgm:linClrLst meth="repeat">
-      <a:schemeClr val="dk1"/>
+      <a:schemeClr val="accent1"/>
     </dgm:linClrLst>
     <dgm:effectClrLst/>
     <dgm:txLinClrLst/>
@@ -2652,7 +2179,7 @@
       <a:schemeClr val="lt1"/>
     </dgm:fillClrLst>
     <dgm:linClrLst meth="repeat">
-      <a:schemeClr val="dk1"/>
+      <a:schemeClr val="accent1"/>
     </dgm:linClrLst>
     <dgm:effectClrLst/>
     <dgm:txLinClrLst/>
@@ -2663,14 +2190,15 @@
   </dgm:styleLbl>
   <dgm:styleLbl name="fgAccFollowNode1">
     <dgm:fillClrLst meth="repeat">
-      <a:schemeClr val="lt1">
+      <a:schemeClr val="accent1">
         <a:alpha val="90000"/>
         <a:tint val="40000"/>
       </a:schemeClr>
     </dgm:fillClrLst>
     <dgm:linClrLst meth="repeat">
-      <a:schemeClr val="dk1">
+      <a:schemeClr val="accent1">
         <a:alpha val="90000"/>
+        <a:tint val="40000"/>
       </a:schemeClr>
     </dgm:linClrLst>
     <dgm:effectClrLst/>
@@ -2682,14 +2210,15 @@
   </dgm:styleLbl>
   <dgm:styleLbl name="alignAccFollowNode1">
     <dgm:fillClrLst meth="repeat">
-      <a:schemeClr val="lt1">
+      <a:schemeClr val="accent1">
         <a:alpha val="90000"/>
         <a:tint val="40000"/>
       </a:schemeClr>
     </dgm:fillClrLst>
     <dgm:linClrLst meth="repeat">
-      <a:schemeClr val="dk1">
+      <a:schemeClr val="accent1">
         <a:alpha val="90000"/>
+        <a:tint val="40000"/>
       </a:schemeClr>
     </dgm:linClrLst>
     <dgm:effectClrLst/>
@@ -2701,14 +2230,15 @@
   </dgm:styleLbl>
   <dgm:styleLbl name="bgAccFollowNode1">
     <dgm:fillClrLst meth="repeat">
-      <a:schemeClr val="lt1">
+      <a:schemeClr val="accent1">
         <a:alpha val="90000"/>
         <a:tint val="40000"/>
       </a:schemeClr>
     </dgm:fillClrLst>
     <dgm:linClrLst meth="repeat">
-      <a:schemeClr val="dk1">
+      <a:schemeClr val="accent1">
         <a:alpha val="90000"/>
+        <a:tint val="40000"/>
       </a:schemeClr>
     </dgm:linClrLst>
     <dgm:effectClrLst/>
@@ -2720,13 +2250,12 @@
   </dgm:styleLbl>
   <dgm:styleLbl name="fgAcc0">
     <dgm:fillClrLst meth="repeat">
-      <a:schemeClr val="dk1">
+      <a:schemeClr val="lt1">
         <a:alpha val="90000"/>
-        <a:tint val="40000"/>
       </a:schemeClr>
     </dgm:fillClrLst>
     <dgm:linClrLst meth="repeat">
-      <a:schemeClr val="dk1"/>
+      <a:schemeClr val="accent1"/>
     </dgm:linClrLst>
     <dgm:effectClrLst/>
     <dgm:txLinClrLst/>
@@ -2737,13 +2266,12 @@
   </dgm:styleLbl>
   <dgm:styleLbl name="fgAcc2">
     <dgm:fillClrLst meth="repeat">
-      <a:schemeClr val="dk1">
+      <a:schemeClr val="lt1">
         <a:alpha val="90000"/>
-        <a:tint val="40000"/>
       </a:schemeClr>
     </dgm:fillClrLst>
     <dgm:linClrLst meth="repeat">
-      <a:schemeClr val="dk1"/>
+      <a:schemeClr val="accent1"/>
     </dgm:linClrLst>
     <dgm:effectClrLst/>
     <dgm:txLinClrLst/>
@@ -2754,13 +2282,12 @@
   </dgm:styleLbl>
   <dgm:styleLbl name="fgAcc3">
     <dgm:fillClrLst meth="repeat">
-      <a:schemeClr val="dk1">
+      <a:schemeClr val="lt1">
         <a:alpha val="90000"/>
-        <a:tint val="40000"/>
       </a:schemeClr>
     </dgm:fillClrLst>
     <dgm:linClrLst meth="repeat">
-      <a:schemeClr val="dk1"/>
+      <a:schemeClr val="accent1"/>
     </dgm:linClrLst>
     <dgm:effectClrLst/>
     <dgm:txLinClrLst/>
@@ -2771,13 +2298,12 @@
   </dgm:styleLbl>
   <dgm:styleLbl name="fgAcc4">
     <dgm:fillClrLst meth="repeat">
-      <a:schemeClr val="dk1">
+      <a:schemeClr val="lt1">
         <a:alpha val="90000"/>
-        <a:tint val="40000"/>
       </a:schemeClr>
     </dgm:fillClrLst>
     <dgm:linClrLst meth="repeat">
-      <a:schemeClr val="dk1"/>
+      <a:schemeClr val="accent1"/>
     </dgm:linClrLst>
     <dgm:effectClrLst/>
     <dgm:txLinClrLst/>
@@ -2788,12 +2314,12 @@
   </dgm:styleLbl>
   <dgm:styleLbl name="bgShp">
     <dgm:fillClrLst meth="repeat">
-      <a:schemeClr val="dk1">
+      <a:schemeClr val="accent1">
         <a:tint val="40000"/>
       </a:schemeClr>
     </dgm:fillClrLst>
     <dgm:linClrLst meth="repeat">
-      <a:schemeClr val="dk1"/>
+      <a:schemeClr val="accent1"/>
     </dgm:linClrLst>
     <dgm:effectClrLst/>
     <dgm:txLinClrLst/>
@@ -2804,12 +2330,12 @@
   </dgm:styleLbl>
   <dgm:styleLbl name="dkBgShp">
     <dgm:fillClrLst meth="repeat">
-      <a:schemeClr val="dk1">
+      <a:schemeClr val="accent1">
         <a:shade val="80000"/>
       </a:schemeClr>
     </dgm:fillClrLst>
     <dgm:linClrLst meth="repeat">
-      <a:schemeClr val="dk1"/>
+      <a:schemeClr val="accent1"/>
     </dgm:linClrLst>
     <dgm:effectClrLst/>
     <dgm:txLinClrLst/>
@@ -2820,13 +2346,13 @@
   </dgm:styleLbl>
   <dgm:styleLbl name="trBgShp">
     <dgm:fillClrLst meth="repeat">
-      <a:schemeClr val="dk1">
+      <a:schemeClr val="accent1">
         <a:tint val="50000"/>
         <a:alpha val="40000"/>
       </a:schemeClr>
     </dgm:fillClrLst>
     <dgm:linClrLst meth="repeat">
-      <a:schemeClr val="dk1"/>
+      <a:schemeClr val="accent1"/>
     </dgm:linClrLst>
     <dgm:effectClrLst/>
     <dgm:txLinClrLst/>
@@ -2837,7 +2363,7 @@
   </dgm:styleLbl>
   <dgm:styleLbl name="fgShp">
     <dgm:fillClrLst meth="repeat">
-      <a:schemeClr val="dk1">
+      <a:schemeClr val="accent1">
         <a:tint val="60000"/>
       </a:schemeClr>
     </dgm:fillClrLst>
@@ -2875,8 +2401,8 @@
 <file path=ppt/diagrams/data1.xml><?xml version="1.0" encoding="utf-8"?>
 <dgm:dataModel xmlns:dgm="http://schemas.openxmlformats.org/drawingml/2006/diagram" xmlns:a="http://schemas.openxmlformats.org/drawingml/2006/main">
   <dgm:ptLst>
-    <dgm:pt modelId="{A33F4830-5CD4-4C71-985C-0708E9B0BE14}" type="doc">
-      <dgm:prSet loTypeId="urn:microsoft.com/office/officeart/2005/8/layout/StepDownProcess" loCatId="process" qsTypeId="urn:microsoft.com/office/officeart/2005/8/quickstyle/simple4" qsCatId="simple" csTypeId="urn:microsoft.com/office/officeart/2005/8/colors/accent0_1" csCatId="mainScheme" phldr="1"/>
+    <dgm:pt modelId="{B7E95A82-D4B3-4775-822E-02DB8837F52F}" type="doc">
+      <dgm:prSet loTypeId="urn:microsoft.com/office/officeart/2005/8/layout/radial5" loCatId="cycle" qsTypeId="urn:microsoft.com/office/officeart/2005/8/quickstyle/simple1" qsCatId="simple" csTypeId="urn:microsoft.com/office/officeart/2005/8/colors/accent1_2" csCatId="accent1" phldr="1"/>
       <dgm:spPr/>
       <dgm:t>
         <a:bodyPr/>
@@ -2886,7 +2412,7 @@
         </a:p>
       </dgm:t>
     </dgm:pt>
-    <dgm:pt modelId="{98450B70-D18C-4E1D-97E9-FA8BA06091D9}">
+    <dgm:pt modelId="{6CB0CE09-BCC9-4DE1-ADB0-6B48F8029923}">
       <dgm:prSet phldrT="[Text]"/>
       <dgm:spPr/>
       <dgm:t>
@@ -2895,17 +2421,12 @@
         <a:p>
           <a:r>
             <a:rPr lang="en-US" dirty="0"/>
-            <a:t>Group A</a:t>
+            <a:t>Apt Owner</a:t>
           </a:r>
         </a:p>
       </dgm:t>
-      <dgm:extLst>
-        <a:ext uri="{E40237B7-FDA0-4F09-8148-C483321AD2D9}">
-          <dgm14:cNvPr xmlns:dgm14="http://schemas.microsoft.com/office/drawing/2010/diagram" id="0" name="" title="Group A title"/>
-        </a:ext>
-      </dgm:extLst>
     </dgm:pt>
-    <dgm:pt modelId="{D3A29EAE-789C-47E5-9852-BCEC72920C67}" type="parTrans" cxnId="{E5063A27-7015-42DC-B1DA-489D94936D4B}">
+    <dgm:pt modelId="{BAE1580A-569F-4C7E-9CAB-AEE6173B986C}" type="parTrans" cxnId="{FB47797D-BF8F-4A7A-A2E8-6A4EFA577132}">
       <dgm:prSet/>
       <dgm:spPr/>
       <dgm:t>
@@ -2916,7 +2437,7 @@
         </a:p>
       </dgm:t>
     </dgm:pt>
-    <dgm:pt modelId="{5476BBDE-A636-40EE-8272-09D0B7700854}" type="sibTrans" cxnId="{E5063A27-7015-42DC-B1DA-489D94936D4B}">
+    <dgm:pt modelId="{B173ED76-672A-4A62-B7DA-40292DA56648}" type="sibTrans" cxnId="{FB47797D-BF8F-4A7A-A2E8-6A4EFA577132}">
       <dgm:prSet/>
       <dgm:spPr/>
       <dgm:t>
@@ -2927,26 +2448,36 @@
         </a:p>
       </dgm:t>
     </dgm:pt>
-    <dgm:pt modelId="{C1B61D4D-7B51-471F-A0A6-E55A5EC41A8E}">
-      <dgm:prSet phldrT="[Text]"/>
+    <dgm:pt modelId="{1ACE35C9-B45F-4510-93F6-D858197D1398}">
+      <dgm:prSet phldrT="[Text]">
+        <dgm:style>
+          <a:lnRef idx="0">
+            <a:schemeClr val="dk1"/>
+          </a:lnRef>
+          <a:fillRef idx="3">
+            <a:schemeClr val="dk1"/>
+          </a:fillRef>
+          <a:effectRef idx="3">
+            <a:schemeClr val="dk1"/>
+          </a:effectRef>
+          <a:fontRef idx="minor">
+            <a:schemeClr val="lt1"/>
+          </a:fontRef>
+        </dgm:style>
+      </dgm:prSet>
       <dgm:spPr/>
       <dgm:t>
         <a:bodyPr/>
         <a:lstStyle/>
         <a:p>
           <a:r>
-            <a:rPr lang="en-US" dirty="0"/>
-            <a:t>Task 1</a:t>
+            <a:rPr lang="en-US" b="1" dirty="0"/>
+            <a:t>Time of  Year</a:t>
           </a:r>
         </a:p>
       </dgm:t>
-      <dgm:extLst>
-        <a:ext uri="{E40237B7-FDA0-4F09-8148-C483321AD2D9}">
-          <dgm14:cNvPr xmlns:dgm14="http://schemas.microsoft.com/office/drawing/2010/diagram" id="0" name="" title="Group A tasks"/>
-        </a:ext>
-      </dgm:extLst>
     </dgm:pt>
-    <dgm:pt modelId="{5710F621-701D-41BB-85BB-C0B920115602}" type="parTrans" cxnId="{EE0A8727-A6A5-4A4A-8E84-2B46A6195433}">
+    <dgm:pt modelId="{4867584D-6405-43EC-9002-0F238ABFF170}" type="parTrans" cxnId="{DE62A93C-8EA3-4BEA-B21F-8663E4B89AC6}">
       <dgm:prSet/>
       <dgm:spPr/>
       <dgm:t>
@@ -2957,7 +2488,7 @@
         </a:p>
       </dgm:t>
     </dgm:pt>
-    <dgm:pt modelId="{3F762C5C-6E64-4A25-ACCC-7257C2D7624F}" type="sibTrans" cxnId="{EE0A8727-A6A5-4A4A-8E84-2B46A6195433}">
+    <dgm:pt modelId="{7CC2BBA5-AF56-4D54-A1E0-EA12F7E28502}" type="sibTrans" cxnId="{DE62A93C-8EA3-4BEA-B21F-8663E4B89AC6}">
       <dgm:prSet/>
       <dgm:spPr/>
       <dgm:t>
@@ -2968,26 +2499,36 @@
         </a:p>
       </dgm:t>
     </dgm:pt>
-    <dgm:pt modelId="{F20117B0-FCD8-4927-B2D0-4FE779DC2A9B}">
-      <dgm:prSet phldrT="[Text]"/>
+    <dgm:pt modelId="{FE7D1D2D-5DC4-4B3F-B97B-0488FFF46B00}">
+      <dgm:prSet phldrT="[Text]">
+        <dgm:style>
+          <a:lnRef idx="0">
+            <a:schemeClr val="dk1"/>
+          </a:lnRef>
+          <a:fillRef idx="3">
+            <a:schemeClr val="dk1"/>
+          </a:fillRef>
+          <a:effectRef idx="3">
+            <a:schemeClr val="dk1"/>
+          </a:effectRef>
+          <a:fontRef idx="minor">
+            <a:schemeClr val="lt1"/>
+          </a:fontRef>
+        </dgm:style>
+      </dgm:prSet>
       <dgm:spPr/>
       <dgm:t>
         <a:bodyPr/>
         <a:lstStyle/>
         <a:p>
           <a:r>
-            <a:rPr lang="en-US" dirty="0"/>
-            <a:t>Group B</a:t>
+            <a:rPr lang="en-US" b="1" dirty="0"/>
+            <a:t>HH Income</a:t>
           </a:r>
         </a:p>
       </dgm:t>
-      <dgm:extLst>
-        <a:ext uri="{E40237B7-FDA0-4F09-8148-C483321AD2D9}">
-          <dgm14:cNvPr xmlns:dgm14="http://schemas.microsoft.com/office/drawing/2010/diagram" id="0" name="" title="Group B title"/>
-        </a:ext>
-      </dgm:extLst>
     </dgm:pt>
-    <dgm:pt modelId="{B7B5CF59-8994-46C1-B996-2D89DD31FA35}" type="parTrans" cxnId="{616F7DC2-8C47-419A-9301-3002DA2ECB22}">
+    <dgm:pt modelId="{12030CCE-EC00-4198-97A8-DDE4717F1992}" type="parTrans" cxnId="{BBD4A8BD-FD22-4F0E-B898-0AE219905AC6}">
       <dgm:prSet/>
       <dgm:spPr/>
       <dgm:t>
@@ -2998,7 +2539,7 @@
         </a:p>
       </dgm:t>
     </dgm:pt>
-    <dgm:pt modelId="{73C4C127-0365-4ABF-A0E4-A1536DE07080}" type="sibTrans" cxnId="{616F7DC2-8C47-419A-9301-3002DA2ECB22}">
+    <dgm:pt modelId="{6C964A92-E338-449D-B92E-73FAEAFAE46C}" type="sibTrans" cxnId="{BBD4A8BD-FD22-4F0E-B898-0AE219905AC6}">
       <dgm:prSet/>
       <dgm:spPr/>
       <dgm:t>
@@ -3009,26 +2550,36 @@
         </a:p>
       </dgm:t>
     </dgm:pt>
-    <dgm:pt modelId="{255827E2-CE07-427C-839C-BE2E51FCDBB8}">
-      <dgm:prSet phldrT="[Text]"/>
+    <dgm:pt modelId="{CC161DA4-33FB-4525-9841-544B0BA639D0}">
+      <dgm:prSet phldrT="[Text]">
+        <dgm:style>
+          <a:lnRef idx="0">
+            <a:schemeClr val="dk1"/>
+          </a:lnRef>
+          <a:fillRef idx="3">
+            <a:schemeClr val="dk1"/>
+          </a:fillRef>
+          <a:effectRef idx="3">
+            <a:schemeClr val="dk1"/>
+          </a:effectRef>
+          <a:fontRef idx="minor">
+            <a:schemeClr val="lt1"/>
+          </a:fontRef>
+        </dgm:style>
+      </dgm:prSet>
       <dgm:spPr/>
       <dgm:t>
         <a:bodyPr/>
         <a:lstStyle/>
         <a:p>
           <a:r>
-            <a:rPr lang="en-US" dirty="0"/>
-            <a:t>Task 1</a:t>
+            <a:rPr lang="en-US" b="1" dirty="0"/>
+            <a:t>Demographics</a:t>
           </a:r>
         </a:p>
       </dgm:t>
-      <dgm:extLst>
-        <a:ext uri="{E40237B7-FDA0-4F09-8148-C483321AD2D9}">
-          <dgm14:cNvPr xmlns:dgm14="http://schemas.microsoft.com/office/drawing/2010/diagram" id="0" name="" title="Group B tasks"/>
-        </a:ext>
-      </dgm:extLst>
     </dgm:pt>
-    <dgm:pt modelId="{CC67C3C2-15A4-4506-BA33-B1FE8A669FD6}" type="parTrans" cxnId="{57307241-4596-4C81-AEDD-3103B1A40EE5}">
+    <dgm:pt modelId="{35FB5CC4-E3FD-452A-AA4A-6B16A35CA9FD}" type="parTrans" cxnId="{DF2FF995-8B54-4053-936A-408F3078BD59}">
       <dgm:prSet/>
       <dgm:spPr/>
       <dgm:t>
@@ -3039,7 +2590,7 @@
         </a:p>
       </dgm:t>
     </dgm:pt>
-    <dgm:pt modelId="{22B85B52-EEDB-48AC-9998-BE0D123F7FE8}" type="sibTrans" cxnId="{57307241-4596-4C81-AEDD-3103B1A40EE5}">
+    <dgm:pt modelId="{AFBBC900-C1A5-4640-8677-4F49FE858A27}" type="sibTrans" cxnId="{DF2FF995-8B54-4053-936A-408F3078BD59}">
       <dgm:prSet/>
       <dgm:spPr/>
       <dgm:t>
@@ -3050,26 +2601,36 @@
         </a:p>
       </dgm:t>
     </dgm:pt>
-    <dgm:pt modelId="{0D636056-30D8-4434-99F7-E38A6E2B8161}">
-      <dgm:prSet phldrT="[Text]"/>
+    <dgm:pt modelId="{0CBF4A7F-4A43-4BE6-B3AE-0054F377C24F}">
+      <dgm:prSet phldrT="[Text]">
+        <dgm:style>
+          <a:lnRef idx="0">
+            <a:schemeClr val="dk1"/>
+          </a:lnRef>
+          <a:fillRef idx="3">
+            <a:schemeClr val="dk1"/>
+          </a:fillRef>
+          <a:effectRef idx="3">
+            <a:schemeClr val="dk1"/>
+          </a:effectRef>
+          <a:fontRef idx="minor">
+            <a:schemeClr val="lt1"/>
+          </a:fontRef>
+        </dgm:style>
+      </dgm:prSet>
       <dgm:spPr/>
       <dgm:t>
         <a:bodyPr/>
         <a:lstStyle/>
         <a:p>
           <a:r>
-            <a:rPr lang="en-US" dirty="0"/>
-            <a:t>Group C</a:t>
+            <a:rPr lang="en-US" b="1" dirty="0"/>
+            <a:t>Crime Rates</a:t>
           </a:r>
         </a:p>
       </dgm:t>
-      <dgm:extLst>
-        <a:ext uri="{E40237B7-FDA0-4F09-8148-C483321AD2D9}">
-          <dgm14:cNvPr xmlns:dgm14="http://schemas.microsoft.com/office/drawing/2010/diagram" id="0" name="" title="Group C title"/>
-        </a:ext>
-      </dgm:extLst>
     </dgm:pt>
-    <dgm:pt modelId="{BB5BFE0E-B039-45BE-BD5F-A1F8AB17574F}" type="parTrans" cxnId="{509F2F7C-8BDB-46E3-A012-91E3DFD74DCA}">
+    <dgm:pt modelId="{B50EF1B4-D1EB-4A44-8610-5648D4ADDA24}" type="parTrans" cxnId="{7C384500-D9DA-45EC-90C1-6F13BFDF2DCA}">
       <dgm:prSet/>
       <dgm:spPr/>
       <dgm:t>
@@ -3080,7 +2641,7 @@
         </a:p>
       </dgm:t>
     </dgm:pt>
-    <dgm:pt modelId="{29834D85-C3E6-4A35-9EB5-194ABE6020BC}" type="sibTrans" cxnId="{509F2F7C-8BDB-46E3-A012-91E3DFD74DCA}">
+    <dgm:pt modelId="{24767C7C-A992-4B1E-B2CF-7E60D8BB180A}" type="sibTrans" cxnId="{7C384500-D9DA-45EC-90C1-6F13BFDF2DCA}">
       <dgm:prSet/>
       <dgm:spPr/>
       <dgm:t>
@@ -3091,298 +2652,135 @@
         </a:p>
       </dgm:t>
     </dgm:pt>
-    <dgm:pt modelId="{EB73341C-FA6D-4FF7-B456-80B171416073}">
-      <dgm:prSet phldrT="[Text]"/>
-      <dgm:spPr/>
-      <dgm:t>
-        <a:bodyPr/>
-        <a:lstStyle/>
-        <a:p>
-          <a:r>
-            <a:rPr lang="en-US" dirty="0"/>
-            <a:t>Task 2</a:t>
-          </a:r>
-        </a:p>
-      </dgm:t>
-    </dgm:pt>
-    <dgm:pt modelId="{5C5935E1-BAE2-4D91-8B68-D10D7258F065}" type="parTrans" cxnId="{6C0BB095-DBF9-4112-9471-CA1181FC05C4}">
-      <dgm:prSet/>
-      <dgm:spPr/>
-      <dgm:t>
-        <a:bodyPr/>
-        <a:lstStyle/>
-        <a:p>
-          <a:endParaRPr lang="en-US"/>
-        </a:p>
-      </dgm:t>
-    </dgm:pt>
-    <dgm:pt modelId="{B0586EBB-0B75-4D86-AC0E-E8B7B8946A17}" type="sibTrans" cxnId="{6C0BB095-DBF9-4112-9471-CA1181FC05C4}">
-      <dgm:prSet/>
-      <dgm:spPr/>
-      <dgm:t>
-        <a:bodyPr/>
-        <a:lstStyle/>
-        <a:p>
-          <a:endParaRPr lang="en-US"/>
-        </a:p>
-      </dgm:t>
-    </dgm:pt>
-    <dgm:pt modelId="{3791C0EA-2A16-4B79-AE66-267F4C96876D}">
-      <dgm:prSet phldrT="[Text]"/>
-      <dgm:spPr/>
-      <dgm:t>
-        <a:bodyPr/>
-        <a:lstStyle/>
-        <a:p>
-          <a:r>
-            <a:rPr lang="en-US" dirty="0"/>
-            <a:t>Task 2</a:t>
-          </a:r>
-        </a:p>
-      </dgm:t>
-    </dgm:pt>
-    <dgm:pt modelId="{51AE5850-1421-4D2B-9EDB-A11AC19873DC}" type="parTrans" cxnId="{6CCAD765-FAAF-43CB-B066-63D48E3ACEB0}">
-      <dgm:prSet/>
-      <dgm:spPr/>
-      <dgm:t>
-        <a:bodyPr/>
-        <a:lstStyle/>
-        <a:p>
-          <a:endParaRPr lang="en-US"/>
-        </a:p>
-      </dgm:t>
-    </dgm:pt>
-    <dgm:pt modelId="{E6EC0DB1-165D-4E4E-A44A-0C2D946F2E51}" type="sibTrans" cxnId="{6CCAD765-FAAF-43CB-B066-63D48E3ACEB0}">
-      <dgm:prSet/>
-      <dgm:spPr/>
-      <dgm:t>
-        <a:bodyPr/>
-        <a:lstStyle/>
-        <a:p>
-          <a:endParaRPr lang="en-US"/>
-        </a:p>
-      </dgm:t>
-    </dgm:pt>
-    <dgm:pt modelId="{BD8A950D-CB93-46AC-82D2-FFFA2C0B3683}">
-      <dgm:prSet phldrT="[Text]"/>
-      <dgm:spPr/>
-      <dgm:t>
-        <a:bodyPr/>
-        <a:lstStyle/>
-        <a:p>
-          <a:r>
-            <a:rPr lang="en-US" dirty="0"/>
-            <a:t>Task 1</a:t>
-          </a:r>
-        </a:p>
-      </dgm:t>
-      <dgm:extLst>
-        <a:ext uri="{E40237B7-FDA0-4F09-8148-C483321AD2D9}">
-          <dgm14:cNvPr xmlns:dgm14="http://schemas.microsoft.com/office/drawing/2010/diagram" id="0" name="" title="Group C tasks"/>
-        </a:ext>
-      </dgm:extLst>
-    </dgm:pt>
-    <dgm:pt modelId="{FF739A41-6DE5-4A72-94BC-95D515C9C9B1}" type="parTrans" cxnId="{234D1E25-BC21-44AA-9FEE-465D76EA2B5A}">
-      <dgm:prSet/>
-      <dgm:spPr/>
-      <dgm:t>
-        <a:bodyPr/>
-        <a:lstStyle/>
-        <a:p>
-          <a:endParaRPr lang="en-US"/>
-        </a:p>
-      </dgm:t>
-    </dgm:pt>
-    <dgm:pt modelId="{A1449449-8943-4FAE-BD79-065C2CB3A200}" type="sibTrans" cxnId="{234D1E25-BC21-44AA-9FEE-465D76EA2B5A}">
-      <dgm:prSet/>
-      <dgm:spPr/>
-      <dgm:t>
-        <a:bodyPr/>
-        <a:lstStyle/>
-        <a:p>
-          <a:endParaRPr lang="en-US"/>
-        </a:p>
-      </dgm:t>
-    </dgm:pt>
-    <dgm:pt modelId="{2C3B9708-46C6-4CCC-86F7-E36EE58C4168}">
-      <dgm:prSet phldrT="[Text]"/>
-      <dgm:spPr/>
-      <dgm:t>
-        <a:bodyPr/>
-        <a:lstStyle/>
-        <a:p>
-          <a:r>
-            <a:rPr lang="en-US" dirty="0"/>
-            <a:t>Task 2</a:t>
-          </a:r>
-        </a:p>
-      </dgm:t>
-    </dgm:pt>
-    <dgm:pt modelId="{DE492F9D-A193-492E-9254-80CD8A77E526}" type="parTrans" cxnId="{8C457B2F-DB5F-4EEC-B21C-822437760BBA}">
-      <dgm:prSet/>
-      <dgm:spPr/>
-      <dgm:t>
-        <a:bodyPr/>
-        <a:lstStyle/>
-        <a:p>
-          <a:endParaRPr lang="en-US"/>
-        </a:p>
-      </dgm:t>
-    </dgm:pt>
-    <dgm:pt modelId="{D9444911-0E6B-4113-8FC1-5B15A09EC2B9}" type="sibTrans" cxnId="{8C457B2F-DB5F-4EEC-B21C-822437760BBA}">
-      <dgm:prSet/>
-      <dgm:spPr/>
-      <dgm:t>
-        <a:bodyPr/>
-        <a:lstStyle/>
-        <a:p>
-          <a:endParaRPr lang="en-US"/>
-        </a:p>
-      </dgm:t>
-    </dgm:pt>
-    <dgm:pt modelId="{08ECF78B-FAD5-4D9C-8E49-B3383B679E74}" type="pres">
-      <dgm:prSet presAssocID="{A33F4830-5CD4-4C71-985C-0708E9B0BE14}" presName="rootnode" presStyleCnt="0">
+    <dgm:pt modelId="{97AB4F98-7FE0-407E-A83A-D06D13178371}" type="pres">
+      <dgm:prSet presAssocID="{B7E95A82-D4B3-4775-822E-02DB8837F52F}" presName="Name0" presStyleCnt="0">
         <dgm:presLayoutVars>
-          <dgm:chMax/>
-          <dgm:chPref/>
+          <dgm:chMax val="1"/>
           <dgm:dir/>
-          <dgm:animLvl val="lvl"/>
+          <dgm:animLvl val="ctr"/>
+          <dgm:resizeHandles val="exact"/>
         </dgm:presLayoutVars>
       </dgm:prSet>
       <dgm:spPr/>
     </dgm:pt>
-    <dgm:pt modelId="{CA25F1EE-EBF1-4624-880B-D3BCF13A2F47}" type="pres">
-      <dgm:prSet presAssocID="{98450B70-D18C-4E1D-97E9-FA8BA06091D9}" presName="composite" presStyleCnt="0"/>
+    <dgm:pt modelId="{C0BD2AAB-7B25-4C87-AEFD-63FF2525834B}" type="pres">
+      <dgm:prSet presAssocID="{6CB0CE09-BCC9-4DE1-ADB0-6B48F8029923}" presName="centerShape" presStyleLbl="node0" presStyleIdx="0" presStyleCnt="1"/>
       <dgm:spPr/>
     </dgm:pt>
-    <dgm:pt modelId="{1DBDDA96-9BFE-4E8D-B03A-B2FB6EE49E38}" type="pres">
-      <dgm:prSet presAssocID="{98450B70-D18C-4E1D-97E9-FA8BA06091D9}" presName="bentUpArrow1" presStyleLbl="alignImgPlace1" presStyleIdx="0" presStyleCnt="2"/>
+    <dgm:pt modelId="{ACE3DF4F-8C1F-4AC3-B1D4-98CDF0CAEB7B}" type="pres">
+      <dgm:prSet presAssocID="{4867584D-6405-43EC-9002-0F238ABFF170}" presName="parTrans" presStyleLbl="sibTrans2D1" presStyleIdx="0" presStyleCnt="4"/>
       <dgm:spPr/>
-      <dgm:extLst>
-        <a:ext uri="{E40237B7-FDA0-4F09-8148-C483321AD2D9}">
-          <dgm14:cNvPr xmlns:dgm14="http://schemas.microsoft.com/office/drawing/2010/diagram" id="0" name="" title="Group A to Group B"/>
-        </a:ext>
-      </dgm:extLst>
     </dgm:pt>
-    <dgm:pt modelId="{E2700167-FF4B-4025-A48B-3CB1A8B5F4C4}" type="pres">
-      <dgm:prSet presAssocID="{98450B70-D18C-4E1D-97E9-FA8BA06091D9}" presName="ParentText" presStyleLbl="node1" presStyleIdx="0" presStyleCnt="3">
+    <dgm:pt modelId="{180845BC-7606-46E9-B040-C5F2221BB689}" type="pres">
+      <dgm:prSet presAssocID="{4867584D-6405-43EC-9002-0F238ABFF170}" presName="connectorText" presStyleLbl="sibTrans2D1" presStyleIdx="0" presStyleCnt="4"/>
+      <dgm:spPr/>
+    </dgm:pt>
+    <dgm:pt modelId="{60A9A403-9CF8-46BD-AC0A-BC77AFA5EBEC}" type="pres">
+      <dgm:prSet presAssocID="{1ACE35C9-B45F-4510-93F6-D858197D1398}" presName="node" presStyleLbl="node1" presStyleIdx="0" presStyleCnt="4" custScaleX="139682" custScaleY="72478" custRadScaleRad="102583" custRadScaleInc="-106">
         <dgm:presLayoutVars>
-          <dgm:chMax val="1"/>
-          <dgm:chPref val="1"/>
           <dgm:bulletEnabled val="1"/>
         </dgm:presLayoutVars>
       </dgm:prSet>
+      <dgm:spPr>
+        <a:prstGeom prst="rect">
+          <a:avLst/>
+        </a:prstGeom>
+      </dgm:spPr>
+    </dgm:pt>
+    <dgm:pt modelId="{B42D273F-3E90-47EF-A9CA-CC9246D68551}" type="pres">
+      <dgm:prSet presAssocID="{12030CCE-EC00-4198-97A8-DDE4717F1992}" presName="parTrans" presStyleLbl="sibTrans2D1" presStyleIdx="1" presStyleCnt="4"/>
       <dgm:spPr/>
     </dgm:pt>
-    <dgm:pt modelId="{B00BB2B3-43BF-4BBF-B8B9-75901CCFACA5}" type="pres">
-      <dgm:prSet presAssocID="{98450B70-D18C-4E1D-97E9-FA8BA06091D9}" presName="ChildText" presStyleLbl="revTx" presStyleIdx="0" presStyleCnt="3">
+    <dgm:pt modelId="{75C46638-2922-43C3-A223-50BC540DBC69}" type="pres">
+      <dgm:prSet presAssocID="{12030CCE-EC00-4198-97A8-DDE4717F1992}" presName="connectorText" presStyleLbl="sibTrans2D1" presStyleIdx="1" presStyleCnt="4"/>
+      <dgm:spPr/>
+    </dgm:pt>
+    <dgm:pt modelId="{A01F679B-5672-4235-9310-4AB0CBA772C8}" type="pres">
+      <dgm:prSet presAssocID="{FE7D1D2D-5DC4-4B3F-B97B-0488FFF46B00}" presName="node" presStyleLbl="node1" presStyleIdx="1" presStyleCnt="4" custScaleX="139682" custScaleY="72478" custRadScaleRad="126320" custRadScaleInc="-2605">
         <dgm:presLayoutVars>
-          <dgm:chMax val="0"/>
-          <dgm:chPref val="0"/>
           <dgm:bulletEnabled val="1"/>
         </dgm:presLayoutVars>
       </dgm:prSet>
+      <dgm:spPr>
+        <a:prstGeom prst="rect">
+          <a:avLst/>
+        </a:prstGeom>
+      </dgm:spPr>
+    </dgm:pt>
+    <dgm:pt modelId="{CAF3F418-D3D6-40DE-9135-E4DC795056F0}" type="pres">
+      <dgm:prSet presAssocID="{35FB5CC4-E3FD-452A-AA4A-6B16A35CA9FD}" presName="parTrans" presStyleLbl="sibTrans2D1" presStyleIdx="2" presStyleCnt="4"/>
       <dgm:spPr/>
     </dgm:pt>
-    <dgm:pt modelId="{939CB33E-F6DE-4B22-86E1-389888939D48}" type="pres">
-      <dgm:prSet presAssocID="{5476BBDE-A636-40EE-8272-09D0B7700854}" presName="sibTrans" presStyleCnt="0"/>
+    <dgm:pt modelId="{0E04F7DD-C95E-4791-A3A8-295845536DBF}" type="pres">
+      <dgm:prSet presAssocID="{35FB5CC4-E3FD-452A-AA4A-6B16A35CA9FD}" presName="connectorText" presStyleLbl="sibTrans2D1" presStyleIdx="2" presStyleCnt="4"/>
       <dgm:spPr/>
     </dgm:pt>
-    <dgm:pt modelId="{0B9F427B-E521-4A0D-A610-47D9D62FF434}" type="pres">
-      <dgm:prSet presAssocID="{F20117B0-FCD8-4927-B2D0-4FE779DC2A9B}" presName="composite" presStyleCnt="0"/>
-      <dgm:spPr/>
-    </dgm:pt>
-    <dgm:pt modelId="{CB65E7BF-26FC-4997-A604-64C56983E379}" type="pres">
-      <dgm:prSet presAssocID="{F20117B0-FCD8-4927-B2D0-4FE779DC2A9B}" presName="bentUpArrow1" presStyleLbl="alignImgPlace1" presStyleIdx="1" presStyleCnt="2"/>
-      <dgm:spPr/>
-      <dgm:extLst>
-        <a:ext uri="{E40237B7-FDA0-4F09-8148-C483321AD2D9}">
-          <dgm14:cNvPr xmlns:dgm14="http://schemas.microsoft.com/office/drawing/2010/diagram" id="0" name="" title="Group B to Group C"/>
-        </a:ext>
-      </dgm:extLst>
-    </dgm:pt>
-    <dgm:pt modelId="{1D736981-5D82-4672-9205-279958AACFE2}" type="pres">
-      <dgm:prSet presAssocID="{F20117B0-FCD8-4927-B2D0-4FE779DC2A9B}" presName="ParentText" presStyleLbl="node1" presStyleIdx="1" presStyleCnt="3">
+    <dgm:pt modelId="{11580F56-634B-410B-AE71-4A030F736096}" type="pres">
+      <dgm:prSet presAssocID="{CC161DA4-33FB-4525-9841-544B0BA639D0}" presName="node" presStyleLbl="node1" presStyleIdx="2" presStyleCnt="4" custScaleX="139682" custScaleY="72478" custRadScaleRad="97416" custRadScaleInc="-112">
         <dgm:presLayoutVars>
-          <dgm:chMax val="1"/>
-          <dgm:chPref val="1"/>
           <dgm:bulletEnabled val="1"/>
         </dgm:presLayoutVars>
       </dgm:prSet>
+      <dgm:spPr>
+        <a:prstGeom prst="rect">
+          <a:avLst/>
+        </a:prstGeom>
+      </dgm:spPr>
+    </dgm:pt>
+    <dgm:pt modelId="{602D0045-BBE5-47DF-88F9-2563986B78B2}" type="pres">
+      <dgm:prSet presAssocID="{B50EF1B4-D1EB-4A44-8610-5648D4ADDA24}" presName="parTrans" presStyleLbl="sibTrans2D1" presStyleIdx="3" presStyleCnt="4"/>
       <dgm:spPr/>
     </dgm:pt>
-    <dgm:pt modelId="{5812CCDB-7FE7-42D3-9D84-BC2F375234DF}" type="pres">
-      <dgm:prSet presAssocID="{F20117B0-FCD8-4927-B2D0-4FE779DC2A9B}" presName="ChildText" presStyleLbl="revTx" presStyleIdx="1" presStyleCnt="3">
+    <dgm:pt modelId="{116432C4-8636-46C8-B0CE-36EC5944CB38}" type="pres">
+      <dgm:prSet presAssocID="{B50EF1B4-D1EB-4A44-8610-5648D4ADDA24}" presName="connectorText" presStyleLbl="sibTrans2D1" presStyleIdx="3" presStyleCnt="4"/>
+      <dgm:spPr/>
+    </dgm:pt>
+    <dgm:pt modelId="{F3779B86-817D-4C8A-B588-5DD56C1F94A8}" type="pres">
+      <dgm:prSet presAssocID="{0CBF4A7F-4A43-4BE6-B3AE-0054F377C24F}" presName="node" presStyleLbl="node1" presStyleIdx="3" presStyleCnt="4" custScaleX="139682" custScaleY="72478" custRadScaleRad="126320" custRadScaleInc="2605">
         <dgm:presLayoutVars>
-          <dgm:chMax val="0"/>
-          <dgm:chPref val="0"/>
           <dgm:bulletEnabled val="1"/>
         </dgm:presLayoutVars>
       </dgm:prSet>
-      <dgm:spPr/>
-    </dgm:pt>
-    <dgm:pt modelId="{11E7C21B-758A-4A9D-8566-914D35C1B9FC}" type="pres">
-      <dgm:prSet presAssocID="{73C4C127-0365-4ABF-A0E4-A1536DE07080}" presName="sibTrans" presStyleCnt="0"/>
-      <dgm:spPr/>
-    </dgm:pt>
-    <dgm:pt modelId="{27AC4152-3790-436F-BE68-EF7D8416D588}" type="pres">
-      <dgm:prSet presAssocID="{0D636056-30D8-4434-99F7-E38A6E2B8161}" presName="composite" presStyleCnt="0"/>
-      <dgm:spPr/>
-    </dgm:pt>
-    <dgm:pt modelId="{AE7ECB50-F4B1-47FD-BE6E-79C06FC25BB6}" type="pres">
-      <dgm:prSet presAssocID="{0D636056-30D8-4434-99F7-E38A6E2B8161}" presName="ParentText" presStyleLbl="node1" presStyleIdx="2" presStyleCnt="3">
-        <dgm:presLayoutVars>
-          <dgm:chMax val="1"/>
-          <dgm:chPref val="1"/>
-          <dgm:bulletEnabled val="1"/>
-        </dgm:presLayoutVars>
-      </dgm:prSet>
-      <dgm:spPr/>
-    </dgm:pt>
-    <dgm:pt modelId="{4B5DC6C6-463E-44E5-A737-2C9DAC15B3C1}" type="pres">
-      <dgm:prSet presAssocID="{0D636056-30D8-4434-99F7-E38A6E2B8161}" presName="FinalChildText" presStyleLbl="revTx" presStyleIdx="2" presStyleCnt="3">
-        <dgm:presLayoutVars>
-          <dgm:chMax val="0"/>
-          <dgm:chPref val="0"/>
-          <dgm:bulletEnabled val="1"/>
-        </dgm:presLayoutVars>
-      </dgm:prSet>
-      <dgm:spPr/>
+      <dgm:spPr>
+        <a:prstGeom prst="rect">
+          <a:avLst/>
+        </a:prstGeom>
+      </dgm:spPr>
     </dgm:pt>
   </dgm:ptLst>
   <dgm:cxnLst>
-    <dgm:cxn modelId="{234D1E25-BC21-44AA-9FEE-465D76EA2B5A}" srcId="{0D636056-30D8-4434-99F7-E38A6E2B8161}" destId="{BD8A950D-CB93-46AC-82D2-FFFA2C0B3683}" srcOrd="0" destOrd="0" parTransId="{FF739A41-6DE5-4A72-94BC-95D515C9C9B1}" sibTransId="{A1449449-8943-4FAE-BD79-065C2CB3A200}"/>
-    <dgm:cxn modelId="{E5063A27-7015-42DC-B1DA-489D94936D4B}" srcId="{A33F4830-5CD4-4C71-985C-0708E9B0BE14}" destId="{98450B70-D18C-4E1D-97E9-FA8BA06091D9}" srcOrd="0" destOrd="0" parTransId="{D3A29EAE-789C-47E5-9852-BCEC72920C67}" sibTransId="{5476BBDE-A636-40EE-8272-09D0B7700854}"/>
-    <dgm:cxn modelId="{EE0A8727-A6A5-4A4A-8E84-2B46A6195433}" srcId="{98450B70-D18C-4E1D-97E9-FA8BA06091D9}" destId="{C1B61D4D-7B51-471F-A0A6-E55A5EC41A8E}" srcOrd="0" destOrd="0" parTransId="{5710F621-701D-41BB-85BB-C0B920115602}" sibTransId="{3F762C5C-6E64-4A25-ACCC-7257C2D7624F}"/>
-    <dgm:cxn modelId="{11E89A27-31F7-41AE-8C82-3D03C749A027}" type="presOf" srcId="{0D636056-30D8-4434-99F7-E38A6E2B8161}" destId="{AE7ECB50-F4B1-47FD-BE6E-79C06FC25BB6}" srcOrd="0" destOrd="0" presId="urn:microsoft.com/office/officeart/2005/8/layout/StepDownProcess"/>
-    <dgm:cxn modelId="{9491C62E-4606-4303-B12E-A5EE1664A30F}" type="presOf" srcId="{2C3B9708-46C6-4CCC-86F7-E36EE58C4168}" destId="{4B5DC6C6-463E-44E5-A737-2C9DAC15B3C1}" srcOrd="0" destOrd="1" presId="urn:microsoft.com/office/officeart/2005/8/layout/StepDownProcess"/>
-    <dgm:cxn modelId="{8C457B2F-DB5F-4EEC-B21C-822437760BBA}" srcId="{0D636056-30D8-4434-99F7-E38A6E2B8161}" destId="{2C3B9708-46C6-4CCC-86F7-E36EE58C4168}" srcOrd="1" destOrd="0" parTransId="{DE492F9D-A193-492E-9254-80CD8A77E526}" sibTransId="{D9444911-0E6B-4113-8FC1-5B15A09EC2B9}"/>
-    <dgm:cxn modelId="{57307241-4596-4C81-AEDD-3103B1A40EE5}" srcId="{F20117B0-FCD8-4927-B2D0-4FE779DC2A9B}" destId="{255827E2-CE07-427C-839C-BE2E51FCDBB8}" srcOrd="0" destOrd="0" parTransId="{CC67C3C2-15A4-4506-BA33-B1FE8A669FD6}" sibTransId="{22B85B52-EEDB-48AC-9998-BE0D123F7FE8}"/>
-    <dgm:cxn modelId="{6CCAD765-FAAF-43CB-B066-63D48E3ACEB0}" srcId="{F20117B0-FCD8-4927-B2D0-4FE779DC2A9B}" destId="{3791C0EA-2A16-4B79-AE66-267F4C96876D}" srcOrd="1" destOrd="0" parTransId="{51AE5850-1421-4D2B-9EDB-A11AC19873DC}" sibTransId="{E6EC0DB1-165D-4E4E-A44A-0C2D946F2E51}"/>
-    <dgm:cxn modelId="{460D234D-E1AC-4E31-B776-E7D0E8CB85AA}" type="presOf" srcId="{255827E2-CE07-427C-839C-BE2E51FCDBB8}" destId="{5812CCDB-7FE7-42D3-9D84-BC2F375234DF}" srcOrd="0" destOrd="0" presId="urn:microsoft.com/office/officeart/2005/8/layout/StepDownProcess"/>
-    <dgm:cxn modelId="{52CCB673-385F-470F-A54C-0A6A09B2E6DD}" type="presOf" srcId="{A33F4830-5CD4-4C71-985C-0708E9B0BE14}" destId="{08ECF78B-FAD5-4D9C-8E49-B3383B679E74}" srcOrd="0" destOrd="0" presId="urn:microsoft.com/office/officeart/2005/8/layout/StepDownProcess"/>
-    <dgm:cxn modelId="{509F2F7C-8BDB-46E3-A012-91E3DFD74DCA}" srcId="{A33F4830-5CD4-4C71-985C-0708E9B0BE14}" destId="{0D636056-30D8-4434-99F7-E38A6E2B8161}" srcOrd="2" destOrd="0" parTransId="{BB5BFE0E-B039-45BE-BD5F-A1F8AB17574F}" sibTransId="{29834D85-C3E6-4A35-9EB5-194ABE6020BC}"/>
-    <dgm:cxn modelId="{6C0BB095-DBF9-4112-9471-CA1181FC05C4}" srcId="{98450B70-D18C-4E1D-97E9-FA8BA06091D9}" destId="{EB73341C-FA6D-4FF7-B456-80B171416073}" srcOrd="1" destOrd="0" parTransId="{5C5935E1-BAE2-4D91-8B68-D10D7258F065}" sibTransId="{B0586EBB-0B75-4D86-AC0E-E8B7B8946A17}"/>
-    <dgm:cxn modelId="{2C3E549D-843A-4232-AA64-BB617830FE79}" type="presOf" srcId="{BD8A950D-CB93-46AC-82D2-FFFA2C0B3683}" destId="{4B5DC6C6-463E-44E5-A737-2C9DAC15B3C1}" srcOrd="0" destOrd="0" presId="urn:microsoft.com/office/officeart/2005/8/layout/StepDownProcess"/>
-    <dgm:cxn modelId="{E572B2A3-8A34-4E8A-B164-DBC92294F263}" type="presOf" srcId="{C1B61D4D-7B51-471F-A0A6-E55A5EC41A8E}" destId="{B00BB2B3-43BF-4BBF-B8B9-75901CCFACA5}" srcOrd="0" destOrd="0" presId="urn:microsoft.com/office/officeart/2005/8/layout/StepDownProcess"/>
-    <dgm:cxn modelId="{F0B3DAC1-9EC4-46B2-B000-78412E8527A2}" type="presOf" srcId="{3791C0EA-2A16-4B79-AE66-267F4C96876D}" destId="{5812CCDB-7FE7-42D3-9D84-BC2F375234DF}" srcOrd="0" destOrd="1" presId="urn:microsoft.com/office/officeart/2005/8/layout/StepDownProcess"/>
-    <dgm:cxn modelId="{616F7DC2-8C47-419A-9301-3002DA2ECB22}" srcId="{A33F4830-5CD4-4C71-985C-0708E9B0BE14}" destId="{F20117B0-FCD8-4927-B2D0-4FE779DC2A9B}" srcOrd="1" destOrd="0" parTransId="{B7B5CF59-8994-46C1-B996-2D89DD31FA35}" sibTransId="{73C4C127-0365-4ABF-A0E4-A1536DE07080}"/>
-    <dgm:cxn modelId="{470D00CC-0F7E-4A13-8CE0-F14F2C49E263}" type="presOf" srcId="{98450B70-D18C-4E1D-97E9-FA8BA06091D9}" destId="{E2700167-FF4B-4025-A48B-3CB1A8B5F4C4}" srcOrd="0" destOrd="0" presId="urn:microsoft.com/office/officeart/2005/8/layout/StepDownProcess"/>
-    <dgm:cxn modelId="{B94FC8CF-21AB-4D15-929F-08C372D820EA}" type="presOf" srcId="{EB73341C-FA6D-4FF7-B456-80B171416073}" destId="{B00BB2B3-43BF-4BBF-B8B9-75901CCFACA5}" srcOrd="0" destOrd="1" presId="urn:microsoft.com/office/officeart/2005/8/layout/StepDownProcess"/>
-    <dgm:cxn modelId="{1935F2F0-4117-4564-A6FC-72EB954F2050}" type="presOf" srcId="{F20117B0-FCD8-4927-B2D0-4FE779DC2A9B}" destId="{1D736981-5D82-4672-9205-279958AACFE2}" srcOrd="0" destOrd="0" presId="urn:microsoft.com/office/officeart/2005/8/layout/StepDownProcess"/>
-    <dgm:cxn modelId="{4161FDDC-ADD8-4D98-A699-0A2C25D5FD32}" type="presParOf" srcId="{08ECF78B-FAD5-4D9C-8E49-B3383B679E74}" destId="{CA25F1EE-EBF1-4624-880B-D3BCF13A2F47}" srcOrd="0" destOrd="0" presId="urn:microsoft.com/office/officeart/2005/8/layout/StepDownProcess"/>
-    <dgm:cxn modelId="{AE2B249F-3ACA-4049-8404-6571E5B60ED2}" type="presParOf" srcId="{CA25F1EE-EBF1-4624-880B-D3BCF13A2F47}" destId="{1DBDDA96-9BFE-4E8D-B03A-B2FB6EE49E38}" srcOrd="0" destOrd="0" presId="urn:microsoft.com/office/officeart/2005/8/layout/StepDownProcess"/>
-    <dgm:cxn modelId="{ED00EEA0-D5AC-44EB-9945-910B8D155F3C}" type="presParOf" srcId="{CA25F1EE-EBF1-4624-880B-D3BCF13A2F47}" destId="{E2700167-FF4B-4025-A48B-3CB1A8B5F4C4}" srcOrd="1" destOrd="0" presId="urn:microsoft.com/office/officeart/2005/8/layout/StepDownProcess"/>
-    <dgm:cxn modelId="{CB95705E-7526-439F-AE91-2D62502F85E5}" type="presParOf" srcId="{CA25F1EE-EBF1-4624-880B-D3BCF13A2F47}" destId="{B00BB2B3-43BF-4BBF-B8B9-75901CCFACA5}" srcOrd="2" destOrd="0" presId="urn:microsoft.com/office/officeart/2005/8/layout/StepDownProcess"/>
-    <dgm:cxn modelId="{87C436B9-3662-4F59-A1E4-931B0388531E}" type="presParOf" srcId="{08ECF78B-FAD5-4D9C-8E49-B3383B679E74}" destId="{939CB33E-F6DE-4B22-86E1-389888939D48}" srcOrd="1" destOrd="0" presId="urn:microsoft.com/office/officeart/2005/8/layout/StepDownProcess"/>
-    <dgm:cxn modelId="{40B42195-D4A3-4DB3-9111-6033F45AE72D}" type="presParOf" srcId="{08ECF78B-FAD5-4D9C-8E49-B3383B679E74}" destId="{0B9F427B-E521-4A0D-A610-47D9D62FF434}" srcOrd="2" destOrd="0" presId="urn:microsoft.com/office/officeart/2005/8/layout/StepDownProcess"/>
-    <dgm:cxn modelId="{FA855177-2360-42C2-9472-E5A819CAD31C}" type="presParOf" srcId="{0B9F427B-E521-4A0D-A610-47D9D62FF434}" destId="{CB65E7BF-26FC-4997-A604-64C56983E379}" srcOrd="0" destOrd="0" presId="urn:microsoft.com/office/officeart/2005/8/layout/StepDownProcess"/>
-    <dgm:cxn modelId="{B6A6FCBB-CC80-456D-A533-043BA5806CEB}" type="presParOf" srcId="{0B9F427B-E521-4A0D-A610-47D9D62FF434}" destId="{1D736981-5D82-4672-9205-279958AACFE2}" srcOrd="1" destOrd="0" presId="urn:microsoft.com/office/officeart/2005/8/layout/StepDownProcess"/>
-    <dgm:cxn modelId="{863599A3-E258-4E08-9D66-4B0ABF4525A1}" type="presParOf" srcId="{0B9F427B-E521-4A0D-A610-47D9D62FF434}" destId="{5812CCDB-7FE7-42D3-9D84-BC2F375234DF}" srcOrd="2" destOrd="0" presId="urn:microsoft.com/office/officeart/2005/8/layout/StepDownProcess"/>
-    <dgm:cxn modelId="{01D25D17-C6D3-4038-975B-0E127F27C05D}" type="presParOf" srcId="{08ECF78B-FAD5-4D9C-8E49-B3383B679E74}" destId="{11E7C21B-758A-4A9D-8566-914D35C1B9FC}" srcOrd="3" destOrd="0" presId="urn:microsoft.com/office/officeart/2005/8/layout/StepDownProcess"/>
-    <dgm:cxn modelId="{FE7E8931-4E57-4CBA-9E92-801159BA957A}" type="presParOf" srcId="{08ECF78B-FAD5-4D9C-8E49-B3383B679E74}" destId="{27AC4152-3790-436F-BE68-EF7D8416D588}" srcOrd="4" destOrd="0" presId="urn:microsoft.com/office/officeart/2005/8/layout/StepDownProcess"/>
-    <dgm:cxn modelId="{D004FD4F-8D70-45E5-B100-EC6573AE203D}" type="presParOf" srcId="{27AC4152-3790-436F-BE68-EF7D8416D588}" destId="{AE7ECB50-F4B1-47FD-BE6E-79C06FC25BB6}" srcOrd="0" destOrd="0" presId="urn:microsoft.com/office/officeart/2005/8/layout/StepDownProcess"/>
-    <dgm:cxn modelId="{16D5C8DF-78F1-462C-A678-4C80FE3CECD9}" type="presParOf" srcId="{27AC4152-3790-436F-BE68-EF7D8416D588}" destId="{4B5DC6C6-463E-44E5-A737-2C9DAC15B3C1}" srcOrd="1" destOrd="0" presId="urn:microsoft.com/office/officeart/2005/8/layout/StepDownProcess"/>
+    <dgm:cxn modelId="{7C384500-D9DA-45EC-90C1-6F13BFDF2DCA}" srcId="{6CB0CE09-BCC9-4DE1-ADB0-6B48F8029923}" destId="{0CBF4A7F-4A43-4BE6-B3AE-0054F377C24F}" srcOrd="3" destOrd="0" parTransId="{B50EF1B4-D1EB-4A44-8610-5648D4ADDA24}" sibTransId="{24767C7C-A992-4B1E-B2CF-7E60D8BB180A}"/>
+    <dgm:cxn modelId="{C0BD7E24-41B0-4F67-856A-0F87DD183DC2}" type="presOf" srcId="{35FB5CC4-E3FD-452A-AA4A-6B16A35CA9FD}" destId="{CAF3F418-D3D6-40DE-9135-E4DC795056F0}" srcOrd="0" destOrd="0" presId="urn:microsoft.com/office/officeart/2005/8/layout/radial5"/>
+    <dgm:cxn modelId="{DE62A93C-8EA3-4BEA-B21F-8663E4B89AC6}" srcId="{6CB0CE09-BCC9-4DE1-ADB0-6B48F8029923}" destId="{1ACE35C9-B45F-4510-93F6-D858197D1398}" srcOrd="0" destOrd="0" parTransId="{4867584D-6405-43EC-9002-0F238ABFF170}" sibTransId="{7CC2BBA5-AF56-4D54-A1E0-EA12F7E28502}"/>
+    <dgm:cxn modelId="{86D4D85B-BF25-452E-ABA5-4988F05169AE}" type="presOf" srcId="{4867584D-6405-43EC-9002-0F238ABFF170}" destId="{180845BC-7606-46E9-B040-C5F2221BB689}" srcOrd="1" destOrd="0" presId="urn:microsoft.com/office/officeart/2005/8/layout/radial5"/>
+    <dgm:cxn modelId="{294E0167-2D8B-49B6-AAF5-1C412B36FB2C}" type="presOf" srcId="{B50EF1B4-D1EB-4A44-8610-5648D4ADDA24}" destId="{602D0045-BBE5-47DF-88F9-2563986B78B2}" srcOrd="0" destOrd="0" presId="urn:microsoft.com/office/officeart/2005/8/layout/radial5"/>
+    <dgm:cxn modelId="{34AD1547-B7A7-45E1-B698-BE7E6E10DB7B}" type="presOf" srcId="{4867584D-6405-43EC-9002-0F238ABFF170}" destId="{ACE3DF4F-8C1F-4AC3-B1D4-98CDF0CAEB7B}" srcOrd="0" destOrd="0" presId="urn:microsoft.com/office/officeart/2005/8/layout/radial5"/>
+    <dgm:cxn modelId="{723EA550-B94C-41C6-A09C-9929EDB97457}" type="presOf" srcId="{35FB5CC4-E3FD-452A-AA4A-6B16A35CA9FD}" destId="{0E04F7DD-C95E-4791-A3A8-295845536DBF}" srcOrd="1" destOrd="0" presId="urn:microsoft.com/office/officeart/2005/8/layout/radial5"/>
+    <dgm:cxn modelId="{FB47797D-BF8F-4A7A-A2E8-6A4EFA577132}" srcId="{B7E95A82-D4B3-4775-822E-02DB8837F52F}" destId="{6CB0CE09-BCC9-4DE1-ADB0-6B48F8029923}" srcOrd="0" destOrd="0" parTransId="{BAE1580A-569F-4C7E-9CAB-AEE6173B986C}" sibTransId="{B173ED76-672A-4A62-B7DA-40292DA56648}"/>
+    <dgm:cxn modelId="{DB03D580-3CEA-413B-8FEC-B88B710E0666}" type="presOf" srcId="{B7E95A82-D4B3-4775-822E-02DB8837F52F}" destId="{97AB4F98-7FE0-407E-A83A-D06D13178371}" srcOrd="0" destOrd="0" presId="urn:microsoft.com/office/officeart/2005/8/layout/radial5"/>
+    <dgm:cxn modelId="{F7BBD295-5E64-4958-886C-7A5BDBAF5E32}" type="presOf" srcId="{12030CCE-EC00-4198-97A8-DDE4717F1992}" destId="{75C46638-2922-43C3-A223-50BC540DBC69}" srcOrd="1" destOrd="0" presId="urn:microsoft.com/office/officeart/2005/8/layout/radial5"/>
+    <dgm:cxn modelId="{DF2FF995-8B54-4053-936A-408F3078BD59}" srcId="{6CB0CE09-BCC9-4DE1-ADB0-6B48F8029923}" destId="{CC161DA4-33FB-4525-9841-544B0BA639D0}" srcOrd="2" destOrd="0" parTransId="{35FB5CC4-E3FD-452A-AA4A-6B16A35CA9FD}" sibTransId="{AFBBC900-C1A5-4640-8677-4F49FE858A27}"/>
+    <dgm:cxn modelId="{B71C529C-315C-476B-9DDD-A730ECEA3F3E}" type="presOf" srcId="{CC161DA4-33FB-4525-9841-544B0BA639D0}" destId="{11580F56-634B-410B-AE71-4A030F736096}" srcOrd="0" destOrd="0" presId="urn:microsoft.com/office/officeart/2005/8/layout/radial5"/>
+    <dgm:cxn modelId="{08F735B8-EDAF-4F0C-902D-2013E22F5879}" type="presOf" srcId="{0CBF4A7F-4A43-4BE6-B3AE-0054F377C24F}" destId="{F3779B86-817D-4C8A-B588-5DD56C1F94A8}" srcOrd="0" destOrd="0" presId="urn:microsoft.com/office/officeart/2005/8/layout/radial5"/>
+    <dgm:cxn modelId="{102E81B9-EC5F-4D95-9DD4-F6F3896FBC54}" type="presOf" srcId="{6CB0CE09-BCC9-4DE1-ADB0-6B48F8029923}" destId="{C0BD2AAB-7B25-4C87-AEFD-63FF2525834B}" srcOrd="0" destOrd="0" presId="urn:microsoft.com/office/officeart/2005/8/layout/radial5"/>
+    <dgm:cxn modelId="{719D92B9-504F-4073-9BCB-9DDC2950A8E3}" type="presOf" srcId="{FE7D1D2D-5DC4-4B3F-B97B-0488FFF46B00}" destId="{A01F679B-5672-4235-9310-4AB0CBA772C8}" srcOrd="0" destOrd="0" presId="urn:microsoft.com/office/officeart/2005/8/layout/radial5"/>
+    <dgm:cxn modelId="{BBD4A8BD-FD22-4F0E-B898-0AE219905AC6}" srcId="{6CB0CE09-BCC9-4DE1-ADB0-6B48F8029923}" destId="{FE7D1D2D-5DC4-4B3F-B97B-0488FFF46B00}" srcOrd="1" destOrd="0" parTransId="{12030CCE-EC00-4198-97A8-DDE4717F1992}" sibTransId="{6C964A92-E338-449D-B92E-73FAEAFAE46C}"/>
+    <dgm:cxn modelId="{EB68A6BF-7EDD-4854-AD4D-E4E0CA6D1417}" type="presOf" srcId="{12030CCE-EC00-4198-97A8-DDE4717F1992}" destId="{B42D273F-3E90-47EF-A9CA-CC9246D68551}" srcOrd="0" destOrd="0" presId="urn:microsoft.com/office/officeart/2005/8/layout/radial5"/>
+    <dgm:cxn modelId="{02ED27F6-4336-43CB-AA8F-1DE3CBD85CBC}" type="presOf" srcId="{1ACE35C9-B45F-4510-93F6-D858197D1398}" destId="{60A9A403-9CF8-46BD-AC0A-BC77AFA5EBEC}" srcOrd="0" destOrd="0" presId="urn:microsoft.com/office/officeart/2005/8/layout/radial5"/>
+    <dgm:cxn modelId="{AD2ACBF7-C839-4F45-928D-48AE4E70F11F}" type="presOf" srcId="{B50EF1B4-D1EB-4A44-8610-5648D4ADDA24}" destId="{116432C4-8636-46C8-B0CE-36EC5944CB38}" srcOrd="1" destOrd="0" presId="urn:microsoft.com/office/officeart/2005/8/layout/radial5"/>
+    <dgm:cxn modelId="{9663EDBB-48F7-4338-8D05-B785A6ACEA30}" type="presParOf" srcId="{97AB4F98-7FE0-407E-A83A-D06D13178371}" destId="{C0BD2AAB-7B25-4C87-AEFD-63FF2525834B}" srcOrd="0" destOrd="0" presId="urn:microsoft.com/office/officeart/2005/8/layout/radial5"/>
+    <dgm:cxn modelId="{46F52AD2-A50A-4CF1-8AD1-2DF6C1324035}" type="presParOf" srcId="{97AB4F98-7FE0-407E-A83A-D06D13178371}" destId="{ACE3DF4F-8C1F-4AC3-B1D4-98CDF0CAEB7B}" srcOrd="1" destOrd="0" presId="urn:microsoft.com/office/officeart/2005/8/layout/radial5"/>
+    <dgm:cxn modelId="{B8C231DF-A0BA-4B18-9B77-5688C462F730}" type="presParOf" srcId="{ACE3DF4F-8C1F-4AC3-B1D4-98CDF0CAEB7B}" destId="{180845BC-7606-46E9-B040-C5F2221BB689}" srcOrd="0" destOrd="0" presId="urn:microsoft.com/office/officeart/2005/8/layout/radial5"/>
+    <dgm:cxn modelId="{9944E2BD-C507-4630-8980-B4A35797BBC4}" type="presParOf" srcId="{97AB4F98-7FE0-407E-A83A-D06D13178371}" destId="{60A9A403-9CF8-46BD-AC0A-BC77AFA5EBEC}" srcOrd="2" destOrd="0" presId="urn:microsoft.com/office/officeart/2005/8/layout/radial5"/>
+    <dgm:cxn modelId="{4F3842FC-39A0-4821-BAD1-1874726B04B5}" type="presParOf" srcId="{97AB4F98-7FE0-407E-A83A-D06D13178371}" destId="{B42D273F-3E90-47EF-A9CA-CC9246D68551}" srcOrd="3" destOrd="0" presId="urn:microsoft.com/office/officeart/2005/8/layout/radial5"/>
+    <dgm:cxn modelId="{E44A931D-538C-4452-8C7B-D62122AD6539}" type="presParOf" srcId="{B42D273F-3E90-47EF-A9CA-CC9246D68551}" destId="{75C46638-2922-43C3-A223-50BC540DBC69}" srcOrd="0" destOrd="0" presId="urn:microsoft.com/office/officeart/2005/8/layout/radial5"/>
+    <dgm:cxn modelId="{177B5229-B5CF-40D3-8B9A-6D52F14F8C81}" type="presParOf" srcId="{97AB4F98-7FE0-407E-A83A-D06D13178371}" destId="{A01F679B-5672-4235-9310-4AB0CBA772C8}" srcOrd="4" destOrd="0" presId="urn:microsoft.com/office/officeart/2005/8/layout/radial5"/>
+    <dgm:cxn modelId="{71820BBD-EEF5-4507-AA51-9D3B3990C7D8}" type="presParOf" srcId="{97AB4F98-7FE0-407E-A83A-D06D13178371}" destId="{CAF3F418-D3D6-40DE-9135-E4DC795056F0}" srcOrd="5" destOrd="0" presId="urn:microsoft.com/office/officeart/2005/8/layout/radial5"/>
+    <dgm:cxn modelId="{A25E6B87-05FE-406B-88F5-D6F4B45E4F0D}" type="presParOf" srcId="{CAF3F418-D3D6-40DE-9135-E4DC795056F0}" destId="{0E04F7DD-C95E-4791-A3A8-295845536DBF}" srcOrd="0" destOrd="0" presId="urn:microsoft.com/office/officeart/2005/8/layout/radial5"/>
+    <dgm:cxn modelId="{9F1F58CF-5338-431D-8C92-DE2C3326E296}" type="presParOf" srcId="{97AB4F98-7FE0-407E-A83A-D06D13178371}" destId="{11580F56-634B-410B-AE71-4A030F736096}" srcOrd="6" destOrd="0" presId="urn:microsoft.com/office/officeart/2005/8/layout/radial5"/>
+    <dgm:cxn modelId="{0B1277F9-7A7D-4C96-B375-D4C921C224ED}" type="presParOf" srcId="{97AB4F98-7FE0-407E-A83A-D06D13178371}" destId="{602D0045-BBE5-47DF-88F9-2563986B78B2}" srcOrd="7" destOrd="0" presId="urn:microsoft.com/office/officeart/2005/8/layout/radial5"/>
+    <dgm:cxn modelId="{77F13607-9026-4646-B58D-5609911FA769}" type="presParOf" srcId="{602D0045-BBE5-47DF-88F9-2563986B78B2}" destId="{116432C4-8636-46C8-B0CE-36EC5944CB38}" srcOrd="0" destOrd="0" presId="urn:microsoft.com/office/officeart/2005/8/layout/radial5"/>
+    <dgm:cxn modelId="{137D16F9-8A79-41B1-88AA-2B908B6E7E87}" type="presParOf" srcId="{97AB4F98-7FE0-407E-A83A-D06D13178371}" destId="{F3779B86-817D-4C8A-B588-5DD56C1F94A8}" srcOrd="8" destOrd="0" presId="urn:microsoft.com/office/officeart/2005/8/layout/radial5"/>
   </dgm:cxnLst>
   <dgm:bg/>
   <dgm:whole/>
@@ -3402,26 +2800,102 @@
       <dsp:cNvGrpSpPr/>
     </dsp:nvGrpSpPr>
     <dsp:grpSpPr/>
-    <dsp:sp modelId="{1DBDDA96-9BFE-4E8D-B03A-B2FB6EE49E38}">
+    <dsp:sp modelId="{C0BD2AAB-7B25-4C87-AEFD-63FF2525834B}">
       <dsp:nvSpPr>
         <dsp:cNvPr id="0" name=""/>
         <dsp:cNvSpPr/>
       </dsp:nvSpPr>
       <dsp:spPr>
-        <a:xfrm rot="5400000">
-          <a:off x="216470" y="1065733"/>
-          <a:ext cx="814513" cy="927294"/>
+        <a:xfrm>
+          <a:off x="3845569" y="1612353"/>
+          <a:ext cx="1148060" cy="1148060"/>
         </a:xfrm>
-        <a:prstGeom prst="bentUpArrow">
+        <a:prstGeom prst="ellipse">
+          <a:avLst/>
+        </a:prstGeom>
+        <a:solidFill>
+          <a:schemeClr val="accent1">
+            <a:hueOff val="0"/>
+            <a:satOff val="0"/>
+            <a:lumOff val="0"/>
+            <a:alphaOff val="0"/>
+          </a:schemeClr>
+        </a:solidFill>
+        <a:ln w="15875" cap="flat" cmpd="sng" algn="ctr">
+          <a:solidFill>
+            <a:schemeClr val="lt1">
+              <a:hueOff val="0"/>
+              <a:satOff val="0"/>
+              <a:lumOff val="0"/>
+              <a:alphaOff val="0"/>
+            </a:schemeClr>
+          </a:solidFill>
+          <a:prstDash val="solid"/>
+        </a:ln>
+        <a:effectLst/>
+      </dsp:spPr>
+      <dsp:style>
+        <a:lnRef idx="2">
+          <a:scrgbClr r="0" g="0" b="0"/>
+        </a:lnRef>
+        <a:fillRef idx="1">
+          <a:scrgbClr r="0" g="0" b="0"/>
+        </a:fillRef>
+        <a:effectRef idx="0">
+          <a:scrgbClr r="0" g="0" b="0"/>
+        </a:effectRef>
+        <a:fontRef idx="minor">
+          <a:schemeClr val="lt1"/>
+        </a:fontRef>
+      </dsp:style>
+      <dsp:txBody>
+        <a:bodyPr spcFirstLastPara="0" vert="horz" wrap="square" lIns="25400" tIns="25400" rIns="25400" bIns="25400" numCol="1" spcCol="1270" anchor="ctr" anchorCtr="0">
+          <a:noAutofit/>
+        </a:bodyPr>
+        <a:lstStyle/>
+        <a:p>
+          <a:pPr marL="0" lvl="0" indent="0" algn="ctr" defTabSz="889000">
+            <a:lnSpc>
+              <a:spcPct val="90000"/>
+            </a:lnSpc>
+            <a:spcBef>
+              <a:spcPct val="0"/>
+            </a:spcBef>
+            <a:spcAft>
+              <a:spcPct val="35000"/>
+            </a:spcAft>
+            <a:buNone/>
+          </a:pPr>
+          <a:r>
+            <a:rPr lang="en-US" sz="2000" kern="1200" dirty="0"/>
+            <a:t>Apt Owner</a:t>
+          </a:r>
+        </a:p>
+      </dsp:txBody>
+      <dsp:txXfrm>
+        <a:off x="4013698" y="1780482"/>
+        <a:ext cx="811802" cy="811802"/>
+      </dsp:txXfrm>
+    </dsp:sp>
+    <dsp:sp modelId="{ACE3DF4F-8C1F-4AC3-B1D4-98CDF0CAEB7B}">
+      <dsp:nvSpPr>
+        <dsp:cNvPr id="0" name=""/>
+        <dsp:cNvSpPr/>
+      </dsp:nvSpPr>
+      <dsp:spPr>
+        <a:xfrm rot="16197138">
+          <a:off x="4243682" y="1096585"/>
+          <a:ext cx="350344" cy="390340"/>
+        </a:xfrm>
+        <a:prstGeom prst="rightArrow">
           <a:avLst>
-            <a:gd name="adj1" fmla="val 32840"/>
-            <a:gd name="adj2" fmla="val 25000"/>
-            <a:gd name="adj3" fmla="val 35780"/>
+            <a:gd name="adj1" fmla="val 60000"/>
+            <a:gd name="adj2" fmla="val 50000"/>
           </a:avLst>
         </a:prstGeom>
         <a:solidFill>
-          <a:schemeClr val="dk1">
-            <a:tint val="40000"/>
+          <a:schemeClr val="accent1">
+            <a:tint val="60000"/>
             <a:hueOff val="0"/>
             <a:satOff val="0"/>
             <a:lumOff val="0"/>
@@ -3440,57 +2914,70 @@
         <a:fillRef idx="1">
           <a:scrgbClr r="0" g="0" b="0"/>
         </a:fillRef>
-        <a:effectRef idx="2">
+        <a:effectRef idx="0">
           <a:scrgbClr r="0" g="0" b="0"/>
         </a:effectRef>
-        <a:fontRef idx="minor"/>
+        <a:fontRef idx="minor">
+          <a:schemeClr val="lt1"/>
+        </a:fontRef>
       </dsp:style>
+      <dsp:txBody>
+        <a:bodyPr spcFirstLastPara="0" vert="horz" wrap="square" lIns="0" tIns="0" rIns="0" bIns="0" numCol="1" spcCol="1270" anchor="ctr" anchorCtr="0">
+          <a:noAutofit/>
+        </a:bodyPr>
+        <a:lstStyle/>
+        <a:p>
+          <a:pPr marL="0" lvl="0" indent="0" algn="ctr" defTabSz="711200">
+            <a:lnSpc>
+              <a:spcPct val="90000"/>
+            </a:lnSpc>
+            <a:spcBef>
+              <a:spcPct val="0"/>
+            </a:spcBef>
+            <a:spcAft>
+              <a:spcPct val="35000"/>
+            </a:spcAft>
+            <a:buNone/>
+          </a:pPr>
+          <a:endParaRPr lang="en-US" sz="1600" kern="1200"/>
+        </a:p>
+      </dsp:txBody>
+      <dsp:txXfrm rot="10800000">
+        <a:off x="4296277" y="1227204"/>
+        <a:ext cx="245241" cy="234204"/>
+      </dsp:txXfrm>
     </dsp:sp>
-    <dsp:sp modelId="{E2700167-FF4B-4025-A48B-3CB1A8B5F4C4}">
+    <dsp:sp modelId="{60A9A403-9CF8-46BD-AC0A-BC77AFA5EBEC}">
       <dsp:nvSpPr>
         <dsp:cNvPr id="0" name=""/>
         <dsp:cNvSpPr/>
       </dsp:nvSpPr>
       <dsp:spPr>
         <a:xfrm>
-          <a:off x="674" y="162829"/>
-          <a:ext cx="1371160" cy="959768"/>
+          <a:off x="3616408" y="119235"/>
+          <a:ext cx="1603633" cy="832091"/>
         </a:xfrm>
-        <a:prstGeom prst="roundRect">
-          <a:avLst>
-            <a:gd name="adj" fmla="val 16670"/>
-          </a:avLst>
+        <a:prstGeom prst="rect">
+          <a:avLst/>
         </a:prstGeom>
-        <a:gradFill rotWithShape="0">
+        <a:gradFill rotWithShape="1">
           <a:gsLst>
             <a:gs pos="0">
-              <a:schemeClr val="lt1">
-                <a:hueOff val="0"/>
-                <a:satOff val="0"/>
-                <a:lumOff val="0"/>
-                <a:alphaOff val="0"/>
+              <a:schemeClr val="dk1">
                 <a:tint val="98000"/>
                 <a:satMod val="110000"/>
                 <a:lumMod val="104000"/>
               </a:schemeClr>
             </a:gs>
             <a:gs pos="69000">
-              <a:schemeClr val="lt1">
-                <a:hueOff val="0"/>
-                <a:satOff val="0"/>
-                <a:lumOff val="0"/>
-                <a:alphaOff val="0"/>
+              <a:schemeClr val="dk1">
                 <a:shade val="88000"/>
                 <a:satMod val="130000"/>
                 <a:lumMod val="92000"/>
               </a:schemeClr>
             </a:gs>
             <a:gs pos="100000">
-              <a:schemeClr val="lt1">
-                <a:hueOff val="0"/>
-                <a:satOff val="0"/>
-                <a:lumOff val="0"/>
-                <a:alphaOff val="0"/>
+              <a:schemeClr val="dk1">
                 <a:shade val="78000"/>
                 <a:satMod val="130000"/>
                 <a:lumMod val="92000"/>
@@ -3502,29 +2989,46 @@
         <a:ln>
           <a:noFill/>
         </a:ln>
-        <a:effectLst/>
+        <a:effectLst>
+          <a:outerShdw blurRad="50800" dist="50800" dir="5400000" sx="96000" sy="96000" rotWithShape="0">
+            <a:srgbClr val="000000">
+              <a:alpha val="48000"/>
+            </a:srgbClr>
+          </a:outerShdw>
+        </a:effectLst>
+        <a:scene3d>
+          <a:camera prst="orthographicFront">
+            <a:rot lat="0" lon="0" rev="0"/>
+          </a:camera>
+          <a:lightRig rig="balanced" dir="t">
+            <a:rot lat="0" lon="0" rev="1080000"/>
+          </a:lightRig>
+        </a:scene3d>
+        <a:sp3d>
+          <a:bevelT w="38100" h="12700" prst="softRound"/>
+        </a:sp3d>
       </dsp:spPr>
       <dsp:style>
         <a:lnRef idx="0">
-          <a:scrgbClr r="0" g="0" b="0"/>
+          <a:schemeClr val="dk1"/>
         </a:lnRef>
         <a:fillRef idx="3">
-          <a:scrgbClr r="0" g="0" b="0"/>
+          <a:schemeClr val="dk1"/>
         </a:fillRef>
-        <a:effectRef idx="2">
-          <a:scrgbClr r="0" g="0" b="0"/>
+        <a:effectRef idx="3">
+          <a:schemeClr val="dk1"/>
         </a:effectRef>
         <a:fontRef idx="minor">
           <a:schemeClr val="lt1"/>
         </a:fontRef>
       </dsp:style>
       <dsp:txBody>
-        <a:bodyPr spcFirstLastPara="0" vert="horz" wrap="square" lIns="95250" tIns="95250" rIns="95250" bIns="95250" numCol="1" spcCol="1270" anchor="ctr" anchorCtr="0">
+        <a:bodyPr spcFirstLastPara="0" vert="horz" wrap="square" lIns="22860" tIns="22860" rIns="22860" bIns="22860" numCol="1" spcCol="1270" anchor="ctr" anchorCtr="0">
           <a:noAutofit/>
         </a:bodyPr>
         <a:lstStyle/>
         <a:p>
-          <a:pPr marL="0" lvl="0" indent="0" algn="ctr" defTabSz="1111250">
+          <a:pPr marL="0" lvl="0" indent="0" algn="ctr" defTabSz="800100">
             <a:lnSpc>
               <a:spcPct val="90000"/>
             </a:lnSpc>
@@ -3537,114 +3041,35 @@
             <a:buNone/>
           </a:pPr>
           <a:r>
-            <a:rPr lang="en-US" sz="2500" kern="1200" dirty="0"/>
-            <a:t>Group A</a:t>
+            <a:rPr lang="en-US" sz="1800" b="1" kern="1200" dirty="0"/>
+            <a:t>Time of  Year</a:t>
           </a:r>
         </a:p>
       </dsp:txBody>
       <dsp:txXfrm>
-        <a:off x="47534" y="209689"/>
-        <a:ext cx="1277440" cy="866048"/>
+        <a:off x="3616408" y="119235"/>
+        <a:ext cx="1603633" cy="832091"/>
       </dsp:txXfrm>
     </dsp:sp>
-    <dsp:sp modelId="{B00BB2B3-43BF-4BBF-B8B9-75901CCFACA5}">
+    <dsp:sp modelId="{B42D273F-3E90-47EF-A9CA-CC9246D68551}">
       <dsp:nvSpPr>
         <dsp:cNvPr id="0" name=""/>
         <dsp:cNvSpPr/>
       </dsp:nvSpPr>
       <dsp:spPr>
-        <a:xfrm>
-          <a:off x="1371834" y="254365"/>
-          <a:ext cx="997251" cy="775726"/>
+        <a:xfrm rot="21529665">
+          <a:off x="5138151" y="1972943"/>
+          <a:ext cx="348615" cy="390340"/>
         </a:xfrm>
-        <a:prstGeom prst="rect">
-          <a:avLst/>
-        </a:prstGeom>
-        <a:noFill/>
-        <a:ln>
-          <a:noFill/>
-        </a:ln>
-        <a:effectLst/>
-      </dsp:spPr>
-      <dsp:style>
-        <a:lnRef idx="0">
-          <a:scrgbClr r="0" g="0" b="0"/>
-        </a:lnRef>
-        <a:fillRef idx="0">
-          <a:scrgbClr r="0" g="0" b="0"/>
-        </a:fillRef>
-        <a:effectRef idx="0">
-          <a:scrgbClr r="0" g="0" b="0"/>
-        </a:effectRef>
-        <a:fontRef idx="minor"/>
-      </dsp:style>
-      <dsp:txBody>
-        <a:bodyPr spcFirstLastPara="0" vert="horz" wrap="square" lIns="91440" tIns="91440" rIns="91440" bIns="91440" numCol="1" spcCol="1270" anchor="ctr" anchorCtr="0">
-          <a:noAutofit/>
-        </a:bodyPr>
-        <a:lstStyle/>
-        <a:p>
-          <a:pPr marL="171450" lvl="1" indent="-171450" algn="l" defTabSz="844550">
-            <a:lnSpc>
-              <a:spcPct val="90000"/>
-            </a:lnSpc>
-            <a:spcBef>
-              <a:spcPct val="0"/>
-            </a:spcBef>
-            <a:spcAft>
-              <a:spcPct val="15000"/>
-            </a:spcAft>
-            <a:buChar char="•"/>
-          </a:pPr>
-          <a:r>
-            <a:rPr lang="en-US" sz="1900" kern="1200" dirty="0"/>
-            <a:t>Task 1</a:t>
-          </a:r>
-        </a:p>
-        <a:p>
-          <a:pPr marL="171450" lvl="1" indent="-171450" algn="l" defTabSz="844550">
-            <a:lnSpc>
-              <a:spcPct val="90000"/>
-            </a:lnSpc>
-            <a:spcBef>
-              <a:spcPct val="0"/>
-            </a:spcBef>
-            <a:spcAft>
-              <a:spcPct val="15000"/>
-            </a:spcAft>
-            <a:buChar char="•"/>
-          </a:pPr>
-          <a:r>
-            <a:rPr lang="en-US" sz="1900" kern="1200" dirty="0"/>
-            <a:t>Task 2</a:t>
-          </a:r>
-        </a:p>
-      </dsp:txBody>
-      <dsp:txXfrm>
-        <a:off x="1371834" y="254365"/>
-        <a:ext cx="997251" cy="775726"/>
-      </dsp:txXfrm>
-    </dsp:sp>
-    <dsp:sp modelId="{CB65E7BF-26FC-4997-A604-64C56983E379}">
-      <dsp:nvSpPr>
-        <dsp:cNvPr id="0" name=""/>
-        <dsp:cNvSpPr/>
-      </dsp:nvSpPr>
-      <dsp:spPr>
-        <a:xfrm rot="5400000">
-          <a:off x="1353308" y="2143870"/>
-          <a:ext cx="814513" cy="927294"/>
-        </a:xfrm>
-        <a:prstGeom prst="bentUpArrow">
+        <a:prstGeom prst="rightArrow">
           <a:avLst>
-            <a:gd name="adj1" fmla="val 32840"/>
-            <a:gd name="adj2" fmla="val 25000"/>
-            <a:gd name="adj3" fmla="val 35780"/>
+            <a:gd name="adj1" fmla="val 60000"/>
+            <a:gd name="adj2" fmla="val 50000"/>
           </a:avLst>
         </a:prstGeom>
         <a:solidFill>
-          <a:schemeClr val="dk1">
-            <a:tint val="40000"/>
+          <a:schemeClr val="accent1">
+            <a:tint val="60000"/>
             <a:hueOff val="0"/>
             <a:satOff val="0"/>
             <a:lumOff val="0"/>
@@ -3663,57 +3088,70 @@
         <a:fillRef idx="1">
           <a:scrgbClr r="0" g="0" b="0"/>
         </a:fillRef>
-        <a:effectRef idx="2">
+        <a:effectRef idx="0">
           <a:scrgbClr r="0" g="0" b="0"/>
         </a:effectRef>
-        <a:fontRef idx="minor"/>
+        <a:fontRef idx="minor">
+          <a:schemeClr val="lt1"/>
+        </a:fontRef>
       </dsp:style>
+      <dsp:txBody>
+        <a:bodyPr spcFirstLastPara="0" vert="horz" wrap="square" lIns="0" tIns="0" rIns="0" bIns="0" numCol="1" spcCol="1270" anchor="ctr" anchorCtr="0">
+          <a:noAutofit/>
+        </a:bodyPr>
+        <a:lstStyle/>
+        <a:p>
+          <a:pPr marL="0" lvl="0" indent="0" algn="ctr" defTabSz="711200">
+            <a:lnSpc>
+              <a:spcPct val="90000"/>
+            </a:lnSpc>
+            <a:spcBef>
+              <a:spcPct val="0"/>
+            </a:spcBef>
+            <a:spcAft>
+              <a:spcPct val="35000"/>
+            </a:spcAft>
+            <a:buNone/>
+          </a:pPr>
+          <a:endParaRPr lang="en-US" sz="1600" kern="1200"/>
+        </a:p>
+      </dsp:txBody>
+      <dsp:txXfrm>
+        <a:off x="5138162" y="2052081"/>
+        <a:ext cx="244031" cy="234204"/>
+      </dsp:txXfrm>
     </dsp:sp>
-    <dsp:sp modelId="{1D736981-5D82-4672-9205-279958AACFE2}">
+    <dsp:sp modelId="{A01F679B-5672-4235-9310-4AB0CBA772C8}">
       <dsp:nvSpPr>
         <dsp:cNvPr id="0" name=""/>
         <dsp:cNvSpPr/>
       </dsp:nvSpPr>
       <dsp:spPr>
         <a:xfrm>
-          <a:off x="1137512" y="1240965"/>
-          <a:ext cx="1371160" cy="959768"/>
+          <a:off x="5650515" y="1728743"/>
+          <a:ext cx="1603633" cy="832091"/>
         </a:xfrm>
-        <a:prstGeom prst="roundRect">
-          <a:avLst>
-            <a:gd name="adj" fmla="val 16670"/>
-          </a:avLst>
+        <a:prstGeom prst="rect">
+          <a:avLst/>
         </a:prstGeom>
-        <a:gradFill rotWithShape="0">
+        <a:gradFill rotWithShape="1">
           <a:gsLst>
             <a:gs pos="0">
-              <a:schemeClr val="lt1">
-                <a:hueOff val="0"/>
-                <a:satOff val="0"/>
-                <a:lumOff val="0"/>
-                <a:alphaOff val="0"/>
+              <a:schemeClr val="dk1">
                 <a:tint val="98000"/>
                 <a:satMod val="110000"/>
                 <a:lumMod val="104000"/>
               </a:schemeClr>
             </a:gs>
             <a:gs pos="69000">
-              <a:schemeClr val="lt1">
-                <a:hueOff val="0"/>
-                <a:satOff val="0"/>
-                <a:lumOff val="0"/>
-                <a:alphaOff val="0"/>
+              <a:schemeClr val="dk1">
                 <a:shade val="88000"/>
                 <a:satMod val="130000"/>
                 <a:lumMod val="92000"/>
               </a:schemeClr>
             </a:gs>
             <a:gs pos="100000">
-              <a:schemeClr val="lt1">
-                <a:hueOff val="0"/>
-                <a:satOff val="0"/>
-                <a:lumOff val="0"/>
-                <a:alphaOff val="0"/>
+              <a:schemeClr val="dk1">
                 <a:shade val="78000"/>
                 <a:satMod val="130000"/>
                 <a:lumMod val="92000"/>
@@ -3725,29 +3163,46 @@
         <a:ln>
           <a:noFill/>
         </a:ln>
-        <a:effectLst/>
+        <a:effectLst>
+          <a:outerShdw blurRad="50800" dist="50800" dir="5400000" sx="96000" sy="96000" rotWithShape="0">
+            <a:srgbClr val="000000">
+              <a:alpha val="48000"/>
+            </a:srgbClr>
+          </a:outerShdw>
+        </a:effectLst>
+        <a:scene3d>
+          <a:camera prst="orthographicFront">
+            <a:rot lat="0" lon="0" rev="0"/>
+          </a:camera>
+          <a:lightRig rig="balanced" dir="t">
+            <a:rot lat="0" lon="0" rev="1080000"/>
+          </a:lightRig>
+        </a:scene3d>
+        <a:sp3d>
+          <a:bevelT w="38100" h="12700" prst="softRound"/>
+        </a:sp3d>
       </dsp:spPr>
       <dsp:style>
         <a:lnRef idx="0">
-          <a:scrgbClr r="0" g="0" b="0"/>
+          <a:schemeClr val="dk1"/>
         </a:lnRef>
         <a:fillRef idx="3">
-          <a:scrgbClr r="0" g="0" b="0"/>
+          <a:schemeClr val="dk1"/>
         </a:fillRef>
-        <a:effectRef idx="2">
-          <a:scrgbClr r="0" g="0" b="0"/>
+        <a:effectRef idx="3">
+          <a:schemeClr val="dk1"/>
         </a:effectRef>
         <a:fontRef idx="minor">
           <a:schemeClr val="lt1"/>
         </a:fontRef>
       </dsp:style>
       <dsp:txBody>
-        <a:bodyPr spcFirstLastPara="0" vert="horz" wrap="square" lIns="95250" tIns="95250" rIns="95250" bIns="95250" numCol="1" spcCol="1270" anchor="ctr" anchorCtr="0">
+        <a:bodyPr spcFirstLastPara="0" vert="horz" wrap="square" lIns="22860" tIns="22860" rIns="22860" bIns="22860" numCol="1" spcCol="1270" anchor="ctr" anchorCtr="0">
           <a:noAutofit/>
         </a:bodyPr>
         <a:lstStyle/>
         <a:p>
-          <a:pPr marL="0" lvl="0" indent="0" algn="ctr" defTabSz="1111250">
+          <a:pPr marL="0" lvl="0" indent="0" algn="ctr" defTabSz="800100">
             <a:lnSpc>
               <a:spcPct val="90000"/>
             </a:lnSpc>
@@ -3760,30 +3215,41 @@
             <a:buNone/>
           </a:pPr>
           <a:r>
-            <a:rPr lang="en-US" sz="2500" kern="1200" dirty="0"/>
-            <a:t>Group B</a:t>
+            <a:rPr lang="en-US" sz="1800" b="1" kern="1200" dirty="0"/>
+            <a:t>HH Income</a:t>
           </a:r>
         </a:p>
       </dsp:txBody>
       <dsp:txXfrm>
-        <a:off x="1184372" y="1287825"/>
-        <a:ext cx="1277440" cy="866048"/>
+        <a:off x="5650515" y="1728743"/>
+        <a:ext cx="1603633" cy="832091"/>
       </dsp:txXfrm>
     </dsp:sp>
-    <dsp:sp modelId="{5812CCDB-7FE7-42D3-9D84-BC2F375234DF}">
+    <dsp:sp modelId="{CAF3F418-D3D6-40DE-9135-E4DC795056F0}">
       <dsp:nvSpPr>
         <dsp:cNvPr id="0" name=""/>
         <dsp:cNvSpPr/>
       </dsp:nvSpPr>
       <dsp:spPr>
-        <a:xfrm>
-          <a:off x="2508673" y="1332501"/>
-          <a:ext cx="997251" cy="775726"/>
+        <a:xfrm rot="5396976">
+          <a:off x="4267217" y="2845507"/>
+          <a:ext cx="306267" cy="390340"/>
         </a:xfrm>
-        <a:prstGeom prst="rect">
-          <a:avLst/>
+        <a:prstGeom prst="rightArrow">
+          <a:avLst>
+            <a:gd name="adj1" fmla="val 60000"/>
+            <a:gd name="adj2" fmla="val 50000"/>
+          </a:avLst>
         </a:prstGeom>
-        <a:noFill/>
+        <a:solidFill>
+          <a:schemeClr val="accent1">
+            <a:tint val="60000"/>
+            <a:hueOff val="0"/>
+            <a:satOff val="0"/>
+            <a:lumOff val="0"/>
+            <a:alphaOff val="0"/>
+          </a:schemeClr>
+        </a:solidFill>
         <a:ln>
           <a:noFill/>
         </a:ln>
@@ -3793,21 +3259,23 @@
         <a:lnRef idx="0">
           <a:scrgbClr r="0" g="0" b="0"/>
         </a:lnRef>
-        <a:fillRef idx="0">
+        <a:fillRef idx="1">
           <a:scrgbClr r="0" g="0" b="0"/>
         </a:fillRef>
         <a:effectRef idx="0">
           <a:scrgbClr r="0" g="0" b="0"/>
         </a:effectRef>
-        <a:fontRef idx="minor"/>
+        <a:fontRef idx="minor">
+          <a:schemeClr val="lt1"/>
+        </a:fontRef>
       </dsp:style>
       <dsp:txBody>
-        <a:bodyPr spcFirstLastPara="0" vert="horz" wrap="square" lIns="91440" tIns="91440" rIns="91440" bIns="91440" numCol="1" spcCol="1270" anchor="ctr" anchorCtr="0">
+        <a:bodyPr spcFirstLastPara="0" vert="horz" wrap="square" lIns="0" tIns="0" rIns="0" bIns="0" numCol="1" spcCol="1270" anchor="ctr" anchorCtr="0">
           <a:noAutofit/>
         </a:bodyPr>
         <a:lstStyle/>
         <a:p>
-          <a:pPr marL="171450" lvl="1" indent="-171450" algn="l" defTabSz="844550">
+          <a:pPr marL="0" lvl="0" indent="0" algn="ctr" defTabSz="711200">
             <a:lnSpc>
               <a:spcPct val="90000"/>
             </a:lnSpc>
@@ -3815,84 +3283,49 @@
               <a:spcPct val="0"/>
             </a:spcBef>
             <a:spcAft>
-              <a:spcPct val="15000"/>
+              <a:spcPct val="35000"/>
             </a:spcAft>
-            <a:buChar char="•"/>
+            <a:buNone/>
           </a:pPr>
-          <a:r>
-            <a:rPr lang="en-US" sz="1900" kern="1200" dirty="0"/>
-            <a:t>Task 1</a:t>
-          </a:r>
-        </a:p>
-        <a:p>
-          <a:pPr marL="171450" lvl="1" indent="-171450" algn="l" defTabSz="844550">
-            <a:lnSpc>
-              <a:spcPct val="90000"/>
-            </a:lnSpc>
-            <a:spcBef>
-              <a:spcPct val="0"/>
-            </a:spcBef>
-            <a:spcAft>
-              <a:spcPct val="15000"/>
-            </a:spcAft>
-            <a:buChar char="•"/>
-          </a:pPr>
-          <a:r>
-            <a:rPr lang="en-US" sz="1900" kern="1200" dirty="0"/>
-            <a:t>Task 2</a:t>
-          </a:r>
+          <a:endParaRPr lang="en-US" sz="1600" kern="1200"/>
         </a:p>
       </dsp:txBody>
       <dsp:txXfrm>
-        <a:off x="2508673" y="1332501"/>
-        <a:ext cx="997251" cy="775726"/>
+        <a:off x="4313117" y="2877635"/>
+        <a:ext cx="214387" cy="234204"/>
       </dsp:txXfrm>
     </dsp:sp>
-    <dsp:sp modelId="{AE7ECB50-F4B1-47FD-BE6E-79C06FC25BB6}">
+    <dsp:sp modelId="{11580F56-634B-410B-AE71-4A030F736096}">
       <dsp:nvSpPr>
         <dsp:cNvPr id="0" name=""/>
         <dsp:cNvSpPr/>
       </dsp:nvSpPr>
       <dsp:spPr>
         <a:xfrm>
-          <a:off x="2274350" y="2319102"/>
-          <a:ext cx="1371160" cy="959768"/>
+          <a:off x="3619162" y="3338276"/>
+          <a:ext cx="1603633" cy="832091"/>
         </a:xfrm>
-        <a:prstGeom prst="roundRect">
-          <a:avLst>
-            <a:gd name="adj" fmla="val 16670"/>
-          </a:avLst>
+        <a:prstGeom prst="rect">
+          <a:avLst/>
         </a:prstGeom>
-        <a:gradFill rotWithShape="0">
+        <a:gradFill rotWithShape="1">
           <a:gsLst>
             <a:gs pos="0">
-              <a:schemeClr val="lt1">
-                <a:hueOff val="0"/>
-                <a:satOff val="0"/>
-                <a:lumOff val="0"/>
-                <a:alphaOff val="0"/>
+              <a:schemeClr val="dk1">
                 <a:tint val="98000"/>
                 <a:satMod val="110000"/>
                 <a:lumMod val="104000"/>
               </a:schemeClr>
             </a:gs>
             <a:gs pos="69000">
-              <a:schemeClr val="lt1">
-                <a:hueOff val="0"/>
-                <a:satOff val="0"/>
-                <a:lumOff val="0"/>
-                <a:alphaOff val="0"/>
+              <a:schemeClr val="dk1">
                 <a:shade val="88000"/>
                 <a:satMod val="130000"/>
                 <a:lumMod val="92000"/>
               </a:schemeClr>
             </a:gs>
             <a:gs pos="100000">
-              <a:schemeClr val="lt1">
-                <a:hueOff val="0"/>
-                <a:satOff val="0"/>
-                <a:lumOff val="0"/>
-                <a:alphaOff val="0"/>
+              <a:schemeClr val="dk1">
                 <a:shade val="78000"/>
                 <a:satMod val="130000"/>
                 <a:lumMod val="92000"/>
@@ -3904,29 +3337,46 @@
         <a:ln>
           <a:noFill/>
         </a:ln>
-        <a:effectLst/>
+        <a:effectLst>
+          <a:outerShdw blurRad="50800" dist="50800" dir="5400000" sx="96000" sy="96000" rotWithShape="0">
+            <a:srgbClr val="000000">
+              <a:alpha val="48000"/>
+            </a:srgbClr>
+          </a:outerShdw>
+        </a:effectLst>
+        <a:scene3d>
+          <a:camera prst="orthographicFront">
+            <a:rot lat="0" lon="0" rev="0"/>
+          </a:camera>
+          <a:lightRig rig="balanced" dir="t">
+            <a:rot lat="0" lon="0" rev="1080000"/>
+          </a:lightRig>
+        </a:scene3d>
+        <a:sp3d>
+          <a:bevelT w="38100" h="12700" prst="softRound"/>
+        </a:sp3d>
       </dsp:spPr>
       <dsp:style>
         <a:lnRef idx="0">
-          <a:scrgbClr r="0" g="0" b="0"/>
+          <a:schemeClr val="dk1"/>
         </a:lnRef>
         <a:fillRef idx="3">
-          <a:scrgbClr r="0" g="0" b="0"/>
+          <a:schemeClr val="dk1"/>
         </a:fillRef>
-        <a:effectRef idx="2">
-          <a:scrgbClr r="0" g="0" b="0"/>
+        <a:effectRef idx="3">
+          <a:schemeClr val="dk1"/>
         </a:effectRef>
         <a:fontRef idx="minor">
           <a:schemeClr val="lt1"/>
         </a:fontRef>
       </dsp:style>
       <dsp:txBody>
-        <a:bodyPr spcFirstLastPara="0" vert="horz" wrap="square" lIns="95250" tIns="95250" rIns="95250" bIns="95250" numCol="1" spcCol="1270" anchor="ctr" anchorCtr="0">
+        <a:bodyPr spcFirstLastPara="0" vert="horz" wrap="square" lIns="22860" tIns="22860" rIns="22860" bIns="22860" numCol="1" spcCol="1270" anchor="ctr" anchorCtr="0">
           <a:noAutofit/>
         </a:bodyPr>
         <a:lstStyle/>
         <a:p>
-          <a:pPr marL="0" lvl="0" indent="0" algn="ctr" defTabSz="1111250">
+          <a:pPr marL="0" lvl="0" indent="0" algn="ctr" defTabSz="800100">
             <a:lnSpc>
               <a:spcPct val="90000"/>
             </a:lnSpc>
@@ -3939,30 +3389,41 @@
             <a:buNone/>
           </a:pPr>
           <a:r>
-            <a:rPr lang="en-US" sz="2500" kern="1200" dirty="0"/>
-            <a:t>Group C</a:t>
+            <a:rPr lang="en-US" sz="1800" b="1" kern="1200" dirty="0"/>
+            <a:t>Demographics</a:t>
           </a:r>
         </a:p>
       </dsp:txBody>
       <dsp:txXfrm>
-        <a:off x="2321210" y="2365962"/>
-        <a:ext cx="1277440" cy="866048"/>
+        <a:off x="3619162" y="3338276"/>
+        <a:ext cx="1603633" cy="832091"/>
       </dsp:txXfrm>
     </dsp:sp>
-    <dsp:sp modelId="{4B5DC6C6-463E-44E5-A737-2C9DAC15B3C1}">
+    <dsp:sp modelId="{602D0045-BBE5-47DF-88F9-2563986B78B2}">
       <dsp:nvSpPr>
         <dsp:cNvPr id="0" name=""/>
         <dsp:cNvSpPr/>
       </dsp:nvSpPr>
       <dsp:spPr>
-        <a:xfrm>
-          <a:off x="3645511" y="2410638"/>
-          <a:ext cx="997251" cy="775726"/>
+        <a:xfrm rot="10870335">
+          <a:off x="3352432" y="1972943"/>
+          <a:ext cx="348615" cy="390340"/>
         </a:xfrm>
-        <a:prstGeom prst="rect">
-          <a:avLst/>
+        <a:prstGeom prst="rightArrow">
+          <a:avLst>
+            <a:gd name="adj1" fmla="val 60000"/>
+            <a:gd name="adj2" fmla="val 50000"/>
+          </a:avLst>
         </a:prstGeom>
-        <a:noFill/>
+        <a:solidFill>
+          <a:schemeClr val="accent1">
+            <a:tint val="60000"/>
+            <a:hueOff val="0"/>
+            <a:satOff val="0"/>
+            <a:lumOff val="0"/>
+            <a:alphaOff val="0"/>
+          </a:schemeClr>
+        </a:solidFill>
         <a:ln>
           <a:noFill/>
         </a:ln>
@@ -3972,21 +3433,23 @@
         <a:lnRef idx="0">
           <a:scrgbClr r="0" g="0" b="0"/>
         </a:lnRef>
-        <a:fillRef idx="0">
+        <a:fillRef idx="1">
           <a:scrgbClr r="0" g="0" b="0"/>
         </a:fillRef>
         <a:effectRef idx="0">
           <a:scrgbClr r="0" g="0" b="0"/>
         </a:effectRef>
-        <a:fontRef idx="minor"/>
+        <a:fontRef idx="minor">
+          <a:schemeClr val="lt1"/>
+        </a:fontRef>
       </dsp:style>
       <dsp:txBody>
-        <a:bodyPr spcFirstLastPara="0" vert="horz" wrap="square" lIns="91440" tIns="91440" rIns="91440" bIns="91440" numCol="1" spcCol="1270" anchor="ctr" anchorCtr="0">
+        <a:bodyPr spcFirstLastPara="0" vert="horz" wrap="square" lIns="0" tIns="0" rIns="0" bIns="0" numCol="1" spcCol="1270" anchor="ctr" anchorCtr="0">
           <a:noAutofit/>
         </a:bodyPr>
         <a:lstStyle/>
         <a:p>
-          <a:pPr marL="171450" lvl="1" indent="-171450" algn="l" defTabSz="844550">
+          <a:pPr marL="0" lvl="0" indent="0" algn="ctr" defTabSz="711200">
             <a:lnSpc>
               <a:spcPct val="90000"/>
             </a:lnSpc>
@@ -3994,17 +3457,100 @@
               <a:spcPct val="0"/>
             </a:spcBef>
             <a:spcAft>
-              <a:spcPct val="15000"/>
+              <a:spcPct val="35000"/>
             </a:spcAft>
-            <a:buChar char="•"/>
+            <a:buNone/>
           </a:pPr>
-          <a:r>
-            <a:rPr lang="en-US" sz="1900" kern="1200" dirty="0"/>
-            <a:t>Task 1</a:t>
-          </a:r>
+          <a:endParaRPr lang="en-US" sz="1600" kern="1200"/>
         </a:p>
+      </dsp:txBody>
+      <dsp:txXfrm rot="10800000">
+        <a:off x="3457005" y="2052081"/>
+        <a:ext cx="244031" cy="234204"/>
+      </dsp:txXfrm>
+    </dsp:sp>
+    <dsp:sp modelId="{F3779B86-817D-4C8A-B588-5DD56C1F94A8}">
+      <dsp:nvSpPr>
+        <dsp:cNvPr id="0" name=""/>
+        <dsp:cNvSpPr/>
+      </dsp:nvSpPr>
+      <dsp:spPr>
+        <a:xfrm>
+          <a:off x="1585051" y="1728743"/>
+          <a:ext cx="1603633" cy="832091"/>
+        </a:xfrm>
+        <a:prstGeom prst="rect">
+          <a:avLst/>
+        </a:prstGeom>
+        <a:gradFill rotWithShape="1">
+          <a:gsLst>
+            <a:gs pos="0">
+              <a:schemeClr val="dk1">
+                <a:tint val="98000"/>
+                <a:satMod val="110000"/>
+                <a:lumMod val="104000"/>
+              </a:schemeClr>
+            </a:gs>
+            <a:gs pos="69000">
+              <a:schemeClr val="dk1">
+                <a:shade val="88000"/>
+                <a:satMod val="130000"/>
+                <a:lumMod val="92000"/>
+              </a:schemeClr>
+            </a:gs>
+            <a:gs pos="100000">
+              <a:schemeClr val="dk1">
+                <a:shade val="78000"/>
+                <a:satMod val="130000"/>
+                <a:lumMod val="92000"/>
+              </a:schemeClr>
+            </a:gs>
+          </a:gsLst>
+          <a:lin ang="5400000" scaled="0"/>
+        </a:gradFill>
+        <a:ln>
+          <a:noFill/>
+        </a:ln>
+        <a:effectLst>
+          <a:outerShdw blurRad="50800" dist="50800" dir="5400000" sx="96000" sy="96000" rotWithShape="0">
+            <a:srgbClr val="000000">
+              <a:alpha val="48000"/>
+            </a:srgbClr>
+          </a:outerShdw>
+        </a:effectLst>
+        <a:scene3d>
+          <a:camera prst="orthographicFront">
+            <a:rot lat="0" lon="0" rev="0"/>
+          </a:camera>
+          <a:lightRig rig="balanced" dir="t">
+            <a:rot lat="0" lon="0" rev="1080000"/>
+          </a:lightRig>
+        </a:scene3d>
+        <a:sp3d>
+          <a:bevelT w="38100" h="12700" prst="softRound"/>
+        </a:sp3d>
+      </dsp:spPr>
+      <dsp:style>
+        <a:lnRef idx="0">
+          <a:schemeClr val="dk1"/>
+        </a:lnRef>
+        <a:fillRef idx="3">
+          <a:schemeClr val="dk1"/>
+        </a:fillRef>
+        <a:effectRef idx="3">
+          <a:schemeClr val="dk1"/>
+        </a:effectRef>
+        <a:fontRef idx="minor">
+          <a:schemeClr val="lt1"/>
+        </a:fontRef>
+      </dsp:style>
+      <dsp:txBody>
+        <a:bodyPr spcFirstLastPara="0" vert="horz" wrap="square" lIns="22860" tIns="22860" rIns="22860" bIns="22860" numCol="1" spcCol="1270" anchor="ctr" anchorCtr="0">
+          <a:noAutofit/>
+        </a:bodyPr>
+        <a:lstStyle/>
         <a:p>
-          <a:pPr marL="171450" lvl="1" indent="-171450" algn="l" defTabSz="844550">
+          <a:pPr marL="0" lvl="0" indent="0" algn="ctr" defTabSz="800100">
             <a:lnSpc>
               <a:spcPct val="90000"/>
             </a:lnSpc>
@@ -4012,19 +3558,19 @@
               <a:spcPct val="0"/>
             </a:spcBef>
             <a:spcAft>
-              <a:spcPct val="15000"/>
+              <a:spcPct val="35000"/>
             </a:spcAft>
-            <a:buChar char="•"/>
+            <a:buNone/>
           </a:pPr>
           <a:r>
-            <a:rPr lang="en-US" sz="1900" kern="1200" dirty="0"/>
-            <a:t>Task 2</a:t>
+            <a:rPr lang="en-US" sz="1800" b="1" kern="1200" dirty="0"/>
+            <a:t>Crime Rates</a:t>
           </a:r>
         </a:p>
       </dsp:txBody>
       <dsp:txXfrm>
-        <a:off x="3645511" y="2410638"/>
-        <a:ext cx="997251" cy="775726"/>
+        <a:off x="1585051" y="1728743"/>
+        <a:ext cx="1603633" cy="832091"/>
       </dsp:txXfrm>
     </dsp:sp>
   </dsp:spTree>
@@ -4032,42 +3578,39 @@
 </file>
 
 <file path=ppt/diagrams/layout1.xml><?xml version="1.0" encoding="utf-8"?>
-<dgm:layoutDef xmlns:dgm="http://schemas.openxmlformats.org/drawingml/2006/diagram" xmlns:a="http://schemas.openxmlformats.org/drawingml/2006/main" uniqueId="urn:microsoft.com/office/officeart/2005/8/layout/StepDownProcess">
+<dgm:layoutDef xmlns:dgm="http://schemas.openxmlformats.org/drawingml/2006/diagram" xmlns:a="http://schemas.openxmlformats.org/drawingml/2006/main" uniqueId="urn:microsoft.com/office/officeart/2005/8/layout/radial5">
   <dgm:title val=""/>
   <dgm:desc val=""/>
   <dgm:catLst>
-    <dgm:cat type="process" pri="1600"/>
+    <dgm:cat type="relationship" pri="23000"/>
+    <dgm:cat type="cycle" pri="11000"/>
   </dgm:catLst>
   <dgm:sampData>
     <dgm:dataModel>
       <dgm:ptLst>
         <dgm:pt modelId="0" type="doc"/>
-        <dgm:pt modelId="10">
+        <dgm:pt modelId="1">
           <dgm:prSet phldr="1"/>
         </dgm:pt>
         <dgm:pt modelId="11">
           <dgm:prSet phldr="1"/>
         </dgm:pt>
-        <dgm:pt modelId="20">
+        <dgm:pt modelId="12">
           <dgm:prSet phldr="1"/>
         </dgm:pt>
-        <dgm:pt modelId="21">
+        <dgm:pt modelId="13">
           <dgm:prSet phldr="1"/>
         </dgm:pt>
-        <dgm:pt modelId="30">
-          <dgm:prSet phldr="1"/>
-        </dgm:pt>
-        <dgm:pt modelId="31">
+        <dgm:pt modelId="14">
           <dgm:prSet phldr="1"/>
         </dgm:pt>
       </dgm:ptLst>
       <dgm:cxnLst>
-        <dgm:cxn modelId="60" srcId="0" destId="10" srcOrd="0" destOrd="0"/>
-        <dgm:cxn modelId="12" srcId="10" destId="11" srcOrd="0" destOrd="0"/>
-        <dgm:cxn modelId="70" srcId="0" destId="20" srcOrd="1" destOrd="0"/>
-        <dgm:cxn modelId="22" srcId="20" destId="21" srcOrd="0" destOrd="0"/>
-        <dgm:cxn modelId="80" srcId="0" destId="30" srcOrd="2" destOrd="0"/>
-        <dgm:cxn modelId="32" srcId="30" destId="31" srcOrd="0" destOrd="0"/>
+        <dgm:cxn modelId="2" srcId="0" destId="1" srcOrd="0" destOrd="0"/>
+        <dgm:cxn modelId="3" srcId="1" destId="11" srcOrd="0" destOrd="0"/>
+        <dgm:cxn modelId="4" srcId="1" destId="12" srcOrd="1" destOrd="0"/>
+        <dgm:cxn modelId="5" srcId="1" destId="13" srcOrd="2" destOrd="0"/>
+        <dgm:cxn modelId="6" srcId="1" destId="14" srcOrd="3" destOrd="0"/>
       </dgm:cxnLst>
       <dgm:bg/>
       <dgm:whole/>
@@ -4077,16 +3620,16 @@
     <dgm:dataModel>
       <dgm:ptLst>
         <dgm:pt modelId="0" type="doc"/>
-        <dgm:pt modelId="10">
-          <dgm:prSet phldr="1"/>
-        </dgm:pt>
-        <dgm:pt modelId="20">
-          <dgm:prSet phldr="1"/>
-        </dgm:pt>
+        <dgm:pt modelId="1"/>
+        <dgm:pt modelId="11"/>
+        <dgm:pt modelId="12"/>
+        <dgm:pt modelId="13"/>
       </dgm:ptLst>
       <dgm:cxnLst>
-        <dgm:cxn modelId="60" srcId="0" destId="10" srcOrd="0" destOrd="0"/>
-        <dgm:cxn modelId="70" srcId="0" destId="20" srcOrd="1" destOrd="0"/>
+        <dgm:cxn modelId="2" srcId="0" destId="1" srcOrd="0" destOrd="0"/>
+        <dgm:cxn modelId="15" srcId="1" destId="11" srcOrd="0" destOrd="0"/>
+        <dgm:cxn modelId="16" srcId="1" destId="12" srcOrd="1" destOrd="0"/>
+        <dgm:cxn modelId="17" srcId="1" destId="13" srcOrd="2" destOrd="0"/>
       </dgm:cxnLst>
       <dgm:bg/>
       <dgm:whole/>
@@ -4096,253 +3639,177 @@
     <dgm:dataModel>
       <dgm:ptLst>
         <dgm:pt modelId="0" type="doc"/>
-        <dgm:pt modelId="10">
-          <dgm:prSet phldr="1"/>
-        </dgm:pt>
-        <dgm:pt modelId="20">
-          <dgm:prSet phldr="1"/>
-        </dgm:pt>
-        <dgm:pt modelId="30">
-          <dgm:prSet phldr="1"/>
-        </dgm:pt>
-        <dgm:pt modelId="40">
-          <dgm:prSet phldr="1"/>
-        </dgm:pt>
+        <dgm:pt modelId="1"/>
+        <dgm:pt modelId="11"/>
+        <dgm:pt modelId="12"/>
+        <dgm:pt modelId="13"/>
+        <dgm:pt modelId="14"/>
+        <dgm:pt modelId="15"/>
+        <dgm:pt modelId="16"/>
       </dgm:ptLst>
       <dgm:cxnLst>
-        <dgm:cxn modelId="60" srcId="0" destId="10" srcOrd="0" destOrd="0"/>
-        <dgm:cxn modelId="70" srcId="0" destId="20" srcOrd="1" destOrd="0"/>
-        <dgm:cxn modelId="80" srcId="0" destId="30" srcOrd="2" destOrd="0"/>
-        <dgm:cxn modelId="90" srcId="0" destId="40" srcOrd="3" destOrd="0"/>
+        <dgm:cxn modelId="2" srcId="0" destId="1" srcOrd="0" destOrd="0"/>
+        <dgm:cxn modelId="16" srcId="1" destId="11" srcOrd="0" destOrd="0"/>
+        <dgm:cxn modelId="17" srcId="1" destId="12" srcOrd="1" destOrd="0"/>
+        <dgm:cxn modelId="18" srcId="1" destId="13" srcOrd="2" destOrd="0"/>
+        <dgm:cxn modelId="19" srcId="1" destId="14" srcOrd="3" destOrd="0"/>
+        <dgm:cxn modelId="20" srcId="1" destId="15" srcOrd="4" destOrd="0"/>
+        <dgm:cxn modelId="21" srcId="1" destId="16" srcOrd="5" destOrd="0"/>
       </dgm:cxnLst>
       <dgm:bg/>
       <dgm:whole/>
     </dgm:dataModel>
   </dgm:clrData>
-  <dgm:layoutNode name="rootnode">
+  <dgm:layoutNode name="Name0">
     <dgm:varLst>
-      <dgm:chMax/>
-      <dgm:chPref/>
+      <dgm:chMax val="1"/>
       <dgm:dir/>
-      <dgm:animLvl val="lvl"/>
+      <dgm:animLvl val="ctr"/>
+      <dgm:resizeHandles val="exact"/>
     </dgm:varLst>
-    <dgm:choose name="Name0">
-      <dgm:if name="Name1" func="var" arg="dir" op="equ" val="norm">
-        <dgm:alg type="snake">
-          <dgm:param type="grDir" val="tL"/>
-          <dgm:param type="flowDir" val="row"/>
-          <dgm:param type="off" val="off"/>
-          <dgm:param type="bkpt" val="fixed"/>
-          <dgm:param type="bkPtFixedVal" val="1"/>
+    <dgm:choose name="Name1">
+      <dgm:if name="Name2" func="var" arg="dir" op="equ" val="norm">
+        <dgm:alg type="cycle">
+          <dgm:param type="stAng" val="0"/>
+          <dgm:param type="spanAng" val="360"/>
+          <dgm:param type="ctrShpMap" val="fNode"/>
         </dgm:alg>
       </dgm:if>
-      <dgm:else name="Name2">
-        <dgm:alg type="snake">
-          <dgm:param type="grDir" val="tR"/>
-          <dgm:param type="flowDir" val="row"/>
-          <dgm:param type="off" val="off"/>
-          <dgm:param type="bkpt" val="fixed"/>
-          <dgm:param type="bkPtFixedVal" val="1"/>
+      <dgm:else name="Name3">
+        <dgm:alg type="cycle">
+          <dgm:param type="stAng" val="0"/>
+          <dgm:param type="spanAng" val="-360"/>
+          <dgm:param type="ctrShpMap" val="fNode"/>
         </dgm:alg>
       </dgm:else>
     </dgm:choose>
     <dgm:shape xmlns:r="http://schemas.openxmlformats.org/officeDocument/2006/relationships" r:blip="">
       <dgm:adjLst/>
     </dgm:shape>
-    <dgm:choose name="Name3">
-      <dgm:if name="Name4" func="var" arg="dir" op="equ" val="norm">
-        <dgm:constrLst>
-          <dgm:constr type="alignOff" forName="rootnode" val="0.48"/>
-          <dgm:constr type="primFontSz" for="des" forName="ParentText" val="65"/>
-          <dgm:constr type="primFontSz" for="des" forName="ChildText" refType="primFontSz" refFor="des" refForName="ParentText" op="lte"/>
-          <dgm:constr type="w" for="ch" forName="composite" refType="w"/>
-          <dgm:constr type="h" for="ch" forName="composite" refType="h"/>
-          <dgm:constr type="sp" refType="h" refFor="ch" refForName="composite" op="equ" fact="-0.38"/>
-        </dgm:constrLst>
+    <dgm:presOf/>
+    <dgm:constrLst>
+      <dgm:constr type="w" for="ch" forName="centerShape" refType="w"/>
+      <dgm:constr type="w" for="ch" forName="parTrans" refType="w" refFor="ch" refForName="centerShape" fact="0.4"/>
+      <dgm:constr type="w" for="ch" forName="node" refType="w" refFor="ch" refForName="centerShape" op="equ" fact="1.25"/>
+      <dgm:constr type="sp" refType="w" refFor="ch" refForName="centerShape" op="equ" fact="0.4"/>
+      <dgm:constr type="sibSp" refType="w" refFor="ch" refForName="node" fact="0.3"/>
+      <dgm:constr type="primFontSz" for="ch" forName="centerShape" val="65"/>
+      <dgm:constr type="primFontSz" for="des" forName="node" op="equ" val="65"/>
+      <dgm:constr type="primFontSz" for="des" forName="node" refType="primFontSz" refFor="ch" refForName="centerShape" op="lte"/>
+      <dgm:constr type="primFontSz" for="des" forName="connectorText" op="equ" val="55"/>
+      <dgm:constr type="primFontSz" for="des" forName="connectorText" refType="primFontSz" refFor="ch" refForName="centerShape" op="lte" fact="0.8"/>
+      <dgm:constr type="primFontSz" for="des" forName="connectorText" refType="primFontSz" refFor="des" refForName="node" op="lte"/>
+    </dgm:constrLst>
+    <dgm:choose name="Name4">
+      <dgm:if name="Name5" axis="ch ch" ptType="node node" st="1 1" cnt="1 0" func="cnt" op="lte" val="6">
+        <dgm:ruleLst>
+          <dgm:rule type="w" for="ch" forName="node" val="NaN" fact="1" max="NaN"/>
+        </dgm:ruleLst>
       </dgm:if>
-      <dgm:else name="Name5">
-        <dgm:constrLst>
-          <dgm:constr type="alignOff" forName="rootnode" val="0.48"/>
-          <dgm:constr type="primFontSz" for="des" forName="ParentText" val="65"/>
-          <dgm:constr type="primFontSz" for="des" forName="ChildText" refType="primFontSz" refFor="des" refForName="ParentText" op="lte"/>
-          <dgm:constr type="w" for="ch" forName="composite" refType="w"/>
-          <dgm:constr type="h" for="ch" forName="composite" refType="h"/>
-          <dgm:constr type="sp" refType="h" refFor="ch" refForName="composite" op="equ" fact="-0.38"/>
-        </dgm:constrLst>
+      <dgm:if name="Name6" axis="ch ch" ptType="node node" st="1 1" cnt="1 0" func="cnt" op="lte" val="8">
+        <dgm:ruleLst>
+          <dgm:rule type="w" for="ch" forName="node" val="NaN" fact="0.9" max="NaN"/>
+        </dgm:ruleLst>
+      </dgm:if>
+      <dgm:if name="Name7" axis="ch ch" ptType="node node" st="1 1" cnt="1 0" func="cnt" op="lte" val="10">
+        <dgm:ruleLst>
+          <dgm:rule type="w" for="ch" forName="node" val="NaN" fact="0.8" max="NaN"/>
+        </dgm:ruleLst>
+      </dgm:if>
+      <dgm:if name="Name8" axis="ch ch" ptType="node node" st="1 1" cnt="1 0" func="cnt" op="lte" val="12">
+        <dgm:ruleLst>
+          <dgm:rule type="w" for="ch" forName="node" val="NaN" fact="0.7" max="NaN"/>
+        </dgm:ruleLst>
+      </dgm:if>
+      <dgm:if name="Name9" axis="ch ch" ptType="node node" st="1 1" cnt="1 0" func="cnt" op="lte" val="14">
+        <dgm:ruleLst>
+          <dgm:rule type="w" for="ch" forName="node" val="NaN" fact="0.6" max="NaN"/>
+        </dgm:ruleLst>
+      </dgm:if>
+      <dgm:else name="Name10">
+        <dgm:ruleLst>
+          <dgm:rule type="w" for="ch" forName="node" val="NaN" fact="0.5" max="NaN"/>
+        </dgm:ruleLst>
       </dgm:else>
     </dgm:choose>
-    <dgm:forEach name="nodesForEach" axis="ch" ptType="node">
-      <dgm:layoutNode name="composite">
-        <dgm:alg type="composite">
-          <dgm:param type="ar" val="1.2439"/>
-        </dgm:alg>
-        <dgm:shape xmlns:r="http://schemas.openxmlformats.org/officeDocument/2006/relationships" r:blip="">
+    <dgm:forEach name="Name11" axis="ch" ptType="node" cnt="1">
+      <dgm:layoutNode name="centerShape" styleLbl="node0">
+        <dgm:alg type="tx"/>
+        <dgm:shape xmlns:r="http://schemas.openxmlformats.org/officeDocument/2006/relationships" type="ellipse" r:blip="">
           <dgm:adjLst/>
         </dgm:shape>
-        <dgm:choose name="Name6">
-          <dgm:if name="Name7" func="var" arg="dir" op="equ" val="norm">
+        <dgm:presOf axis="self"/>
+        <dgm:constrLst>
+          <dgm:constr type="h" refType="w"/>
+          <dgm:constr type="tMarg" refType="primFontSz" fact="0.1"/>
+          <dgm:constr type="bMarg" refType="primFontSz" fact="0.1"/>
+          <dgm:constr type="lMarg" refType="primFontSz" fact="0.1"/>
+          <dgm:constr type="rMarg" refType="primFontSz" fact="0.1"/>
+        </dgm:constrLst>
+        <dgm:ruleLst>
+          <dgm:rule type="primFontSz" val="5" fact="NaN" max="NaN"/>
+        </dgm:ruleLst>
+      </dgm:layoutNode>
+      <dgm:forEach name="Name12" axis="ch">
+        <dgm:forEach name="Name13" axis="self" ptType="parTrans">
+          <dgm:layoutNode name="parTrans" styleLbl="sibTrans2D1">
+            <dgm:alg type="conn">
+              <dgm:param type="begPts" val="auto"/>
+              <dgm:param type="endPts" val="auto"/>
+            </dgm:alg>
+            <dgm:shape xmlns:r="http://schemas.openxmlformats.org/officeDocument/2006/relationships" type="conn" r:blip="">
+              <dgm:adjLst/>
+            </dgm:shape>
+            <dgm:presOf axis="self"/>
             <dgm:constrLst>
-              <dgm:constr type="l" for="ch" forName="bentUpArrow1" refType="w" fact="0.07"/>
-              <dgm:constr type="t" for="ch" forName="bentUpArrow1" refType="h" fact="0.524"/>
-              <dgm:constr type="w" for="ch" forName="bentUpArrow1" refType="w" fact="0.3844"/>
-              <dgm:constr type="h" for="ch" forName="bentUpArrow1" refType="h" fact="0.42"/>
-              <dgm:constr type="l" for="ch" forName="ParentText" refType="w" fact="0"/>
-              <dgm:constr type="t" for="ch" forName="ParentText" refType="h" fact="0"/>
-              <dgm:constr type="w" for="ch" forName="ParentText" refType="w" fact="0.5684"/>
-              <dgm:constr type="h" for="ch" forName="ParentText" refType="h" fact="0.4949"/>
-              <dgm:constr type="l" for="ch" forName="ChildText" refType="w" refFor="ch" refForName="ParentText"/>
-              <dgm:constr type="t" for="ch" forName="ChildText" refType="h" fact="0.05"/>
-              <dgm:constr type="w" for="ch" forName="ChildText" refType="w" fact="0.4134"/>
-              <dgm:constr type="h" for="ch" forName="ChildText" refType="h" fact="0.4"/>
-              <dgm:constr type="l" for="ch" forName="FinalChildText" refType="w" refFor="ch" refForName="ParentText"/>
-              <dgm:constr type="t" for="ch" forName="FinalChildText" refType="h" fact="0.05"/>
-              <dgm:constr type="w" for="ch" forName="FinalChildText" refType="w" fact="0.4134"/>
-              <dgm:constr type="h" for="ch" forName="FinalChildText" refType="h" fact="0.4"/>
+              <dgm:constr type="h" refType="w" fact="0.85"/>
             </dgm:constrLst>
-          </dgm:if>
-          <dgm:else name="Name8">
-            <dgm:constrLst>
-              <dgm:constr type="r" for="ch" forName="bentUpArrow1" refType="w" fact="0.97"/>
-              <dgm:constr type="t" for="ch" forName="bentUpArrow1" refType="h" fact="0.524"/>
-              <dgm:constr type="w" for="ch" forName="bentUpArrow1" refType="w" fact="0.3844"/>
-              <dgm:constr type="h" for="ch" forName="bentUpArrow1" refType="h" fact="0.42"/>
-              <dgm:constr type="l" for="ch" forName="ParentText" refType="w" fact="0.4316"/>
-              <dgm:constr type="t" for="ch" forName="ParentText" refType="h" fact="0"/>
-              <dgm:constr type="w" for="ch" forName="ParentText" refType="w" fact="0.5684"/>
-              <dgm:constr type="h" for="ch" forName="ParentText" refType="h" fact="0.4949"/>
-              <dgm:constr type="l" for="ch" forName="ChildText" refType="w" fact="0"/>
-              <dgm:constr type="t" for="ch" forName="ChildText" refType="h" fact="0.05"/>
-              <dgm:constr type="w" for="ch" forName="ChildText" refType="w" fact="0.4134"/>
-              <dgm:constr type="h" for="ch" forName="ChildText" refType="h" fact="0.4"/>
-              <dgm:constr type="l" for="ch" forName="FinalChildText" refType="w" fact="0"/>
-              <dgm:constr type="t" for="ch" forName="FinalChildText" refType="h" fact="0.05"/>
-              <dgm:constr type="w" for="ch" forName="FinalChildText" refType="w" fact="0.4134"/>
-              <dgm:constr type="h" for="ch" forName="FinalChildText" refType="h" fact="0.4"/>
-            </dgm:constrLst>
-          </dgm:else>
-        </dgm:choose>
-        <dgm:choose name="Name9">
-          <dgm:if name="Name10" axis="followSib" ptType="node" func="cnt" op="gte" val="1">
-            <dgm:layoutNode name="bentUpArrow1" styleLbl="alignImgPlace1">
-              <dgm:alg type="sp"/>
-              <dgm:choose name="Name11">
-                <dgm:if name="Name12" func="var" arg="dir" op="equ" val="norm">
-                  <dgm:shape xmlns:r="http://schemas.openxmlformats.org/officeDocument/2006/relationships" rot="90" type="bentUpArrow" r:blip="">
-                    <dgm:adjLst>
-                      <dgm:adj idx="1" val="0.3284"/>
-                      <dgm:adj idx="2" val="0.25"/>
-                      <dgm:adj idx="3" val="0.3578"/>
-                    </dgm:adjLst>
-                  </dgm:shape>
-                </dgm:if>
-                <dgm:else name="Name13">
-                  <dgm:shape xmlns:r="http://schemas.openxmlformats.org/officeDocument/2006/relationships" rot="180" type="bentArrow" r:blip="">
-                    <dgm:adjLst>
-                      <dgm:adj idx="1" val="0.3284"/>
-                      <dgm:adj idx="2" val="0.25"/>
-                      <dgm:adj idx="3" val="0.3578"/>
-                      <dgm:adj idx="4" val="0"/>
-                    </dgm:adjLst>
-                  </dgm:shape>
-                </dgm:else>
-              </dgm:choose>
-              <dgm:presOf/>
-            </dgm:layoutNode>
-          </dgm:if>
-          <dgm:else name="Name14"/>
-        </dgm:choose>
-        <dgm:layoutNode name="ParentText" styleLbl="node1">
-          <dgm:varLst>
-            <dgm:chMax val="1"/>
-            <dgm:chPref val="1"/>
-            <dgm:bulletEnabled val="1"/>
-          </dgm:varLst>
-          <dgm:alg type="tx"/>
-          <dgm:shape xmlns:r="http://schemas.openxmlformats.org/officeDocument/2006/relationships" type="roundRect" r:blip="">
-            <dgm:adjLst>
-              <dgm:adj idx="1" val="0.1667"/>
-            </dgm:adjLst>
-          </dgm:shape>
-          <dgm:presOf axis="self" ptType="node"/>
-          <dgm:constrLst>
-            <dgm:constr type="lMarg" refType="primFontSz" fact="0.3"/>
-            <dgm:constr type="rMarg" refType="primFontSz" fact="0.3"/>
-            <dgm:constr type="tMarg" refType="primFontSz" fact="0.3"/>
-            <dgm:constr type="bMarg" refType="primFontSz" fact="0.3"/>
-          </dgm:constrLst>
-          <dgm:ruleLst>
-            <dgm:rule type="primFontSz" val="5" fact="NaN" max="NaN"/>
-          </dgm:ruleLst>
-        </dgm:layoutNode>
-        <dgm:choose name="Name15">
-          <dgm:if name="Name16" axis="followSib" ptType="node" func="cnt" op="equ" val="0">
-            <dgm:choose name="Name17">
-              <dgm:if name="Name18" axis="ch" ptType="node" func="cnt" op="gte" val="1">
-                <dgm:layoutNode name="FinalChildText" styleLbl="revTx">
-                  <dgm:varLst>
-                    <dgm:chMax val="0"/>
-                    <dgm:chPref val="0"/>
-                    <dgm:bulletEnabled val="1"/>
-                  </dgm:varLst>
-                  <dgm:alg type="tx">
-                    <dgm:param type="stBulletLvl" val="1"/>
-                    <dgm:param type="txAnchorVertCh" val="mid"/>
-                    <dgm:param type="parTxLTRAlign" val="l"/>
-                  </dgm:alg>
-                  <dgm:shape xmlns:r="http://schemas.openxmlformats.org/officeDocument/2006/relationships" type="rect" r:blip="">
-                    <dgm:adjLst/>
-                  </dgm:shape>
-                  <dgm:presOf axis="des" ptType="node"/>
-                  <dgm:constrLst>
-                    <dgm:constr type="lMarg" refType="primFontSz" fact="0.3"/>
-                    <dgm:constr type="rMarg" refType="primFontSz" fact="0.3"/>
-                    <dgm:constr type="tMarg" refType="primFontSz" fact="0.3"/>
-                    <dgm:constr type="bMarg" refType="primFontSz" fact="0.3"/>
-                  </dgm:constrLst>
-                  <dgm:ruleLst>
-                    <dgm:rule type="primFontSz" val="5" fact="NaN" max="NaN"/>
-                  </dgm:ruleLst>
-                </dgm:layoutNode>
-              </dgm:if>
-              <dgm:else name="Name19"/>
-            </dgm:choose>
-          </dgm:if>
-          <dgm:else name="Name20">
-            <dgm:layoutNode name="ChildText" styleLbl="revTx">
-              <dgm:varLst>
-                <dgm:chMax val="0"/>
-                <dgm:chPref val="0"/>
-                <dgm:bulletEnabled val="1"/>
-              </dgm:varLst>
+            <dgm:ruleLst/>
+            <dgm:layoutNode name="connectorText">
               <dgm:alg type="tx">
-                <dgm:param type="stBulletLvl" val="1"/>
-                <dgm:param type="txAnchorVertCh" val="mid"/>
-                <dgm:param type="parTxLTRAlign" val="l"/>
+                <dgm:param type="autoTxRot" val="grav"/>
               </dgm:alg>
-              <dgm:shape xmlns:r="http://schemas.openxmlformats.org/officeDocument/2006/relationships" type="rect" r:blip="">
+              <dgm:shape xmlns:r="http://schemas.openxmlformats.org/officeDocument/2006/relationships" type="conn" r:blip="" hideGeom="1">
                 <dgm:adjLst/>
               </dgm:shape>
-              <dgm:presOf axis="des" ptType="node"/>
+              <dgm:presOf axis="self"/>
               <dgm:constrLst>
-                <dgm:constr type="lMarg" refType="primFontSz" fact="0.3"/>
-                <dgm:constr type="rMarg" refType="primFontSz" fact="0.3"/>
-                <dgm:constr type="tMarg" refType="primFontSz" fact="0.3"/>
-                <dgm:constr type="bMarg" refType="primFontSz" fact="0.3"/>
+                <dgm:constr type="lMarg"/>
+                <dgm:constr type="rMarg"/>
+                <dgm:constr type="tMarg"/>
+                <dgm:constr type="bMarg"/>
               </dgm:constrLst>
               <dgm:ruleLst>
                 <dgm:rule type="primFontSz" val="5" fact="NaN" max="NaN"/>
               </dgm:ruleLst>
             </dgm:layoutNode>
-          </dgm:else>
-        </dgm:choose>
-      </dgm:layoutNode>
-      <dgm:forEach name="sibTransForEach" axis="followSib" ptType="sibTrans" cnt="1">
-        <dgm:layoutNode name="sibTrans">
-          <dgm:alg type="sp"/>
-          <dgm:shape xmlns:r="http://schemas.openxmlformats.org/officeDocument/2006/relationships" r:blip="">
-            <dgm:adjLst/>
-          </dgm:shape>
-        </dgm:layoutNode>
+          </dgm:layoutNode>
+        </dgm:forEach>
+        <dgm:forEach name="Name14" axis="self" ptType="node">
+          <dgm:layoutNode name="node" styleLbl="node1">
+            <dgm:varLst>
+              <dgm:bulletEnabled val="1"/>
+            </dgm:varLst>
+            <dgm:alg type="tx">
+              <dgm:param type="txAnchorVertCh" val="mid"/>
+            </dgm:alg>
+            <dgm:shape xmlns:r="http://schemas.openxmlformats.org/officeDocument/2006/relationships" type="ellipse" r:blip="">
+              <dgm:adjLst/>
+            </dgm:shape>
+            <dgm:presOf axis="desOrSelf" ptType="node"/>
+            <dgm:constrLst>
+              <dgm:constr type="h" refType="w"/>
+              <dgm:constr type="tMarg" refType="primFontSz" fact="0.1"/>
+              <dgm:constr type="bMarg" refType="primFontSz" fact="0.1"/>
+              <dgm:constr type="lMarg" refType="primFontSz" fact="0.1"/>
+              <dgm:constr type="rMarg" refType="primFontSz" fact="0.1"/>
+            </dgm:constrLst>
+            <dgm:ruleLst>
+              <dgm:rule type="w" val="INF" fact="NaN" max="NaN"/>
+              <dgm:rule type="primFontSz" val="5" fact="NaN" max="NaN"/>
+            </dgm:ruleLst>
+          </dgm:layoutNode>
+        </dgm:forEach>
       </dgm:forEach>
     </dgm:forEach>
   </dgm:layoutNode>
@@ -4350,11 +3817,11 @@
 </file>
 
 <file path=ppt/diagrams/quickStyle1.xml><?xml version="1.0" encoding="utf-8"?>
-<dgm:styleDef xmlns:dgm="http://schemas.openxmlformats.org/drawingml/2006/diagram" xmlns:a="http://schemas.openxmlformats.org/drawingml/2006/main" uniqueId="urn:microsoft.com/office/officeart/2005/8/quickstyle/simple4">
+<dgm:styleDef xmlns:dgm="http://schemas.openxmlformats.org/drawingml/2006/diagram" xmlns:a="http://schemas.openxmlformats.org/drawingml/2006/main" uniqueId="urn:microsoft.com/office/officeart/2005/8/quickstyle/simple1">
   <dgm:title val=""/>
   <dgm:desc val=""/>
   <dgm:catLst>
-    <dgm:cat type="simple" pri="10400"/>
+    <dgm:cat type="simple" pri="10100"/>
   </dgm:catLst>
   <dgm:scene3d>
     <a:camera prst="orthographicFront"/>
@@ -4368,13 +3835,13 @@
     <dgm:sp3d/>
     <dgm:txPr/>
     <dgm:style>
-      <a:lnRef idx="0">
+      <a:lnRef idx="2">
         <a:scrgbClr r="0" g="0" b="0"/>
       </a:lnRef>
-      <a:fillRef idx="3">
+      <a:fillRef idx="1">
         <a:scrgbClr r="0" g="0" b="0"/>
       </a:fillRef>
-      <a:effectRef idx="2">
+      <a:effectRef idx="0">
         <a:scrgbClr r="0" g="0" b="0"/>
       </a:effectRef>
       <a:fontRef idx="minor">
@@ -4390,13 +3857,13 @@
     <dgm:sp3d/>
     <dgm:txPr/>
     <dgm:style>
-      <a:lnRef idx="1">
+      <a:lnRef idx="2">
         <a:scrgbClr r="0" g="0" b="0"/>
       </a:lnRef>
-      <a:fillRef idx="3">
+      <a:fillRef idx="1">
         <a:scrgbClr r="0" g="0" b="0"/>
       </a:fillRef>
-      <a:effectRef idx="2">
+      <a:effectRef idx="0">
         <a:scrgbClr r="0" g="0" b="0"/>
       </a:effectRef>
       <a:fontRef idx="minor">
@@ -4412,10 +3879,10 @@
     <dgm:sp3d/>
     <dgm:txPr/>
     <dgm:style>
-      <a:lnRef idx="0">
+      <a:lnRef idx="2">
         <a:scrgbClr r="0" g="0" b="0"/>
       </a:lnRef>
-      <a:fillRef idx="3">
+      <a:fillRef idx="1">
         <a:scrgbClr r="0" g="0" b="0"/>
       </a:fillRef>
       <a:effectRef idx="0">
@@ -4434,13 +3901,13 @@
     <dgm:sp3d/>
     <dgm:txPr/>
     <dgm:style>
-      <a:lnRef idx="1">
+      <a:lnRef idx="2">
         <a:scrgbClr r="0" g="0" b="0"/>
       </a:lnRef>
-      <a:fillRef idx="3">
+      <a:fillRef idx="1">
         <a:scrgbClr r="0" g="0" b="0"/>
       </a:fillRef>
-      <a:effectRef idx="2">
+      <a:effectRef idx="0">
         <a:scrgbClr r="0" g="0" b="0"/>
       </a:effectRef>
       <a:fontRef idx="minor">
@@ -4456,13 +3923,13 @@
     <dgm:sp3d/>
     <dgm:txPr/>
     <dgm:style>
-      <a:lnRef idx="0">
+      <a:lnRef idx="2">
         <a:scrgbClr r="0" g="0" b="0"/>
       </a:lnRef>
-      <a:fillRef idx="3">
+      <a:fillRef idx="1">
         <a:scrgbClr r="0" g="0" b="0"/>
       </a:fillRef>
-      <a:effectRef idx="2">
+      <a:effectRef idx="0">
         <a:scrgbClr r="0" g="0" b="0"/>
       </a:effectRef>
       <a:fontRef idx="minor">
@@ -4478,13 +3945,13 @@
     <dgm:sp3d/>
     <dgm:txPr/>
     <dgm:style>
-      <a:lnRef idx="0">
+      <a:lnRef idx="2">
         <a:scrgbClr r="0" g="0" b="0"/>
       </a:lnRef>
-      <a:fillRef idx="3">
+      <a:fillRef idx="1">
         <a:scrgbClr r="0" g="0" b="0"/>
       </a:fillRef>
-      <a:effectRef idx="2">
+      <a:effectRef idx="0">
         <a:scrgbClr r="0" g="0" b="0"/>
       </a:effectRef>
       <a:fontRef idx="minor">
@@ -4500,13 +3967,13 @@
     <dgm:sp3d/>
     <dgm:txPr/>
     <dgm:style>
-      <a:lnRef idx="0">
+      <a:lnRef idx="2">
         <a:scrgbClr r="0" g="0" b="0"/>
       </a:lnRef>
-      <a:fillRef idx="3">
+      <a:fillRef idx="1">
         <a:scrgbClr r="0" g="0" b="0"/>
       </a:fillRef>
-      <a:effectRef idx="2">
+      <a:effectRef idx="0">
         <a:scrgbClr r="0" g="0" b="0"/>
       </a:effectRef>
       <a:fontRef idx="minor">
@@ -4522,13 +3989,13 @@
     <dgm:sp3d/>
     <dgm:txPr/>
     <dgm:style>
-      <a:lnRef idx="0">
+      <a:lnRef idx="2">
         <a:scrgbClr r="0" g="0" b="0"/>
       </a:lnRef>
-      <a:fillRef idx="3">
+      <a:fillRef idx="1">
         <a:scrgbClr r="0" g="0" b="0"/>
       </a:fillRef>
-      <a:effectRef idx="2">
+      <a:effectRef idx="0">
         <a:scrgbClr r="0" g="0" b="0"/>
       </a:effectRef>
       <a:fontRef idx="minor">
@@ -4544,13 +4011,13 @@
     <dgm:sp3d/>
     <dgm:txPr/>
     <dgm:style>
-      <a:lnRef idx="0">
+      <a:lnRef idx="2">
         <a:scrgbClr r="0" g="0" b="0"/>
       </a:lnRef>
       <a:fillRef idx="1">
         <a:scrgbClr r="0" g="0" b="0"/>
       </a:fillRef>
-      <a:effectRef idx="2">
+      <a:effectRef idx="0">
         <a:scrgbClr r="0" g="0" b="0"/>
       </a:effectRef>
       <a:fontRef idx="minor"/>
@@ -4564,13 +4031,13 @@
     <dgm:sp3d/>
     <dgm:txPr/>
     <dgm:style>
-      <a:lnRef idx="0">
+      <a:lnRef idx="2">
         <a:scrgbClr r="0" g="0" b="0"/>
       </a:lnRef>
       <a:fillRef idx="1">
         <a:scrgbClr r="0" g="0" b="0"/>
       </a:fillRef>
-      <a:effectRef idx="2">
+      <a:effectRef idx="0">
         <a:scrgbClr r="0" g="0" b="0"/>
       </a:effectRef>
       <a:fontRef idx="minor"/>
@@ -4584,13 +4051,13 @@
     <dgm:sp3d/>
     <dgm:txPr/>
     <dgm:style>
-      <a:lnRef idx="0">
+      <a:lnRef idx="2">
         <a:scrgbClr r="0" g="0" b="0"/>
       </a:lnRef>
       <a:fillRef idx="1">
         <a:scrgbClr r="0" g="0" b="0"/>
       </a:fillRef>
-      <a:effectRef idx="2">
+      <a:effectRef idx="0">
         <a:scrgbClr r="0" g="0" b="0"/>
       </a:effectRef>
       <a:fontRef idx="minor"/>
@@ -4607,10 +4074,10 @@
       <a:lnRef idx="0">
         <a:scrgbClr r="0" g="0" b="0"/>
       </a:lnRef>
-      <a:fillRef idx="3">
+      <a:fillRef idx="1">
         <a:scrgbClr r="0" g="0" b="0"/>
       </a:fillRef>
-      <a:effectRef idx="2">
+      <a:effectRef idx="0">
         <a:scrgbClr r="0" g="0" b="0"/>
       </a:effectRef>
       <a:fontRef idx="minor">
@@ -4629,10 +4096,10 @@
       <a:lnRef idx="0">
         <a:scrgbClr r="0" g="0" b="0"/>
       </a:lnRef>
-      <a:fillRef idx="3">
+      <a:fillRef idx="1">
         <a:scrgbClr r="0" g="0" b="0"/>
       </a:fillRef>
-      <a:effectRef idx="2">
+      <a:effectRef idx="0">
         <a:scrgbClr r="0" g="0" b="0"/>
       </a:effectRef>
       <a:fontRef idx="minor">
@@ -4651,10 +4118,10 @@
       <a:lnRef idx="0">
         <a:scrgbClr r="0" g="0" b="0"/>
       </a:lnRef>
-      <a:fillRef idx="3">
+      <a:fillRef idx="1">
         <a:scrgbClr r="0" g="0" b="0"/>
       </a:fillRef>
-      <a:effectRef idx="2">
+      <a:effectRef idx="0">
         <a:scrgbClr r="0" g="0" b="0"/>
       </a:effectRef>
       <a:fontRef idx="minor">
@@ -4696,7 +4163,7 @@
       <a:fillRef idx="1">
         <a:scrgbClr r="0" g="0" b="0"/>
       </a:fillRef>
-      <a:effectRef idx="1">
+      <a:effectRef idx="0">
         <a:scrgbClr r="0" g="0" b="0"/>
       </a:effectRef>
       <a:fontRef idx="minor"/>
@@ -4710,13 +4177,13 @@
     <dgm:sp3d/>
     <dgm:txPr/>
     <dgm:style>
-      <a:lnRef idx="0">
+      <a:lnRef idx="2">
         <a:scrgbClr r="0" g="0" b="0"/>
       </a:lnRef>
-      <a:fillRef idx="3">
+      <a:fillRef idx="1">
         <a:scrgbClr r="0" g="0" b="0"/>
       </a:fillRef>
-      <a:effectRef idx="2">
+      <a:effectRef idx="0">
         <a:scrgbClr r="0" g="0" b="0"/>
       </a:effectRef>
       <a:fontRef idx="minor">
@@ -4732,13 +4199,13 @@
     <dgm:sp3d/>
     <dgm:txPr/>
     <dgm:style>
-      <a:lnRef idx="0">
+      <a:lnRef idx="2">
         <a:scrgbClr r="0" g="0" b="0"/>
       </a:lnRef>
-      <a:fillRef idx="3">
+      <a:fillRef idx="1">
         <a:scrgbClr r="0" g="0" b="0"/>
       </a:fillRef>
-      <a:effectRef idx="2">
+      <a:effectRef idx="0">
         <a:scrgbClr r="0" g="0" b="0"/>
       </a:effectRef>
       <a:fontRef idx="minor">
@@ -4754,13 +4221,13 @@
     <dgm:sp3d/>
     <dgm:txPr/>
     <dgm:style>
-      <a:lnRef idx="0">
+      <a:lnRef idx="2">
         <a:scrgbClr r="0" g="0" b="0"/>
       </a:lnRef>
-      <a:fillRef idx="3">
+      <a:fillRef idx="1">
         <a:scrgbClr r="0" g="0" b="0"/>
       </a:fillRef>
-      <a:effectRef idx="2">
+      <a:effectRef idx="0">
         <a:scrgbClr r="0" g="0" b="0"/>
       </a:effectRef>
       <a:fontRef idx="minor">
@@ -4776,13 +4243,13 @@
     <dgm:sp3d/>
     <dgm:txPr/>
     <dgm:style>
-      <a:lnRef idx="0">
+      <a:lnRef idx="2">
         <a:scrgbClr r="0" g="0" b="0"/>
       </a:lnRef>
-      <a:fillRef idx="3">
+      <a:fillRef idx="1">
         <a:scrgbClr r="0" g="0" b="0"/>
       </a:fillRef>
-      <a:effectRef idx="2">
+      <a:effectRef idx="0">
         <a:scrgbClr r="0" g="0" b="0"/>
       </a:effectRef>
       <a:fontRef idx="minor">
@@ -4798,13 +4265,13 @@
     <dgm:sp3d/>
     <dgm:txPr/>
     <dgm:style>
-      <a:lnRef idx="0">
+      <a:lnRef idx="2">
         <a:scrgbClr r="0" g="0" b="0"/>
       </a:lnRef>
-      <a:fillRef idx="3">
+      <a:fillRef idx="1">
         <a:scrgbClr r="0" g="0" b="0"/>
       </a:fillRef>
-      <a:effectRef idx="2">
+      <a:effectRef idx="0">
         <a:scrgbClr r="0" g="0" b="0"/>
       </a:effectRef>
       <a:fontRef idx="minor">
@@ -4820,13 +4287,13 @@
     <dgm:sp3d/>
     <dgm:txPr/>
     <dgm:style>
-      <a:lnRef idx="0">
+      <a:lnRef idx="2">
         <a:scrgbClr r="0" g="0" b="0"/>
       </a:lnRef>
-      <a:fillRef idx="3">
+      <a:fillRef idx="1">
         <a:scrgbClr r="0" g="0" b="0"/>
       </a:fillRef>
-      <a:effectRef idx="2">
+      <a:effectRef idx="0">
         <a:scrgbClr r="0" g="0" b="0"/>
       </a:effectRef>
       <a:fontRef idx="minor">
@@ -4842,13 +4309,13 @@
     <dgm:sp3d/>
     <dgm:txPr/>
     <dgm:style>
-      <a:lnRef idx="0">
+      <a:lnRef idx="2">
         <a:scrgbClr r="0" g="0" b="0"/>
       </a:lnRef>
-      <a:fillRef idx="3">
+      <a:fillRef idx="1">
         <a:scrgbClr r="0" g="0" b="0"/>
       </a:fillRef>
-      <a:effectRef idx="2">
+      <a:effectRef idx="0">
         <a:scrgbClr r="0" g="0" b="0"/>
       </a:effectRef>
       <a:fontRef idx="minor">
@@ -4864,13 +4331,13 @@
     <dgm:sp3d/>
     <dgm:txPr/>
     <dgm:style>
-      <a:lnRef idx="1">
+      <a:lnRef idx="2">
         <a:scrgbClr r="0" g="0" b="0"/>
       </a:lnRef>
-      <a:fillRef idx="3">
+      <a:fillRef idx="1">
         <a:scrgbClr r="0" g="0" b="0"/>
       </a:fillRef>
-      <a:effectRef idx="2">
+      <a:effectRef idx="0">
         <a:scrgbClr r="0" g="0" b="0"/>
       </a:effectRef>
       <a:fontRef idx="minor">
@@ -4886,13 +4353,13 @@
     <dgm:sp3d/>
     <dgm:txPr/>
     <dgm:style>
-      <a:lnRef idx="1">
+      <a:lnRef idx="2">
         <a:scrgbClr r="0" g="0" b="0"/>
       </a:lnRef>
-      <a:fillRef idx="3">
+      <a:fillRef idx="1">
         <a:scrgbClr r="0" g="0" b="0"/>
       </a:fillRef>
-      <a:effectRef idx="2">
+      <a:effectRef idx="0">
         <a:scrgbClr r="0" g="0" b="0"/>
       </a:effectRef>
       <a:fontRef idx="minor">
@@ -4908,7 +4375,7 @@
     <dgm:sp3d/>
     <dgm:txPr/>
     <dgm:style>
-      <a:lnRef idx="1">
+      <a:lnRef idx="2">
         <a:scrgbClr r="0" g="0" b="0"/>
       </a:lnRef>
       <a:fillRef idx="0">
@@ -4928,7 +4395,7 @@
     <dgm:sp3d/>
     <dgm:txPr/>
     <dgm:style>
-      <a:lnRef idx="1">
+      <a:lnRef idx="2">
         <a:scrgbClr r="0" g="0" b="0"/>
       </a:lnRef>
       <a:fillRef idx="0">
@@ -4948,7 +4415,7 @@
     <dgm:sp3d/>
     <dgm:txPr/>
     <dgm:style>
-      <a:lnRef idx="1">
+      <a:lnRef idx="2">
         <a:scrgbClr r="0" g="0" b="0"/>
       </a:lnRef>
       <a:fillRef idx="0">
@@ -4968,7 +4435,7 @@
     <dgm:sp3d/>
     <dgm:txPr/>
     <dgm:style>
-      <a:lnRef idx="1">
+      <a:lnRef idx="2">
         <a:scrgbClr r="0" g="0" b="0"/>
       </a:lnRef>
       <a:fillRef idx="0">
@@ -4988,7 +4455,7 @@
     <dgm:sp3d/>
     <dgm:txPr/>
     <dgm:style>
-      <a:lnRef idx="1">
+      <a:lnRef idx="2">
         <a:scrgbClr r="0" g="0" b="0"/>
       </a:lnRef>
       <a:fillRef idx="1">
@@ -5008,7 +4475,7 @@
     <dgm:sp3d/>
     <dgm:txPr/>
     <dgm:style>
-      <a:lnRef idx="1">
+      <a:lnRef idx="2">
         <a:scrgbClr r="0" g="0" b="0"/>
       </a:lnRef>
       <a:fillRef idx="1">
@@ -5028,7 +4495,7 @@
     <dgm:sp3d/>
     <dgm:txPr/>
     <dgm:style>
-      <a:lnRef idx="1">
+      <a:lnRef idx="2">
         <a:scrgbClr r="0" g="0" b="0"/>
       </a:lnRef>
       <a:fillRef idx="1">
@@ -5068,7 +4535,7 @@
     <dgm:sp3d/>
     <dgm:txPr/>
     <dgm:style>
-      <a:lnRef idx="1">
+      <a:lnRef idx="2">
         <a:scrgbClr r="0" g="0" b="0"/>
       </a:lnRef>
       <a:fillRef idx="1">
@@ -5088,7 +4555,7 @@
     <dgm:sp3d/>
     <dgm:txPr/>
     <dgm:style>
-      <a:lnRef idx="1">
+      <a:lnRef idx="2">
         <a:scrgbClr r="0" g="0" b="0"/>
       </a:lnRef>
       <a:fillRef idx="1">
@@ -5108,7 +4575,7 @@
     <dgm:sp3d/>
     <dgm:txPr/>
     <dgm:style>
-      <a:lnRef idx="1">
+      <a:lnRef idx="2">
         <a:scrgbClr r="0" g="0" b="0"/>
       </a:lnRef>
       <a:fillRef idx="1">
@@ -5128,7 +4595,7 @@
     <dgm:sp3d/>
     <dgm:txPr/>
     <dgm:style>
-      <a:lnRef idx="1">
+      <a:lnRef idx="2">
         <a:scrgbClr r="0" g="0" b="0"/>
       </a:lnRef>
       <a:fillRef idx="1">
@@ -5148,7 +4615,7 @@
     <dgm:sp3d/>
     <dgm:txPr/>
     <dgm:style>
-      <a:lnRef idx="1">
+      <a:lnRef idx="2">
         <a:scrgbClr r="0" g="0" b="0"/>
       </a:lnRef>
       <a:fillRef idx="1">
@@ -5168,7 +4635,7 @@
     <dgm:sp3d/>
     <dgm:txPr/>
     <dgm:style>
-      <a:lnRef idx="1">
+      <a:lnRef idx="2">
         <a:scrgbClr r="0" g="0" b="0"/>
       </a:lnRef>
       <a:fillRef idx="1">
@@ -5188,7 +4655,7 @@
     <dgm:sp3d/>
     <dgm:txPr/>
     <dgm:style>
-      <a:lnRef idx="1">
+      <a:lnRef idx="2">
         <a:scrgbClr r="0" g="0" b="0"/>
       </a:lnRef>
       <a:fillRef idx="1">
@@ -5208,7 +4675,7 @@
     <dgm:sp3d/>
     <dgm:txPr/>
     <dgm:style>
-      <a:lnRef idx="1">
+      <a:lnRef idx="2">
         <a:scrgbClr r="0" g="0" b="0"/>
       </a:lnRef>
       <a:fillRef idx="1">
@@ -5228,7 +4695,7 @@
     <dgm:sp3d/>
     <dgm:txPr/>
     <dgm:style>
-      <a:lnRef idx="1">
+      <a:lnRef idx="2">
         <a:scrgbClr r="0" g="0" b="0"/>
       </a:lnRef>
       <a:fillRef idx="1">
@@ -5248,7 +4715,7 @@
     <dgm:sp3d/>
     <dgm:txPr/>
     <dgm:style>
-      <a:lnRef idx="1">
+      <a:lnRef idx="2">
         <a:scrgbClr r="0" g="0" b="0"/>
       </a:lnRef>
       <a:fillRef idx="1">
@@ -5268,7 +4735,7 @@
     <dgm:sp3d/>
     <dgm:txPr/>
     <dgm:style>
-      <a:lnRef idx="1">
+      <a:lnRef idx="2">
         <a:scrgbClr r="0" g="0" b="0"/>
       </a:lnRef>
       <a:fillRef idx="1">
@@ -5294,7 +4761,7 @@
       <a:fillRef idx="1">
         <a:scrgbClr r="0" g="0" b="0"/>
       </a:fillRef>
-      <a:effectRef idx="2">
+      <a:effectRef idx="0">
         <a:scrgbClr r="0" g="0" b="0"/>
       </a:effectRef>
       <a:fontRef idx="minor"/>
@@ -5314,7 +4781,7 @@
       <a:fillRef idx="1">
         <a:scrgbClr r="0" g="0" b="0"/>
       </a:fillRef>
-      <a:effectRef idx="2">
+      <a:effectRef idx="0">
         <a:scrgbClr r="0" g="0" b="0"/>
       </a:effectRef>
       <a:fontRef idx="minor"/>
@@ -5348,13 +4815,13 @@
     <dgm:sp3d/>
     <dgm:txPr/>
     <dgm:style>
-      <a:lnRef idx="0">
+      <a:lnRef idx="2">
         <a:scrgbClr r="0" g="0" b="0"/>
       </a:lnRef>
-      <a:fillRef idx="3">
+      <a:fillRef idx="1">
         <a:scrgbClr r="0" g="0" b="0"/>
       </a:fillRef>
-      <a:effectRef idx="2">
+      <a:effectRef idx="0">
         <a:scrgbClr r="0" g="0" b="0"/>
       </a:effectRef>
       <a:fontRef idx="minor"/>
@@ -5465,7 +4932,7 @@
           <a:p>
             <a:fld id="{128FCA9C-FF92-4024-BDEC-A6D3B663DC09}" type="datetimeFigureOut">
               <a:rPr lang="en-US"/>
-              <a:t>1/10/2019</a:t>
+              <a:t>1/11/2019</a:t>
             </a:fld>
             <a:endParaRPr/>
           </a:p>
@@ -5630,7 +5097,7 @@
           <a:p>
             <a:fld id="{772AB877-E7B1-4681-847E-D0918612832B}" type="datetimeFigureOut">
               <a:rPr lang="en-US"/>
-              <a:t>1/10/2019</a:t>
+              <a:t>1/11/2019</a:t>
             </a:fld>
             <a:endParaRPr/>
           </a:p>
@@ -5991,307 +5458,6 @@
 </p:notes>
 </file>
 
-<file path=ppt/notesSlides/notesSlide2.xml><?xml version="1.0" encoding="utf-8"?>
-<p:notes xmlns:a="http://schemas.openxmlformats.org/drawingml/2006/main" xmlns:r="http://schemas.openxmlformats.org/officeDocument/2006/relationships" xmlns:p="http://schemas.openxmlformats.org/presentationml/2006/main">
-  <p:cSld>
-    <p:spTree>
-      <p:nvGrpSpPr>
-        <p:cNvPr id="1" name=""/>
-        <p:cNvGrpSpPr/>
-        <p:nvPr/>
-      </p:nvGrpSpPr>
-      <p:grpSpPr>
-        <a:xfrm>
-          <a:off x="0" y="0"/>
-          <a:ext cx="0" cy="0"/>
-          <a:chOff x="0" y="0"/>
-          <a:chExt cx="0" cy="0"/>
-        </a:xfrm>
-      </p:grpSpPr>
-      <p:sp>
-        <p:nvSpPr>
-          <p:cNvPr id="2" name="Slide Image Placeholder 1"/>
-          <p:cNvSpPr>
-            <a:spLocks noGrp="1" noRot="1" noChangeAspect="1"/>
-          </p:cNvSpPr>
-          <p:nvPr>
-            <p:ph type="sldImg"/>
-          </p:nvPr>
-        </p:nvSpPr>
-        <p:spPr>
-          <a:xfrm>
-            <a:off x="382588" y="685800"/>
-            <a:ext cx="6092825" cy="3429000"/>
-          </a:xfrm>
-        </p:spPr>
-      </p:sp>
-      <p:sp>
-        <p:nvSpPr>
-          <p:cNvPr id="3" name="Notes Placeholder 2"/>
-          <p:cNvSpPr>
-            <a:spLocks noGrp="1"/>
-          </p:cNvSpPr>
-          <p:nvPr>
-            <p:ph type="body" idx="1"/>
-          </p:nvPr>
-        </p:nvSpPr>
-        <p:spPr/>
-        <p:txBody>
-          <a:bodyPr/>
-          <a:lstStyle/>
-          <a:p>
-            <a:endParaRPr lang="en-US" dirty="0"/>
-          </a:p>
-        </p:txBody>
-      </p:sp>
-      <p:sp>
-        <p:nvSpPr>
-          <p:cNvPr id="4" name="Slide Number Placeholder 3"/>
-          <p:cNvSpPr>
-            <a:spLocks noGrp="1"/>
-          </p:cNvSpPr>
-          <p:nvPr>
-            <p:ph type="sldNum" sz="quarter" idx="10"/>
-          </p:nvPr>
-        </p:nvSpPr>
-        <p:spPr/>
-        <p:txBody>
-          <a:bodyPr/>
-          <a:lstStyle/>
-          <a:p>
-            <a:fld id="{3A2CC701-D80A-463B-8415-A85485312088}" type="slidenum">
-              <a:rPr lang="en-US" smtClean="0"/>
-              <a:t>4</a:t>
-            </a:fld>
-            <a:endParaRPr lang="en-US"/>
-          </a:p>
-        </p:txBody>
-      </p:sp>
-    </p:spTree>
-    <p:extLst>
-      <p:ext uri="{BB962C8B-B14F-4D97-AF65-F5344CB8AC3E}">
-        <p14:creationId xmlns:p14="http://schemas.microsoft.com/office/powerpoint/2010/main" val="1003180224"/>
-      </p:ext>
-    </p:extLst>
-  </p:cSld>
-  <p:clrMapOvr>
-    <a:masterClrMapping/>
-  </p:clrMapOvr>
-</p:notes>
-</file>
-
-<file path=ppt/notesSlides/notesSlide3.xml><?xml version="1.0" encoding="utf-8"?>
-<p:notes xmlns:a="http://schemas.openxmlformats.org/drawingml/2006/main" xmlns:r="http://schemas.openxmlformats.org/officeDocument/2006/relationships" xmlns:p="http://schemas.openxmlformats.org/presentationml/2006/main">
-  <p:cSld>
-    <p:spTree>
-      <p:nvGrpSpPr>
-        <p:cNvPr id="1" name=""/>
-        <p:cNvGrpSpPr/>
-        <p:nvPr/>
-      </p:nvGrpSpPr>
-      <p:grpSpPr>
-        <a:xfrm>
-          <a:off x="0" y="0"/>
-          <a:ext cx="0" cy="0"/>
-          <a:chOff x="0" y="0"/>
-          <a:chExt cx="0" cy="0"/>
-        </a:xfrm>
-      </p:grpSpPr>
-      <p:sp>
-        <p:nvSpPr>
-          <p:cNvPr id="2" name="Slide Image Placeholder 1"/>
-          <p:cNvSpPr>
-            <a:spLocks noGrp="1" noRot="1" noChangeAspect="1"/>
-          </p:cNvSpPr>
-          <p:nvPr>
-            <p:ph type="sldImg"/>
-          </p:nvPr>
-        </p:nvSpPr>
-        <p:spPr>
-          <a:xfrm>
-            <a:off x="382588" y="685800"/>
-            <a:ext cx="6092825" cy="3429000"/>
-          </a:xfrm>
-        </p:spPr>
-      </p:sp>
-      <p:sp>
-        <p:nvSpPr>
-          <p:cNvPr id="3" name="Notes Placeholder 2"/>
-          <p:cNvSpPr>
-            <a:spLocks noGrp="1"/>
-          </p:cNvSpPr>
-          <p:nvPr>
-            <p:ph type="body" idx="1"/>
-          </p:nvPr>
-        </p:nvSpPr>
-        <p:spPr/>
-        <p:txBody>
-          <a:bodyPr/>
-          <a:lstStyle/>
-          <a:p>
-            <a:pPr marL="0" marR="0" indent="0" algn="l" defTabSz="914400" rtl="0" eaLnBrk="1" fontAlgn="auto" latinLnBrk="0" hangingPunct="1">
-              <a:lnSpc>
-                <a:spcPct val="100000"/>
-              </a:lnSpc>
-              <a:spcBef>
-                <a:spcPts val="0"/>
-              </a:spcBef>
-              <a:spcAft>
-                <a:spcPts val="0"/>
-              </a:spcAft>
-              <a:buClrTx/>
-              <a:buSzTx/>
-              <a:buFontTx/>
-              <a:buNone/>
-              <a:tabLst/>
-              <a:defRPr/>
-            </a:pPr>
-            <a:endParaRPr lang="en-US" dirty="0"/>
-          </a:p>
-        </p:txBody>
-      </p:sp>
-      <p:sp>
-        <p:nvSpPr>
-          <p:cNvPr id="4" name="Slide Number Placeholder 3"/>
-          <p:cNvSpPr>
-            <a:spLocks noGrp="1"/>
-          </p:cNvSpPr>
-          <p:nvPr>
-            <p:ph type="sldNum" sz="quarter" idx="10"/>
-          </p:nvPr>
-        </p:nvSpPr>
-        <p:spPr/>
-        <p:txBody>
-          <a:bodyPr/>
-          <a:lstStyle/>
-          <a:p>
-            <a:fld id="{3A2CC701-D80A-463B-8415-A85485312088}" type="slidenum">
-              <a:rPr lang="en-US" smtClean="0"/>
-              <a:t>7</a:t>
-            </a:fld>
-            <a:endParaRPr lang="en-US"/>
-          </a:p>
-        </p:txBody>
-      </p:sp>
-    </p:spTree>
-    <p:extLst>
-      <p:ext uri="{BB962C8B-B14F-4D97-AF65-F5344CB8AC3E}">
-        <p14:creationId xmlns:p14="http://schemas.microsoft.com/office/powerpoint/2010/main" val="169998990"/>
-      </p:ext>
-    </p:extLst>
-  </p:cSld>
-  <p:clrMapOvr>
-    <a:masterClrMapping/>
-  </p:clrMapOvr>
-</p:notes>
-</file>
-
-<file path=ppt/notesSlides/notesSlide4.xml><?xml version="1.0" encoding="utf-8"?>
-<p:notes xmlns:a="http://schemas.openxmlformats.org/drawingml/2006/main" xmlns:r="http://schemas.openxmlformats.org/officeDocument/2006/relationships" xmlns:p="http://schemas.openxmlformats.org/presentationml/2006/main">
-  <p:cSld>
-    <p:spTree>
-      <p:nvGrpSpPr>
-        <p:cNvPr id="1" name=""/>
-        <p:cNvGrpSpPr/>
-        <p:nvPr/>
-      </p:nvGrpSpPr>
-      <p:grpSpPr>
-        <a:xfrm>
-          <a:off x="0" y="0"/>
-          <a:ext cx="0" cy="0"/>
-          <a:chOff x="0" y="0"/>
-          <a:chExt cx="0" cy="0"/>
-        </a:xfrm>
-      </p:grpSpPr>
-      <p:sp>
-        <p:nvSpPr>
-          <p:cNvPr id="2" name="Slide Image Placeholder 1"/>
-          <p:cNvSpPr>
-            <a:spLocks noGrp="1" noRot="1" noChangeAspect="1"/>
-          </p:cNvSpPr>
-          <p:nvPr>
-            <p:ph type="sldImg"/>
-          </p:nvPr>
-        </p:nvSpPr>
-        <p:spPr>
-          <a:xfrm>
-            <a:off x="382588" y="685800"/>
-            <a:ext cx="6092825" cy="3429000"/>
-          </a:xfrm>
-        </p:spPr>
-      </p:sp>
-      <p:sp>
-        <p:nvSpPr>
-          <p:cNvPr id="3" name="Notes Placeholder 2"/>
-          <p:cNvSpPr>
-            <a:spLocks noGrp="1"/>
-          </p:cNvSpPr>
-          <p:nvPr>
-            <p:ph type="body" idx="1"/>
-          </p:nvPr>
-        </p:nvSpPr>
-        <p:spPr/>
-        <p:txBody>
-          <a:bodyPr/>
-          <a:lstStyle/>
-          <a:p>
-            <a:pPr marL="0" marR="0" indent="0" algn="l" defTabSz="914400" rtl="0" eaLnBrk="1" fontAlgn="auto" latinLnBrk="0" hangingPunct="1">
-              <a:lnSpc>
-                <a:spcPct val="100000"/>
-              </a:lnSpc>
-              <a:spcBef>
-                <a:spcPts val="0"/>
-              </a:spcBef>
-              <a:spcAft>
-                <a:spcPts val="0"/>
-              </a:spcAft>
-              <a:buClrTx/>
-              <a:buSzTx/>
-              <a:buFontTx/>
-              <a:buNone/>
-              <a:tabLst/>
-              <a:defRPr/>
-            </a:pPr>
-            <a:endParaRPr lang="en-US" baseline="0" dirty="0"/>
-          </a:p>
-        </p:txBody>
-      </p:sp>
-      <p:sp>
-        <p:nvSpPr>
-          <p:cNvPr id="4" name="Slide Number Placeholder 3"/>
-          <p:cNvSpPr>
-            <a:spLocks noGrp="1"/>
-          </p:cNvSpPr>
-          <p:nvPr>
-            <p:ph type="sldNum" sz="quarter" idx="10"/>
-          </p:nvPr>
-        </p:nvSpPr>
-        <p:spPr/>
-        <p:txBody>
-          <a:bodyPr/>
-          <a:lstStyle/>
-          <a:p>
-            <a:fld id="{3A2CC701-D80A-463B-8415-A85485312088}" type="slidenum">
-              <a:rPr lang="en-US" smtClean="0"/>
-              <a:t>8</a:t>
-            </a:fld>
-            <a:endParaRPr lang="en-US"/>
-          </a:p>
-        </p:txBody>
-      </p:sp>
-    </p:spTree>
-    <p:extLst>
-      <p:ext uri="{BB962C8B-B14F-4D97-AF65-F5344CB8AC3E}">
-        <p14:creationId xmlns:p14="http://schemas.microsoft.com/office/powerpoint/2010/main" val="711306110"/>
-      </p:ext>
-    </p:extLst>
-  </p:cSld>
-  <p:clrMapOvr>
-    <a:masterClrMapping/>
-  </p:clrMapOvr>
-</p:notes>
-</file>
-
 <file path=ppt/slideLayouts/slideLayout1.xml><?xml version="1.0" encoding="utf-8"?>
 <p:sldLayout xmlns:a="http://schemas.openxmlformats.org/drawingml/2006/main" xmlns:r="http://schemas.openxmlformats.org/officeDocument/2006/relationships" xmlns:p="http://schemas.openxmlformats.org/presentationml/2006/main" type="title" preserve="1">
   <p:cSld name="Title Slide">
@@ -6431,7 +5597,7 @@
           <a:p>
             <a:fld id="{48A87A34-81AB-432B-8DAE-1953F412C126}" type="datetimeFigureOut">
               <a:rPr lang="en-US" dirty="0"/>
-              <a:t>1/10/2019</a:t>
+              <a:t>1/11/2019</a:t>
             </a:fld>
             <a:endParaRPr lang="en-US" dirty="0"/>
           </a:p>
@@ -6654,7 +5820,7 @@
           <a:p>
             <a:fld id="{EDF33987-6305-4E2A-BF18-EF013ECE927B}" type="datetimeFigureOut">
               <a:rPr lang="en-US" smtClean="0"/>
-              <a:t>1/10/2019</a:t>
+              <a:t>1/11/2019</a:t>
             </a:fld>
             <a:endParaRPr lang="en-US"/>
           </a:p>
@@ -6885,7 +6051,7 @@
           <a:p>
             <a:fld id="{EDF33987-6305-4E2A-BF18-EF013ECE927B}" type="datetimeFigureOut">
               <a:rPr lang="en-US" smtClean="0"/>
-              <a:t>1/10/2019</a:t>
+              <a:t>1/11/2019</a:t>
             </a:fld>
             <a:endParaRPr lang="en-US"/>
           </a:p>
@@ -7102,7 +6268,7 @@
           <a:p>
             <a:fld id="{EDF33987-6305-4E2A-BF18-EF013ECE927B}" type="datetimeFigureOut">
               <a:rPr lang="en-US" smtClean="0"/>
-              <a:t>1/10/2019</a:t>
+              <a:t>1/11/2019</a:t>
             </a:fld>
             <a:endParaRPr lang="en-US"/>
           </a:p>
@@ -7397,7 +6563,7 @@
           <a:p>
             <a:fld id="{EDF33987-6305-4E2A-BF18-EF013ECE927B}" type="datetimeFigureOut">
               <a:rPr lang="en-US" smtClean="0"/>
-              <a:t>1/10/2019</a:t>
+              <a:t>1/11/2019</a:t>
             </a:fld>
             <a:endParaRPr lang="en-US"/>
           </a:p>
@@ -7681,7 +6847,7 @@
           <a:p>
             <a:fld id="{EDF33987-6305-4E2A-BF18-EF013ECE927B}" type="datetimeFigureOut">
               <a:rPr lang="en-US" smtClean="0"/>
-              <a:t>1/10/2019</a:t>
+              <a:t>1/11/2019</a:t>
             </a:fld>
             <a:endParaRPr lang="en-US"/>
           </a:p>
@@ -8113,7 +7279,7 @@
           <a:p>
             <a:fld id="{EDF33987-6305-4E2A-BF18-EF013ECE927B}" type="datetimeFigureOut">
               <a:rPr lang="en-US" smtClean="0"/>
-              <a:t>1/10/2019</a:t>
+              <a:t>1/11/2019</a:t>
             </a:fld>
             <a:endParaRPr lang="en-US"/>
           </a:p>
@@ -8278,7 +7444,7 @@
           <a:p>
             <a:fld id="{EDF33987-6305-4E2A-BF18-EF013ECE927B}" type="datetimeFigureOut">
               <a:rPr lang="en-US" smtClean="0"/>
-              <a:t>1/10/2019</a:t>
+              <a:t>1/11/2019</a:t>
             </a:fld>
             <a:endParaRPr lang="en-US"/>
           </a:p>
@@ -8420,7 +7586,7 @@
           <a:p>
             <a:fld id="{EDF33987-6305-4E2A-BF18-EF013ECE927B}" type="datetimeFigureOut">
               <a:rPr lang="en-US" smtClean="0"/>
-              <a:t>1/10/2019</a:t>
+              <a:t>1/11/2019</a:t>
             </a:fld>
             <a:endParaRPr lang="en-US"/>
           </a:p>
@@ -8687,7 +7853,7 @@
           <a:p>
             <a:fld id="{EDF33987-6305-4E2A-BF18-EF013ECE927B}" type="datetimeFigureOut">
               <a:rPr lang="en-US" smtClean="0"/>
-              <a:t>1/10/2019</a:t>
+              <a:t>1/11/2019</a:t>
             </a:fld>
             <a:endParaRPr lang="en-US"/>
           </a:p>
@@ -9148,7 +8314,7 @@
           <a:p>
             <a:fld id="{EDF33987-6305-4E2A-BF18-EF013ECE927B}" type="datetimeFigureOut">
               <a:rPr lang="en-US" smtClean="0"/>
-              <a:t>1/10/2019</a:t>
+              <a:t>1/11/2019</a:t>
             </a:fld>
             <a:endParaRPr lang="en-US"/>
           </a:p>
@@ -9491,7 +8657,7 @@
             <a:fld id="{EDF33987-6305-4E2A-BF18-EF013ECE927B}" type="datetimeFigureOut">
               <a:rPr lang="en-US" smtClean="0"/>
               <a:pPr/>
-              <a:t>1/10/2019</a:t>
+              <a:t>1/11/2019</a:t>
             </a:fld>
             <a:endParaRPr lang="en-US"/>
           </a:p>
@@ -10077,7 +9243,7 @@
           <a:lstStyle/>
           <a:p>
             <a:pPr algn="ctr"/>
-            <a:endParaRPr lang="en-US"/>
+            <a:endParaRPr lang="en-US" dirty="0"/>
           </a:p>
         </p:txBody>
       </p:sp>
@@ -10105,39 +9271,39 @@
           <a:p>
             <a:pPr algn="ctr"/>
             <a:r>
-              <a:rPr lang="en-US" sz="4800"/>
+              <a:rPr lang="en-US" sz="4800" dirty="0"/>
               <a:t>AIRBNB HOT SPOTS</a:t>
             </a:r>
             <a:br>
-              <a:rPr lang="en-US" sz="4800"/>
+              <a:rPr lang="en-US" sz="4800" dirty="0"/>
             </a:br>
             <a:r>
-              <a:rPr lang="en-US" sz="2400"/>
+              <a:rPr lang="en-US" sz="2400" dirty="0"/>
               <a:t> </a:t>
             </a:r>
             <a:r>
-              <a:rPr lang="en-US" sz="1000"/>
+              <a:rPr lang="en-US" sz="1000" dirty="0"/>
               <a:t>  </a:t>
             </a:r>
             <a:br>
-              <a:rPr lang="en-US" sz="4800"/>
+              <a:rPr lang="en-US" sz="4800" dirty="0"/>
             </a:br>
             <a:r>
-              <a:rPr lang="en-US" sz="2800"/>
+              <a:rPr lang="en-US" sz="2800" dirty="0"/>
               <a:t>Project 1</a:t>
             </a:r>
             <a:br>
-              <a:rPr lang="en-US" sz="2800"/>
+              <a:rPr lang="en-US" sz="2800" dirty="0"/>
             </a:br>
             <a:r>
-              <a:rPr lang="en-US" sz="700"/>
+              <a:rPr lang="en-US" sz="700" dirty="0"/>
               <a:t> </a:t>
             </a:r>
             <a:br>
-              <a:rPr lang="en-US" sz="2800"/>
+              <a:rPr lang="en-US" sz="2800" dirty="0"/>
             </a:br>
             <a:r>
-              <a:rPr lang="en-US" sz="1800"/>
+              <a:rPr lang="en-US" sz="1800" dirty="0"/>
               <a:t>1/12/19</a:t>
             </a:r>
             <a:endParaRPr lang="en-US" sz="4800" dirty="0"/>
@@ -10203,7 +9369,7 @@
           <a:lstStyle/>
           <a:p>
             <a:pPr algn="ctr"/>
-            <a:endParaRPr lang="en-US"/>
+            <a:endParaRPr lang="en-US" dirty="0"/>
           </a:p>
         </p:txBody>
       </p:sp>
@@ -10238,7 +9404,7 @@
               </a:spcBef>
             </a:pPr>
             <a:r>
-              <a:rPr lang="en-US" sz="1600">
+              <a:rPr lang="en-US" sz="1600" dirty="0">
                 <a:solidFill>
                   <a:srgbClr val="FFFFFF"/>
                 </a:solidFill>
@@ -10256,7 +9422,7 @@
               </a:spcBef>
             </a:pPr>
             <a:r>
-              <a:rPr lang="en-US" sz="1600">
+              <a:rPr lang="en-US" sz="1600" dirty="0">
                 <a:solidFill>
                   <a:srgbClr val="FFFFFF"/>
                 </a:solidFill>
@@ -10274,7 +9440,7 @@
               </a:spcBef>
             </a:pPr>
             <a:r>
-              <a:rPr lang="en-US" sz="1600">
+              <a:rPr lang="en-US" sz="1600" dirty="0">
                 <a:solidFill>
                   <a:srgbClr val="FFFFFF"/>
                 </a:solidFill>
@@ -10292,7 +9458,7 @@
               </a:spcBef>
             </a:pPr>
             <a:r>
-              <a:rPr lang="en-US" sz="1600">
+              <a:rPr lang="en-US" sz="1600" dirty="0">
                 <a:solidFill>
                   <a:srgbClr val="FFFFFF"/>
                 </a:solidFill>
@@ -10347,203 +9513,6 @@
     <p:extLst>
       <p:ext uri="{BB962C8B-B14F-4D97-AF65-F5344CB8AC3E}">
         <p14:creationId xmlns:p14="http://schemas.microsoft.com/office/powerpoint/2010/main" val="4025013544"/>
-      </p:ext>
-    </p:extLst>
-  </p:cSld>
-  <p:clrMapOvr>
-    <a:masterClrMapping/>
-  </p:clrMapOvr>
-  <mc:AlternateContent xmlns:mc="http://schemas.openxmlformats.org/markup-compatibility/2006" xmlns:p14="http://schemas.microsoft.com/office/powerpoint/2010/main">
-    <mc:Choice Requires="p14">
-      <p:transition spd="med" p14:dur="700">
-        <p:fade/>
-      </p:transition>
-    </mc:Choice>
-    <mc:Fallback xmlns="">
-      <p:transition spd="med">
-        <p:fade/>
-      </p:transition>
-    </mc:Fallback>
-  </mc:AlternateContent>
-</p:sld>
-</file>
-
-<file path=ppt/slides/slide10.xml><?xml version="1.0" encoding="utf-8"?>
-<p:sld xmlns:a="http://schemas.openxmlformats.org/drawingml/2006/main" xmlns:r="http://schemas.openxmlformats.org/officeDocument/2006/relationships" xmlns:p="http://schemas.openxmlformats.org/presentationml/2006/main">
-  <p:cSld>
-    <p:spTree>
-      <p:nvGrpSpPr>
-        <p:cNvPr id="1" name=""/>
-        <p:cNvGrpSpPr/>
-        <p:nvPr/>
-      </p:nvGrpSpPr>
-      <p:grpSpPr>
-        <a:xfrm>
-          <a:off x="0" y="0"/>
-          <a:ext cx="0" cy="0"/>
-          <a:chOff x="0" y="0"/>
-          <a:chExt cx="0" cy="0"/>
-        </a:xfrm>
-      </p:grpSpPr>
-      <p:sp>
-        <p:nvSpPr>
-          <p:cNvPr id="2" name="Title 1"/>
-          <p:cNvSpPr>
-            <a:spLocks noGrp="1"/>
-          </p:cNvSpPr>
-          <p:nvPr>
-            <p:ph type="title"/>
-          </p:nvPr>
-        </p:nvSpPr>
-        <p:spPr/>
-        <p:txBody>
-          <a:bodyPr/>
-          <a:lstStyle/>
-          <a:p>
-            <a:r>
-              <a:rPr lang="en-US" dirty="0"/>
-              <a:t>Add a Slide Title - 4</a:t>
-            </a:r>
-          </a:p>
-        </p:txBody>
-      </p:sp>
-      <p:sp>
-        <p:nvSpPr>
-          <p:cNvPr id="5" name="Content Placeholder 4"/>
-          <p:cNvSpPr>
-            <a:spLocks noGrp="1"/>
-          </p:cNvSpPr>
-          <p:nvPr>
-            <p:ph idx="1"/>
-          </p:nvPr>
-        </p:nvSpPr>
-        <p:spPr/>
-        <p:txBody>
-          <a:bodyPr/>
-          <a:lstStyle/>
-          <a:p>
-            <a:endParaRPr lang="en-US"/>
-          </a:p>
-        </p:txBody>
-      </p:sp>
-      <p:sp>
-        <p:nvSpPr>
-          <p:cNvPr id="6" name="Text Placeholder 5"/>
-          <p:cNvSpPr>
-            <a:spLocks noGrp="1"/>
-          </p:cNvSpPr>
-          <p:nvPr>
-            <p:ph type="body" sz="half" idx="2"/>
-          </p:nvPr>
-        </p:nvSpPr>
-        <p:spPr/>
-        <p:txBody>
-          <a:bodyPr/>
-          <a:lstStyle/>
-          <a:p>
-            <a:endParaRPr lang="en-US"/>
-          </a:p>
-        </p:txBody>
-      </p:sp>
-    </p:spTree>
-    <p:extLst>
-      <p:ext uri="{BB962C8B-B14F-4D97-AF65-F5344CB8AC3E}">
-        <p14:creationId xmlns:p14="http://schemas.microsoft.com/office/powerpoint/2010/main" val="29134228"/>
-      </p:ext>
-    </p:extLst>
-  </p:cSld>
-  <p:clrMapOvr>
-    <a:masterClrMapping/>
-  </p:clrMapOvr>
-  <mc:AlternateContent xmlns:mc="http://schemas.openxmlformats.org/markup-compatibility/2006" xmlns:p14="http://schemas.microsoft.com/office/powerpoint/2010/main">
-    <mc:Choice Requires="p14">
-      <p:transition spd="med" p14:dur="700">
-        <p:fade/>
-      </p:transition>
-    </mc:Choice>
-    <mc:Fallback xmlns="">
-      <p:transition spd="med">
-        <p:fade/>
-      </p:transition>
-    </mc:Fallback>
-  </mc:AlternateContent>
-</p:sld>
-</file>
-
-<file path=ppt/slides/slide11.xml><?xml version="1.0" encoding="utf-8"?>
-<p:sld xmlns:a="http://schemas.openxmlformats.org/drawingml/2006/main" xmlns:r="http://schemas.openxmlformats.org/officeDocument/2006/relationships" xmlns:p="http://schemas.openxmlformats.org/presentationml/2006/main">
-  <p:cSld>
-    <p:spTree>
-      <p:nvGrpSpPr>
-        <p:cNvPr id="1" name=""/>
-        <p:cNvGrpSpPr/>
-        <p:nvPr/>
-      </p:nvGrpSpPr>
-      <p:grpSpPr>
-        <a:xfrm>
-          <a:off x="0" y="0"/>
-          <a:ext cx="0" cy="0"/>
-          <a:chOff x="0" y="0"/>
-          <a:chExt cx="0" cy="0"/>
-        </a:xfrm>
-      </p:grpSpPr>
-      <p:sp>
-        <p:nvSpPr>
-          <p:cNvPr id="2" name="Title 1"/>
-          <p:cNvSpPr>
-            <a:spLocks noGrp="1"/>
-          </p:cNvSpPr>
-          <p:nvPr>
-            <p:ph type="title"/>
-          </p:nvPr>
-        </p:nvSpPr>
-        <p:spPr/>
-        <p:txBody>
-          <a:bodyPr/>
-          <a:lstStyle/>
-          <a:p>
-            <a:r>
-              <a:rPr lang="en-US" dirty="0"/>
-              <a:t>Add a Slide Title - 5</a:t>
-            </a:r>
-          </a:p>
-        </p:txBody>
-      </p:sp>
-      <p:sp>
-        <p:nvSpPr>
-          <p:cNvPr id="5" name="Picture Placeholder 4" descr="An empty placeholder to add an image. Click on the placeholder and select the image that you wish to add"/>
-          <p:cNvSpPr>
-            <a:spLocks noGrp="1"/>
-          </p:cNvSpPr>
-          <p:nvPr>
-            <p:ph type="pic" idx="1"/>
-          </p:nvPr>
-        </p:nvSpPr>
-        <p:spPr/>
-      </p:sp>
-      <p:sp>
-        <p:nvSpPr>
-          <p:cNvPr id="6" name="Text Placeholder 5"/>
-          <p:cNvSpPr>
-            <a:spLocks noGrp="1"/>
-          </p:cNvSpPr>
-          <p:nvPr>
-            <p:ph type="body" sz="half" idx="2"/>
-          </p:nvPr>
-        </p:nvSpPr>
-        <p:spPr/>
-        <p:txBody>
-          <a:bodyPr/>
-          <a:lstStyle/>
-          <a:p>
-            <a:endParaRPr lang="en-US"/>
-          </a:p>
-        </p:txBody>
-      </p:sp>
-    </p:spTree>
-    <p:extLst>
-      <p:ext uri="{BB962C8B-B14F-4D97-AF65-F5344CB8AC3E}">
-        <p14:creationId xmlns:p14="http://schemas.microsoft.com/office/powerpoint/2010/main" val="1870939040"/>
       </p:ext>
     </p:extLst>
   </p:cSld>
@@ -10874,7 +9843,7 @@
           <a:lstStyle/>
           <a:p>
             <a:pPr algn="ctr"/>
-            <a:endParaRPr lang="en-US"/>
+            <a:endParaRPr lang="en-US" dirty="0"/>
           </a:p>
         </p:txBody>
       </p:sp>
@@ -10934,7 +9903,7 @@
           <a:lstStyle/>
           <a:p>
             <a:pPr algn="ctr"/>
-            <a:endParaRPr lang="en-US"/>
+            <a:endParaRPr lang="en-US" dirty="0"/>
           </a:p>
         </p:txBody>
       </p:sp>
@@ -10988,8 +9957,8 @@
         </p:nvSpPr>
         <p:spPr>
           <a:xfrm>
-            <a:off x="4910228" y="1198585"/>
-            <a:ext cx="6033256" cy="4916465"/>
+            <a:off x="5044364" y="685800"/>
+            <a:ext cx="6301025" cy="3626145"/>
           </a:xfrm>
         </p:spPr>
         <p:txBody>
@@ -11023,44 +9992,282 @@
             <a:br>
               <a:rPr lang="en-US" dirty="0"/>
             </a:br>
+            <a:endParaRPr lang="en-US" dirty="0"/>
+          </a:p>
+          <a:p>
+            <a:pPr marL="0" indent="0" algn="ctr" defTabSz="914400">
+              <a:buNone/>
+            </a:pPr>
             <a:br>
               <a:rPr lang="en-US" dirty="0"/>
             </a:br>
+            <a:r>
+              <a:rPr lang="en-US" b="1" dirty="0"/>
+              <a:t>ADDITIONAL QUESTIONS</a:t>
+            </a:r>
             <a:br>
               <a:rPr lang="en-US" dirty="0"/>
             </a:br>
             <a:r>
-              <a:rPr lang="en-US" b="1" dirty="0"/>
-              <a:t>ADDITIONAL QUESTIONS</a:t>
+              <a:rPr lang="en-US" dirty="0"/>
+              <a:t>Does the time of the year affect prices? </a:t>
             </a:r>
             <a:br>
               <a:rPr lang="en-US" dirty="0"/>
             </a:br>
             <a:r>
               <a:rPr lang="en-US" dirty="0"/>
-              <a:t>Does the time of the year affect prices? </a:t>
+              <a:t>Do crime rates affect prices? </a:t>
             </a:r>
             <a:br>
               <a:rPr lang="en-US" dirty="0"/>
             </a:br>
             <a:r>
               <a:rPr lang="en-US" dirty="0"/>
-              <a:t>Do crime rates affect prices? </a:t>
+              <a:t>Does median household income affect prices? </a:t>
             </a:r>
             <a:br>
               <a:rPr lang="en-US" dirty="0"/>
             </a:br>
             <a:r>
               <a:rPr lang="en-US" dirty="0"/>
-              <a:t>Does median household income affect prices? </a:t>
-            </a:r>
-            <a:br>
-              <a:rPr lang="en-US" dirty="0"/>
-            </a:br>
-            <a:r>
-              <a:rPr lang="en-US" dirty="0"/>
               <a:t>Do demographics (i.e. ethnicity) affect prices?</a:t>
             </a:r>
+          </a:p>
+        </p:txBody>
+      </p:sp>
+      <p:sp>
+        <p:nvSpPr>
+          <p:cNvPr id="18" name="TextBox 17">
+            <a:extLst>
+              <a:ext uri="{FF2B5EF4-FFF2-40B4-BE49-F238E27FC236}">
+                <a16:creationId xmlns:a16="http://schemas.microsoft.com/office/drawing/2014/main" id="{CFD4A24F-1AA2-459B-8C46-C2CD64B9E2B4}"/>
+              </a:ext>
+            </a:extLst>
+          </p:cNvPr>
+          <p:cNvSpPr txBox="1"/>
+          <p:nvPr/>
+        </p:nvSpPr>
+        <p:spPr>
+          <a:xfrm>
+            <a:off x="4111285" y="5389959"/>
+            <a:ext cx="3200400" cy="738664"/>
+          </a:xfrm>
+          <a:prstGeom prst="rect">
+            <a:avLst/>
+          </a:prstGeom>
+          <a:noFill/>
+        </p:spPr>
+        <p:txBody>
+          <a:bodyPr wrap="square" rtlCol="0">
+            <a:spAutoFit/>
+          </a:bodyPr>
+          <a:lstStyle/>
+          <a:p>
+            <a:r>
+              <a:rPr lang="en-US" b="1" dirty="0"/>
+              <a:t>MOTIVATIONS:</a:t>
+            </a:r>
+          </a:p>
+          <a:p>
+            <a:pPr marL="285750" indent="-285750">
+              <a:buFont typeface="Wingdings" panose="05000000000000000000" pitchFamily="2" charset="2"/>
+              <a:buChar char="v"/>
+            </a:pPr>
+            <a:r>
+              <a:rPr lang="en-US" sz="1200" dirty="0"/>
+              <a:t>UNDERSTAND WHAT EXTERNAL FACTORS AFFECT AIRBNB PRICES</a:t>
+            </a:r>
+          </a:p>
+        </p:txBody>
+      </p:sp>
+      <p:sp>
+        <p:nvSpPr>
+          <p:cNvPr id="20" name="TextBox 19">
+            <a:extLst>
+              <a:ext uri="{FF2B5EF4-FFF2-40B4-BE49-F238E27FC236}">
+                <a16:creationId xmlns:a16="http://schemas.microsoft.com/office/drawing/2014/main" id="{2CDDFD24-32A6-4A25-8358-D32B3B677E26}"/>
+              </a:ext>
+            </a:extLst>
+          </p:cNvPr>
+          <p:cNvSpPr txBox="1"/>
+          <p:nvPr/>
+        </p:nvSpPr>
+        <p:spPr>
+          <a:xfrm>
+            <a:off x="7313612" y="5389959"/>
+            <a:ext cx="3200400" cy="923330"/>
+          </a:xfrm>
+          <a:prstGeom prst="rect">
+            <a:avLst/>
+          </a:prstGeom>
+          <a:noFill/>
+        </p:spPr>
+        <p:txBody>
+          <a:bodyPr wrap="square" rtlCol="0">
+            <a:spAutoFit/>
+          </a:bodyPr>
+          <a:lstStyle/>
+          <a:p>
+            <a:r>
+              <a:rPr lang="en-US" b="1" dirty="0"/>
+              <a:t>WHERE:</a:t>
+            </a:r>
+          </a:p>
+          <a:p>
+            <a:pPr marL="285750" indent="-285750">
+              <a:buFont typeface="Wingdings" panose="05000000000000000000" pitchFamily="2" charset="2"/>
+              <a:buChar char="v"/>
+            </a:pPr>
+            <a:r>
+              <a:rPr lang="en-US" sz="1200" dirty="0"/>
+              <a:t>AIRBNB OPEN SOURCE</a:t>
+            </a:r>
+          </a:p>
+          <a:p>
+            <a:pPr marL="285750" indent="-285750">
+              <a:buFont typeface="Wingdings" panose="05000000000000000000" pitchFamily="2" charset="2"/>
+              <a:buChar char="v"/>
+            </a:pPr>
+            <a:r>
+              <a:rPr lang="en-US" sz="1200" dirty="0"/>
+              <a:t>US CENSUS BUREAU DATA </a:t>
+            </a:r>
+          </a:p>
+          <a:p>
+            <a:pPr marL="285750" indent="-285750">
+              <a:buFont typeface="Wingdings" panose="05000000000000000000" pitchFamily="2" charset="2"/>
+              <a:buChar char="v"/>
+            </a:pPr>
+            <a:endParaRPr lang="en-US" sz="1200" dirty="0"/>
+          </a:p>
+        </p:txBody>
+      </p:sp>
+      <p:sp>
+        <p:nvSpPr>
+          <p:cNvPr id="21" name="Rectangle 20">
+            <a:extLst>
+              <a:ext uri="{FF2B5EF4-FFF2-40B4-BE49-F238E27FC236}">
+                <a16:creationId xmlns:a16="http://schemas.microsoft.com/office/drawing/2014/main" id="{8382B81C-32A8-4EFD-822F-BD7AE0294D74}"/>
+              </a:ext>
+            </a:extLst>
+          </p:cNvPr>
+          <p:cNvSpPr/>
+          <p:nvPr/>
+        </p:nvSpPr>
+        <p:spPr>
+          <a:xfrm>
+            <a:off x="7466012" y="6185046"/>
+            <a:ext cx="1905000" cy="368154"/>
+          </a:xfrm>
+          <a:prstGeom prst="rect">
+            <a:avLst/>
+          </a:prstGeom>
+          <a:solidFill>
+            <a:srgbClr val="FFFF00"/>
+          </a:solidFill>
+        </p:spPr>
+        <p:style>
+          <a:lnRef idx="2">
+            <a:schemeClr val="accent1">
+              <a:shade val="50000"/>
+            </a:schemeClr>
+          </a:lnRef>
+          <a:fillRef idx="1">
+            <a:schemeClr val="accent1"/>
+          </a:fillRef>
+          <a:effectRef idx="0">
+            <a:schemeClr val="accent1"/>
+          </a:effectRef>
+          <a:fontRef idx="minor">
+            <a:schemeClr val="lt1"/>
+          </a:fontRef>
+        </p:style>
+        <p:txBody>
+          <a:bodyPr rtlCol="0" anchor="ctr"/>
+          <a:lstStyle/>
+          <a:p>
+            <a:pPr algn="ctr"/>
+            <a:r>
+              <a:rPr lang="en-US" sz="1100" dirty="0">
+                <a:solidFill>
+                  <a:schemeClr val="tx1"/>
+                </a:solidFill>
+              </a:rPr>
+              <a:t>ADD EVERYONES SOURCES </a:t>
+            </a:r>
+          </a:p>
+        </p:txBody>
+      </p:sp>
+      <p:sp>
+        <p:nvSpPr>
+          <p:cNvPr id="22" name="TextBox 21">
+            <a:extLst>
+              <a:ext uri="{FF2B5EF4-FFF2-40B4-BE49-F238E27FC236}">
+                <a16:creationId xmlns:a16="http://schemas.microsoft.com/office/drawing/2014/main" id="{F6212C7A-71D7-4240-859E-8B91DEDA1770}"/>
+              </a:ext>
+            </a:extLst>
+          </p:cNvPr>
+          <p:cNvSpPr txBox="1"/>
+          <p:nvPr/>
+        </p:nvSpPr>
+        <p:spPr>
+          <a:xfrm>
+            <a:off x="10514012" y="5369004"/>
+            <a:ext cx="3200400" cy="1107996"/>
+          </a:xfrm>
+          <a:prstGeom prst="rect">
+            <a:avLst/>
+          </a:prstGeom>
+          <a:noFill/>
+        </p:spPr>
+        <p:txBody>
+          <a:bodyPr wrap="square" rtlCol="0">
+            <a:spAutoFit/>
+          </a:bodyPr>
+          <a:lstStyle/>
+          <a:p>
+            <a:r>
+              <a:rPr lang="en-US" b="1" dirty="0"/>
+              <a:t>HOW:</a:t>
+            </a:r>
+          </a:p>
+          <a:p>
+            <a:pPr marL="285750" indent="-285750">
+              <a:buFont typeface="Wingdings" panose="05000000000000000000" pitchFamily="2" charset="2"/>
+              <a:buChar char="v"/>
+            </a:pPr>
+            <a:r>
+              <a:rPr lang="en-US" sz="1200" dirty="0"/>
+              <a:t>EXCEL</a:t>
+            </a:r>
+          </a:p>
+          <a:p>
+            <a:pPr marL="285750" indent="-285750">
+              <a:buFont typeface="Wingdings" panose="05000000000000000000" pitchFamily="2" charset="2"/>
+              <a:buChar char="v"/>
+            </a:pPr>
+            <a:r>
+              <a:rPr lang="en-US" sz="1200" dirty="0"/>
+              <a:t>PYTHON</a:t>
+            </a:r>
+          </a:p>
+          <a:p>
+            <a:pPr marL="285750" indent="-285750">
+              <a:buFont typeface="Wingdings" panose="05000000000000000000" pitchFamily="2" charset="2"/>
+              <a:buChar char="v"/>
+            </a:pPr>
+            <a:r>
+              <a:rPr lang="en-US" sz="1200" dirty="0"/>
+              <a:t>API’s</a:t>
+            </a:r>
+          </a:p>
+          <a:p>
+            <a:pPr marL="285750" indent="-285750">
+              <a:buFont typeface="Wingdings" panose="05000000000000000000" pitchFamily="2" charset="2"/>
+              <a:buChar char="v"/>
+            </a:pPr>
+            <a:endParaRPr lang="en-US" sz="1200" dirty="0"/>
           </a:p>
         </p:txBody>
       </p:sp>
@@ -11116,10 +10323,268 @@
       </p:grpSpPr>
       <p:sp>
         <p:nvSpPr>
-          <p:cNvPr id="12" name="Rectangle 11">
+          <p:cNvPr id="2" name="Title 1"/>
+          <p:cNvSpPr>
+            <a:spLocks noGrp="1"/>
+          </p:cNvSpPr>
+          <p:nvPr>
+            <p:ph type="title" idx="4294967295"/>
+          </p:nvPr>
+        </p:nvSpPr>
+        <p:spPr>
+          <a:xfrm>
+            <a:off x="8380412" y="1295400"/>
+            <a:ext cx="3505200" cy="816591"/>
+          </a:xfrm>
+        </p:spPr>
+        <p:txBody>
+          <a:bodyPr>
+            <a:normAutofit/>
+          </a:bodyPr>
+          <a:lstStyle/>
+          <a:p>
+            <a:pPr algn="ctr"/>
+            <a:r>
+              <a:rPr lang="en-US" sz="2400" b="1" dirty="0" err="1">
+                <a:solidFill>
+                  <a:srgbClr val="000001"/>
+                </a:solidFill>
+              </a:rPr>
+              <a:t>hh</a:t>
+            </a:r>
+            <a:r>
+              <a:rPr lang="en-US" sz="2400" b="1" dirty="0">
+                <a:solidFill>
+                  <a:srgbClr val="000001"/>
+                </a:solidFill>
+              </a:rPr>
+              <a:t> Income &amp; Price </a:t>
+            </a:r>
+            <a:br>
+              <a:rPr lang="en-US" sz="2400" b="1" dirty="0">
+                <a:solidFill>
+                  <a:srgbClr val="000001"/>
+                </a:solidFill>
+              </a:rPr>
+            </a:br>
+            <a:r>
+              <a:rPr lang="en-US" sz="2400" b="1" dirty="0">
+                <a:solidFill>
+                  <a:srgbClr val="000001"/>
+                </a:solidFill>
+              </a:rPr>
+              <a:t>by neighborhood</a:t>
+            </a:r>
+          </a:p>
+        </p:txBody>
+      </p:sp>
+      <p:sp>
+        <p:nvSpPr>
+          <p:cNvPr id="3" name="Rectangle 2">
             <a:extLst>
               <a:ext uri="{FF2B5EF4-FFF2-40B4-BE49-F238E27FC236}">
-                <a16:creationId xmlns:a16="http://schemas.microsoft.com/office/drawing/2014/main" id="{B0075745-2871-4EFE-AB1D-91ED1391220A}"/>
+                <a16:creationId xmlns:a16="http://schemas.microsoft.com/office/drawing/2014/main" id="{AD0159AA-08C8-48B8-9FFE-72CD33179D74}"/>
+              </a:ext>
+            </a:extLst>
+          </p:cNvPr>
+          <p:cNvSpPr/>
+          <p:nvPr/>
+        </p:nvSpPr>
+        <p:spPr>
+          <a:xfrm>
+            <a:off x="-7450" y="5898177"/>
+            <a:ext cx="6092825" cy="230832"/>
+          </a:xfrm>
+          <a:prstGeom prst="rect">
+            <a:avLst/>
+          </a:prstGeom>
+        </p:spPr>
+        <p:txBody>
+          <a:bodyPr>
+            <a:spAutoFit/>
+          </a:bodyPr>
+          <a:lstStyle/>
+          <a:p>
+            <a:r>
+              <a:rPr lang="en-US" sz="900" i="1" dirty="0">
+                <a:solidFill>
+                  <a:srgbClr val="4E4B47"/>
+                </a:solidFill>
+                <a:latin typeface="arial" panose="020B0604020202020204" pitchFamily="34" charset="0"/>
+              </a:rPr>
+              <a:t>Source: 2013-2017 American Community Survey 5-Year Estimates &amp; </a:t>
+            </a:r>
+            <a:r>
+              <a:rPr lang="en-US" sz="900" i="1" dirty="0" err="1">
+                <a:solidFill>
+                  <a:srgbClr val="4E4B47"/>
+                </a:solidFill>
+                <a:latin typeface="arial" panose="020B0604020202020204" pitchFamily="34" charset="0"/>
+              </a:rPr>
+              <a:t>AirBnB</a:t>
+            </a:r>
+            <a:endParaRPr lang="en-US" sz="900" i="1" dirty="0"/>
+          </a:p>
+        </p:txBody>
+      </p:sp>
+      <p:pic>
+        <p:nvPicPr>
+          <p:cNvPr id="5" name="Picture 4">
+            <a:extLst>
+              <a:ext uri="{FF2B5EF4-FFF2-40B4-BE49-F238E27FC236}">
+                <a16:creationId xmlns:a16="http://schemas.microsoft.com/office/drawing/2014/main" id="{415CBF72-4A05-4982-B2E7-B225EFB65C8D}"/>
+              </a:ext>
+            </a:extLst>
+          </p:cNvPr>
+          <p:cNvPicPr>
+            <a:picLocks noChangeAspect="1"/>
+          </p:cNvPicPr>
+          <p:nvPr/>
+        </p:nvPicPr>
+        <p:blipFill>
+          <a:blip r:embed="rId2"/>
+          <a:stretch>
+            <a:fillRect/>
+          </a:stretch>
+        </p:blipFill>
+        <p:spPr>
+          <a:xfrm>
+            <a:off x="150812" y="267277"/>
+            <a:ext cx="7848600" cy="5464981"/>
+          </a:xfrm>
+          <a:prstGeom prst="rect">
+            <a:avLst/>
+          </a:prstGeom>
+        </p:spPr>
+      </p:pic>
+      <p:sp>
+        <p:nvSpPr>
+          <p:cNvPr id="17" name="TextBox 16">
+            <a:extLst>
+              <a:ext uri="{FF2B5EF4-FFF2-40B4-BE49-F238E27FC236}">
+                <a16:creationId xmlns:a16="http://schemas.microsoft.com/office/drawing/2014/main" id="{89315E49-5349-4A23-8DB2-F705E3A28F50}"/>
+              </a:ext>
+            </a:extLst>
+          </p:cNvPr>
+          <p:cNvSpPr txBox="1"/>
+          <p:nvPr/>
+        </p:nvSpPr>
+        <p:spPr>
+          <a:xfrm>
+            <a:off x="8380412" y="2209800"/>
+            <a:ext cx="3792680" cy="923330"/>
+          </a:xfrm>
+          <a:prstGeom prst="rect">
+            <a:avLst/>
+          </a:prstGeom>
+          <a:noFill/>
+        </p:spPr>
+        <p:txBody>
+          <a:bodyPr wrap="square" rtlCol="0">
+            <a:spAutoFit/>
+          </a:bodyPr>
+          <a:lstStyle/>
+          <a:p>
+            <a:pPr marL="285750" indent="-285750">
+              <a:buFont typeface="Arial" panose="020B0604020202020204" pitchFamily="34" charset="0"/>
+              <a:buChar char="•"/>
+            </a:pPr>
+            <a:r>
+              <a:rPr lang="en-US" dirty="0"/>
+              <a:t>Lower Income = Lower Price</a:t>
+            </a:r>
+          </a:p>
+          <a:p>
+            <a:pPr marL="285750" indent="-285750">
+              <a:buFont typeface="Arial" panose="020B0604020202020204" pitchFamily="34" charset="0"/>
+              <a:buChar char="•"/>
+            </a:pPr>
+            <a:endParaRPr lang="en-US" dirty="0"/>
+          </a:p>
+          <a:p>
+            <a:pPr marL="285750" indent="-285750">
+              <a:buFont typeface="Arial" panose="020B0604020202020204" pitchFamily="34" charset="0"/>
+              <a:buChar char="•"/>
+            </a:pPr>
+            <a:r>
+              <a:rPr lang="en-US" dirty="0"/>
+              <a:t>Outlier Trend = Lower East Side</a:t>
+            </a:r>
+          </a:p>
+        </p:txBody>
+      </p:sp>
+    </p:spTree>
+    <p:extLst>
+      <p:ext uri="{BB962C8B-B14F-4D97-AF65-F5344CB8AC3E}">
+        <p14:creationId xmlns:p14="http://schemas.microsoft.com/office/powerpoint/2010/main" val="2542620569"/>
+      </p:ext>
+    </p:extLst>
+  </p:cSld>
+  <p:clrMapOvr>
+    <a:masterClrMapping/>
+  </p:clrMapOvr>
+  <mc:AlternateContent xmlns:mc="http://schemas.openxmlformats.org/markup-compatibility/2006" xmlns:p14="http://schemas.microsoft.com/office/powerpoint/2010/main">
+    <mc:Choice Requires="p14">
+      <p:transition spd="med" p14:dur="700">
+        <p:fade/>
+      </p:transition>
+    </mc:Choice>
+    <mc:Fallback xmlns="">
+      <p:transition spd="med">
+        <p:fade/>
+      </p:transition>
+    </mc:Fallback>
+  </mc:AlternateContent>
+</p:sld>
+</file>
+
+<file path=ppt/slides/slide4.xml><?xml version="1.0" encoding="utf-8"?>
+<p:sld xmlns:a="http://schemas.openxmlformats.org/drawingml/2006/main" xmlns:r="http://schemas.openxmlformats.org/officeDocument/2006/relationships" xmlns:p="http://schemas.openxmlformats.org/presentationml/2006/main">
+  <p:cSld>
+    <p:bg>
+      <p:bgPr>
+        <a:gradFill rotWithShape="1">
+          <a:gsLst>
+            <a:gs pos="0">
+              <a:schemeClr val="bg2">
+                <a:tint val="94000"/>
+                <a:satMod val="80000"/>
+                <a:lumMod val="106000"/>
+              </a:schemeClr>
+            </a:gs>
+            <a:gs pos="100000">
+              <a:schemeClr val="bg2">
+                <a:shade val="80000"/>
+              </a:schemeClr>
+            </a:gs>
+          </a:gsLst>
+          <a:path path="circle">
+            <a:fillToRect l="43000" r="43000" b="100000"/>
+          </a:path>
+        </a:gradFill>
+        <a:effectLst/>
+      </p:bgPr>
+    </p:bg>
+    <p:spTree>
+      <p:nvGrpSpPr>
+        <p:cNvPr id="1" name=""/>
+        <p:cNvGrpSpPr/>
+        <p:nvPr/>
+      </p:nvGrpSpPr>
+      <p:grpSpPr>
+        <a:xfrm>
+          <a:off x="0" y="0"/>
+          <a:ext cx="0" cy="0"/>
+          <a:chOff x="0" y="0"/>
+          <a:chExt cx="0" cy="0"/>
+        </a:xfrm>
+      </p:grpSpPr>
+      <p:sp>
+        <p:nvSpPr>
+          <p:cNvPr id="8" name="Rectangle 7">
+            <a:extLst>
+              <a:ext uri="{FF2B5EF4-FFF2-40B4-BE49-F238E27FC236}">
+                <a16:creationId xmlns:a16="http://schemas.microsoft.com/office/drawing/2014/main" id="{0CABCAE3-64FC-4149-819F-2C1812824154}"/>
               </a:ext>
               <a:ext uri="{C183D7F6-B498-43B3-948B-1728B52AA6E4}">
                 <adec:decorative xmlns:adec="http://schemas.microsoft.com/office/drawing/2017/decorative" val="1"/>
@@ -11139,8 +10604,220 @@
         </p:nvSpPr>
         <p:spPr>
           <a:xfrm>
-            <a:off x="0" y="0"/>
-            <a:ext cx="12188825" cy="6858000"/>
+            <a:off x="0" y="2019476"/>
+            <a:ext cx="12188825" cy="4105941"/>
+          </a:xfrm>
+          <a:prstGeom prst="rect">
+            <a:avLst/>
+          </a:prstGeom>
+          <a:gradFill flip="none" rotWithShape="1">
+            <a:gsLst>
+              <a:gs pos="0">
+                <a:schemeClr val="bg2">
+                  <a:alpha val="0"/>
+                </a:schemeClr>
+              </a:gs>
+              <a:gs pos="100000">
+                <a:schemeClr val="bg2"/>
+              </a:gs>
+            </a:gsLst>
+            <a:lin ang="5400000" scaled="0"/>
+            <a:tileRect/>
+          </a:gradFill>
+          <a:ln>
+            <a:noFill/>
+          </a:ln>
+        </p:spPr>
+        <p:style>
+          <a:lnRef idx="2">
+            <a:schemeClr val="accent1">
+              <a:shade val="50000"/>
+            </a:schemeClr>
+          </a:lnRef>
+          <a:fillRef idx="1">
+            <a:schemeClr val="accent1"/>
+          </a:fillRef>
+          <a:effectRef idx="0">
+            <a:schemeClr val="accent1"/>
+          </a:effectRef>
+          <a:fontRef idx="minor">
+            <a:schemeClr val="lt1"/>
+          </a:fontRef>
+        </p:style>
+      </p:sp>
+      <p:pic>
+        <p:nvPicPr>
+          <p:cNvPr id="10" name="Picture 9">
+            <a:extLst>
+              <a:ext uri="{FF2B5EF4-FFF2-40B4-BE49-F238E27FC236}">
+                <a16:creationId xmlns:a16="http://schemas.microsoft.com/office/drawing/2014/main" id="{012FDCFE-9AD2-4D8A-8CBF-B3AA37EBF6DD}"/>
+              </a:ext>
+              <a:ext uri="{C183D7F6-B498-43B3-948B-1728B52AA6E4}">
+                <adec:decorative xmlns:adec="http://schemas.microsoft.com/office/drawing/2017/decorative" val="1"/>
+              </a:ext>
+            </a:extLst>
+          </p:cNvPr>
+          <p:cNvPicPr>
+            <a:picLocks noGrp="1" noRot="1" noChangeAspect="1" noMove="1" noResize="1" noEditPoints="1" noAdjustHandles="1" noChangeArrowheads="1" noChangeShapeType="1" noCrop="1"/>
+          </p:cNvPicPr>
+          <p:nvPr>
+            <p:extLst>
+              <p:ext uri="{386F3935-93C4-4BCD-93E2-E3B085C9AB24}">
+                <p16:designElem xmlns:p16="http://schemas.microsoft.com/office/powerpoint/2015/main" val="1"/>
+              </p:ext>
+            </p:extLst>
+          </p:nvPr>
+        </p:nvPicPr>
+        <p:blipFill rotWithShape="1">
+          <a:blip r:embed="rId2">
+            <a:extLst>
+              <a:ext uri="{28A0092B-C50C-407E-A947-70E740481C1C}">
+                <a14:useLocalDpi xmlns:a14="http://schemas.microsoft.com/office/drawing/2010/main" val="0"/>
+              </a:ext>
+            </a:extLst>
+          </a:blip>
+          <a:srcRect t="1538" b="-1538"/>
+          <a:stretch/>
+        </p:blipFill>
+        <p:spPr bwMode="black">
+          <a:xfrm>
+            <a:off x="0" y="6126480"/>
+            <a:ext cx="12188825" cy="742950"/>
+          </a:xfrm>
+          <a:prstGeom prst="rect">
+            <a:avLst/>
+          </a:prstGeom>
+        </p:spPr>
+      </p:pic>
+      <p:cxnSp>
+        <p:nvCxnSpPr>
+          <p:cNvPr id="12" name="Straight Connector 11">
+            <a:extLst>
+              <a:ext uri="{FF2B5EF4-FFF2-40B4-BE49-F238E27FC236}">
+                <a16:creationId xmlns:a16="http://schemas.microsoft.com/office/drawing/2014/main" id="{FBD463FC-4CA8-4FF4-85A3-AF9F4B98D210}"/>
+              </a:ext>
+              <a:ext uri="{C183D7F6-B498-43B3-948B-1728B52AA6E4}">
+                <adec:decorative xmlns:adec="http://schemas.microsoft.com/office/drawing/2017/decorative" val="1"/>
+              </a:ext>
+            </a:extLst>
+          </p:cNvPr>
+          <p:cNvCxnSpPr>
+            <a:cxnSpLocks noGrp="1" noRot="1" noChangeAspect="1" noMove="1" noResize="1" noEditPoints="1" noAdjustHandles="1" noChangeArrowheads="1" noChangeShapeType="1"/>
+          </p:cNvCxnSpPr>
+          <p:nvPr>
+            <p:extLst>
+              <p:ext uri="{386F3935-93C4-4BCD-93E2-E3B085C9AB24}">
+                <p16:designElem xmlns:p16="http://schemas.microsoft.com/office/powerpoint/2015/main" val="1"/>
+              </p:ext>
+            </p:extLst>
+          </p:nvPr>
+        </p:nvCxnSpPr>
+        <p:spPr>
+          <a:xfrm>
+            <a:off x="0" y="6128413"/>
+            <a:ext cx="12188825" cy="0"/>
+          </a:xfrm>
+          <a:prstGeom prst="line">
+            <a:avLst/>
+          </a:prstGeom>
+          <a:ln w="12700">
+            <a:solidFill>
+              <a:srgbClr val="000001">
+                <a:alpha val="20000"/>
+              </a:srgbClr>
+            </a:solidFill>
+          </a:ln>
+        </p:spPr>
+        <p:style>
+          <a:lnRef idx="1">
+            <a:schemeClr val="accent1"/>
+          </a:lnRef>
+          <a:fillRef idx="0">
+            <a:schemeClr val="accent1"/>
+          </a:fillRef>
+          <a:effectRef idx="0">
+            <a:schemeClr val="accent1"/>
+          </a:effectRef>
+          <a:fontRef idx="minor">
+            <a:schemeClr val="tx1"/>
+          </a:fontRef>
+        </p:style>
+      </p:cxnSp>
+      <p:cxnSp>
+        <p:nvCxnSpPr>
+          <p:cNvPr id="14" name="Straight Connector 13">
+            <a:extLst>
+              <a:ext uri="{FF2B5EF4-FFF2-40B4-BE49-F238E27FC236}">
+                <a16:creationId xmlns:a16="http://schemas.microsoft.com/office/drawing/2014/main" id="{BECF35C3-8B44-4F4B-BD25-4C01823DB22A}"/>
+              </a:ext>
+              <a:ext uri="{C183D7F6-B498-43B3-948B-1728B52AA6E4}">
+                <adec:decorative xmlns:adec="http://schemas.microsoft.com/office/drawing/2017/decorative" val="1"/>
+              </a:ext>
+            </a:extLst>
+          </p:cNvPr>
+          <p:cNvCxnSpPr>
+            <a:cxnSpLocks noGrp="1" noRot="1" noChangeAspect="1" noMove="1" noResize="1" noEditPoints="1" noAdjustHandles="1" noChangeArrowheads="1" noChangeShapeType="1"/>
+          </p:cNvCxnSpPr>
+          <p:nvPr>
+            <p:extLst>
+              <p:ext uri="{386F3935-93C4-4BCD-93E2-E3B085C9AB24}">
+                <p16:designElem xmlns:p16="http://schemas.microsoft.com/office/powerpoint/2015/main" val="1"/>
+              </p:ext>
+            </p:extLst>
+          </p:nvPr>
+        </p:nvCxnSpPr>
+        <p:spPr>
+          <a:xfrm>
+            <a:off x="2417150" y="3528542"/>
+            <a:ext cx="8634823" cy="0"/>
+          </a:xfrm>
+          <a:prstGeom prst="line">
+            <a:avLst/>
+          </a:prstGeom>
+          <a:ln w="31750"/>
+        </p:spPr>
+        <p:style>
+          <a:lnRef idx="3">
+            <a:schemeClr val="accent1"/>
+          </a:lnRef>
+          <a:fillRef idx="0">
+            <a:schemeClr val="accent1"/>
+          </a:fillRef>
+          <a:effectRef idx="2">
+            <a:schemeClr val="accent1"/>
+          </a:effectRef>
+          <a:fontRef idx="minor">
+            <a:schemeClr val="tx1"/>
+          </a:fontRef>
+        </p:style>
+      </p:cxnSp>
+      <p:sp useBgFill="1">
+        <p:nvSpPr>
+          <p:cNvPr id="16" name="Rectangle 15">
+            <a:extLst>
+              <a:ext uri="{FF2B5EF4-FFF2-40B4-BE49-F238E27FC236}">
+                <a16:creationId xmlns:a16="http://schemas.microsoft.com/office/drawing/2014/main" id="{9AB26DBC-1F7F-4AC0-A88C-69712701E629}"/>
+              </a:ext>
+              <a:ext uri="{C183D7F6-B498-43B3-948B-1728B52AA6E4}">
+                <adec:decorative xmlns:adec="http://schemas.microsoft.com/office/drawing/2017/decorative" val="1"/>
+              </a:ext>
+            </a:extLst>
+          </p:cNvPr>
+          <p:cNvSpPr>
+            <a:spLocks noGrp="1" noRot="1" noChangeAspect="1" noMove="1" noResize="1" noEditPoints="1" noAdjustHandles="1" noChangeArrowheads="1" noChangeShapeType="1" noTextEdit="1"/>
+          </p:cNvSpPr>
+          <p:nvPr>
+            <p:extLst>
+              <p:ext uri="{386F3935-93C4-4BCD-93E2-E3B085C9AB24}">
+                <p16:designElem xmlns:p16="http://schemas.microsoft.com/office/powerpoint/2015/main" val="1"/>
+              </p:ext>
+            </p:extLst>
+          </p:nvPr>
+        </p:nvSpPr>
+        <p:spPr>
+          <a:xfrm>
+            <a:off x="1" y="0"/>
+            <a:ext cx="12188521" cy="6858000"/>
           </a:xfrm>
           <a:prstGeom prst="rect">
             <a:avLst/>
@@ -11155,8 +10832,8 @@
               <a:shade val="50000"/>
             </a:schemeClr>
           </a:lnRef>
-          <a:fillRef idx="1003">
-            <a:schemeClr val="lt2"/>
+          <a:fillRef idx="1">
+            <a:schemeClr val="accent1"/>
           </a:fillRef>
           <a:effectRef idx="0">
             <a:schemeClr val="accent1"/>
@@ -11176,58 +10853,144 @@
       </p:sp>
       <p:sp>
         <p:nvSpPr>
-          <p:cNvPr id="2" name="Title 1"/>
+          <p:cNvPr id="18" name="Rectangle 17">
+            <a:extLst>
+              <a:ext uri="{FF2B5EF4-FFF2-40B4-BE49-F238E27FC236}">
+                <a16:creationId xmlns:a16="http://schemas.microsoft.com/office/drawing/2014/main" id="{6F099884-7695-4976-8EBD-ECB5AF05355F}"/>
+              </a:ext>
+              <a:ext uri="{C183D7F6-B498-43B3-948B-1728B52AA6E4}">
+                <adec:decorative xmlns:adec="http://schemas.microsoft.com/office/drawing/2017/decorative" val="1"/>
+              </a:ext>
+            </a:extLst>
+          </p:cNvPr>
           <p:cNvSpPr>
-            <a:spLocks noGrp="1"/>
+            <a:spLocks noGrp="1" noRot="1" noChangeAspect="1" noMove="1" noResize="1" noEditPoints="1" noAdjustHandles="1" noChangeArrowheads="1" noChangeShapeType="1" noTextEdit="1"/>
           </p:cNvSpPr>
           <p:nvPr>
-            <p:ph type="title"/>
+            <p:extLst>
+              <p:ext uri="{386F3935-93C4-4BCD-93E2-E3B085C9AB24}">
+                <p16:designElem xmlns:p16="http://schemas.microsoft.com/office/powerpoint/2015/main" val="1"/>
+              </p:ext>
+            </p:extLst>
           </p:nvPr>
         </p:nvSpPr>
         <p:spPr>
           <a:xfrm>
-            <a:off x="7554024" y="967819"/>
-            <a:ext cx="3181576" cy="4311140"/>
+            <a:off x="0" y="2019476"/>
+            <a:ext cx="12188825" cy="4105941"/>
           </a:xfrm>
+          <a:prstGeom prst="rect">
+            <a:avLst/>
+          </a:prstGeom>
+          <a:gradFill flip="none" rotWithShape="1">
+            <a:gsLst>
+              <a:gs pos="0">
+                <a:schemeClr val="bg2">
+                  <a:alpha val="0"/>
+                </a:schemeClr>
+              </a:gs>
+              <a:gs pos="100000">
+                <a:schemeClr val="bg2"/>
+              </a:gs>
+            </a:gsLst>
+            <a:lin ang="5400000" scaled="0"/>
+            <a:tileRect/>
+          </a:gradFill>
+          <a:ln>
+            <a:noFill/>
+          </a:ln>
+        </p:spPr>
+        <p:style>
+          <a:lnRef idx="2">
+            <a:schemeClr val="accent1">
+              <a:shade val="50000"/>
+            </a:schemeClr>
+          </a:lnRef>
+          <a:fillRef idx="1">
+            <a:schemeClr val="accent1"/>
+          </a:fillRef>
+          <a:effectRef idx="0">
+            <a:schemeClr val="accent1"/>
+          </a:effectRef>
+          <a:fontRef idx="minor">
+            <a:schemeClr val="lt1"/>
+          </a:fontRef>
+        </p:style>
+        <p:txBody>
+          <a:bodyPr rtlCol="0" anchor="ctr"/>
+          <a:lstStyle/>
+          <a:p>
+            <a:pPr lvl="0" algn="ctr"/>
+            <a:endParaRPr lang="en-US"/>
+          </a:p>
+        </p:txBody>
+      </p:sp>
+      <p:sp>
+        <p:nvSpPr>
+          <p:cNvPr id="3" name="Title 1">
+            <a:extLst>
+              <a:ext uri="{FF2B5EF4-FFF2-40B4-BE49-F238E27FC236}">
+                <a16:creationId xmlns:a16="http://schemas.microsoft.com/office/drawing/2014/main" id="{3168C77E-33E4-4107-92F8-BF4E40B4839D}"/>
+              </a:ext>
+            </a:extLst>
+          </p:cNvPr>
+          <p:cNvSpPr txBox="1">
+            <a:spLocks/>
+          </p:cNvSpPr>
+          <p:nvPr/>
+        </p:nvSpPr>
+        <p:spPr>
+          <a:xfrm>
+            <a:off x="8451126" y="2942197"/>
+            <a:ext cx="3445516" cy="369882"/>
+          </a:xfrm>
+          <a:prstGeom prst="rect">
+            <a:avLst/>
+          </a:prstGeom>
         </p:spPr>
         <p:txBody>
-          <a:bodyPr>
-            <a:normAutofit/>
+          <a:bodyPr vert="horz" lIns="91440" tIns="45720" rIns="91440" bIns="0" rtlCol="0" anchor="b">
+            <a:normAutofit fontScale="92500" lnSpcReduction="10000"/>
           </a:bodyPr>
-          <a:lstStyle/>
-          <a:p>
-            <a:r>
-              <a:rPr lang="en-US">
+          <a:lstStyle>
+            <a:lvl1pPr algn="l" defTabSz="914126" rtl="0" eaLnBrk="1" latinLnBrk="0" hangingPunct="1">
+              <a:lnSpc>
+                <a:spcPct val="90000"/>
+              </a:lnSpc>
+              <a:spcBef>
+                <a:spcPct val="0"/>
+              </a:spcBef>
+              <a:buNone/>
+              <a:defRPr sz="3199" b="0" i="0" kern="1200" cap="all">
                 <a:solidFill>
-                  <a:srgbClr val="000001"/>
+                  <a:schemeClr val="tx1"/>
                 </a:solidFill>
-              </a:rPr>
-              <a:t>Title and Content Layout </a:t>
-            </a:r>
-            <a:br>
-              <a:rPr lang="en-US">
-                <a:solidFill>
-                  <a:srgbClr val="000001"/>
-                </a:solidFill>
-              </a:rPr>
-            </a:br>
-            <a:r>
-              <a:rPr lang="en-US">
-                <a:solidFill>
-                  <a:srgbClr val="000001"/>
-                </a:solidFill>
-              </a:rPr>
-              <a:t>with Chart</a:t>
+                <a:effectLst/>
+                <a:latin typeface="+mj-lt"/>
+                <a:ea typeface="+mj-ea"/>
+                <a:cs typeface="+mj-cs"/>
+              </a:defRPr>
+            </a:lvl1pPr>
+          </a:lstStyle>
+          <a:p>
+            <a:pPr defTabSz="914400">
+              <a:spcAft>
+                <a:spcPts val="600"/>
+              </a:spcAft>
+            </a:pPr>
+            <a:r>
+              <a:rPr lang="en-US" sz="2800" b="1" dirty="0"/>
+              <a:t>Lower east side</a:t>
             </a:r>
           </a:p>
         </p:txBody>
       </p:sp>
       <p:grpSp>
         <p:nvGrpSpPr>
-          <p:cNvPr id="14" name="Group 13">
+          <p:cNvPr id="20" name="Group 19">
             <a:extLst>
               <a:ext uri="{FF2B5EF4-FFF2-40B4-BE49-F238E27FC236}">
-                <a16:creationId xmlns:a16="http://schemas.microsoft.com/office/drawing/2014/main" id="{F8B6FE07-47DE-47F7-9986-CC53D02A1A63}"/>
+                <a16:creationId xmlns:a16="http://schemas.microsoft.com/office/drawing/2014/main" id="{32F6B6B9-C579-41A6-A7D1-A7AB4AA6D233}"/>
               </a:ext>
               <a:ext uri="{C183D7F6-B498-43B3-948B-1728B52AA6E4}">
                 <adec:decorative xmlns:adec="http://schemas.microsoft.com/office/drawing/2017/decorative" val="1"/>
@@ -11248,17 +11011,17 @@
         <p:grpSpPr>
           <a:xfrm>
             <a:off x="632072" y="482171"/>
-            <a:ext cx="6447420" cy="5149101"/>
+            <a:ext cx="7558146" cy="5149101"/>
             <a:chOff x="632237" y="482171"/>
-            <a:chExt cx="6104331" cy="5149101"/>
+            <a:chExt cx="7560115" cy="5149101"/>
           </a:xfrm>
         </p:grpSpPr>
         <p:sp>
           <p:nvSpPr>
-            <p:cNvPr id="15" name="Rectangle 14">
+            <p:cNvPr id="21" name="Rectangle 20">
               <a:extLst>
                 <a:ext uri="{FF2B5EF4-FFF2-40B4-BE49-F238E27FC236}">
-                  <a16:creationId xmlns:a16="http://schemas.microsoft.com/office/drawing/2014/main" id="{2AA43B76-48ED-448F-9C72-FBD176BAB359}"/>
+                  <a16:creationId xmlns:a16="http://schemas.microsoft.com/office/drawing/2014/main" id="{DC0B55B5-5A26-423B-ACDC-B151A280A1D6}"/>
                 </a:ext>
                 <a:ext uri="{C183D7F6-B498-43B3-948B-1728B52AA6E4}">
                   <adec:decorative xmlns:adec="http://schemas.microsoft.com/office/drawing/2017/decorative" val="1"/>
@@ -11277,7 +11040,7 @@
           <p:spPr>
             <a:xfrm>
               <a:off x="632237" y="482171"/>
-              <a:ext cx="6104331" cy="5149101"/>
+              <a:ext cx="7560115" cy="5149101"/>
             </a:xfrm>
             <a:prstGeom prst="rect">
               <a:avLst/>
@@ -11336,10 +11099,10 @@
         </p:sp>
         <p:sp>
           <p:nvSpPr>
-            <p:cNvPr id="16" name="Rectangle 15">
+            <p:cNvPr id="22" name="Rectangle 21">
               <a:extLst>
                 <a:ext uri="{FF2B5EF4-FFF2-40B4-BE49-F238E27FC236}">
-                  <a16:creationId xmlns:a16="http://schemas.microsoft.com/office/drawing/2014/main" id="{9226084B-1196-4F23-8CCF-F02F4D46E0C7}"/>
+                  <a16:creationId xmlns:a16="http://schemas.microsoft.com/office/drawing/2014/main" id="{8AD2DF8D-6B65-43EB-86A8-9DB52572A032}"/>
                 </a:ext>
                 <a:ext uri="{C183D7F6-B498-43B3-948B-1728B52AA6E4}">
                   <adec:decorative xmlns:adec="http://schemas.microsoft.com/office/drawing/2017/decorative" val="1"/>
@@ -11358,7 +11121,7 @@
           <p:spPr>
             <a:xfrm>
               <a:off x="945296" y="812507"/>
-              <a:ext cx="5471355" cy="4466452"/>
+              <a:ext cx="6928279" cy="4466452"/>
             </a:xfrm>
             <a:prstGeom prst="rect">
               <a:avLst/>
@@ -11419,60 +11182,12 @@
           </p:txBody>
         </p:sp>
       </p:grpSp>
-      <p:cxnSp>
-        <p:nvCxnSpPr>
-          <p:cNvPr id="18" name="Straight Connector 17">
+      <p:sp>
+        <p:nvSpPr>
+          <p:cNvPr id="24" name="Rectangle 23">
             <a:extLst>
               <a:ext uri="{FF2B5EF4-FFF2-40B4-BE49-F238E27FC236}">
-                <a16:creationId xmlns:a16="http://schemas.microsoft.com/office/drawing/2014/main" id="{FDE442CB-3821-45ED-8A24-25846C0B6AA8}"/>
-              </a:ext>
-              <a:ext uri="{C183D7F6-B498-43B3-948B-1728B52AA6E4}">
-                <adec:decorative xmlns:adec="http://schemas.microsoft.com/office/drawing/2017/decorative" val="1"/>
-              </a:ext>
-            </a:extLst>
-          </p:cNvPr>
-          <p:cNvCxnSpPr>
-            <a:cxnSpLocks noGrp="1" noRot="1" noChangeAspect="1" noMove="1" noResize="1" noEditPoints="1" noAdjustHandles="1" noChangeArrowheads="1" noChangeShapeType="1"/>
-          </p:cNvCxnSpPr>
-          <p:nvPr>
-            <p:extLst>
-              <p:ext uri="{386F3935-93C4-4BCD-93E2-E3B085C9AB24}">
-                <p16:designElem xmlns:p16="http://schemas.microsoft.com/office/powerpoint/2015/main" val="1"/>
-              </p:ext>
-            </p:extLst>
-          </p:nvPr>
-        </p:nvCxnSpPr>
-        <p:spPr>
-          <a:xfrm>
-            <a:off x="7554023" y="807995"/>
-            <a:ext cx="3181577" cy="0"/>
-          </a:xfrm>
-          <a:prstGeom prst="line">
-            <a:avLst/>
-          </a:prstGeom>
-          <a:ln w="31750"/>
-        </p:spPr>
-        <p:style>
-          <a:lnRef idx="3">
-            <a:schemeClr val="accent1"/>
-          </a:lnRef>
-          <a:fillRef idx="0">
-            <a:schemeClr val="accent1"/>
-          </a:fillRef>
-          <a:effectRef idx="2">
-            <a:schemeClr val="accent1"/>
-          </a:effectRef>
-          <a:fontRef idx="minor">
-            <a:schemeClr val="tx1"/>
-          </a:fontRef>
-        </p:style>
-      </p:cxnSp>
-      <p:sp useBgFill="1">
-        <p:nvSpPr>
-          <p:cNvPr id="20" name="Rectangle 19">
-            <a:extLst>
-              <a:ext uri="{FF2B5EF4-FFF2-40B4-BE49-F238E27FC236}">
-                <a16:creationId xmlns:a16="http://schemas.microsoft.com/office/drawing/2014/main" id="{AB84E9C1-D82D-4069-AD26-92280768DA53}"/>
+                <a16:creationId xmlns:a16="http://schemas.microsoft.com/office/drawing/2014/main" id="{74163961-0280-48BA-BC84-97E03B009955}"/>
               </a:ext>
               <a:ext uri="{C183D7F6-B498-43B3-948B-1728B52AA6E4}">
                 <adec:decorative xmlns:adec="http://schemas.microsoft.com/office/drawing/2017/decorative" val="1"/>
@@ -11492,12 +11207,15 @@
         </p:nvSpPr>
         <p:spPr>
           <a:xfrm>
-            <a:off x="1119513" y="977965"/>
-            <a:ext cx="5439302" cy="4135339"/>
+            <a:off x="1108431" y="977099"/>
+            <a:ext cx="6597087" cy="4136205"/>
           </a:xfrm>
           <a:prstGeom prst="rect">
             <a:avLst/>
           </a:prstGeom>
+          <a:solidFill>
+            <a:schemeClr val="bg1"/>
+          </a:solidFill>
           <a:ln w="6350">
             <a:solidFill>
               <a:schemeClr val="bg2"/>
@@ -11531,10 +11249,88 @@
       </p:sp>
       <p:pic>
         <p:nvPicPr>
-          <p:cNvPr id="22" name="Picture 21">
+          <p:cNvPr id="2" name="Picture 1">
             <a:extLst>
               <a:ext uri="{FF2B5EF4-FFF2-40B4-BE49-F238E27FC236}">
-                <a16:creationId xmlns:a16="http://schemas.microsoft.com/office/drawing/2014/main" id="{5886CB00-0B4D-464B-8ED8-6028A46899A6}"/>
+                <a16:creationId xmlns:a16="http://schemas.microsoft.com/office/drawing/2014/main" id="{711141E2-B78C-4D85-86B6-E888DFA09A8C}"/>
+              </a:ext>
+            </a:extLst>
+          </p:cNvPr>
+          <p:cNvPicPr>
+            <a:picLocks noChangeAspect="1"/>
+          </p:cNvPicPr>
+          <p:nvPr/>
+        </p:nvPicPr>
+        <p:blipFill>
+          <a:blip r:embed="rId3"/>
+          <a:stretch>
+            <a:fillRect/>
+          </a:stretch>
+        </p:blipFill>
+        <p:spPr>
+          <a:xfrm>
+            <a:off x="1537054" y="1116345"/>
+            <a:ext cx="5748954" cy="3866172"/>
+          </a:xfrm>
+          <a:prstGeom prst="rect">
+            <a:avLst/>
+          </a:prstGeom>
+        </p:spPr>
+      </p:pic>
+      <p:cxnSp>
+        <p:nvCxnSpPr>
+          <p:cNvPr id="26" name="Straight Connector 25">
+            <a:extLst>
+              <a:ext uri="{FF2B5EF4-FFF2-40B4-BE49-F238E27FC236}">
+                <a16:creationId xmlns:a16="http://schemas.microsoft.com/office/drawing/2014/main" id="{BFAC20BB-5902-4D8F-9A2A-E4B516EF39DE}"/>
+              </a:ext>
+              <a:ext uri="{C183D7F6-B498-43B3-948B-1728B52AA6E4}">
+                <adec:decorative xmlns:adec="http://schemas.microsoft.com/office/drawing/2017/decorative" val="1"/>
+              </a:ext>
+            </a:extLst>
+          </p:cNvPr>
+          <p:cNvCxnSpPr>
+            <a:cxnSpLocks noGrp="1" noRot="1" noChangeAspect="1" noMove="1" noResize="1" noEditPoints="1" noAdjustHandles="1" noChangeArrowheads="1" noChangeShapeType="1"/>
+          </p:cNvCxnSpPr>
+          <p:nvPr>
+            <p:extLst>
+              <p:ext uri="{386F3935-93C4-4BCD-93E2-E3B085C9AB24}">
+                <p16:designElem xmlns:p16="http://schemas.microsoft.com/office/powerpoint/2015/main" val="1"/>
+              </p:ext>
+            </p:extLst>
+          </p:nvPr>
+        </p:nvCxnSpPr>
+        <p:spPr>
+          <a:xfrm>
+            <a:off x="8678699" y="3526496"/>
+            <a:ext cx="2843683" cy="0"/>
+          </a:xfrm>
+          <a:prstGeom prst="line">
+            <a:avLst/>
+          </a:prstGeom>
+          <a:ln w="31750"/>
+        </p:spPr>
+        <p:style>
+          <a:lnRef idx="3">
+            <a:schemeClr val="accent1"/>
+          </a:lnRef>
+          <a:fillRef idx="0">
+            <a:schemeClr val="accent1"/>
+          </a:fillRef>
+          <a:effectRef idx="2">
+            <a:schemeClr val="accent1"/>
+          </a:effectRef>
+          <a:fontRef idx="minor">
+            <a:schemeClr val="tx1"/>
+          </a:fontRef>
+        </p:style>
+      </p:cxnSp>
+      <p:pic>
+        <p:nvPicPr>
+          <p:cNvPr id="28" name="Picture 27">
+            <a:extLst>
+              <a:ext uri="{FF2B5EF4-FFF2-40B4-BE49-F238E27FC236}">
+                <a16:creationId xmlns:a16="http://schemas.microsoft.com/office/drawing/2014/main" id="{FC7852F8-6371-4D0E-ADF1-AD67B8FD8F9E}"/>
               </a:ext>
               <a:ext uri="{C183D7F6-B498-43B3-948B-1728B52AA6E4}">
                 <adec:decorative xmlns:adec="http://schemas.microsoft.com/office/drawing/2017/decorative" val="1"/>
@@ -11575,10 +11371,10 @@
       </p:pic>
       <p:cxnSp>
         <p:nvCxnSpPr>
-          <p:cNvPr id="24" name="Straight Connector 23">
+          <p:cNvPr id="30" name="Straight Connector 29">
             <a:extLst>
               <a:ext uri="{FF2B5EF4-FFF2-40B4-BE49-F238E27FC236}">
-                <a16:creationId xmlns:a16="http://schemas.microsoft.com/office/drawing/2014/main" id="{F47B8F6D-15DD-492D-9776-DF8BEF3ECAA9}"/>
+                <a16:creationId xmlns:a16="http://schemas.microsoft.com/office/drawing/2014/main" id="{60356817-A471-4572-AE96-579F6D6BFD9B}"/>
               </a:ext>
               <a:ext uri="{C183D7F6-B498-43B3-948B-1728B52AA6E4}">
                 <adec:decorative xmlns:adec="http://schemas.microsoft.com/office/drawing/2017/decorative" val="1"/>
@@ -11627,379 +11423,176 @@
           </a:fontRef>
         </p:style>
       </p:cxnSp>
-      <p:graphicFrame>
-        <p:nvGraphicFramePr>
-          <p:cNvPr id="7" name="Content Placeholder 6" descr="Clustered column chart representing&#10;2 series and 1 line combination chart for 4 categories"/>
-          <p:cNvGraphicFramePr>
-            <a:graphicFrameLocks noGrp="1"/>
-          </p:cNvGraphicFramePr>
-          <p:nvPr>
-            <p:ph idx="1"/>
-            <p:extLst>
-              <p:ext uri="{D42A27DB-BD31-4B8C-83A1-F6EECF244321}">
-                <p14:modId xmlns:p14="http://schemas.microsoft.com/office/powerpoint/2010/main" val="3061950562"/>
-              </p:ext>
-            </p:extLst>
-          </p:nvPr>
-        </p:nvGraphicFramePr>
-        <p:xfrm>
-          <a:off x="1271255" y="1131888"/>
-          <a:ext cx="5137712" cy="3851275"/>
-        </p:xfrm>
-        <a:graphic>
-          <a:graphicData uri="http://schemas.openxmlformats.org/drawingml/2006/chart">
-            <c:chart xmlns:c="http://schemas.openxmlformats.org/drawingml/2006/chart" xmlns:r="http://schemas.openxmlformats.org/officeDocument/2006/relationships" r:id="rId3"/>
-          </a:graphicData>
-        </a:graphic>
-      </p:graphicFrame>
-    </p:spTree>
-    <p:extLst>
-      <p:ext uri="{BB962C8B-B14F-4D97-AF65-F5344CB8AC3E}">
-        <p14:creationId xmlns:p14="http://schemas.microsoft.com/office/powerpoint/2010/main" val="2542620569"/>
-      </p:ext>
-    </p:extLst>
-  </p:cSld>
-  <p:clrMapOvr>
-    <a:masterClrMapping/>
-  </p:clrMapOvr>
-  <mc:AlternateContent xmlns:mc="http://schemas.openxmlformats.org/markup-compatibility/2006" xmlns:p14="http://schemas.microsoft.com/office/powerpoint/2010/main">
-    <mc:Choice Requires="p14">
-      <p:transition spd="med" p14:dur="700">
-        <p:fade/>
-      </p:transition>
-    </mc:Choice>
-    <mc:Fallback xmlns="">
-      <p:transition spd="med">
-        <p:fade/>
-      </p:transition>
-    </mc:Fallback>
-  </mc:AlternateContent>
-</p:sld>
-</file>
-
-<file path=ppt/slides/slide4.xml><?xml version="1.0" encoding="utf-8"?>
-<p:sld xmlns:a="http://schemas.openxmlformats.org/drawingml/2006/main" xmlns:r="http://schemas.openxmlformats.org/officeDocument/2006/relationships" xmlns:p="http://schemas.openxmlformats.org/presentationml/2006/main">
-  <p:cSld>
-    <p:spTree>
-      <p:nvGrpSpPr>
-        <p:cNvPr id="1" name=""/>
-        <p:cNvGrpSpPr/>
-        <p:nvPr/>
-      </p:nvGrpSpPr>
-      <p:grpSpPr>
-        <a:xfrm>
-          <a:off x="0" y="0"/>
-          <a:ext cx="0" cy="0"/>
-          <a:chOff x="0" y="0"/>
-          <a:chExt cx="0" cy="0"/>
-        </a:xfrm>
-      </p:grpSpPr>
       <p:sp>
         <p:nvSpPr>
-          <p:cNvPr id="4" name="Title 3"/>
-          <p:cNvSpPr>
-            <a:spLocks noGrp="1"/>
-          </p:cNvSpPr>
-          <p:nvPr>
-            <p:ph type="title"/>
-          </p:nvPr>
+          <p:cNvPr id="4" name="TextBox 3">
+            <a:extLst>
+              <a:ext uri="{FF2B5EF4-FFF2-40B4-BE49-F238E27FC236}">
+                <a16:creationId xmlns:a16="http://schemas.microsoft.com/office/drawing/2014/main" id="{4E24C335-8D49-4DC9-857F-2DB76726BD69}"/>
+              </a:ext>
+            </a:extLst>
+          </p:cNvPr>
+          <p:cNvSpPr txBox="1"/>
+          <p:nvPr/>
         </p:nvSpPr>
-        <p:spPr/>
+        <p:spPr>
+          <a:xfrm>
+            <a:off x="8300147" y="3683213"/>
+            <a:ext cx="3792680" cy="1200329"/>
+          </a:xfrm>
+          <a:prstGeom prst="rect">
+            <a:avLst/>
+          </a:prstGeom>
+          <a:noFill/>
+        </p:spPr>
+        <p:txBody>
+          <a:bodyPr wrap="square" rtlCol="0">
+            <a:spAutoFit/>
+          </a:bodyPr>
+          <a:lstStyle/>
+          <a:p>
+            <a:pPr marL="285750" indent="-285750">
+              <a:buFont typeface="Arial" panose="020B0604020202020204" pitchFamily="34" charset="0"/>
+              <a:buChar char="•"/>
+            </a:pPr>
+            <a:r>
+              <a:rPr lang="en-US" dirty="0"/>
+              <a:t>Amongst the Top 5 </a:t>
+            </a:r>
+            <a:r>
+              <a:rPr lang="en-US" dirty="0" err="1"/>
+              <a:t>AirBnB</a:t>
+            </a:r>
+            <a:r>
+              <a:rPr lang="en-US" dirty="0"/>
+              <a:t> Prices</a:t>
+            </a:r>
+          </a:p>
+          <a:p>
+            <a:pPr marL="285750" indent="-285750">
+              <a:buFont typeface="Arial" panose="020B0604020202020204" pitchFamily="34" charset="0"/>
+              <a:buChar char="•"/>
+            </a:pPr>
+            <a:endParaRPr lang="en-US" dirty="0"/>
+          </a:p>
+          <a:p>
+            <a:pPr marL="285750" indent="-285750">
+              <a:buFont typeface="Arial" panose="020B0604020202020204" pitchFamily="34" charset="0"/>
+              <a:buChar char="•"/>
+            </a:pPr>
+            <a:r>
+              <a:rPr lang="en-US" dirty="0"/>
+              <a:t>$34K    average Household Income </a:t>
+            </a:r>
+          </a:p>
+          <a:p>
+            <a:pPr marL="285750" indent="-285750">
+              <a:buFont typeface="Arial" panose="020B0604020202020204" pitchFamily="34" charset="0"/>
+              <a:buChar char="•"/>
+            </a:pPr>
+            <a:endParaRPr lang="en-US" dirty="0"/>
+          </a:p>
+        </p:txBody>
+      </p:sp>
+      <p:sp>
+        <p:nvSpPr>
+          <p:cNvPr id="5" name="Arrow: Down 4">
+            <a:extLst>
+              <a:ext uri="{FF2B5EF4-FFF2-40B4-BE49-F238E27FC236}">
+                <a16:creationId xmlns:a16="http://schemas.microsoft.com/office/drawing/2014/main" id="{68361185-29AF-49BD-846A-3CC4336806C8}"/>
+              </a:ext>
+            </a:extLst>
+          </p:cNvPr>
+          <p:cNvSpPr/>
+          <p:nvPr/>
+        </p:nvSpPr>
+        <p:spPr>
+          <a:xfrm>
+            <a:off x="9218612" y="4336333"/>
+            <a:ext cx="152400" cy="235667"/>
+          </a:xfrm>
+          <a:prstGeom prst="downArrow">
+            <a:avLst/>
+          </a:prstGeom>
+        </p:spPr>
+        <p:style>
+          <a:lnRef idx="2">
+            <a:schemeClr val="accent1">
+              <a:shade val="50000"/>
+            </a:schemeClr>
+          </a:lnRef>
+          <a:fillRef idx="1">
+            <a:schemeClr val="accent1"/>
+          </a:fillRef>
+          <a:effectRef idx="0">
+            <a:schemeClr val="accent1"/>
+          </a:effectRef>
+          <a:fontRef idx="minor">
+            <a:schemeClr val="lt1"/>
+          </a:fontRef>
+        </p:style>
+        <p:txBody>
+          <a:bodyPr rtlCol="0" anchor="ctr"/>
+          <a:lstStyle/>
+          <a:p>
+            <a:pPr algn="ctr"/>
+            <a:endParaRPr lang="en-US"/>
+          </a:p>
+        </p:txBody>
+      </p:sp>
+      <p:sp>
+        <p:nvSpPr>
+          <p:cNvPr id="19" name="Rectangle 18">
+            <a:extLst>
+              <a:ext uri="{FF2B5EF4-FFF2-40B4-BE49-F238E27FC236}">
+                <a16:creationId xmlns:a16="http://schemas.microsoft.com/office/drawing/2014/main" id="{8FFE5DBE-C17B-4082-B9A7-5F49657DD297}"/>
+              </a:ext>
+            </a:extLst>
+          </p:cNvPr>
+          <p:cNvSpPr/>
+          <p:nvPr/>
+        </p:nvSpPr>
+        <p:spPr>
+          <a:xfrm>
+            <a:off x="-7450" y="5898177"/>
+            <a:ext cx="6092825" cy="230832"/>
+          </a:xfrm>
+          <a:prstGeom prst="rect">
+            <a:avLst/>
+          </a:prstGeom>
+        </p:spPr>
         <p:txBody>
           <a:bodyPr>
-            <a:normAutofit/>
+            <a:spAutoFit/>
           </a:bodyPr>
           <a:lstStyle/>
           <a:p>
             <a:r>
-              <a:rPr lang="en-US" dirty="0"/>
-              <a:t>Two Content Layout with Table</a:t>
-            </a:r>
-          </a:p>
-        </p:txBody>
-      </p:sp>
-      <p:graphicFrame>
-        <p:nvGraphicFramePr>
-          <p:cNvPr id="6" name="Content Placeholder 5"/>
-          <p:cNvGraphicFramePr>
-            <a:graphicFrameLocks noGrp="1"/>
-          </p:cNvGraphicFramePr>
-          <p:nvPr>
-            <p:ph sz="half" idx="1"/>
-            <p:extLst>
-              <p:ext uri="{D42A27DB-BD31-4B8C-83A1-F6EECF244321}">
-                <p14:modId xmlns:p14="http://schemas.microsoft.com/office/powerpoint/2010/main" val="1568896083"/>
-              </p:ext>
-            </p:extLst>
-          </p:nvPr>
-        </p:nvGraphicFramePr>
-        <p:xfrm>
-          <a:off x="1446213" y="2011363"/>
-          <a:ext cx="4645023" cy="2209800"/>
-        </p:xfrm>
-        <a:graphic>
-          <a:graphicData uri="http://schemas.openxmlformats.org/drawingml/2006/table">
-            <a:tbl>
-              <a:tblPr firstRow="1" bandRow="1">
-                <a:tableStyleId>{073A0DAA-6AF3-43AB-8588-CEC1D06C72B9}</a:tableStyleId>
-              </a:tblPr>
-              <a:tblGrid>
-                <a:gridCol w="1548341">
-                  <a:extLst>
-                    <a:ext uri="{9D8B030D-6E8A-4147-A177-3AD203B41FA5}">
-                      <a16:colId xmlns:a16="http://schemas.microsoft.com/office/drawing/2014/main" val="20000"/>
-                    </a:ext>
-                  </a:extLst>
-                </a:gridCol>
-                <a:gridCol w="1548341">
-                  <a:extLst>
-                    <a:ext uri="{9D8B030D-6E8A-4147-A177-3AD203B41FA5}">
-                      <a16:colId xmlns:a16="http://schemas.microsoft.com/office/drawing/2014/main" val="20001"/>
-                    </a:ext>
-                  </a:extLst>
-                </a:gridCol>
-                <a:gridCol w="1548341">
-                  <a:extLst>
-                    <a:ext uri="{9D8B030D-6E8A-4147-A177-3AD203B41FA5}">
-                      <a16:colId xmlns:a16="http://schemas.microsoft.com/office/drawing/2014/main" val="20002"/>
-                    </a:ext>
-                  </a:extLst>
-                </a:gridCol>
-              </a:tblGrid>
-              <a:tr h="552450">
-                <a:tc>
-                  <a:txBody>
-                    <a:bodyPr/>
-                    <a:lstStyle/>
-                    <a:p>
-                      <a:r>
-                        <a:rPr lang="en-US" dirty="0"/>
-                        <a:t>Class</a:t>
-                      </a:r>
-                    </a:p>
-                  </a:txBody>
-                  <a:tcPr marL="90207" marR="90207" anchor="ctr"/>
-                </a:tc>
-                <a:tc>
-                  <a:txBody>
-                    <a:bodyPr/>
-                    <a:lstStyle/>
-                    <a:p>
-                      <a:pPr algn="ctr"/>
-                      <a:r>
-                        <a:rPr lang="en-US" dirty="0"/>
-                        <a:t>Group A</a:t>
-                      </a:r>
-                    </a:p>
-                  </a:txBody>
-                  <a:tcPr marL="90207" marR="90207" anchor="ctr"/>
-                </a:tc>
-                <a:tc>
-                  <a:txBody>
-                    <a:bodyPr/>
-                    <a:lstStyle/>
-                    <a:p>
-                      <a:pPr algn="ctr"/>
-                      <a:r>
-                        <a:rPr lang="en-US" dirty="0"/>
-                        <a:t>Group B</a:t>
-                      </a:r>
-                    </a:p>
-                  </a:txBody>
-                  <a:tcPr marL="90207" marR="90207" anchor="ctr"/>
-                </a:tc>
-                <a:extLst>
-                  <a:ext uri="{0D108BD9-81ED-4DB2-BD59-A6C34878D82A}">
-                    <a16:rowId xmlns:a16="http://schemas.microsoft.com/office/drawing/2014/main" val="10000"/>
-                  </a:ext>
-                </a:extLst>
-              </a:tr>
-              <a:tr h="552450">
-                <a:tc>
-                  <a:txBody>
-                    <a:bodyPr/>
-                    <a:lstStyle/>
-                    <a:p>
-                      <a:r>
-                        <a:rPr lang="en-US" dirty="0"/>
-                        <a:t>Class 1</a:t>
-                      </a:r>
-                    </a:p>
-                  </a:txBody>
-                  <a:tcPr marL="90207" marR="90207" anchor="ctr"/>
-                </a:tc>
-                <a:tc>
-                  <a:txBody>
-                    <a:bodyPr/>
-                    <a:lstStyle/>
-                    <a:p>
-                      <a:pPr algn="ctr"/>
-                      <a:r>
-                        <a:rPr lang="en-US" dirty="0"/>
-                        <a:t>82</a:t>
-                      </a:r>
-                    </a:p>
-                  </a:txBody>
-                  <a:tcPr marL="90207" marR="90207" anchor="ctr"/>
-                </a:tc>
-                <a:tc>
-                  <a:txBody>
-                    <a:bodyPr/>
-                    <a:lstStyle/>
-                    <a:p>
-                      <a:pPr algn="ctr"/>
-                      <a:r>
-                        <a:rPr lang="en-US" dirty="0"/>
-                        <a:t>95</a:t>
-                      </a:r>
-                    </a:p>
-                  </a:txBody>
-                  <a:tcPr marL="90207" marR="90207" anchor="ctr"/>
-                </a:tc>
-                <a:extLst>
-                  <a:ext uri="{0D108BD9-81ED-4DB2-BD59-A6C34878D82A}">
-                    <a16:rowId xmlns:a16="http://schemas.microsoft.com/office/drawing/2014/main" val="10001"/>
-                  </a:ext>
-                </a:extLst>
-              </a:tr>
-              <a:tr h="552450">
-                <a:tc>
-                  <a:txBody>
-                    <a:bodyPr/>
-                    <a:lstStyle/>
-                    <a:p>
-                      <a:r>
-                        <a:rPr lang="en-US" dirty="0"/>
-                        <a:t>Class 2</a:t>
-                      </a:r>
-                    </a:p>
-                  </a:txBody>
-                  <a:tcPr marL="90207" marR="90207" anchor="ctr"/>
-                </a:tc>
-                <a:tc>
-                  <a:txBody>
-                    <a:bodyPr/>
-                    <a:lstStyle/>
-                    <a:p>
-                      <a:pPr algn="ctr"/>
-                      <a:r>
-                        <a:rPr lang="en-US" dirty="0"/>
-                        <a:t>76</a:t>
-                      </a:r>
-                    </a:p>
-                  </a:txBody>
-                  <a:tcPr marL="90207" marR="90207" anchor="ctr"/>
-                </a:tc>
-                <a:tc>
-                  <a:txBody>
-                    <a:bodyPr/>
-                    <a:lstStyle/>
-                    <a:p>
-                      <a:pPr algn="ctr"/>
-                      <a:r>
-                        <a:rPr lang="en-US" dirty="0"/>
-                        <a:t>88</a:t>
-                      </a:r>
-                    </a:p>
-                  </a:txBody>
-                  <a:tcPr marL="90207" marR="90207" anchor="ctr"/>
-                </a:tc>
-                <a:extLst>
-                  <a:ext uri="{0D108BD9-81ED-4DB2-BD59-A6C34878D82A}">
-                    <a16:rowId xmlns:a16="http://schemas.microsoft.com/office/drawing/2014/main" val="10002"/>
-                  </a:ext>
-                </a:extLst>
-              </a:tr>
-              <a:tr h="552450">
-                <a:tc>
-                  <a:txBody>
-                    <a:bodyPr/>
-                    <a:lstStyle/>
-                    <a:p>
-                      <a:r>
-                        <a:rPr lang="en-US" dirty="0"/>
-                        <a:t>Class 3</a:t>
-                      </a:r>
-                    </a:p>
-                  </a:txBody>
-                  <a:tcPr marL="90207" marR="90207" anchor="ctr"/>
-                </a:tc>
-                <a:tc>
-                  <a:txBody>
-                    <a:bodyPr/>
-                    <a:lstStyle/>
-                    <a:p>
-                      <a:pPr algn="ctr"/>
-                      <a:r>
-                        <a:rPr lang="en-US" dirty="0"/>
-                        <a:t>84</a:t>
-                      </a:r>
-                    </a:p>
-                  </a:txBody>
-                  <a:tcPr marL="90207" marR="90207" anchor="ctr"/>
-                </a:tc>
-                <a:tc>
-                  <a:txBody>
-                    <a:bodyPr/>
-                    <a:lstStyle/>
-                    <a:p>
-                      <a:pPr algn="ctr"/>
-                      <a:r>
-                        <a:rPr lang="en-US" dirty="0"/>
-                        <a:t>90</a:t>
-                      </a:r>
-                    </a:p>
-                  </a:txBody>
-                  <a:tcPr marL="90207" marR="90207" anchor="ctr"/>
-                </a:tc>
-                <a:extLst>
-                  <a:ext uri="{0D108BD9-81ED-4DB2-BD59-A6C34878D82A}">
-                    <a16:rowId xmlns:a16="http://schemas.microsoft.com/office/drawing/2014/main" val="10003"/>
-                  </a:ext>
-                </a:extLst>
-              </a:tr>
-            </a:tbl>
-          </a:graphicData>
-        </a:graphic>
-      </p:graphicFrame>
-      <p:sp>
-        <p:nvSpPr>
-          <p:cNvPr id="5" name="Content Placeholder 4"/>
-          <p:cNvSpPr>
-            <a:spLocks noGrp="1"/>
-          </p:cNvSpPr>
-          <p:nvPr>
-            <p:ph sz="half" idx="2"/>
-          </p:nvPr>
-        </p:nvSpPr>
-        <p:spPr/>
-        <p:txBody>
-          <a:bodyPr/>
-          <a:lstStyle/>
-          <a:p>
-            <a:r>
-              <a:rPr lang="en-US" dirty="0"/>
-              <a:t>First bullet point here</a:t>
-            </a:r>
-          </a:p>
-          <a:p>
-            <a:r>
-              <a:rPr lang="en-US" dirty="0"/>
-              <a:t>Second bullet point here</a:t>
-            </a:r>
-          </a:p>
-          <a:p>
-            <a:r>
-              <a:rPr lang="en-US" dirty="0"/>
-              <a:t>Third bullet point here</a:t>
-            </a:r>
+              <a:rPr lang="en-US" sz="900" i="1" dirty="0">
+                <a:solidFill>
+                  <a:srgbClr val="4E4B47"/>
+                </a:solidFill>
+                <a:latin typeface="arial" panose="020B0604020202020204" pitchFamily="34" charset="0"/>
+              </a:rPr>
+              <a:t>Source: 2013-2017 American Community Survey 5-Year Estimates &amp; </a:t>
+            </a:r>
+            <a:r>
+              <a:rPr lang="en-US" sz="900" i="1" dirty="0" err="1">
+                <a:solidFill>
+                  <a:srgbClr val="4E4B47"/>
+                </a:solidFill>
+                <a:latin typeface="arial" panose="020B0604020202020204" pitchFamily="34" charset="0"/>
+              </a:rPr>
+              <a:t>AirBnB</a:t>
+            </a:r>
+            <a:endParaRPr lang="en-US" sz="900" i="1" dirty="0"/>
           </a:p>
         </p:txBody>
       </p:sp>
     </p:spTree>
     <p:extLst>
       <p:ext uri="{BB962C8B-B14F-4D97-AF65-F5344CB8AC3E}">
-        <p14:creationId xmlns:p14="http://schemas.microsoft.com/office/powerpoint/2010/main" val="2310355582"/>
+        <p14:creationId xmlns:p14="http://schemas.microsoft.com/office/powerpoint/2010/main" val="2144580270"/>
       </p:ext>
     </p:extLst>
   </p:cSld>
@@ -12045,80 +11638,52 @@
             <a:spLocks noGrp="1"/>
           </p:cNvSpPr>
           <p:nvPr>
-            <p:ph type="title"/>
+            <p:ph type="title" idx="4294967295"/>
           </p:nvPr>
         </p:nvSpPr>
-        <p:spPr/>
+        <p:spPr>
+          <a:xfrm>
+            <a:off x="0" y="54769"/>
+            <a:ext cx="7162800" cy="1058863"/>
+          </a:xfrm>
+        </p:spPr>
         <p:txBody>
-          <a:bodyPr/>
+          <a:bodyPr>
+            <a:normAutofit/>
+          </a:bodyPr>
           <a:lstStyle/>
           <a:p>
             <a:r>
-              <a:rPr lang="en-US" dirty="0"/>
-              <a:t>Two Content Layout </a:t>
-            </a:r>
-            <a:br>
-              <a:rPr lang="en-US" dirty="0"/>
-            </a:br>
-            <a:r>
-              <a:rPr lang="en-US" dirty="0"/>
-              <a:t>with SmartArt</a:t>
-            </a:r>
-          </a:p>
-        </p:txBody>
-      </p:sp>
-      <p:sp>
-        <p:nvSpPr>
-          <p:cNvPr id="3" name="Content Placeholder 2"/>
-          <p:cNvSpPr>
-            <a:spLocks noGrp="1"/>
-          </p:cNvSpPr>
-          <p:nvPr>
-            <p:ph sz="half" idx="1"/>
-          </p:nvPr>
-        </p:nvSpPr>
-        <p:spPr/>
-        <p:txBody>
-          <a:bodyPr/>
-          <a:lstStyle/>
-          <a:p>
-            <a:r>
-              <a:rPr lang="en-US" dirty="0"/>
-              <a:t>First bullet point here</a:t>
-            </a:r>
-          </a:p>
-          <a:p>
-            <a:r>
-              <a:rPr lang="en-US" dirty="0"/>
-              <a:t>Second bullet point here</a:t>
-            </a:r>
-          </a:p>
-          <a:p>
-            <a:r>
-              <a:rPr lang="en-US" dirty="0"/>
-              <a:t>Third bullet point here</a:t>
+              <a:rPr lang="en-US" sz="3400" dirty="0"/>
+              <a:t>AIRBNB HOT SPOT CONCLUSIONS</a:t>
             </a:r>
           </a:p>
         </p:txBody>
       </p:sp>
       <p:graphicFrame>
         <p:nvGraphicFramePr>
-          <p:cNvPr id="5" name="Content Placeholder 4" descr="Step down process diagram showing sequence of 3 steps in descending order with tasks"/>
+          <p:cNvPr id="8" name="Content Placeholder 7">
+            <a:extLst>
+              <a:ext uri="{FF2B5EF4-FFF2-40B4-BE49-F238E27FC236}">
+                <a16:creationId xmlns:a16="http://schemas.microsoft.com/office/drawing/2014/main" id="{A6F82B39-BC8F-4616-B5BC-4AF96A844D31}"/>
+              </a:ext>
+            </a:extLst>
+          </p:cNvPr>
           <p:cNvGraphicFramePr>
             <a:graphicFrameLocks noGrp="1"/>
           </p:cNvGraphicFramePr>
           <p:nvPr>
-            <p:ph sz="half" idx="2"/>
+            <p:ph sz="half" idx="4294967295"/>
             <p:extLst>
               <p:ext uri="{D42A27DB-BD31-4B8C-83A1-F6EECF244321}">
-                <p14:modId xmlns:p14="http://schemas.microsoft.com/office/powerpoint/2010/main" val="3786177889"/>
+                <p14:modId xmlns:p14="http://schemas.microsoft.com/office/powerpoint/2010/main" val="289268699"/>
               </p:ext>
             </p:extLst>
           </p:nvPr>
         </p:nvGraphicFramePr>
         <p:xfrm>
-          <a:off x="6411913" y="2017713"/>
-          <a:ext cx="4643437" cy="3441700"/>
+          <a:off x="-611188" y="1113632"/>
+          <a:ext cx="8839200" cy="4372768"/>
         </p:xfrm>
         <a:graphic>
           <a:graphicData uri="http://schemas.openxmlformats.org/drawingml/2006/diagram">
@@ -12126,6 +11691,219 @@
           </a:graphicData>
         </a:graphic>
       </p:graphicFrame>
+      <p:sp>
+        <p:nvSpPr>
+          <p:cNvPr id="15" name="TextBox 14">
+            <a:extLst>
+              <a:ext uri="{FF2B5EF4-FFF2-40B4-BE49-F238E27FC236}">
+                <a16:creationId xmlns:a16="http://schemas.microsoft.com/office/drawing/2014/main" id="{FAC1AEA8-930A-4CB7-B3E0-CF0B782813FA}"/>
+              </a:ext>
+            </a:extLst>
+          </p:cNvPr>
+          <p:cNvSpPr txBox="1"/>
+          <p:nvPr/>
+        </p:nvSpPr>
+        <p:spPr>
+          <a:xfrm>
+            <a:off x="7202177" y="500416"/>
+            <a:ext cx="3200400" cy="553998"/>
+          </a:xfrm>
+          <a:prstGeom prst="rect">
+            <a:avLst/>
+          </a:prstGeom>
+          <a:noFill/>
+        </p:spPr>
+        <p:txBody>
+          <a:bodyPr wrap="square" rtlCol="0">
+            <a:spAutoFit/>
+          </a:bodyPr>
+          <a:lstStyle/>
+          <a:p>
+            <a:r>
+              <a:rPr lang="en-US" b="1" dirty="0">
+                <a:solidFill>
+                  <a:srgbClr val="C00000"/>
+                </a:solidFill>
+              </a:rPr>
+              <a:t>TIME OF THE YEAR:</a:t>
+            </a:r>
+          </a:p>
+          <a:p>
+            <a:pPr marL="285750" indent="-285750">
+              <a:buFont typeface="Wingdings" panose="05000000000000000000" pitchFamily="2" charset="2"/>
+              <a:buChar char="v"/>
+            </a:pPr>
+            <a:r>
+              <a:rPr lang="en-US" sz="1200" dirty="0"/>
+              <a:t>ADD YOUR ANALYSIS HERE</a:t>
+            </a:r>
+          </a:p>
+        </p:txBody>
+      </p:sp>
+      <p:sp>
+        <p:nvSpPr>
+          <p:cNvPr id="16" name="TextBox 15">
+            <a:extLst>
+              <a:ext uri="{FF2B5EF4-FFF2-40B4-BE49-F238E27FC236}">
+                <a16:creationId xmlns:a16="http://schemas.microsoft.com/office/drawing/2014/main" id="{A769742F-060E-42F7-A279-F3EEC7E5ADDB}"/>
+              </a:ext>
+            </a:extLst>
+          </p:cNvPr>
+          <p:cNvSpPr txBox="1"/>
+          <p:nvPr/>
+        </p:nvSpPr>
+        <p:spPr>
+          <a:xfrm>
+            <a:off x="7213078" y="1836278"/>
+            <a:ext cx="3200400" cy="553998"/>
+          </a:xfrm>
+          <a:prstGeom prst="rect">
+            <a:avLst/>
+          </a:prstGeom>
+          <a:noFill/>
+        </p:spPr>
+        <p:txBody>
+          <a:bodyPr wrap="square" rtlCol="0">
+            <a:spAutoFit/>
+          </a:bodyPr>
+          <a:lstStyle/>
+          <a:p>
+            <a:r>
+              <a:rPr lang="en-US" b="1" dirty="0">
+                <a:solidFill>
+                  <a:srgbClr val="C00000"/>
+                </a:solidFill>
+              </a:rPr>
+              <a:t>CRIME RATES:</a:t>
+            </a:r>
+          </a:p>
+          <a:p>
+            <a:pPr marL="285750" indent="-285750">
+              <a:buFont typeface="Wingdings" panose="05000000000000000000" pitchFamily="2" charset="2"/>
+              <a:buChar char="v"/>
+            </a:pPr>
+            <a:r>
+              <a:rPr lang="en-US" sz="1200" dirty="0"/>
+              <a:t>ADD YOUR ANALYSIS HERE</a:t>
+            </a:r>
+          </a:p>
+        </p:txBody>
+      </p:sp>
+      <p:sp>
+        <p:nvSpPr>
+          <p:cNvPr id="17" name="TextBox 16">
+            <a:extLst>
+              <a:ext uri="{FF2B5EF4-FFF2-40B4-BE49-F238E27FC236}">
+                <a16:creationId xmlns:a16="http://schemas.microsoft.com/office/drawing/2014/main" id="{84899736-EDBA-45CE-B284-A6B5707BDCDA}"/>
+              </a:ext>
+            </a:extLst>
+          </p:cNvPr>
+          <p:cNvSpPr txBox="1"/>
+          <p:nvPr/>
+        </p:nvSpPr>
+        <p:spPr>
+          <a:xfrm>
+            <a:off x="7202177" y="3112922"/>
+            <a:ext cx="4574726" cy="1169551"/>
+          </a:xfrm>
+          <a:prstGeom prst="rect">
+            <a:avLst/>
+          </a:prstGeom>
+          <a:noFill/>
+        </p:spPr>
+        <p:txBody>
+          <a:bodyPr wrap="square" rtlCol="0">
+            <a:spAutoFit/>
+          </a:bodyPr>
+          <a:lstStyle/>
+          <a:p>
+            <a:r>
+              <a:rPr lang="en-US" b="1" dirty="0">
+                <a:solidFill>
+                  <a:srgbClr val="C00000"/>
+                </a:solidFill>
+              </a:rPr>
+              <a:t>HH INCOME:</a:t>
+            </a:r>
+          </a:p>
+          <a:p>
+            <a:pPr marL="285750" indent="-285750">
+              <a:buFont typeface="Wingdings" panose="05000000000000000000" pitchFamily="2" charset="2"/>
+              <a:buChar char="v"/>
+            </a:pPr>
+            <a:r>
+              <a:rPr lang="en-US" sz="1200" dirty="0"/>
+              <a:t>HH INCOME DIRECTLY CORRELATES WITH AIRBNB PRICES</a:t>
+            </a:r>
+          </a:p>
+          <a:p>
+            <a:pPr marL="285750" indent="-285750">
+              <a:buFont typeface="Wingdings" panose="05000000000000000000" pitchFamily="2" charset="2"/>
+              <a:buChar char="v"/>
+            </a:pPr>
+            <a:endParaRPr lang="en-US" sz="400" dirty="0"/>
+          </a:p>
+          <a:p>
+            <a:pPr marL="285750" indent="-285750">
+              <a:buFont typeface="Wingdings" panose="05000000000000000000" pitchFamily="2" charset="2"/>
+              <a:buChar char="v"/>
+            </a:pPr>
+            <a:r>
+              <a:rPr lang="en-US" sz="1200" dirty="0"/>
+              <a:t>AIRBNB PRICES THAT AREN’T INLINE WITH HH INCOME SUGGESTS THERE MAY BE EXTERNAL AFFECTING THE AIRBNB PRICES </a:t>
+            </a:r>
+          </a:p>
+        </p:txBody>
+      </p:sp>
+      <p:sp>
+        <p:nvSpPr>
+          <p:cNvPr id="18" name="TextBox 17">
+            <a:extLst>
+              <a:ext uri="{FF2B5EF4-FFF2-40B4-BE49-F238E27FC236}">
+                <a16:creationId xmlns:a16="http://schemas.microsoft.com/office/drawing/2014/main" id="{CDF36563-1470-4FD3-AAC1-6EB6E06A2B04}"/>
+              </a:ext>
+            </a:extLst>
+          </p:cNvPr>
+          <p:cNvSpPr txBox="1"/>
+          <p:nvPr/>
+        </p:nvSpPr>
+        <p:spPr>
+          <a:xfrm>
+            <a:off x="7162800" y="4607437"/>
+            <a:ext cx="3200400" cy="553998"/>
+          </a:xfrm>
+          <a:prstGeom prst="rect">
+            <a:avLst/>
+          </a:prstGeom>
+          <a:noFill/>
+        </p:spPr>
+        <p:txBody>
+          <a:bodyPr wrap="square" rtlCol="0">
+            <a:spAutoFit/>
+          </a:bodyPr>
+          <a:lstStyle/>
+          <a:p>
+            <a:r>
+              <a:rPr lang="en-US" b="1" dirty="0">
+                <a:solidFill>
+                  <a:srgbClr val="C00000"/>
+                </a:solidFill>
+              </a:rPr>
+              <a:t>DEMOGRAPHICS:</a:t>
+            </a:r>
+          </a:p>
+          <a:p>
+            <a:pPr marL="285750" indent="-285750">
+              <a:buFont typeface="Wingdings" panose="05000000000000000000" pitchFamily="2" charset="2"/>
+              <a:buChar char="v"/>
+            </a:pPr>
+            <a:r>
+              <a:rPr lang="en-US" sz="1200" dirty="0"/>
+              <a:t>ADD YOUR ANALYSIS HERE</a:t>
+            </a:r>
+          </a:p>
+        </p:txBody>
+      </p:sp>
     </p:spTree>
     <p:extLst>
       <p:ext uri="{BB962C8B-B14F-4D97-AF65-F5344CB8AC3E}">
@@ -12185,19 +11963,31 @@
           <a:p>
             <a:r>
               <a:rPr lang="en-US" dirty="0"/>
-              <a:t>Add a Slide Title - 1</a:t>
+              <a:t>Add a Slide Title - 5</a:t>
             </a:r>
           </a:p>
         </p:txBody>
       </p:sp>
       <p:sp>
         <p:nvSpPr>
-          <p:cNvPr id="4" name="Text Placeholder 3"/>
+          <p:cNvPr id="5" name="Picture Placeholder 4" descr="An empty placeholder to add an image. Click on the placeholder and select the image that you wish to add"/>
           <p:cNvSpPr>
             <a:spLocks noGrp="1"/>
           </p:cNvSpPr>
           <p:nvPr>
-            <p:ph type="body" idx="1"/>
+            <p:ph type="pic" idx="1"/>
+          </p:nvPr>
+        </p:nvSpPr>
+        <p:spPr/>
+      </p:sp>
+      <p:sp>
+        <p:nvSpPr>
+          <p:cNvPr id="6" name="Text Placeholder 5"/>
+          <p:cNvSpPr>
+            <a:spLocks noGrp="1"/>
+          </p:cNvSpPr>
+          <p:nvPr>
+            <p:ph type="body" sz="half" idx="2"/>
           </p:nvPr>
         </p:nvSpPr>
         <p:spPr/>
@@ -12212,253 +12002,7 @@
     </p:spTree>
     <p:extLst>
       <p:ext uri="{BB962C8B-B14F-4D97-AF65-F5344CB8AC3E}">
-        <p14:creationId xmlns:p14="http://schemas.microsoft.com/office/powerpoint/2010/main" val="3536972289"/>
-      </p:ext>
-    </p:extLst>
-  </p:cSld>
-  <p:clrMapOvr>
-    <a:masterClrMapping/>
-  </p:clrMapOvr>
-  <mc:AlternateContent xmlns:mc="http://schemas.openxmlformats.org/markup-compatibility/2006" xmlns:p14="http://schemas.microsoft.com/office/powerpoint/2010/main">
-    <mc:Choice Requires="p14">
-      <p:transition spd="med" p14:dur="700">
-        <p:fade/>
-      </p:transition>
-    </mc:Choice>
-    <mc:Fallback xmlns="">
-      <p:transition spd="med">
-        <p:fade/>
-      </p:transition>
-    </mc:Fallback>
-  </mc:AlternateContent>
-</p:sld>
-</file>
-
-<file path=ppt/slides/slide7.xml><?xml version="1.0" encoding="utf-8"?>
-<p:sld xmlns:a="http://schemas.openxmlformats.org/drawingml/2006/main" xmlns:r="http://schemas.openxmlformats.org/officeDocument/2006/relationships" xmlns:p="http://schemas.openxmlformats.org/presentationml/2006/main">
-  <p:cSld>
-    <p:spTree>
-      <p:nvGrpSpPr>
-        <p:cNvPr id="1" name=""/>
-        <p:cNvGrpSpPr/>
-        <p:nvPr/>
-      </p:nvGrpSpPr>
-      <p:grpSpPr>
-        <a:xfrm>
-          <a:off x="0" y="0"/>
-          <a:ext cx="0" cy="0"/>
-          <a:chOff x="0" y="0"/>
-          <a:chExt cx="0" cy="0"/>
-        </a:xfrm>
-      </p:grpSpPr>
-      <p:sp>
-        <p:nvSpPr>
-          <p:cNvPr id="5" name="Title 4"/>
-          <p:cNvSpPr>
-            <a:spLocks noGrp="1"/>
-          </p:cNvSpPr>
-          <p:nvPr>
-            <p:ph type="title"/>
-          </p:nvPr>
-        </p:nvSpPr>
-        <p:spPr/>
-        <p:txBody>
-          <a:bodyPr/>
-          <a:lstStyle/>
-          <a:p>
-            <a:r>
-              <a:rPr lang="en-US" dirty="0"/>
-              <a:t>Add a Slide Title - 2</a:t>
-            </a:r>
-          </a:p>
-        </p:txBody>
-      </p:sp>
-      <p:sp>
-        <p:nvSpPr>
-          <p:cNvPr id="4" name="Text Placeholder 3"/>
-          <p:cNvSpPr>
-            <a:spLocks noGrp="1"/>
-          </p:cNvSpPr>
-          <p:nvPr>
-            <p:ph type="body" idx="1"/>
-          </p:nvPr>
-        </p:nvSpPr>
-        <p:spPr/>
-        <p:txBody>
-          <a:bodyPr/>
-          <a:lstStyle/>
-          <a:p>
-            <a:endParaRPr lang="en-US"/>
-          </a:p>
-        </p:txBody>
-      </p:sp>
-      <p:sp>
-        <p:nvSpPr>
-          <p:cNvPr id="7" name="Content Placeholder 6"/>
-          <p:cNvSpPr>
-            <a:spLocks noGrp="1"/>
-          </p:cNvSpPr>
-          <p:nvPr>
-            <p:ph sz="half" idx="2"/>
-          </p:nvPr>
-        </p:nvSpPr>
-        <p:spPr/>
-        <p:txBody>
-          <a:bodyPr/>
-          <a:lstStyle/>
-          <a:p>
-            <a:endParaRPr lang="en-US"/>
-          </a:p>
-        </p:txBody>
-      </p:sp>
-      <p:sp>
-        <p:nvSpPr>
-          <p:cNvPr id="9" name="Text Placeholder 8"/>
-          <p:cNvSpPr>
-            <a:spLocks noGrp="1"/>
-          </p:cNvSpPr>
-          <p:nvPr>
-            <p:ph type="body" sz="quarter" idx="3"/>
-          </p:nvPr>
-        </p:nvSpPr>
-        <p:spPr/>
-        <p:txBody>
-          <a:bodyPr/>
-          <a:lstStyle/>
-          <a:p>
-            <a:endParaRPr lang="en-US"/>
-          </a:p>
-        </p:txBody>
-      </p:sp>
-      <p:sp>
-        <p:nvSpPr>
-          <p:cNvPr id="10" name="Content Placeholder 9"/>
-          <p:cNvSpPr>
-            <a:spLocks noGrp="1"/>
-          </p:cNvSpPr>
-          <p:nvPr>
-            <p:ph sz="quarter" idx="4"/>
-          </p:nvPr>
-        </p:nvSpPr>
-        <p:spPr/>
-        <p:txBody>
-          <a:bodyPr/>
-          <a:lstStyle/>
-          <a:p>
-            <a:endParaRPr lang="en-US"/>
-          </a:p>
-        </p:txBody>
-      </p:sp>
-    </p:spTree>
-    <p:extLst>
-      <p:ext uri="{BB962C8B-B14F-4D97-AF65-F5344CB8AC3E}">
-        <p14:creationId xmlns:p14="http://schemas.microsoft.com/office/powerpoint/2010/main" val="2514779726"/>
-      </p:ext>
-    </p:extLst>
-  </p:cSld>
-  <p:clrMapOvr>
-    <a:masterClrMapping/>
-  </p:clrMapOvr>
-  <mc:AlternateContent xmlns:mc="http://schemas.openxmlformats.org/markup-compatibility/2006" xmlns:p14="http://schemas.microsoft.com/office/powerpoint/2010/main">
-    <mc:Choice Requires="p14">
-      <p:transition spd="med" p14:dur="700">
-        <p:fade/>
-      </p:transition>
-    </mc:Choice>
-    <mc:Fallback xmlns="">
-      <p:transition spd="med">
-        <p:fade/>
-      </p:transition>
-    </mc:Fallback>
-  </mc:AlternateContent>
-</p:sld>
-</file>
-
-<file path=ppt/slides/slide8.xml><?xml version="1.0" encoding="utf-8"?>
-<p:sld xmlns:a="http://schemas.openxmlformats.org/drawingml/2006/main" xmlns:r="http://schemas.openxmlformats.org/officeDocument/2006/relationships" xmlns:p="http://schemas.openxmlformats.org/presentationml/2006/main">
-  <p:cSld>
-    <p:spTree>
-      <p:nvGrpSpPr>
-        <p:cNvPr id="1" name=""/>
-        <p:cNvGrpSpPr/>
-        <p:nvPr/>
-      </p:nvGrpSpPr>
-      <p:grpSpPr>
-        <a:xfrm>
-          <a:off x="0" y="0"/>
-          <a:ext cx="0" cy="0"/>
-          <a:chOff x="0" y="0"/>
-          <a:chExt cx="0" cy="0"/>
-        </a:xfrm>
-      </p:grpSpPr>
-      <p:sp>
-        <p:nvSpPr>
-          <p:cNvPr id="7" name="Title 6"/>
-          <p:cNvSpPr>
-            <a:spLocks noGrp="1"/>
-          </p:cNvSpPr>
-          <p:nvPr>
-            <p:ph type="title"/>
-          </p:nvPr>
-        </p:nvSpPr>
-        <p:spPr/>
-        <p:txBody>
-          <a:bodyPr/>
-          <a:lstStyle/>
-          <a:p>
-            <a:r>
-              <a:rPr lang="en-US" dirty="0"/>
-              <a:t>Add a Slide Title - 3</a:t>
-            </a:r>
-          </a:p>
-        </p:txBody>
-      </p:sp>
-    </p:spTree>
-    <p:extLst>
-      <p:ext uri="{BB962C8B-B14F-4D97-AF65-F5344CB8AC3E}">
-        <p14:creationId xmlns:p14="http://schemas.microsoft.com/office/powerpoint/2010/main" val="411701859"/>
-      </p:ext>
-    </p:extLst>
-  </p:cSld>
-  <p:clrMapOvr>
-    <a:masterClrMapping/>
-  </p:clrMapOvr>
-  <mc:AlternateContent xmlns:mc="http://schemas.openxmlformats.org/markup-compatibility/2006" xmlns:p14="http://schemas.microsoft.com/office/powerpoint/2010/main">
-    <mc:Choice Requires="p14">
-      <p:transition spd="med" p14:dur="700">
-        <p:fade/>
-      </p:transition>
-    </mc:Choice>
-    <mc:Fallback xmlns="">
-      <p:transition spd="med">
-        <p:fade/>
-      </p:transition>
-    </mc:Fallback>
-  </mc:AlternateContent>
-</p:sld>
-</file>
-
-<file path=ppt/slides/slide9.xml><?xml version="1.0" encoding="utf-8"?>
-<p:sld xmlns:a="http://schemas.openxmlformats.org/drawingml/2006/main" xmlns:r="http://schemas.openxmlformats.org/officeDocument/2006/relationships" xmlns:p="http://schemas.openxmlformats.org/presentationml/2006/main">
-  <p:cSld>
-    <p:spTree>
-      <p:nvGrpSpPr>
-        <p:cNvPr id="1" name=""/>
-        <p:cNvGrpSpPr/>
-        <p:nvPr/>
-      </p:nvGrpSpPr>
-      <p:grpSpPr>
-        <a:xfrm>
-          <a:off x="0" y="0"/>
-          <a:ext cx="0" cy="0"/>
-          <a:chOff x="0" y="0"/>
-          <a:chExt cx="0" cy="0"/>
-        </a:xfrm>
-      </p:grpSpPr>
-    </p:spTree>
-    <p:extLst>
-      <p:ext uri="{BB962C8B-B14F-4D97-AF65-F5344CB8AC3E}">
-        <p14:creationId xmlns:p14="http://schemas.microsoft.com/office/powerpoint/2010/main" val="3691332916"/>
+        <p14:creationId xmlns:p14="http://schemas.microsoft.com/office/powerpoint/2010/main" val="1870939040"/>
       </p:ext>
     </p:extLst>
   </p:cSld>
